--- a/02 Scheduler/200406_Hexapod 수식정리.pptx
+++ b/02 Scheduler/200406_Hexapod 수식정리.pptx
@@ -5,7 +5,7 @@
     <p:sldMasterId id="2147483672" r:id="rId1"/>
   </p:sldMasterIdLst>
   <p:notesMasterIdLst>
-    <p:notesMasterId r:id="rId10"/>
+    <p:notesMasterId r:id="rId12"/>
   </p:notesMasterIdLst>
   <p:sldIdLst>
     <p:sldId id="305" r:id="rId2"/>
@@ -15,43 +15,45 @@
     <p:sldId id="506" r:id="rId6"/>
     <p:sldId id="507" r:id="rId7"/>
     <p:sldId id="502" r:id="rId8"/>
-    <p:sldId id="508" r:id="rId9"/>
+    <p:sldId id="511" r:id="rId9"/>
+    <p:sldId id="510" r:id="rId10"/>
+    <p:sldId id="508" r:id="rId11"/>
   </p:sldIdLst>
   <p:sldSz cx="9144000" cy="6858000" type="screen4x3"/>
   <p:notesSz cx="6797675" cy="9926638"/>
   <p:embeddedFontLst>
     <p:embeddedFont>
       <p:font typeface="-윤고딕320" panose="020B0600000101010101" charset="-127"/>
-      <p:regular r:id="rId11"/>
+      <p:regular r:id="rId13"/>
     </p:embeddedFont>
     <p:embeddedFont>
       <p:font typeface="-윤고딕330" panose="020B0600000101010101" charset="-127"/>
-      <p:regular r:id="rId12"/>
+      <p:regular r:id="rId14"/>
     </p:embeddedFont>
     <p:embeddedFont>
       <p:font typeface="Calibri" panose="020F0502020204030204" pitchFamily="34" charset="0"/>
-      <p:regular r:id="rId13"/>
-      <p:bold r:id="rId14"/>
-      <p:italic r:id="rId15"/>
-      <p:boldItalic r:id="rId16"/>
+      <p:regular r:id="rId15"/>
+      <p:bold r:id="rId16"/>
+      <p:italic r:id="rId17"/>
+      <p:boldItalic r:id="rId18"/>
     </p:embeddedFont>
     <p:embeddedFont>
       <p:font typeface="Calibri Light" panose="020F0302020204030204" pitchFamily="34" charset="0"/>
-      <p:regular r:id="rId17"/>
-      <p:italic r:id="rId18"/>
+      <p:regular r:id="rId19"/>
+      <p:italic r:id="rId20"/>
     </p:embeddedFont>
     <p:embeddedFont>
       <p:font typeface="Cambria Math" panose="02040503050406030204" pitchFamily="18" charset="0"/>
-      <p:regular r:id="rId19"/>
+      <p:regular r:id="rId21"/>
     </p:embeddedFont>
     <p:embeddedFont>
       <p:font typeface="HY견고딕" panose="02030600000101010101" pitchFamily="18" charset="-127"/>
-      <p:regular r:id="rId20"/>
+      <p:regular r:id="rId22"/>
     </p:embeddedFont>
     <p:embeddedFont>
       <p:font typeface="맑은 고딕" panose="020B0503020000020004" pitchFamily="50" charset="-127"/>
-      <p:regular r:id="rId21"/>
-      <p:bold r:id="rId22"/>
+      <p:regular r:id="rId23"/>
+      <p:bold r:id="rId24"/>
     </p:embeddedFont>
   </p:embeddedFontLst>
   <p:defaultTextStyle>
@@ -168,6 +170,18 @@
 </p:presentation>
 </file>
 
+<file path=ppt/commentAuthors.xml><?xml version="1.0" encoding="utf-8"?>
+<p:cmAuthorLst xmlns:a="http://schemas.openxmlformats.org/drawingml/2006/main" xmlns:r="http://schemas.openxmlformats.org/officeDocument/2006/relationships" xmlns:p="http://schemas.openxmlformats.org/presentationml/2006/main">
+  <p:cmAuthor id="1" name="chjung" initials="c" lastIdx="1" clrIdx="0">
+    <p:extLst>
+      <p:ext uri="{19B8F6BF-5375-455C-9EA6-DF929625EA0E}">
+        <p15:presenceInfo xmlns:p15="http://schemas.microsoft.com/office/powerpoint/2012/main" userId="chjung" providerId="None"/>
+      </p:ext>
+    </p:extLst>
+  </p:cmAuthor>
+</p:cmAuthorLst>
+</file>
+
 <file path=ppt/notesMasters/notesMaster1.xml><?xml version="1.0" encoding="utf-8"?>
 <p:notesMaster xmlns:a="http://schemas.openxmlformats.org/drawingml/2006/main" xmlns:r="http://schemas.openxmlformats.org/officeDocument/2006/relationships" xmlns:p="http://schemas.openxmlformats.org/presentationml/2006/main">
   <p:cSld>
@@ -251,7 +265,7 @@
             <a:fld id="{5A3A39F1-8DBE-4B2C-A5AA-02BE4DE26BF5}" type="datetimeFigureOut">
               <a:rPr lang="ko-KR" altLang="en-US" smtClean="0"/>
               <a:pPr/>
-              <a:t>2020-04-06</a:t>
+              <a:t>2020-04-07</a:t>
             </a:fld>
             <a:endParaRPr lang="ko-KR" altLang="en-US"/>
           </a:p>
@@ -935,6 +949,176 @@
     <p:extLst>
       <p:ext uri="{BB962C8B-B14F-4D97-AF65-F5344CB8AC3E}">
         <p14:creationId xmlns:p14="http://schemas.microsoft.com/office/powerpoint/2010/main" val="28661849"/>
+      </p:ext>
+    </p:extLst>
+  </p:cSld>
+  <p:clrMapOvr>
+    <a:masterClrMapping/>
+  </p:clrMapOvr>
+</p:notes>
+</file>
+
+<file path=ppt/notesSlides/notesSlide6.xml><?xml version="1.0" encoding="utf-8"?>
+<p:notes xmlns:a="http://schemas.openxmlformats.org/drawingml/2006/main" xmlns:r="http://schemas.openxmlformats.org/officeDocument/2006/relationships" xmlns:p="http://schemas.openxmlformats.org/presentationml/2006/main">
+  <p:cSld>
+    <p:spTree>
+      <p:nvGrpSpPr>
+        <p:cNvPr id="1" name=""/>
+        <p:cNvGrpSpPr/>
+        <p:nvPr/>
+      </p:nvGrpSpPr>
+      <p:grpSpPr>
+        <a:xfrm>
+          <a:off x="0" y="0"/>
+          <a:ext cx="0" cy="0"/>
+          <a:chOff x="0" y="0"/>
+          <a:chExt cx="0" cy="0"/>
+        </a:xfrm>
+      </p:grpSpPr>
+      <p:sp>
+        <p:nvSpPr>
+          <p:cNvPr id="2" name="슬라이드 이미지 개체 틀 1"/>
+          <p:cNvSpPr>
+            <a:spLocks noGrp="1" noRot="1" noChangeAspect="1"/>
+          </p:cNvSpPr>
+          <p:nvPr>
+            <p:ph type="sldImg"/>
+          </p:nvPr>
+        </p:nvSpPr>
+        <p:spPr/>
+      </p:sp>
+      <p:sp>
+        <p:nvSpPr>
+          <p:cNvPr id="3" name="슬라이드 노트 개체 틀 2"/>
+          <p:cNvSpPr>
+            <a:spLocks noGrp="1"/>
+          </p:cNvSpPr>
+          <p:nvPr>
+            <p:ph type="body" idx="1"/>
+          </p:nvPr>
+        </p:nvSpPr>
+        <p:spPr/>
+        <p:txBody>
+          <a:bodyPr/>
+          <a:lstStyle/>
+          <a:p>
+            <a:endParaRPr lang="en-US" altLang="ko-KR" dirty="0"/>
+          </a:p>
+        </p:txBody>
+      </p:sp>
+      <p:sp>
+        <p:nvSpPr>
+          <p:cNvPr id="4" name="슬라이드 번호 개체 틀 3"/>
+          <p:cNvSpPr>
+            <a:spLocks noGrp="1"/>
+          </p:cNvSpPr>
+          <p:nvPr>
+            <p:ph type="sldNum" sz="quarter" idx="10"/>
+          </p:nvPr>
+        </p:nvSpPr>
+        <p:spPr/>
+        <p:txBody>
+          <a:bodyPr/>
+          <a:lstStyle/>
+          <a:p>
+            <a:fld id="{28FFD5DF-F421-4615-9A02-33328C180693}" type="slidenum">
+              <a:rPr lang="ko-KR" altLang="en-US" smtClean="0"/>
+              <a:pPr/>
+              <a:t>8</a:t>
+            </a:fld>
+            <a:endParaRPr lang="ko-KR" altLang="en-US"/>
+          </a:p>
+        </p:txBody>
+      </p:sp>
+    </p:spTree>
+    <p:extLst>
+      <p:ext uri="{BB962C8B-B14F-4D97-AF65-F5344CB8AC3E}">
+        <p14:creationId xmlns:p14="http://schemas.microsoft.com/office/powerpoint/2010/main" val="1589586568"/>
+      </p:ext>
+    </p:extLst>
+  </p:cSld>
+  <p:clrMapOvr>
+    <a:masterClrMapping/>
+  </p:clrMapOvr>
+</p:notes>
+</file>
+
+<file path=ppt/notesSlides/notesSlide7.xml><?xml version="1.0" encoding="utf-8"?>
+<p:notes xmlns:a="http://schemas.openxmlformats.org/drawingml/2006/main" xmlns:r="http://schemas.openxmlformats.org/officeDocument/2006/relationships" xmlns:p="http://schemas.openxmlformats.org/presentationml/2006/main">
+  <p:cSld>
+    <p:spTree>
+      <p:nvGrpSpPr>
+        <p:cNvPr id="1" name=""/>
+        <p:cNvGrpSpPr/>
+        <p:nvPr/>
+      </p:nvGrpSpPr>
+      <p:grpSpPr>
+        <a:xfrm>
+          <a:off x="0" y="0"/>
+          <a:ext cx="0" cy="0"/>
+          <a:chOff x="0" y="0"/>
+          <a:chExt cx="0" cy="0"/>
+        </a:xfrm>
+      </p:grpSpPr>
+      <p:sp>
+        <p:nvSpPr>
+          <p:cNvPr id="2" name="슬라이드 이미지 개체 틀 1"/>
+          <p:cNvSpPr>
+            <a:spLocks noGrp="1" noRot="1" noChangeAspect="1"/>
+          </p:cNvSpPr>
+          <p:nvPr>
+            <p:ph type="sldImg"/>
+          </p:nvPr>
+        </p:nvSpPr>
+        <p:spPr/>
+      </p:sp>
+      <p:sp>
+        <p:nvSpPr>
+          <p:cNvPr id="3" name="슬라이드 노트 개체 틀 2"/>
+          <p:cNvSpPr>
+            <a:spLocks noGrp="1"/>
+          </p:cNvSpPr>
+          <p:nvPr>
+            <p:ph type="body" idx="1"/>
+          </p:nvPr>
+        </p:nvSpPr>
+        <p:spPr/>
+        <p:txBody>
+          <a:bodyPr/>
+          <a:lstStyle/>
+          <a:p>
+            <a:endParaRPr lang="en-US" altLang="ko-KR" dirty="0"/>
+          </a:p>
+        </p:txBody>
+      </p:sp>
+      <p:sp>
+        <p:nvSpPr>
+          <p:cNvPr id="4" name="슬라이드 번호 개체 틀 3"/>
+          <p:cNvSpPr>
+            <a:spLocks noGrp="1"/>
+          </p:cNvSpPr>
+          <p:nvPr>
+            <p:ph type="sldNum" sz="quarter" idx="10"/>
+          </p:nvPr>
+        </p:nvSpPr>
+        <p:spPr/>
+        <p:txBody>
+          <a:bodyPr/>
+          <a:lstStyle/>
+          <a:p>
+            <a:fld id="{28FFD5DF-F421-4615-9A02-33328C180693}" type="slidenum">
+              <a:rPr lang="ko-KR" altLang="en-US" smtClean="0"/>
+              <a:pPr/>
+              <a:t>9</a:t>
+            </a:fld>
+            <a:endParaRPr lang="ko-KR" altLang="en-US"/>
+          </a:p>
+        </p:txBody>
+      </p:sp>
+    </p:spTree>
+    <p:extLst>
+      <p:ext uri="{BB962C8B-B14F-4D97-AF65-F5344CB8AC3E}">
+        <p14:creationId xmlns:p14="http://schemas.microsoft.com/office/powerpoint/2010/main" val="1609981194"/>
       </p:ext>
     </p:extLst>
   </p:cSld>
@@ -2362,6 +2546,1818 @@
 </p:sld>
 </file>
 
+<file path=ppt/slides/slide10.xml><?xml version="1.0" encoding="utf-8"?>
+<p:sld xmlns:a="http://schemas.openxmlformats.org/drawingml/2006/main" xmlns:r="http://schemas.openxmlformats.org/officeDocument/2006/relationships" xmlns:p="http://schemas.openxmlformats.org/presentationml/2006/main">
+  <p:cSld>
+    <p:spTree>
+      <p:nvGrpSpPr>
+        <p:cNvPr id="1" name=""/>
+        <p:cNvGrpSpPr/>
+        <p:nvPr/>
+      </p:nvGrpSpPr>
+      <p:grpSpPr>
+        <a:xfrm>
+          <a:off x="0" y="0"/>
+          <a:ext cx="0" cy="0"/>
+          <a:chOff x="0" y="0"/>
+          <a:chExt cx="0" cy="0"/>
+        </a:xfrm>
+      </p:grpSpPr>
+      <p:sp>
+        <p:nvSpPr>
+          <p:cNvPr id="4" name="TextBox 3">
+            <a:extLst>
+              <a:ext uri="{FF2B5EF4-FFF2-40B4-BE49-F238E27FC236}">
+                <a16:creationId xmlns:a16="http://schemas.microsoft.com/office/drawing/2014/main" id="{AE0A424D-F847-4EDA-8C0D-89C5A9331C2A}"/>
+              </a:ext>
+            </a:extLst>
+          </p:cNvPr>
+          <p:cNvSpPr txBox="1"/>
+          <p:nvPr/>
+        </p:nvSpPr>
+        <p:spPr>
+          <a:xfrm>
+            <a:off x="323528" y="980728"/>
+            <a:ext cx="2656496" cy="646331"/>
+          </a:xfrm>
+          <a:prstGeom prst="rect">
+            <a:avLst/>
+          </a:prstGeom>
+          <a:noFill/>
+        </p:spPr>
+        <p:txBody>
+          <a:bodyPr wrap="none" rtlCol="0">
+            <a:spAutoFit/>
+          </a:bodyPr>
+          <a:lstStyle/>
+          <a:p>
+            <a:r>
+              <a:rPr lang="ko-KR" altLang="en-US" sz="2000" dirty="0">
+                <a:latin typeface="맑은 고딕"/>
+                <a:ea typeface="맑은 고딕"/>
+              </a:rPr>
+              <a:t>▣ </a:t>
+            </a:r>
+            <a:r>
+              <a:rPr lang="en-US" altLang="ko-KR" sz="2000" dirty="0">
+                <a:latin typeface="HY견고딕" panose="02030600000101010101" pitchFamily="18" charset="-127"/>
+                <a:ea typeface="HY견고딕" panose="02030600000101010101" pitchFamily="18" charset="-127"/>
+              </a:rPr>
+              <a:t>3</a:t>
+            </a:r>
+            <a:r>
+              <a:rPr lang="ko-KR" altLang="en-US" sz="2000" dirty="0">
+                <a:latin typeface="HY견고딕" panose="02030600000101010101" pitchFamily="18" charset="-127"/>
+                <a:ea typeface="HY견고딕" panose="02030600000101010101" pitchFamily="18" charset="-127"/>
+              </a:rPr>
+              <a:t>자유도 회전 허용</a:t>
+            </a:r>
+            <a:endParaRPr lang="en-US" altLang="ko-KR" sz="2000" dirty="0">
+              <a:latin typeface="HY견고딕" panose="02030600000101010101" pitchFamily="18" charset="-127"/>
+              <a:ea typeface="HY견고딕" panose="02030600000101010101" pitchFamily="18" charset="-127"/>
+            </a:endParaRPr>
+          </a:p>
+          <a:p>
+            <a:r>
+              <a:rPr lang="en-US" altLang="ko-KR" sz="1600" dirty="0">
+                <a:latin typeface="HY견고딕" panose="02030600000101010101" pitchFamily="18" charset="-127"/>
+                <a:ea typeface="HY견고딕" panose="02030600000101010101" pitchFamily="18" charset="-127"/>
+              </a:rPr>
+              <a:t>(Roll – Pitch – Yaw)</a:t>
+            </a:r>
+            <a:endParaRPr lang="en-US" altLang="ko-KR" sz="2000" dirty="0">
+              <a:latin typeface="HY견고딕" panose="02030600000101010101" pitchFamily="18" charset="-127"/>
+              <a:ea typeface="HY견고딕" panose="02030600000101010101" pitchFamily="18" charset="-127"/>
+            </a:endParaRPr>
+          </a:p>
+        </p:txBody>
+      </p:sp>
+      <p:grpSp>
+        <p:nvGrpSpPr>
+          <p:cNvPr id="20" name="그룹 19">
+            <a:extLst>
+              <a:ext uri="{FF2B5EF4-FFF2-40B4-BE49-F238E27FC236}">
+                <a16:creationId xmlns:a16="http://schemas.microsoft.com/office/drawing/2014/main" id="{DACAA177-17DB-4A1B-B7B6-0349D02E54EF}"/>
+              </a:ext>
+            </a:extLst>
+          </p:cNvPr>
+          <p:cNvGrpSpPr/>
+          <p:nvPr/>
+        </p:nvGrpSpPr>
+        <p:grpSpPr>
+          <a:xfrm>
+            <a:off x="323528" y="1710194"/>
+            <a:ext cx="4761685" cy="3960440"/>
+            <a:chOff x="539552" y="1916832"/>
+            <a:chExt cx="4761685" cy="3960440"/>
+          </a:xfrm>
+        </p:grpSpPr>
+        <p:pic>
+          <p:nvPicPr>
+            <p:cNvPr id="3" name="그림 2">
+              <a:extLst>
+                <a:ext uri="{FF2B5EF4-FFF2-40B4-BE49-F238E27FC236}">
+                  <a16:creationId xmlns:a16="http://schemas.microsoft.com/office/drawing/2014/main" id="{AF3E2F38-7AAC-46FF-A1B7-9C0F78837C2D}"/>
+                </a:ext>
+              </a:extLst>
+            </p:cNvPr>
+            <p:cNvPicPr>
+              <a:picLocks noChangeAspect="1"/>
+            </p:cNvPicPr>
+            <p:nvPr/>
+          </p:nvPicPr>
+          <p:blipFill>
+            <a:blip r:embed="rId2">
+              <a:extLst>
+                <a:ext uri="{28A0092B-C50C-407E-A947-70E740481C1C}">
+                  <a14:useLocalDpi xmlns:a14="http://schemas.microsoft.com/office/drawing/2010/main" val="0"/>
+                </a:ext>
+              </a:extLst>
+            </a:blip>
+            <a:stretch>
+              <a:fillRect/>
+            </a:stretch>
+          </p:blipFill>
+          <p:spPr>
+            <a:xfrm>
+              <a:off x="539552" y="1916832"/>
+              <a:ext cx="4761685" cy="3960440"/>
+            </a:xfrm>
+            <a:prstGeom prst="rect">
+              <a:avLst/>
+            </a:prstGeom>
+          </p:spPr>
+        </p:pic>
+        <p:cxnSp>
+          <p:nvCxnSpPr>
+            <p:cNvPr id="6" name="직선 화살표 연결선 5">
+              <a:extLst>
+                <a:ext uri="{FF2B5EF4-FFF2-40B4-BE49-F238E27FC236}">
+                  <a16:creationId xmlns:a16="http://schemas.microsoft.com/office/drawing/2014/main" id="{711069D1-D2C8-4046-B477-36C930D26F8C}"/>
+                </a:ext>
+              </a:extLst>
+            </p:cNvPr>
+            <p:cNvCxnSpPr>
+              <a:cxnSpLocks/>
+            </p:cNvCxnSpPr>
+            <p:nvPr/>
+          </p:nvCxnSpPr>
+          <p:spPr>
+            <a:xfrm flipH="1" flipV="1">
+              <a:off x="2195738" y="5090259"/>
+              <a:ext cx="644368" cy="3524"/>
+            </a:xfrm>
+            <a:prstGeom prst="straightConnector1">
+              <a:avLst/>
+            </a:prstGeom>
+            <a:ln w="38100">
+              <a:solidFill>
+                <a:srgbClr val="FF0000"/>
+              </a:solidFill>
+              <a:tailEnd type="triangle"/>
+            </a:ln>
+          </p:spPr>
+          <p:style>
+            <a:lnRef idx="1">
+              <a:schemeClr val="accent1"/>
+            </a:lnRef>
+            <a:fillRef idx="0">
+              <a:schemeClr val="accent1"/>
+            </a:fillRef>
+            <a:effectRef idx="0">
+              <a:schemeClr val="accent1"/>
+            </a:effectRef>
+            <a:fontRef idx="minor">
+              <a:schemeClr val="tx1"/>
+            </a:fontRef>
+          </p:style>
+        </p:cxnSp>
+        <p:cxnSp>
+          <p:nvCxnSpPr>
+            <p:cNvPr id="10" name="직선 화살표 연결선 9">
+              <a:extLst>
+                <a:ext uri="{FF2B5EF4-FFF2-40B4-BE49-F238E27FC236}">
+                  <a16:creationId xmlns:a16="http://schemas.microsoft.com/office/drawing/2014/main" id="{581089E4-82F9-41F0-8722-159EFAB78E56}"/>
+                </a:ext>
+              </a:extLst>
+            </p:cNvPr>
+            <p:cNvCxnSpPr>
+              <a:cxnSpLocks/>
+            </p:cNvCxnSpPr>
+            <p:nvPr/>
+          </p:nvCxnSpPr>
+          <p:spPr>
+            <a:xfrm flipH="1">
+              <a:off x="2339752" y="2636912"/>
+              <a:ext cx="580642" cy="72008"/>
+            </a:xfrm>
+            <a:prstGeom prst="straightConnector1">
+              <a:avLst/>
+            </a:prstGeom>
+            <a:ln w="38100">
+              <a:solidFill>
+                <a:srgbClr val="FF0000"/>
+              </a:solidFill>
+              <a:tailEnd type="triangle"/>
+            </a:ln>
+          </p:spPr>
+          <p:style>
+            <a:lnRef idx="1">
+              <a:schemeClr val="accent1"/>
+            </a:lnRef>
+            <a:fillRef idx="0">
+              <a:schemeClr val="accent1"/>
+            </a:fillRef>
+            <a:effectRef idx="0">
+              <a:schemeClr val="accent1"/>
+            </a:effectRef>
+            <a:fontRef idx="minor">
+              <a:schemeClr val="tx1"/>
+            </a:fontRef>
+          </p:style>
+        </p:cxnSp>
+        <p:cxnSp>
+          <p:nvCxnSpPr>
+            <p:cNvPr id="13" name="직선 화살표 연결선 12">
+              <a:extLst>
+                <a:ext uri="{FF2B5EF4-FFF2-40B4-BE49-F238E27FC236}">
+                  <a16:creationId xmlns:a16="http://schemas.microsoft.com/office/drawing/2014/main" id="{64CF0BC2-4FB8-4DAB-A5C1-0EA44ED9867D}"/>
+                </a:ext>
+              </a:extLst>
+            </p:cNvPr>
+            <p:cNvCxnSpPr>
+              <a:cxnSpLocks/>
+            </p:cNvCxnSpPr>
+            <p:nvPr/>
+          </p:nvCxnSpPr>
+          <p:spPr>
+            <a:xfrm flipV="1">
+              <a:off x="2195736" y="2671084"/>
+              <a:ext cx="724658" cy="2389238"/>
+            </a:xfrm>
+            <a:prstGeom prst="straightConnector1">
+              <a:avLst/>
+            </a:prstGeom>
+            <a:ln w="38100">
+              <a:solidFill>
+                <a:srgbClr val="FF0000"/>
+              </a:solidFill>
+              <a:tailEnd type="triangle"/>
+            </a:ln>
+          </p:spPr>
+          <p:style>
+            <a:lnRef idx="1">
+              <a:schemeClr val="accent1"/>
+            </a:lnRef>
+            <a:fillRef idx="0">
+              <a:schemeClr val="accent1"/>
+            </a:fillRef>
+            <a:effectRef idx="0">
+              <a:schemeClr val="accent1"/>
+            </a:effectRef>
+            <a:fontRef idx="minor">
+              <a:schemeClr val="tx1"/>
+            </a:fontRef>
+          </p:style>
+        </p:cxnSp>
+        <p:cxnSp>
+          <p:nvCxnSpPr>
+            <p:cNvPr id="16" name="직선 화살표 연결선 15">
+              <a:extLst>
+                <a:ext uri="{FF2B5EF4-FFF2-40B4-BE49-F238E27FC236}">
+                  <a16:creationId xmlns:a16="http://schemas.microsoft.com/office/drawing/2014/main" id="{4A61041A-D6F0-4681-925E-ADD23B474ED7}"/>
+                </a:ext>
+              </a:extLst>
+            </p:cNvPr>
+            <p:cNvCxnSpPr>
+              <a:cxnSpLocks/>
+            </p:cNvCxnSpPr>
+            <p:nvPr/>
+          </p:nvCxnSpPr>
+          <p:spPr>
+            <a:xfrm flipV="1">
+              <a:off x="2037696" y="2775580"/>
+              <a:ext cx="216024" cy="2156048"/>
+            </a:xfrm>
+            <a:prstGeom prst="straightConnector1">
+              <a:avLst/>
+            </a:prstGeom>
+            <a:ln w="38100">
+              <a:solidFill>
+                <a:srgbClr val="FF0000"/>
+              </a:solidFill>
+              <a:tailEnd type="triangle"/>
+            </a:ln>
+          </p:spPr>
+          <p:style>
+            <a:lnRef idx="1">
+              <a:schemeClr val="accent1"/>
+            </a:lnRef>
+            <a:fillRef idx="0">
+              <a:schemeClr val="accent1"/>
+            </a:fillRef>
+            <a:effectRef idx="0">
+              <a:schemeClr val="accent1"/>
+            </a:effectRef>
+            <a:fontRef idx="minor">
+              <a:schemeClr val="tx1"/>
+            </a:fontRef>
+          </p:style>
+        </p:cxnSp>
+      </p:grpSp>
+      <p:sp>
+        <p:nvSpPr>
+          <p:cNvPr id="19" name="TextBox 18">
+            <a:extLst>
+              <a:ext uri="{FF2B5EF4-FFF2-40B4-BE49-F238E27FC236}">
+                <a16:creationId xmlns:a16="http://schemas.microsoft.com/office/drawing/2014/main" id="{4CDB503E-A893-49DD-827A-561514B645B3}"/>
+              </a:ext>
+            </a:extLst>
+          </p:cNvPr>
+          <p:cNvSpPr txBox="1"/>
+          <p:nvPr/>
+        </p:nvSpPr>
+        <p:spPr>
+          <a:xfrm>
+            <a:off x="5119306" y="1772816"/>
+            <a:ext cx="3986916" cy="1877437"/>
+          </a:xfrm>
+          <a:prstGeom prst="rect">
+            <a:avLst/>
+          </a:prstGeom>
+          <a:noFill/>
+        </p:spPr>
+        <p:txBody>
+          <a:bodyPr wrap="square" rtlCol="0">
+            <a:spAutoFit/>
+          </a:bodyPr>
+          <a:lstStyle/>
+          <a:p>
+            <a:r>
+              <a:rPr lang="ko-KR" altLang="en-US" b="1" dirty="0">
+                <a:latin typeface="맑은 고딕" panose="020B0503020000020004" pitchFamily="50" charset="-127"/>
+                <a:ea typeface="맑은 고딕" panose="020B0503020000020004" pitchFamily="50" charset="-127"/>
+              </a:rPr>
+              <a:t>고정 축 설정</a:t>
+            </a:r>
+            <a:r>
+              <a:rPr lang="en-US" altLang="ko-KR" b="1" dirty="0">
+                <a:latin typeface="맑은 고딕" panose="020B0503020000020004" pitchFamily="50" charset="-127"/>
+                <a:ea typeface="맑은 고딕" panose="020B0503020000020004" pitchFamily="50" charset="-127"/>
+              </a:rPr>
+              <a:t>(</a:t>
+            </a:r>
+            <a:r>
+              <a:rPr lang="ko-KR" altLang="en-US" b="1" dirty="0" err="1">
+                <a:latin typeface="맑은 고딕" panose="020B0503020000020004" pitchFamily="50" charset="-127"/>
+                <a:ea typeface="맑은 고딕" panose="020B0503020000020004" pitchFamily="50" charset="-127"/>
+              </a:rPr>
+              <a:t>동축</a:t>
+            </a:r>
+            <a:r>
+              <a:rPr lang="en-US" altLang="ko-KR" b="1" dirty="0">
+                <a:latin typeface="맑은 고딕" panose="020B0503020000020004" pitchFamily="50" charset="-127"/>
+                <a:ea typeface="맑은 고딕" panose="020B0503020000020004" pitchFamily="50" charset="-127"/>
+              </a:rPr>
+              <a:t>)</a:t>
+            </a:r>
+          </a:p>
+          <a:p>
+            <a:endParaRPr lang="en-US" altLang="ko-KR" dirty="0">
+              <a:latin typeface="맑은 고딕" panose="020B0503020000020004" pitchFamily="50" charset="-127"/>
+              <a:ea typeface="맑은 고딕" panose="020B0503020000020004" pitchFamily="50" charset="-127"/>
+            </a:endParaRPr>
+          </a:p>
+          <a:p>
+            <a:endParaRPr lang="en-US" altLang="ko-KR" sz="1600" dirty="0">
+              <a:latin typeface="맑은 고딕" panose="020B0503020000020004" pitchFamily="50" charset="-127"/>
+              <a:ea typeface="맑은 고딕" panose="020B0503020000020004" pitchFamily="50" charset="-127"/>
+            </a:endParaRPr>
+          </a:p>
+          <a:p>
+            <a:r>
+              <a:rPr lang="en-US" altLang="ko-KR" sz="1600" dirty="0">
+                <a:latin typeface="맑은 고딕" panose="020B0503020000020004" pitchFamily="50" charset="-127"/>
+                <a:ea typeface="맑은 고딕" panose="020B0503020000020004" pitchFamily="50" charset="-127"/>
+              </a:rPr>
+              <a:t>- </a:t>
+            </a:r>
+            <a:r>
+              <a:rPr lang="ko-KR" altLang="en-US" sz="1600" dirty="0">
+                <a:latin typeface="맑은 고딕" panose="020B0503020000020004" pitchFamily="50" charset="-127"/>
+                <a:ea typeface="맑은 고딕" panose="020B0503020000020004" pitchFamily="50" charset="-127"/>
+              </a:rPr>
+              <a:t>간단한 기구학으로 </a:t>
+            </a:r>
+            <a:r>
+              <a:rPr lang="en-US" altLang="ko-KR" sz="1600" dirty="0">
+                <a:latin typeface="맑은 고딕" panose="020B0503020000020004" pitchFamily="50" charset="-127"/>
+                <a:ea typeface="맑은 고딕" panose="020B0503020000020004" pitchFamily="50" charset="-127"/>
+              </a:rPr>
+              <a:t>L1 ~ L3 </a:t>
+            </a:r>
+            <a:r>
+              <a:rPr lang="ko-KR" altLang="en-US" sz="1600" dirty="0">
+                <a:latin typeface="맑은 고딕" panose="020B0503020000020004" pitchFamily="50" charset="-127"/>
+                <a:ea typeface="맑은 고딕" panose="020B0503020000020004" pitchFamily="50" charset="-127"/>
+              </a:rPr>
+              <a:t>계산 가능</a:t>
+            </a:r>
+            <a:endParaRPr lang="en-US" altLang="ko-KR" sz="1600" dirty="0">
+              <a:latin typeface="맑은 고딕" panose="020B0503020000020004" pitchFamily="50" charset="-127"/>
+              <a:ea typeface="맑은 고딕" panose="020B0503020000020004" pitchFamily="50" charset="-127"/>
+            </a:endParaRPr>
+          </a:p>
+          <a:p>
+            <a:endParaRPr lang="en-US" altLang="ko-KR" sz="1600" dirty="0">
+              <a:latin typeface="맑은 고딕" panose="020B0503020000020004" pitchFamily="50" charset="-127"/>
+              <a:ea typeface="맑은 고딕" panose="020B0503020000020004" pitchFamily="50" charset="-127"/>
+            </a:endParaRPr>
+          </a:p>
+          <a:p>
+            <a:pPr marL="285750" indent="-285750">
+              <a:buFontTx/>
+              <a:buChar char="-"/>
+            </a:pPr>
+            <a:r>
+              <a:rPr lang="ko-KR" altLang="en-US" sz="1600" dirty="0">
+                <a:latin typeface="맑은 고딕" panose="020B0503020000020004" pitchFamily="50" charset="-127"/>
+                <a:ea typeface="맑은 고딕" panose="020B0503020000020004" pitchFamily="50" charset="-127"/>
+              </a:rPr>
+              <a:t>각 </a:t>
+            </a:r>
+            <a:r>
+              <a:rPr lang="ko-KR" altLang="en-US" sz="1600" dirty="0" err="1">
+                <a:latin typeface="맑은 고딕" panose="020B0503020000020004" pitchFamily="50" charset="-127"/>
+                <a:ea typeface="맑은 고딕" panose="020B0503020000020004" pitchFamily="50" charset="-127"/>
+              </a:rPr>
+              <a:t>엑추에이터의</a:t>
+            </a:r>
+            <a:r>
+              <a:rPr lang="ko-KR" altLang="en-US" sz="1600" dirty="0">
+                <a:latin typeface="맑은 고딕" panose="020B0503020000020004" pitchFamily="50" charset="-127"/>
+                <a:ea typeface="맑은 고딕" panose="020B0503020000020004" pitchFamily="50" charset="-127"/>
+              </a:rPr>
+              <a:t> 최소</a:t>
+            </a:r>
+            <a:r>
+              <a:rPr lang="en-US" altLang="ko-KR" sz="1600" dirty="0">
+                <a:latin typeface="맑은 고딕" panose="020B0503020000020004" pitchFamily="50" charset="-127"/>
+                <a:ea typeface="맑은 고딕" panose="020B0503020000020004" pitchFamily="50" charset="-127"/>
+              </a:rPr>
+              <a:t>, </a:t>
+            </a:r>
+            <a:r>
+              <a:rPr lang="ko-KR" altLang="en-US" sz="1600" dirty="0">
+                <a:latin typeface="맑은 고딕" panose="020B0503020000020004" pitchFamily="50" charset="-127"/>
+                <a:ea typeface="맑은 고딕" panose="020B0503020000020004" pitchFamily="50" charset="-127"/>
+              </a:rPr>
+              <a:t>최대 운영 거리 확보해야 함</a:t>
+            </a:r>
+            <a:r>
+              <a:rPr lang="en-US" altLang="ko-KR" sz="1600" dirty="0">
+                <a:latin typeface="맑은 고딕" panose="020B0503020000020004" pitchFamily="50" charset="-127"/>
+                <a:ea typeface="맑은 고딕" panose="020B0503020000020004" pitchFamily="50" charset="-127"/>
+              </a:rPr>
+              <a:t>.(</a:t>
+            </a:r>
+            <a:r>
+              <a:rPr lang="ko-KR" altLang="en-US" sz="1600" dirty="0">
+                <a:latin typeface="맑은 고딕" panose="020B0503020000020004" pitchFamily="50" charset="-127"/>
+                <a:ea typeface="맑은 고딕" panose="020B0503020000020004" pitchFamily="50" charset="-127"/>
+              </a:rPr>
+              <a:t>파손 위험</a:t>
+            </a:r>
+            <a:r>
+              <a:rPr lang="en-US" altLang="ko-KR" sz="1600" dirty="0">
+                <a:latin typeface="맑은 고딕" panose="020B0503020000020004" pitchFamily="50" charset="-127"/>
+                <a:ea typeface="맑은 고딕" panose="020B0503020000020004" pitchFamily="50" charset="-127"/>
+              </a:rPr>
+              <a:t>)</a:t>
+            </a:r>
+          </a:p>
+        </p:txBody>
+      </p:sp>
+      <p:sp>
+        <p:nvSpPr>
+          <p:cNvPr id="21" name="TextBox 20">
+            <a:extLst>
+              <a:ext uri="{FF2B5EF4-FFF2-40B4-BE49-F238E27FC236}">
+                <a16:creationId xmlns:a16="http://schemas.microsoft.com/office/drawing/2014/main" id="{B2C7BE40-AEB3-4532-8109-C9FCA612C004}"/>
+              </a:ext>
+            </a:extLst>
+          </p:cNvPr>
+          <p:cNvSpPr txBox="1"/>
+          <p:nvPr/>
+        </p:nvSpPr>
+        <p:spPr>
+          <a:xfrm>
+            <a:off x="323528" y="169476"/>
+            <a:ext cx="8640960" cy="523220"/>
+          </a:xfrm>
+          <a:prstGeom prst="rect">
+            <a:avLst/>
+          </a:prstGeom>
+          <a:noFill/>
+        </p:spPr>
+        <p:txBody>
+          <a:bodyPr wrap="square" rtlCol="0">
+            <a:spAutoFit/>
+          </a:bodyPr>
+          <a:lstStyle/>
+          <a:p>
+            <a:pPr latinLnBrk="0"/>
+            <a:r>
+              <a:rPr lang="en-US" altLang="ko-KR" sz="2800" b="1" kern="0" dirty="0">
+                <a:ln>
+                  <a:solidFill>
+                    <a:prstClr val="white">
+                      <a:alpha val="0"/>
+                    </a:prstClr>
+                  </a:solidFill>
+                </a:ln>
+                <a:solidFill>
+                  <a:srgbClr val="1F497D">
+                    <a:lumMod val="50000"/>
+                  </a:srgbClr>
+                </a:solidFill>
+                <a:latin typeface="HY견고딕" pitchFamily="18" charset="-127"/>
+                <a:ea typeface="HY견고딕" pitchFamily="18" charset="-127"/>
+                <a:cs typeface="Arial" panose="020B0604020202020204" pitchFamily="34" charset="0"/>
+              </a:rPr>
+              <a:t>2. </a:t>
+            </a:r>
+            <a:r>
+              <a:rPr lang="ko-KR" altLang="en-US" sz="2800" b="1" kern="0" dirty="0">
+                <a:ln>
+                  <a:solidFill>
+                    <a:prstClr val="white">
+                      <a:alpha val="0"/>
+                    </a:prstClr>
+                  </a:solidFill>
+                </a:ln>
+                <a:solidFill>
+                  <a:srgbClr val="1F497D">
+                    <a:lumMod val="50000"/>
+                  </a:srgbClr>
+                </a:solidFill>
+                <a:latin typeface="HY견고딕" pitchFamily="18" charset="-127"/>
+                <a:ea typeface="HY견고딕" pitchFamily="18" charset="-127"/>
+                <a:cs typeface="Arial" panose="020B0604020202020204" pitchFamily="34" charset="0"/>
+              </a:rPr>
+              <a:t>구조 제안</a:t>
+            </a:r>
+            <a:endParaRPr lang="ko-KR" altLang="en-US" sz="2800" b="1" kern="0" spc="-150" dirty="0">
+              <a:gradFill>
+                <a:gsLst>
+                  <a:gs pos="100000">
+                    <a:schemeClr val="tx2">
+                      <a:lumMod val="75000"/>
+                    </a:schemeClr>
+                  </a:gs>
+                  <a:gs pos="100000">
+                    <a:prstClr val="black">
+                      <a:lumMod val="85000"/>
+                      <a:lumOff val="15000"/>
+                    </a:prstClr>
+                  </a:gs>
+                </a:gsLst>
+                <a:lin ang="5400000" scaled="1"/>
+              </a:gradFill>
+              <a:latin typeface="-윤고딕330" panose="02030504000101010101" pitchFamily="18" charset="-127"/>
+              <a:ea typeface="-윤고딕330" panose="02030504000101010101" pitchFamily="18" charset="-127"/>
+              <a:cs typeface="Arial" panose="020B0604020202020204" pitchFamily="34" charset="0"/>
+            </a:endParaRPr>
+          </a:p>
+        </p:txBody>
+      </p:sp>
+      <mc:AlternateContent xmlns:mc="http://schemas.openxmlformats.org/markup-compatibility/2006">
+        <mc:Choice xmlns:a14="http://schemas.microsoft.com/office/drawing/2010/main" Requires="a14">
+          <p:sp>
+            <p:nvSpPr>
+              <p:cNvPr id="22" name="TextBox 21">
+                <a:extLst>
+                  <a:ext uri="{FF2B5EF4-FFF2-40B4-BE49-F238E27FC236}">
+                    <a16:creationId xmlns:a16="http://schemas.microsoft.com/office/drawing/2014/main" id="{9256729B-70D1-460B-8551-62E7211315BA}"/>
+                  </a:ext>
+                </a:extLst>
+              </p:cNvPr>
+              <p:cNvSpPr txBox="1"/>
+              <p:nvPr/>
+            </p:nvSpPr>
+            <p:spPr>
+              <a:xfrm>
+                <a:off x="1526628" y="4634587"/>
+                <a:ext cx="216024" cy="374526"/>
+              </a:xfrm>
+              <a:prstGeom prst="rect">
+                <a:avLst/>
+              </a:prstGeom>
+              <a:noFill/>
+            </p:spPr>
+            <p:txBody>
+              <a:bodyPr wrap="square" rtlCol="0">
+                <a:spAutoFit/>
+              </a:bodyPr>
+              <a:lstStyle/>
+              <a:p>
+                <a:pPr/>
+                <a14:m>
+                  <m:oMathPara xmlns:m="http://schemas.openxmlformats.org/officeDocument/2006/math">
+                    <m:oMathParaPr>
+                      <m:jc m:val="centerGroup"/>
+                    </m:oMathParaPr>
+                    <m:oMath xmlns:m="http://schemas.openxmlformats.org/officeDocument/2006/math">
+                      <m:sSub>
+                        <m:sSubPr>
+                          <m:ctrlPr>
+                            <a:rPr lang="en-US" altLang="ko-KR" i="1" smtClean="0">
+                              <a:latin typeface="Cambria Math" panose="02040503050406030204" pitchFamily="18" charset="0"/>
+                            </a:rPr>
+                          </m:ctrlPr>
+                        </m:sSubPr>
+                        <m:e>
+                          <m:r>
+                            <a:rPr lang="en-US" altLang="ko-KR" b="0" i="1" smtClean="0">
+                              <a:latin typeface="Cambria Math" panose="02040503050406030204" pitchFamily="18" charset="0"/>
+                            </a:rPr>
+                            <m:t>𝑏</m:t>
+                          </m:r>
+                        </m:e>
+                        <m:sub>
+                          <m:r>
+                            <a:rPr lang="en-US" altLang="ko-KR" b="0" i="1" smtClean="0">
+                              <a:latin typeface="Cambria Math" panose="02040503050406030204" pitchFamily="18" charset="0"/>
+                            </a:rPr>
+                            <m:t>𝑖</m:t>
+                          </m:r>
+                        </m:sub>
+                      </m:sSub>
+                    </m:oMath>
+                  </m:oMathPara>
+                </a14:m>
+                <a:endParaRPr lang="ko-KR" altLang="en-US" dirty="0"/>
+              </a:p>
+            </p:txBody>
+          </p:sp>
+        </mc:Choice>
+        <mc:Fallback>
+          <p:sp>
+            <p:nvSpPr>
+              <p:cNvPr id="22" name="TextBox 21">
+                <a:extLst>
+                  <a:ext uri="{FF2B5EF4-FFF2-40B4-BE49-F238E27FC236}">
+                    <a16:creationId xmlns:a16="http://schemas.microsoft.com/office/drawing/2014/main" id="{9256729B-70D1-460B-8551-62E7211315BA}"/>
+                  </a:ext>
+                </a:extLst>
+              </p:cNvPr>
+              <p:cNvSpPr txBox="1">
+                <a:spLocks noRot="1" noChangeAspect="1" noMove="1" noResize="1" noEditPoints="1" noAdjustHandles="1" noChangeArrowheads="1" noChangeShapeType="1" noTextEdit="1"/>
+              </p:cNvSpPr>
+              <p:nvPr/>
+            </p:nvSpPr>
+            <p:spPr>
+              <a:xfrm>
+                <a:off x="1526628" y="4634587"/>
+                <a:ext cx="216024" cy="374526"/>
+              </a:xfrm>
+              <a:prstGeom prst="rect">
+                <a:avLst/>
+              </a:prstGeom>
+              <a:blipFill>
+                <a:blip r:embed="rId3"/>
+                <a:stretch>
+                  <a:fillRect r="-52778"/>
+                </a:stretch>
+              </a:blipFill>
+            </p:spPr>
+            <p:txBody>
+              <a:bodyPr/>
+              <a:lstStyle/>
+              <a:p>
+                <a:r>
+                  <a:rPr lang="ko-KR" altLang="en-US">
+                    <a:noFill/>
+                  </a:rPr>
+                  <a:t> </a:t>
+                </a:r>
+              </a:p>
+            </p:txBody>
+          </p:sp>
+        </mc:Fallback>
+      </mc:AlternateContent>
+      <mc:AlternateContent xmlns:mc="http://schemas.openxmlformats.org/markup-compatibility/2006" xmlns:a14="http://schemas.microsoft.com/office/drawing/2010/main">
+        <mc:Choice Requires="a14">
+          <p:sp>
+            <p:nvSpPr>
+              <p:cNvPr id="23" name="TextBox 22">
+                <a:extLst>
+                  <a:ext uri="{FF2B5EF4-FFF2-40B4-BE49-F238E27FC236}">
+                    <a16:creationId xmlns:a16="http://schemas.microsoft.com/office/drawing/2014/main" id="{036C7D75-6F3F-45DD-9133-D1187B0ABC0F}"/>
+                  </a:ext>
+                </a:extLst>
+              </p:cNvPr>
+              <p:cNvSpPr txBox="1"/>
+              <p:nvPr/>
+            </p:nvSpPr>
+            <p:spPr>
+              <a:xfrm>
+                <a:off x="1799692" y="2203956"/>
+                <a:ext cx="216024" cy="374526"/>
+              </a:xfrm>
+              <a:prstGeom prst="rect">
+                <a:avLst/>
+              </a:prstGeom>
+              <a:noFill/>
+            </p:spPr>
+            <p:txBody>
+              <a:bodyPr wrap="square" rtlCol="0">
+                <a:spAutoFit/>
+              </a:bodyPr>
+              <a:lstStyle/>
+              <a:p>
+                <a:pPr/>
+                <a14:m>
+                  <m:oMathPara xmlns:m="http://schemas.openxmlformats.org/officeDocument/2006/math">
+                    <m:oMathParaPr>
+                      <m:jc m:val="centerGroup"/>
+                    </m:oMathParaPr>
+                    <m:oMath xmlns:m="http://schemas.openxmlformats.org/officeDocument/2006/math">
+                      <m:sSub>
+                        <m:sSubPr>
+                          <m:ctrlPr>
+                            <a:rPr lang="en-US" altLang="ko-KR" i="1" smtClean="0">
+                              <a:latin typeface="Cambria Math" panose="02040503050406030204" pitchFamily="18" charset="0"/>
+                            </a:rPr>
+                          </m:ctrlPr>
+                        </m:sSubPr>
+                        <m:e>
+                          <m:r>
+                            <a:rPr lang="en-US" altLang="ko-KR" b="0" i="1" smtClean="0">
+                              <a:latin typeface="Cambria Math" panose="02040503050406030204" pitchFamily="18" charset="0"/>
+                            </a:rPr>
+                            <m:t>𝑝</m:t>
+                          </m:r>
+                        </m:e>
+                        <m:sub>
+                          <m:r>
+                            <a:rPr lang="en-US" altLang="ko-KR" b="0" i="1" smtClean="0">
+                              <a:latin typeface="Cambria Math" panose="02040503050406030204" pitchFamily="18" charset="0"/>
+                            </a:rPr>
+                            <m:t>𝑖</m:t>
+                          </m:r>
+                        </m:sub>
+                      </m:sSub>
+                    </m:oMath>
+                  </m:oMathPara>
+                </a14:m>
+                <a:endParaRPr lang="ko-KR" altLang="en-US" dirty="0"/>
+              </a:p>
+            </p:txBody>
+          </p:sp>
+        </mc:Choice>
+        <mc:Fallback xmlns="">
+          <p:sp>
+            <p:nvSpPr>
+              <p:cNvPr id="23" name="TextBox 22">
+                <a:extLst>
+                  <a:ext uri="{FF2B5EF4-FFF2-40B4-BE49-F238E27FC236}">
+                    <a16:creationId xmlns:a16="http://schemas.microsoft.com/office/drawing/2014/main" id="{036C7D75-6F3F-45DD-9133-D1187B0ABC0F}"/>
+                  </a:ext>
+                </a:extLst>
+              </p:cNvPr>
+              <p:cNvSpPr txBox="1">
+                <a:spLocks noRot="1" noChangeAspect="1" noMove="1" noResize="1" noEditPoints="1" noAdjustHandles="1" noChangeArrowheads="1" noChangeShapeType="1" noTextEdit="1"/>
+              </p:cNvSpPr>
+              <p:nvPr/>
+            </p:nvSpPr>
+            <p:spPr>
+              <a:xfrm>
+                <a:off x="1799692" y="2203956"/>
+                <a:ext cx="216024" cy="374526"/>
+              </a:xfrm>
+              <a:prstGeom prst="rect">
+                <a:avLst/>
+              </a:prstGeom>
+              <a:blipFill>
+                <a:blip r:embed="rId4"/>
+                <a:stretch>
+                  <a:fillRect r="-55556" b="-4918"/>
+                </a:stretch>
+              </a:blipFill>
+            </p:spPr>
+            <p:txBody>
+              <a:bodyPr/>
+              <a:lstStyle/>
+              <a:p>
+                <a:r>
+                  <a:rPr lang="ko-KR" altLang="en-US">
+                    <a:noFill/>
+                  </a:rPr>
+                  <a:t> </a:t>
+                </a:r>
+              </a:p>
+            </p:txBody>
+          </p:sp>
+        </mc:Fallback>
+      </mc:AlternateContent>
+      <mc:AlternateContent xmlns:mc="http://schemas.openxmlformats.org/markup-compatibility/2006">
+        <mc:Choice xmlns:a14="http://schemas.microsoft.com/office/drawing/2010/main" Requires="a14">
+          <p:sp>
+            <p:nvSpPr>
+              <p:cNvPr id="24" name="TextBox 23">
+                <a:extLst>
+                  <a:ext uri="{FF2B5EF4-FFF2-40B4-BE49-F238E27FC236}">
+                    <a16:creationId xmlns:a16="http://schemas.microsoft.com/office/drawing/2014/main" id="{E0ED9CAA-3560-4527-B30D-0EDE6800C377}"/>
+                  </a:ext>
+                </a:extLst>
+              </p:cNvPr>
+              <p:cNvSpPr txBox="1"/>
+              <p:nvPr/>
+            </p:nvSpPr>
+            <p:spPr>
+              <a:xfrm>
+                <a:off x="2485719" y="4520869"/>
+                <a:ext cx="216024" cy="374526"/>
+              </a:xfrm>
+              <a:prstGeom prst="rect">
+                <a:avLst/>
+              </a:prstGeom>
+              <a:noFill/>
+            </p:spPr>
+            <p:txBody>
+              <a:bodyPr wrap="square" rtlCol="0">
+                <a:spAutoFit/>
+              </a:bodyPr>
+              <a:lstStyle/>
+              <a:p>
+                <a:pPr/>
+                <a14:m>
+                  <m:oMathPara xmlns:m="http://schemas.openxmlformats.org/officeDocument/2006/math">
+                    <m:oMathParaPr>
+                      <m:jc m:val="centerGroup"/>
+                    </m:oMathParaPr>
+                    <m:oMath xmlns:m="http://schemas.openxmlformats.org/officeDocument/2006/math">
+                      <m:sSub>
+                        <m:sSubPr>
+                          <m:ctrlPr>
+                            <a:rPr lang="en-US" altLang="ko-KR" i="1" smtClean="0">
+                              <a:latin typeface="Cambria Math" panose="02040503050406030204" pitchFamily="18" charset="0"/>
+                            </a:rPr>
+                          </m:ctrlPr>
+                        </m:sSubPr>
+                        <m:e>
+                          <m:r>
+                            <a:rPr lang="en-US" altLang="ko-KR" b="0" i="1" smtClean="0">
+                              <a:latin typeface="Cambria Math" panose="02040503050406030204" pitchFamily="18" charset="0"/>
+                            </a:rPr>
+                            <m:t>𝑏</m:t>
+                          </m:r>
+                        </m:e>
+                        <m:sub>
+                          <m:r>
+                            <a:rPr lang="en-US" altLang="ko-KR" b="0" i="1" smtClean="0">
+                              <a:latin typeface="Cambria Math" panose="02040503050406030204" pitchFamily="18" charset="0"/>
+                            </a:rPr>
+                            <m:t>𝑜</m:t>
+                          </m:r>
+                        </m:sub>
+                      </m:sSub>
+                    </m:oMath>
+                  </m:oMathPara>
+                </a14:m>
+                <a:endParaRPr lang="ko-KR" altLang="en-US" dirty="0"/>
+              </a:p>
+            </p:txBody>
+          </p:sp>
+        </mc:Choice>
+        <mc:Fallback>
+          <p:sp>
+            <p:nvSpPr>
+              <p:cNvPr id="24" name="TextBox 23">
+                <a:extLst>
+                  <a:ext uri="{FF2B5EF4-FFF2-40B4-BE49-F238E27FC236}">
+                    <a16:creationId xmlns:a16="http://schemas.microsoft.com/office/drawing/2014/main" id="{E0ED9CAA-3560-4527-B30D-0EDE6800C377}"/>
+                  </a:ext>
+                </a:extLst>
+              </p:cNvPr>
+              <p:cNvSpPr txBox="1">
+                <a:spLocks noRot="1" noChangeAspect="1" noMove="1" noResize="1" noEditPoints="1" noAdjustHandles="1" noChangeArrowheads="1" noChangeShapeType="1" noTextEdit="1"/>
+              </p:cNvSpPr>
+              <p:nvPr/>
+            </p:nvSpPr>
+            <p:spPr>
+              <a:xfrm>
+                <a:off x="2485719" y="4520869"/>
+                <a:ext cx="216024" cy="374526"/>
+              </a:xfrm>
+              <a:prstGeom prst="rect">
+                <a:avLst/>
+              </a:prstGeom>
+              <a:blipFill>
+                <a:blip r:embed="rId5"/>
+                <a:stretch>
+                  <a:fillRect r="-62857"/>
+                </a:stretch>
+              </a:blipFill>
+            </p:spPr>
+            <p:txBody>
+              <a:bodyPr/>
+              <a:lstStyle/>
+              <a:p>
+                <a:r>
+                  <a:rPr lang="ko-KR" altLang="en-US">
+                    <a:noFill/>
+                  </a:rPr>
+                  <a:t> </a:t>
+                </a:r>
+              </a:p>
+            </p:txBody>
+          </p:sp>
+        </mc:Fallback>
+      </mc:AlternateContent>
+      <mc:AlternateContent xmlns:mc="http://schemas.openxmlformats.org/markup-compatibility/2006" xmlns:a14="http://schemas.microsoft.com/office/drawing/2010/main">
+        <mc:Choice Requires="a14">
+          <p:sp>
+            <p:nvSpPr>
+              <p:cNvPr id="25" name="TextBox 24">
+                <a:extLst>
+                  <a:ext uri="{FF2B5EF4-FFF2-40B4-BE49-F238E27FC236}">
+                    <a16:creationId xmlns:a16="http://schemas.microsoft.com/office/drawing/2014/main" id="{56BD0694-2E94-4474-AAC8-C155FCFAFB47}"/>
+                  </a:ext>
+                </a:extLst>
+              </p:cNvPr>
+              <p:cNvSpPr txBox="1"/>
+              <p:nvPr/>
+            </p:nvSpPr>
+            <p:spPr>
+              <a:xfrm>
+                <a:off x="2519772" y="1953538"/>
+                <a:ext cx="216024" cy="374526"/>
+              </a:xfrm>
+              <a:prstGeom prst="rect">
+                <a:avLst/>
+              </a:prstGeom>
+              <a:noFill/>
+            </p:spPr>
+            <p:txBody>
+              <a:bodyPr wrap="square" rtlCol="0">
+                <a:spAutoFit/>
+              </a:bodyPr>
+              <a:lstStyle/>
+              <a:p>
+                <a:pPr/>
+                <a14:m>
+                  <m:oMathPara xmlns:m="http://schemas.openxmlformats.org/officeDocument/2006/math">
+                    <m:oMathParaPr>
+                      <m:jc m:val="centerGroup"/>
+                    </m:oMathParaPr>
+                    <m:oMath xmlns:m="http://schemas.openxmlformats.org/officeDocument/2006/math">
+                      <m:sSub>
+                        <m:sSubPr>
+                          <m:ctrlPr>
+                            <a:rPr lang="en-US" altLang="ko-KR" i="1" smtClean="0">
+                              <a:latin typeface="Cambria Math" panose="02040503050406030204" pitchFamily="18" charset="0"/>
+                            </a:rPr>
+                          </m:ctrlPr>
+                        </m:sSubPr>
+                        <m:e>
+                          <m:r>
+                            <a:rPr lang="en-US" altLang="ko-KR" b="0" i="1" smtClean="0">
+                              <a:latin typeface="Cambria Math" panose="02040503050406030204" pitchFamily="18" charset="0"/>
+                            </a:rPr>
+                            <m:t>𝑝</m:t>
+                          </m:r>
+                        </m:e>
+                        <m:sub>
+                          <m:r>
+                            <a:rPr lang="en-US" altLang="ko-KR" b="0" i="1" smtClean="0">
+                              <a:latin typeface="Cambria Math" panose="02040503050406030204" pitchFamily="18" charset="0"/>
+                            </a:rPr>
+                            <m:t>𝑜</m:t>
+                          </m:r>
+                        </m:sub>
+                      </m:sSub>
+                    </m:oMath>
+                  </m:oMathPara>
+                </a14:m>
+                <a:endParaRPr lang="ko-KR" altLang="en-US" dirty="0"/>
+              </a:p>
+            </p:txBody>
+          </p:sp>
+        </mc:Choice>
+        <mc:Fallback xmlns="">
+          <p:sp>
+            <p:nvSpPr>
+              <p:cNvPr id="25" name="TextBox 24">
+                <a:extLst>
+                  <a:ext uri="{FF2B5EF4-FFF2-40B4-BE49-F238E27FC236}">
+                    <a16:creationId xmlns:a16="http://schemas.microsoft.com/office/drawing/2014/main" id="{56BD0694-2E94-4474-AAC8-C155FCFAFB47}"/>
+                  </a:ext>
+                </a:extLst>
+              </p:cNvPr>
+              <p:cNvSpPr txBox="1">
+                <a:spLocks noRot="1" noChangeAspect="1" noMove="1" noResize="1" noEditPoints="1" noAdjustHandles="1" noChangeArrowheads="1" noChangeShapeType="1" noTextEdit="1"/>
+              </p:cNvSpPr>
+              <p:nvPr/>
+            </p:nvSpPr>
+            <p:spPr>
+              <a:xfrm>
+                <a:off x="2519772" y="1953538"/>
+                <a:ext cx="216024" cy="374526"/>
+              </a:xfrm>
+              <a:prstGeom prst="rect">
+                <a:avLst/>
+              </a:prstGeom>
+              <a:blipFill>
+                <a:blip r:embed="rId6"/>
+                <a:stretch>
+                  <a:fillRect r="-63889" b="-4839"/>
+                </a:stretch>
+              </a:blipFill>
+            </p:spPr>
+            <p:txBody>
+              <a:bodyPr/>
+              <a:lstStyle/>
+              <a:p>
+                <a:r>
+                  <a:rPr lang="ko-KR" altLang="en-US">
+                    <a:noFill/>
+                  </a:rPr>
+                  <a:t> </a:t>
+                </a:r>
+              </a:p>
+            </p:txBody>
+          </p:sp>
+        </mc:Fallback>
+      </mc:AlternateContent>
+      <mc:AlternateContent xmlns:mc="http://schemas.openxmlformats.org/markup-compatibility/2006">
+        <mc:Choice xmlns:a14="http://schemas.microsoft.com/office/drawing/2010/main" Requires="a14">
+          <p:sp>
+            <p:nvSpPr>
+              <p:cNvPr id="26" name="TextBox 25">
+                <a:extLst>
+                  <a:ext uri="{FF2B5EF4-FFF2-40B4-BE49-F238E27FC236}">
+                    <a16:creationId xmlns:a16="http://schemas.microsoft.com/office/drawing/2014/main" id="{C7149B10-7253-4B09-BAA9-068D02F7CDCA}"/>
+                  </a:ext>
+                </a:extLst>
+              </p:cNvPr>
+              <p:cNvSpPr txBox="1"/>
+              <p:nvPr/>
+            </p:nvSpPr>
+            <p:spPr>
+              <a:xfrm>
+                <a:off x="2519772" y="3646966"/>
+                <a:ext cx="208620" cy="369332"/>
+              </a:xfrm>
+              <a:prstGeom prst="rect">
+                <a:avLst/>
+              </a:prstGeom>
+              <a:noFill/>
+            </p:spPr>
+            <p:txBody>
+              <a:bodyPr wrap="square" rtlCol="0">
+                <a:spAutoFit/>
+              </a:bodyPr>
+              <a:lstStyle/>
+              <a:p>
+                <a:pPr/>
+                <a14:m>
+                  <m:oMathPara xmlns:m="http://schemas.openxmlformats.org/officeDocument/2006/math">
+                    <m:oMathParaPr>
+                      <m:jc m:val="centerGroup"/>
+                    </m:oMathParaPr>
+                    <m:oMath xmlns:m="http://schemas.openxmlformats.org/officeDocument/2006/math">
+                      <m:r>
+                        <a:rPr lang="en-US" altLang="ko-KR" b="0" i="1" smtClean="0">
+                          <a:latin typeface="Cambria Math" panose="02040503050406030204" pitchFamily="18" charset="0"/>
+                        </a:rPr>
+                        <m:t>h</m:t>
+                      </m:r>
+                    </m:oMath>
+                  </m:oMathPara>
+                </a14:m>
+                <a:endParaRPr lang="ko-KR" altLang="en-US" dirty="0"/>
+              </a:p>
+            </p:txBody>
+          </p:sp>
+        </mc:Choice>
+        <mc:Fallback>
+          <p:sp>
+            <p:nvSpPr>
+              <p:cNvPr id="26" name="TextBox 25">
+                <a:extLst>
+                  <a:ext uri="{FF2B5EF4-FFF2-40B4-BE49-F238E27FC236}">
+                    <a16:creationId xmlns:a16="http://schemas.microsoft.com/office/drawing/2014/main" id="{C7149B10-7253-4B09-BAA9-068D02F7CDCA}"/>
+                  </a:ext>
+                </a:extLst>
+              </p:cNvPr>
+              <p:cNvSpPr txBox="1">
+                <a:spLocks noRot="1" noChangeAspect="1" noMove="1" noResize="1" noEditPoints="1" noAdjustHandles="1" noChangeArrowheads="1" noChangeShapeType="1" noTextEdit="1"/>
+              </p:cNvSpPr>
+              <p:nvPr/>
+            </p:nvSpPr>
+            <p:spPr>
+              <a:xfrm>
+                <a:off x="2519772" y="3646966"/>
+                <a:ext cx="208620" cy="369332"/>
+              </a:xfrm>
+              <a:prstGeom prst="rect">
+                <a:avLst/>
+              </a:prstGeom>
+              <a:blipFill>
+                <a:blip r:embed="rId7"/>
+                <a:stretch>
+                  <a:fillRect r="-42857"/>
+                </a:stretch>
+              </a:blipFill>
+            </p:spPr>
+            <p:txBody>
+              <a:bodyPr/>
+              <a:lstStyle/>
+              <a:p>
+                <a:r>
+                  <a:rPr lang="ko-KR" altLang="en-US">
+                    <a:noFill/>
+                  </a:rPr>
+                  <a:t> </a:t>
+                </a:r>
+              </a:p>
+            </p:txBody>
+          </p:sp>
+        </mc:Fallback>
+      </mc:AlternateContent>
+      <mc:AlternateContent xmlns:mc="http://schemas.openxmlformats.org/markup-compatibility/2006">
+        <mc:Choice xmlns:a14="http://schemas.microsoft.com/office/drawing/2010/main" Requires="a14">
+          <p:sp>
+            <p:nvSpPr>
+              <p:cNvPr id="27" name="직사각형 26">
+                <a:extLst>
+                  <a:ext uri="{FF2B5EF4-FFF2-40B4-BE49-F238E27FC236}">
+                    <a16:creationId xmlns:a16="http://schemas.microsoft.com/office/drawing/2014/main" id="{0CEB42D9-A762-4DB9-BE1D-9F757AAC8793}"/>
+                  </a:ext>
+                </a:extLst>
+              </p:cNvPr>
+              <p:cNvSpPr/>
+              <p:nvPr/>
+            </p:nvSpPr>
+            <p:spPr>
+              <a:xfrm>
+                <a:off x="5508104" y="3978203"/>
+                <a:ext cx="2782887" cy="1800686"/>
+              </a:xfrm>
+              <a:prstGeom prst="rect">
+                <a:avLst/>
+              </a:prstGeom>
+            </p:spPr>
+            <p:txBody>
+              <a:bodyPr wrap="square">
+                <a:spAutoFit/>
+              </a:bodyPr>
+              <a:lstStyle/>
+              <a:p>
+                <a:pPr/>
+                <a14:m>
+                  <m:oMathPara xmlns:m="http://schemas.openxmlformats.org/officeDocument/2006/math">
+                    <m:oMathParaPr>
+                      <m:jc m:val="centerGroup"/>
+                    </m:oMathParaPr>
+                    <m:oMath xmlns:m="http://schemas.openxmlformats.org/officeDocument/2006/math">
+                      <m:acc>
+                        <m:accPr>
+                          <m:chr m:val="̅"/>
+                          <m:ctrlPr>
+                            <a:rPr lang="ko-KR" altLang="en-US" i="1" smtClean="0">
+                              <a:latin typeface="Cambria Math" panose="02040503050406030204" pitchFamily="18" charset="0"/>
+                            </a:rPr>
+                          </m:ctrlPr>
+                        </m:accPr>
+                        <m:e>
+                          <m:sSub>
+                            <m:sSubPr>
+                              <m:ctrlPr>
+                                <a:rPr lang="en-US" altLang="ko-KR" i="1" smtClean="0">
+                                  <a:latin typeface="Cambria Math" panose="02040503050406030204" pitchFamily="18" charset="0"/>
+                                </a:rPr>
+                              </m:ctrlPr>
+                            </m:sSubPr>
+                            <m:e>
+                              <m:sSub>
+                                <m:sSubPr>
+                                  <m:ctrlPr>
+                                    <a:rPr lang="en-US" altLang="ko-KR" i="1">
+                                      <a:latin typeface="Cambria Math" panose="02040503050406030204" pitchFamily="18" charset="0"/>
+                                    </a:rPr>
+                                  </m:ctrlPr>
+                                </m:sSubPr>
+                                <m:e>
+                                  <m:r>
+                                    <a:rPr lang="en-US" altLang="ko-KR" i="1">
+                                      <a:latin typeface="Cambria Math" panose="02040503050406030204" pitchFamily="18" charset="0"/>
+                                    </a:rPr>
+                                    <m:t>𝑏</m:t>
+                                  </m:r>
+                                </m:e>
+                                <m:sub>
+                                  <m:r>
+                                    <a:rPr lang="en-US" altLang="ko-KR" b="0" i="1" smtClean="0">
+                                      <a:latin typeface="Cambria Math" panose="02040503050406030204" pitchFamily="18" charset="0"/>
+                                    </a:rPr>
+                                    <m:t>𝑜</m:t>
+                                  </m:r>
+                                </m:sub>
+                              </m:sSub>
+                              <m:r>
+                                <a:rPr lang="en-US" altLang="ko-KR" b="0" i="1" smtClean="0">
+                                  <a:latin typeface="Cambria Math" panose="02040503050406030204" pitchFamily="18" charset="0"/>
+                                </a:rPr>
+                                <m:t>𝑝</m:t>
+                              </m:r>
+                            </m:e>
+                            <m:sub>
+                              <m:r>
+                                <a:rPr lang="en-US" altLang="ko-KR" b="0" i="1" smtClean="0">
+                                  <a:latin typeface="Cambria Math" panose="02040503050406030204" pitchFamily="18" charset="0"/>
+                                </a:rPr>
+                                <m:t>𝑜</m:t>
+                              </m:r>
+                            </m:sub>
+                          </m:sSub>
+                        </m:e>
+                      </m:acc>
+                      <m:r>
+                        <a:rPr lang="en-US" altLang="ko-KR" b="0" i="1" smtClean="0">
+                          <a:latin typeface="Cambria Math" panose="02040503050406030204" pitchFamily="18" charset="0"/>
+                        </a:rPr>
+                        <m:t>=</m:t>
+                      </m:r>
+                      <m:sSup>
+                        <m:sSupPr>
+                          <m:ctrlPr>
+                            <a:rPr lang="en-US" altLang="ko-KR" b="0" i="1" smtClean="0">
+                              <a:latin typeface="Cambria Math" panose="02040503050406030204" pitchFamily="18" charset="0"/>
+                            </a:rPr>
+                          </m:ctrlPr>
+                        </m:sSupPr>
+                        <m:e>
+                          <m:r>
+                            <a:rPr lang="en-US" altLang="ko-KR" b="0" i="1" smtClean="0">
+                              <a:latin typeface="Cambria Math" panose="02040503050406030204" pitchFamily="18" charset="0"/>
+                            </a:rPr>
+                            <m:t> </m:t>
+                          </m:r>
+                          <m:r>
+                            <a:rPr lang="en-US" altLang="ko-KR" i="0" smtClean="0">
+                              <a:latin typeface="Cambria Math" panose="02040503050406030204" pitchFamily="18" charset="0"/>
+                            </a:rPr>
+                            <m:t>[</m:t>
+                          </m:r>
+                          <m:m>
+                            <m:mPr>
+                              <m:mcs>
+                                <m:mc>
+                                  <m:mcPr>
+                                    <m:count m:val="3"/>
+                                    <m:mcJc m:val="center"/>
+                                  </m:mcPr>
+                                </m:mc>
+                              </m:mcs>
+                              <m:ctrlPr>
+                                <a:rPr lang="en-US" altLang="ko-KR" i="1">
+                                  <a:latin typeface="Cambria Math" panose="02040503050406030204" pitchFamily="18" charset="0"/>
+                                </a:rPr>
+                              </m:ctrlPr>
+                            </m:mPr>
+                            <m:mr>
+                              <m:e>
+                                <m:r>
+                                  <m:rPr>
+                                    <m:brk m:alnAt="7"/>
+                                  </m:rPr>
+                                  <a:rPr lang="en-US" altLang="ko-KR" b="0" i="1" smtClean="0">
+                                    <a:latin typeface="Cambria Math" panose="02040503050406030204" pitchFamily="18" charset="0"/>
+                                  </a:rPr>
+                                  <m:t>0</m:t>
+                                </m:r>
+                              </m:e>
+                              <m:e>
+                                <m:r>
+                                  <a:rPr lang="en-US" altLang="ko-KR" b="0" i="1" smtClean="0">
+                                    <a:latin typeface="Cambria Math" panose="02040503050406030204" pitchFamily="18" charset="0"/>
+                                  </a:rPr>
+                                  <m:t>0</m:t>
+                                </m:r>
+                              </m:e>
+                              <m:e>
+                                <m:r>
+                                  <a:rPr lang="en-US" altLang="ko-KR" b="0" i="1" smtClean="0">
+                                    <a:latin typeface="Cambria Math" panose="02040503050406030204" pitchFamily="18" charset="0"/>
+                                  </a:rPr>
+                                  <m:t>h</m:t>
+                                </m:r>
+                              </m:e>
+                            </m:mr>
+                          </m:m>
+                          <m:r>
+                            <a:rPr lang="en-US" altLang="ko-KR" i="0" smtClean="0">
+                              <a:latin typeface="Cambria Math" panose="02040503050406030204" pitchFamily="18" charset="0"/>
+                            </a:rPr>
+                            <m:t>]</m:t>
+                          </m:r>
+                        </m:e>
+                        <m:sup>
+                          <m:r>
+                            <a:rPr lang="en-US" altLang="ko-KR" b="0" i="1" smtClean="0">
+                              <a:latin typeface="Cambria Math" panose="02040503050406030204" pitchFamily="18" charset="0"/>
+                            </a:rPr>
+                            <m:t>𝑇</m:t>
+                          </m:r>
+                        </m:sup>
+                      </m:sSup>
+                    </m:oMath>
+                  </m:oMathPara>
+                </a14:m>
+                <a:endParaRPr lang="en-US" altLang="ko-KR" dirty="0"/>
+              </a:p>
+              <a:p>
+                <a:endParaRPr lang="en-US" altLang="ko-KR" dirty="0"/>
+              </a:p>
+              <a:p>
+                <a14:m>
+                  <m:oMathPara xmlns:m="http://schemas.openxmlformats.org/officeDocument/2006/math">
+                    <m:oMathParaPr>
+                      <m:jc m:val="centerGroup"/>
+                    </m:oMathParaPr>
+                    <m:oMath xmlns:m="http://schemas.openxmlformats.org/officeDocument/2006/math">
+                      <m:acc>
+                        <m:accPr>
+                          <m:chr m:val="̅"/>
+                          <m:ctrlPr>
+                            <a:rPr lang="ko-KR" altLang="en-US" i="1">
+                              <a:latin typeface="Cambria Math" panose="02040503050406030204" pitchFamily="18" charset="0"/>
+                            </a:rPr>
+                          </m:ctrlPr>
+                        </m:accPr>
+                        <m:e>
+                          <m:sSub>
+                            <m:sSubPr>
+                              <m:ctrlPr>
+                                <a:rPr lang="en-US" altLang="ko-KR" i="1">
+                                  <a:latin typeface="Cambria Math" panose="02040503050406030204" pitchFamily="18" charset="0"/>
+                                </a:rPr>
+                              </m:ctrlPr>
+                            </m:sSubPr>
+                            <m:e>
+                              <m:sSub>
+                                <m:sSubPr>
+                                  <m:ctrlPr>
+                                    <a:rPr lang="en-US" altLang="ko-KR" i="1">
+                                      <a:latin typeface="Cambria Math" panose="02040503050406030204" pitchFamily="18" charset="0"/>
+                                    </a:rPr>
+                                  </m:ctrlPr>
+                                </m:sSubPr>
+                                <m:e>
+                                  <m:r>
+                                    <a:rPr lang="en-US" altLang="ko-KR" i="1">
+                                      <a:latin typeface="Cambria Math" panose="02040503050406030204" pitchFamily="18" charset="0"/>
+                                    </a:rPr>
+                                    <m:t>𝑏</m:t>
+                                  </m:r>
+                                </m:e>
+                                <m:sub>
+                                  <m:r>
+                                    <a:rPr lang="en-US" altLang="ko-KR" b="0" i="1" smtClean="0">
+                                      <a:latin typeface="Cambria Math" panose="02040503050406030204" pitchFamily="18" charset="0"/>
+                                    </a:rPr>
+                                    <m:t>𝑖</m:t>
+                                  </m:r>
+                                </m:sub>
+                              </m:sSub>
+                              <m:r>
+                                <a:rPr lang="en-US" altLang="ko-KR" b="0" i="1" smtClean="0">
+                                  <a:latin typeface="Cambria Math" panose="02040503050406030204" pitchFamily="18" charset="0"/>
+                                </a:rPr>
+                                <m:t>𝑝</m:t>
+                              </m:r>
+                            </m:e>
+                            <m:sub>
+                              <m:r>
+                                <a:rPr lang="en-US" altLang="ko-KR" i="1">
+                                  <a:latin typeface="Cambria Math" panose="02040503050406030204" pitchFamily="18" charset="0"/>
+                                </a:rPr>
+                                <m:t>𝑜</m:t>
+                              </m:r>
+                            </m:sub>
+                          </m:sSub>
+                        </m:e>
+                      </m:acc>
+                      <m:r>
+                        <a:rPr lang="en-US" altLang="ko-KR" i="1">
+                          <a:latin typeface="Cambria Math" panose="02040503050406030204" pitchFamily="18" charset="0"/>
+                        </a:rPr>
+                        <m:t>=</m:t>
+                      </m:r>
+                      <m:acc>
+                        <m:accPr>
+                          <m:chr m:val="̅"/>
+                          <m:ctrlPr>
+                            <a:rPr lang="ko-KR" altLang="en-US" i="1">
+                              <a:latin typeface="Cambria Math" panose="02040503050406030204" pitchFamily="18" charset="0"/>
+                            </a:rPr>
+                          </m:ctrlPr>
+                        </m:accPr>
+                        <m:e>
+                          <m:sSub>
+                            <m:sSubPr>
+                              <m:ctrlPr>
+                                <a:rPr lang="en-US" altLang="ko-KR" i="1">
+                                  <a:latin typeface="Cambria Math" panose="02040503050406030204" pitchFamily="18" charset="0"/>
+                                </a:rPr>
+                              </m:ctrlPr>
+                            </m:sSubPr>
+                            <m:e>
+                              <m:sSub>
+                                <m:sSubPr>
+                                  <m:ctrlPr>
+                                    <a:rPr lang="en-US" altLang="ko-KR" i="1">
+                                      <a:latin typeface="Cambria Math" panose="02040503050406030204" pitchFamily="18" charset="0"/>
+                                    </a:rPr>
+                                  </m:ctrlPr>
+                                </m:sSubPr>
+                                <m:e>
+                                  <m:r>
+                                    <a:rPr lang="en-US" altLang="ko-KR" i="1">
+                                      <a:latin typeface="Cambria Math" panose="02040503050406030204" pitchFamily="18" charset="0"/>
+                                    </a:rPr>
+                                    <m:t>𝑏</m:t>
+                                  </m:r>
+                                </m:e>
+                                <m:sub>
+                                  <m:r>
+                                    <a:rPr lang="en-US" altLang="ko-KR" b="0" i="1" smtClean="0">
+                                      <a:latin typeface="Cambria Math" panose="02040503050406030204" pitchFamily="18" charset="0"/>
+                                    </a:rPr>
+                                    <m:t>𝑜</m:t>
+                                  </m:r>
+                                </m:sub>
+                              </m:sSub>
+                              <m:r>
+                                <a:rPr lang="en-US" altLang="ko-KR" b="0" i="1" smtClean="0">
+                                  <a:latin typeface="Cambria Math" panose="02040503050406030204" pitchFamily="18" charset="0"/>
+                                </a:rPr>
+                                <m:t>𝑝</m:t>
+                              </m:r>
+                            </m:e>
+                            <m:sub>
+                              <m:r>
+                                <a:rPr lang="en-US" altLang="ko-KR" i="1">
+                                  <a:latin typeface="Cambria Math" panose="02040503050406030204" pitchFamily="18" charset="0"/>
+                                </a:rPr>
+                                <m:t>𝑜</m:t>
+                              </m:r>
+                            </m:sub>
+                          </m:sSub>
+                        </m:e>
+                      </m:acc>
+                      <m:r>
+                        <a:rPr lang="en-US" altLang="ko-KR" b="0" i="1" smtClean="0">
+                          <a:latin typeface="Cambria Math" panose="02040503050406030204" pitchFamily="18" charset="0"/>
+                        </a:rPr>
+                        <m:t> − </m:t>
+                      </m:r>
+                      <m:acc>
+                        <m:accPr>
+                          <m:chr m:val="̅"/>
+                          <m:ctrlPr>
+                            <a:rPr lang="ko-KR" altLang="en-US" i="1">
+                              <a:latin typeface="Cambria Math" panose="02040503050406030204" pitchFamily="18" charset="0"/>
+                            </a:rPr>
+                          </m:ctrlPr>
+                        </m:accPr>
+                        <m:e>
+                          <m:sSub>
+                            <m:sSubPr>
+                              <m:ctrlPr>
+                                <a:rPr lang="en-US" altLang="ko-KR" i="1">
+                                  <a:latin typeface="Cambria Math" panose="02040503050406030204" pitchFamily="18" charset="0"/>
+                                </a:rPr>
+                              </m:ctrlPr>
+                            </m:sSubPr>
+                            <m:e>
+                              <m:sSub>
+                                <m:sSubPr>
+                                  <m:ctrlPr>
+                                    <a:rPr lang="en-US" altLang="ko-KR" i="1">
+                                      <a:latin typeface="Cambria Math" panose="02040503050406030204" pitchFamily="18" charset="0"/>
+                                    </a:rPr>
+                                  </m:ctrlPr>
+                                </m:sSubPr>
+                                <m:e>
+                                  <m:r>
+                                    <a:rPr lang="en-US" altLang="ko-KR" i="1">
+                                      <a:latin typeface="Cambria Math" panose="02040503050406030204" pitchFamily="18" charset="0"/>
+                                    </a:rPr>
+                                    <m:t>𝑏</m:t>
+                                  </m:r>
+                                </m:e>
+                                <m:sub>
+                                  <m:r>
+                                    <a:rPr lang="en-US" altLang="ko-KR" i="1">
+                                      <a:latin typeface="Cambria Math" panose="02040503050406030204" pitchFamily="18" charset="0"/>
+                                    </a:rPr>
+                                    <m:t>𝑖</m:t>
+                                  </m:r>
+                                </m:sub>
+                              </m:sSub>
+                              <m:r>
+                                <a:rPr lang="en-US" altLang="ko-KR" b="0" i="1" smtClean="0">
+                                  <a:latin typeface="Cambria Math" panose="02040503050406030204" pitchFamily="18" charset="0"/>
+                                </a:rPr>
+                                <m:t>𝑏</m:t>
+                              </m:r>
+                            </m:e>
+                            <m:sub>
+                              <m:r>
+                                <a:rPr lang="en-US" altLang="ko-KR" i="1">
+                                  <a:latin typeface="Cambria Math" panose="02040503050406030204" pitchFamily="18" charset="0"/>
+                                </a:rPr>
+                                <m:t>𝑜</m:t>
+                              </m:r>
+                            </m:sub>
+                          </m:sSub>
+                        </m:e>
+                      </m:acc>
+                    </m:oMath>
+                  </m:oMathPara>
+                </a14:m>
+                <a:endParaRPr lang="en-US" altLang="ko-KR" dirty="0"/>
+              </a:p>
+              <a:p>
+                <a:endParaRPr lang="en-US" altLang="ko-KR" dirty="0"/>
+              </a:p>
+              <a:p>
+                <a:pPr/>
+                <a14:m>
+                  <m:oMathPara xmlns:m="http://schemas.openxmlformats.org/officeDocument/2006/math">
+                    <m:oMathParaPr>
+                      <m:jc m:val="centerGroup"/>
+                    </m:oMathParaPr>
+                    <m:oMath xmlns:m="http://schemas.openxmlformats.org/officeDocument/2006/math">
+                      <m:acc>
+                        <m:accPr>
+                          <m:chr m:val="̅"/>
+                          <m:ctrlPr>
+                            <a:rPr lang="ko-KR" altLang="en-US" i="1">
+                              <a:latin typeface="Cambria Math" panose="02040503050406030204" pitchFamily="18" charset="0"/>
+                            </a:rPr>
+                          </m:ctrlPr>
+                        </m:accPr>
+                        <m:e>
+                          <m:sSub>
+                            <m:sSubPr>
+                              <m:ctrlPr>
+                                <a:rPr lang="en-US" altLang="ko-KR" i="1">
+                                  <a:latin typeface="Cambria Math" panose="02040503050406030204" pitchFamily="18" charset="0"/>
+                                </a:rPr>
+                              </m:ctrlPr>
+                            </m:sSubPr>
+                            <m:e>
+                              <m:sSub>
+                                <m:sSubPr>
+                                  <m:ctrlPr>
+                                    <a:rPr lang="en-US" altLang="ko-KR" i="1">
+                                      <a:latin typeface="Cambria Math" panose="02040503050406030204" pitchFamily="18" charset="0"/>
+                                    </a:rPr>
+                                  </m:ctrlPr>
+                                </m:sSubPr>
+                                <m:e>
+                                  <m:r>
+                                    <a:rPr lang="en-US" altLang="ko-KR" i="1">
+                                      <a:latin typeface="Cambria Math" panose="02040503050406030204" pitchFamily="18" charset="0"/>
+                                    </a:rPr>
+                                    <m:t>𝑏</m:t>
+                                  </m:r>
+                                </m:e>
+                                <m:sub>
+                                  <m:r>
+                                    <a:rPr lang="en-US" altLang="ko-KR" b="0" i="1" smtClean="0">
+                                      <a:latin typeface="Cambria Math" panose="02040503050406030204" pitchFamily="18" charset="0"/>
+                                    </a:rPr>
+                                    <m:t>𝑖</m:t>
+                                  </m:r>
+                                </m:sub>
+                              </m:sSub>
+                              <m:r>
+                                <a:rPr lang="en-US" altLang="ko-KR" i="1">
+                                  <a:latin typeface="Cambria Math" panose="02040503050406030204" pitchFamily="18" charset="0"/>
+                                </a:rPr>
+                                <m:t>𝑝</m:t>
+                              </m:r>
+                            </m:e>
+                            <m:sub>
+                              <m:r>
+                                <a:rPr lang="en-US" altLang="ko-KR" i="1">
+                                  <a:latin typeface="Cambria Math" panose="02040503050406030204" pitchFamily="18" charset="0"/>
+                                </a:rPr>
+                                <m:t>𝑖</m:t>
+                              </m:r>
+                            </m:sub>
+                          </m:sSub>
+                        </m:e>
+                      </m:acc>
+                      <m:r>
+                        <a:rPr lang="en-US" altLang="ko-KR" i="1">
+                          <a:latin typeface="Cambria Math" panose="02040503050406030204" pitchFamily="18" charset="0"/>
+                        </a:rPr>
+                        <m:t>=</m:t>
+                      </m:r>
+                      <m:acc>
+                        <m:accPr>
+                          <m:chr m:val="̅"/>
+                          <m:ctrlPr>
+                            <a:rPr lang="ko-KR" altLang="en-US" i="1">
+                              <a:latin typeface="Cambria Math" panose="02040503050406030204" pitchFamily="18" charset="0"/>
+                            </a:rPr>
+                          </m:ctrlPr>
+                        </m:accPr>
+                        <m:e>
+                          <m:sSub>
+                            <m:sSubPr>
+                              <m:ctrlPr>
+                                <a:rPr lang="en-US" altLang="ko-KR" i="1">
+                                  <a:latin typeface="Cambria Math" panose="02040503050406030204" pitchFamily="18" charset="0"/>
+                                </a:rPr>
+                              </m:ctrlPr>
+                            </m:sSubPr>
+                            <m:e>
+                              <m:sSub>
+                                <m:sSubPr>
+                                  <m:ctrlPr>
+                                    <a:rPr lang="en-US" altLang="ko-KR" i="1">
+                                      <a:latin typeface="Cambria Math" panose="02040503050406030204" pitchFamily="18" charset="0"/>
+                                    </a:rPr>
+                                  </m:ctrlPr>
+                                </m:sSubPr>
+                                <m:e>
+                                  <m:r>
+                                    <a:rPr lang="en-US" altLang="ko-KR" i="1">
+                                      <a:latin typeface="Cambria Math" panose="02040503050406030204" pitchFamily="18" charset="0"/>
+                                    </a:rPr>
+                                    <m:t>𝑏</m:t>
+                                  </m:r>
+                                </m:e>
+                                <m:sub>
+                                  <m:r>
+                                    <a:rPr lang="en-US" altLang="ko-KR" b="0" i="1" smtClean="0">
+                                      <a:latin typeface="Cambria Math" panose="02040503050406030204" pitchFamily="18" charset="0"/>
+                                    </a:rPr>
+                                    <m:t>𝑖</m:t>
+                                  </m:r>
+                                </m:sub>
+                              </m:sSub>
+                              <m:r>
+                                <a:rPr lang="en-US" altLang="ko-KR" i="1">
+                                  <a:latin typeface="Cambria Math" panose="02040503050406030204" pitchFamily="18" charset="0"/>
+                                </a:rPr>
+                                <m:t>𝑝</m:t>
+                              </m:r>
+                            </m:e>
+                            <m:sub>
+                              <m:r>
+                                <a:rPr lang="en-US" altLang="ko-KR" b="0" i="1" smtClean="0">
+                                  <a:latin typeface="Cambria Math" panose="02040503050406030204" pitchFamily="18" charset="0"/>
+                                </a:rPr>
+                                <m:t>𝑜</m:t>
+                              </m:r>
+                            </m:sub>
+                          </m:sSub>
+                        </m:e>
+                      </m:acc>
+                      <m:r>
+                        <a:rPr lang="en-US" altLang="ko-KR" b="0" i="1" smtClean="0">
+                          <a:latin typeface="Cambria Math" panose="02040503050406030204" pitchFamily="18" charset="0"/>
+                        </a:rPr>
+                        <m:t>+</m:t>
+                      </m:r>
+                      <m:sSub>
+                        <m:sSubPr>
+                          <m:ctrlPr>
+                            <a:rPr lang="en-US" altLang="ko-KR" i="1">
+                              <a:latin typeface="Cambria Math" panose="02040503050406030204" pitchFamily="18" charset="0"/>
+                            </a:rPr>
+                          </m:ctrlPr>
+                        </m:sSubPr>
+                        <m:e>
+                          <m:r>
+                            <a:rPr lang="en-US" altLang="ko-KR" i="1">
+                              <a:latin typeface="Cambria Math" panose="02040503050406030204" pitchFamily="18" charset="0"/>
+                            </a:rPr>
+                            <m:t>𝑅</m:t>
+                          </m:r>
+                        </m:e>
+                        <m:sub>
+                          <m:r>
+                            <a:rPr lang="en-US" altLang="ko-KR" i="1">
+                              <a:latin typeface="Cambria Math" panose="02040503050406030204" pitchFamily="18" charset="0"/>
+                            </a:rPr>
+                            <m:t>𝑝𝑏</m:t>
+                          </m:r>
+                        </m:sub>
+                      </m:sSub>
+                      <m:sSub>
+                        <m:sSubPr>
+                          <m:ctrlPr>
+                            <a:rPr lang="en-US" altLang="ko-KR" i="1">
+                              <a:latin typeface="Cambria Math" panose="02040503050406030204" pitchFamily="18" charset="0"/>
+                            </a:rPr>
+                          </m:ctrlPr>
+                        </m:sSubPr>
+                        <m:e>
+                          <m:r>
+                            <a:rPr lang="en-US" altLang="ko-KR" i="1">
+                              <a:latin typeface="Cambria Math" panose="02040503050406030204" pitchFamily="18" charset="0"/>
+                            </a:rPr>
+                            <m:t>𝑝</m:t>
+                          </m:r>
+                        </m:e>
+                        <m:sub>
+                          <m:r>
+                            <a:rPr lang="en-US" altLang="ko-KR" i="1">
+                              <a:latin typeface="Cambria Math" panose="02040503050406030204" pitchFamily="18" charset="0"/>
+                            </a:rPr>
+                            <m:t>𝑖</m:t>
+                          </m:r>
+                        </m:sub>
+                      </m:sSub>
+                    </m:oMath>
+                  </m:oMathPara>
+                </a14:m>
+                <a:endParaRPr lang="ko-KR" altLang="en-US" dirty="0"/>
+              </a:p>
+              <a:p>
+                <a:endParaRPr lang="ko-KR" altLang="en-US" dirty="0"/>
+              </a:p>
+            </p:txBody>
+          </p:sp>
+        </mc:Choice>
+        <mc:Fallback>
+          <p:sp>
+            <p:nvSpPr>
+              <p:cNvPr id="27" name="직사각형 26">
+                <a:extLst>
+                  <a:ext uri="{FF2B5EF4-FFF2-40B4-BE49-F238E27FC236}">
+                    <a16:creationId xmlns:a16="http://schemas.microsoft.com/office/drawing/2014/main" id="{0CEB42D9-A762-4DB9-BE1D-9F757AAC8793}"/>
+                  </a:ext>
+                </a:extLst>
+              </p:cNvPr>
+              <p:cNvSpPr>
+                <a:spLocks noRot="1" noChangeAspect="1" noMove="1" noResize="1" noEditPoints="1" noAdjustHandles="1" noChangeArrowheads="1" noChangeShapeType="1" noTextEdit="1"/>
+              </p:cNvSpPr>
+              <p:nvPr/>
+            </p:nvSpPr>
+            <p:spPr>
+              <a:xfrm>
+                <a:off x="5508104" y="3978203"/>
+                <a:ext cx="2782887" cy="1800686"/>
+              </a:xfrm>
+              <a:prstGeom prst="rect">
+                <a:avLst/>
+              </a:prstGeom>
+              <a:blipFill>
+                <a:blip r:embed="rId8"/>
+                <a:stretch>
+                  <a:fillRect/>
+                </a:stretch>
+              </a:blipFill>
+            </p:spPr>
+            <p:txBody>
+              <a:bodyPr/>
+              <a:lstStyle/>
+              <a:p>
+                <a:r>
+                  <a:rPr lang="ko-KR" altLang="en-US">
+                    <a:noFill/>
+                  </a:rPr>
+                  <a:t> </a:t>
+                </a:r>
+              </a:p>
+            </p:txBody>
+          </p:sp>
+        </mc:Fallback>
+      </mc:AlternateContent>
+    </p:spTree>
+    <p:extLst>
+      <p:ext uri="{BB962C8B-B14F-4D97-AF65-F5344CB8AC3E}">
+        <p14:creationId xmlns:p14="http://schemas.microsoft.com/office/powerpoint/2010/main" val="1408984109"/>
+      </p:ext>
+    </p:extLst>
+  </p:cSld>
+  <p:clrMapOvr>
+    <a:masterClrMapping/>
+  </p:clrMapOvr>
+</p:sld>
+</file>
+
 <file path=ppt/slides/slide2.xml><?xml version="1.0" encoding="utf-8"?>
 <p:sld xmlns:a="http://schemas.openxmlformats.org/drawingml/2006/main" xmlns:r="http://schemas.openxmlformats.org/officeDocument/2006/relationships" xmlns:p="http://schemas.openxmlformats.org/presentationml/2006/main">
   <p:cSld>
@@ -2969,12 +4965,18 @@
           </a:p>
           <a:p>
             <a:r>
-              <a:rPr lang="en-US" altLang="ko-KR" sz="2400" dirty="0"/>
-              <a:t>3</a:t>
+              <a:rPr lang="ko-KR" altLang="en-US" sz="2400" dirty="0"/>
+              <a:t>프로그램 진행 계획</a:t>
             </a:r>
+            <a:endParaRPr lang="en-US" altLang="ko-KR" sz="2400" dirty="0"/>
+          </a:p>
+          <a:p>
+            <a:endParaRPr lang="en-US" altLang="ko-KR" sz="2400" dirty="0"/>
+          </a:p>
+          <a:p>
             <a:r>
               <a:rPr lang="ko-KR" altLang="en-US" sz="2400" dirty="0"/>
-              <a:t>자유도 구속</a:t>
+              <a:t>구조 제안</a:t>
             </a:r>
             <a:endParaRPr lang="en-US" altLang="ko-KR" sz="2400" dirty="0"/>
           </a:p>
@@ -3209,8 +5211,8 @@
           </a:prstGeom>
         </p:spPr>
       </p:pic>
-      <mc:AlternateContent xmlns:mc="http://schemas.openxmlformats.org/markup-compatibility/2006">
-        <mc:Choice xmlns:a14="http://schemas.microsoft.com/office/drawing/2010/main" Requires="a14">
+      <mc:AlternateContent xmlns:mc="http://schemas.openxmlformats.org/markup-compatibility/2006" xmlns:a14="http://schemas.microsoft.com/office/drawing/2010/main">
+        <mc:Choice Requires="a14">
           <p:sp>
             <p:nvSpPr>
               <p:cNvPr id="36" name="TextBox 35">
@@ -3351,13 +5353,7 @@
                       <a:rPr lang="en-US" altLang="ko-KR" i="1">
                         <a:latin typeface="Cambria Math" panose="02040503050406030204" pitchFamily="18" charset="0"/>
                       </a:rPr>
-                      <m:t>) </m:t>
-                    </m:r>
-                    <m:r>
-                      <a:rPr lang="en-US" altLang="ko-KR" i="1">
-                        <a:latin typeface="Cambria Math" panose="02040503050406030204" pitchFamily="18" charset="0"/>
-                      </a:rPr>
-                      <m:t>→(</m:t>
+                      <m:t>) →(</m:t>
                     </m:r>
                     <m:sSub>
                       <m:sSubPr>
@@ -3658,7 +5654,7 @@
             </p:txBody>
           </p:sp>
         </mc:Choice>
-        <mc:Fallback>
+        <mc:Fallback xmlns="">
           <p:sp>
             <p:nvSpPr>
               <p:cNvPr id="36" name="TextBox 35">
@@ -3703,8 +5699,8 @@
           </p:sp>
         </mc:Fallback>
       </mc:AlternateContent>
-      <mc:AlternateContent xmlns:mc="http://schemas.openxmlformats.org/markup-compatibility/2006">
-        <mc:Choice xmlns:a14="http://schemas.microsoft.com/office/drawing/2010/main" Requires="a14">
+      <mc:AlternateContent xmlns:mc="http://schemas.openxmlformats.org/markup-compatibility/2006" xmlns:a14="http://schemas.microsoft.com/office/drawing/2010/main">
+        <mc:Choice Requires="a14">
           <p:sp>
             <p:nvSpPr>
               <p:cNvPr id="2" name="직사각형 1">
@@ -3759,6 +5755,7 @@
                 </a:endParaRPr>
               </a:p>
               <a:p>
+                <a:pPr/>
                 <a14:m>
                   <m:oMathPara xmlns:m="http://schemas.openxmlformats.org/officeDocument/2006/math">
                     <m:oMathParaPr>
@@ -4101,7 +6098,7 @@
             </p:txBody>
           </p:sp>
         </mc:Choice>
-        <mc:Fallback>
+        <mc:Fallback xmlns="">
           <p:sp>
             <p:nvSpPr>
               <p:cNvPr id="2" name="직사각형 1">
@@ -4616,6 +6613,7 @@
                 </a:endParaRPr>
               </a:p>
               <a:p>
+                <a:pPr/>
                 <a14:m>
                   <m:oMathPara xmlns:m="http://schemas.openxmlformats.org/officeDocument/2006/math">
                     <m:oMathParaPr>
@@ -5004,11 +7002,18 @@
                       </m:e>
                       <m:sub>
                         <m:r>
+                          <a:rPr lang="en-US" altLang="ko-KR" b="0" i="1" smtClean="0">
+                            <a:latin typeface="Cambria Math" panose="02040503050406030204" pitchFamily="18" charset="0"/>
+                            <a:ea typeface="맑은 고딕" panose="020B0503020000020004" pitchFamily="50" charset="-127"/>
+                          </a:rPr>
+                          <m:t>𝑥</m:t>
+                        </m:r>
+                        <m:r>
                           <a:rPr lang="en-US" altLang="ko-KR" i="1">
                             <a:latin typeface="Cambria Math" panose="02040503050406030204" pitchFamily="18" charset="0"/>
                             <a:ea typeface="맑은 고딕" panose="020B0503020000020004" pitchFamily="50" charset="-127"/>
                           </a:rPr>
-                          <m:t>𝑝𝑖</m:t>
+                          <m:t>𝑖</m:t>
                         </m:r>
                       </m:sub>
                     </m:sSub>
@@ -5801,10 +7806,10 @@
       </mc:AlternateContent>
       <p:cxnSp>
         <p:nvCxnSpPr>
-          <p:cNvPr id="5" name="직선 화살표 연결선 4">
+          <p:cNvPr id="12" name="직선 화살표 연결선 11">
             <a:extLst>
               <a:ext uri="{FF2B5EF4-FFF2-40B4-BE49-F238E27FC236}">
-                <a16:creationId xmlns:a16="http://schemas.microsoft.com/office/drawing/2014/main" id="{FB3F03C5-7293-458A-8087-56A5819B1ED0}"/>
+                <a16:creationId xmlns:a16="http://schemas.microsoft.com/office/drawing/2014/main" id="{3BC03C66-4621-44A1-A014-972EB72DE5F3}"/>
               </a:ext>
             </a:extLst>
           </p:cNvPr>
@@ -5815,8 +7820,8 @@
         </p:nvCxnSpPr>
         <p:spPr>
           <a:xfrm flipH="1" flipV="1">
-            <a:off x="7092280" y="4550033"/>
-            <a:ext cx="936104" cy="103104"/>
+            <a:off x="7092280" y="2852936"/>
+            <a:ext cx="936104" cy="1800200"/>
           </a:xfrm>
           <a:prstGeom prst="straightConnector1">
             <a:avLst/>
@@ -5845,10 +7850,10 @@
       </p:cxnSp>
       <p:cxnSp>
         <p:nvCxnSpPr>
-          <p:cNvPr id="17" name="직선 화살표 연결선 16">
+          <p:cNvPr id="18" name="직선 화살표 연결선 17">
             <a:extLst>
               <a:ext uri="{FF2B5EF4-FFF2-40B4-BE49-F238E27FC236}">
-                <a16:creationId xmlns:a16="http://schemas.microsoft.com/office/drawing/2014/main" id="{39810411-54E0-4F76-8962-F35EE241A974}"/>
+                <a16:creationId xmlns:a16="http://schemas.microsoft.com/office/drawing/2014/main" id="{371AFA1E-03DE-4615-8852-20C4E5570C6B}"/>
               </a:ext>
             </a:extLst>
           </p:cNvPr>
@@ -5859,8 +7864,52 @@
         </p:nvCxnSpPr>
         <p:spPr>
           <a:xfrm flipV="1">
-            <a:off x="7092280" y="2672916"/>
-            <a:ext cx="720080" cy="1877117"/>
+            <a:off x="7092280" y="2492896"/>
+            <a:ext cx="792088" cy="144016"/>
+          </a:xfrm>
+          <a:prstGeom prst="straightConnector1">
+            <a:avLst/>
+          </a:prstGeom>
+          <a:ln w="25400">
+            <a:solidFill>
+              <a:srgbClr val="FF0000"/>
+            </a:solidFill>
+            <a:tailEnd type="triangle"/>
+          </a:ln>
+        </p:spPr>
+        <p:style>
+          <a:lnRef idx="1">
+            <a:schemeClr val="accent1"/>
+          </a:lnRef>
+          <a:fillRef idx="0">
+            <a:schemeClr val="accent1"/>
+          </a:fillRef>
+          <a:effectRef idx="0">
+            <a:schemeClr val="accent1"/>
+          </a:effectRef>
+          <a:fontRef idx="minor">
+            <a:schemeClr val="tx1"/>
+          </a:fontRef>
+        </p:style>
+      </p:cxnSp>
+      <p:cxnSp>
+        <p:nvCxnSpPr>
+          <p:cNvPr id="19" name="직선 화살표 연결선 18">
+            <a:extLst>
+              <a:ext uri="{FF2B5EF4-FFF2-40B4-BE49-F238E27FC236}">
+                <a16:creationId xmlns:a16="http://schemas.microsoft.com/office/drawing/2014/main" id="{CFD3030E-134B-4D36-9CA7-8CD543AABD38}"/>
+              </a:ext>
+            </a:extLst>
+          </p:cNvPr>
+          <p:cNvCxnSpPr>
+            <a:cxnSpLocks/>
+          </p:cNvCxnSpPr>
+          <p:nvPr/>
+        </p:nvCxnSpPr>
+        <p:spPr>
+          <a:xfrm flipH="1" flipV="1">
+            <a:off x="7914388" y="2564904"/>
+            <a:ext cx="227992" cy="2088232"/>
           </a:xfrm>
           <a:prstGeom prst="straightConnector1">
             <a:avLst/>
@@ -6091,7 +8140,6 @@
               </a:bodyPr>
               <a:lstStyle/>
               <a:p>
-                <a:pPr/>
                 <a14:m>
                   <m:oMath xmlns:m="http://schemas.openxmlformats.org/officeDocument/2006/math">
                     <m:sSub>
@@ -6151,7 +8199,6 @@
                         <m:r>
                           <a:rPr lang="en-US" altLang="ko-KR" i="1">
                             <a:latin typeface="Cambria Math" panose="02040503050406030204" pitchFamily="18" charset="0"/>
-                            <a:ea typeface="맑은 고딕" panose="020B0503020000020004" pitchFamily="50" charset="-127"/>
                           </a:rPr>
                           <m:t>𝑃𝐵</m:t>
                         </m:r>
@@ -7514,7 +9561,7 @@
                     <a:latin typeface="맑은 고딕" panose="020B0503020000020004" pitchFamily="50" charset="-127"/>
                     <a:ea typeface="맑은 고딕" panose="020B0503020000020004" pitchFamily="50" charset="-127"/>
                   </a:rPr>
-                  <a:t>(XYZ)</a:t>
+                  <a:t>(ZYX)</a:t>
                 </a:r>
                 <a:r>
                   <a:rPr lang="ko-KR" altLang="en-US" dirty="0">
@@ -8696,7 +10743,7 @@
         <p:spPr>
           <a:xfrm>
             <a:off x="755576" y="6003007"/>
-            <a:ext cx="4536504" cy="378321"/>
+            <a:ext cx="5832648" cy="369332"/>
           </a:xfrm>
           <a:prstGeom prst="rect">
             <a:avLst/>
@@ -8714,19 +10761,11 @@
             </a:r>
             <a:r>
               <a:rPr lang="ko-KR" altLang="en-US" dirty="0"/>
-              <a:t> 교수님 자료에는 </a:t>
-            </a:r>
-            <a:r>
-              <a:rPr lang="ko-KR" altLang="en-US" dirty="0" err="1"/>
-              <a:t>오일러</a:t>
-            </a:r>
-            <a:r>
-              <a:rPr lang="ko-KR" altLang="en-US" dirty="0"/>
-              <a:t> 각</a:t>
+              <a:t> 교수님 자료와 회전 변환 순서 차이 있음</a:t>
             </a:r>
             <a:r>
               <a:rPr lang="en-US" altLang="ko-KR" dirty="0"/>
-              <a:t>(ZYX).</a:t>
+              <a:t>(XYZ).</a:t>
             </a:r>
             <a:endParaRPr lang="ko-KR" altLang="en-US" dirty="0"/>
           </a:p>
@@ -8906,8 +10945,8 @@
           </a:p>
         </p:txBody>
       </p:sp>
-      <mc:AlternateContent xmlns:mc="http://schemas.openxmlformats.org/markup-compatibility/2006">
-        <mc:Choice xmlns:a14="http://schemas.microsoft.com/office/drawing/2010/main" Requires="a14">
+      <mc:AlternateContent xmlns:mc="http://schemas.openxmlformats.org/markup-compatibility/2006" xmlns:a14="http://schemas.microsoft.com/office/drawing/2010/main">
+        <mc:Choice Requires="a14">
           <p:sp>
             <p:nvSpPr>
               <p:cNvPr id="6" name="TextBox 5">
@@ -9790,7 +11829,7 @@
             </p:txBody>
           </p:sp>
         </mc:Choice>
-        <mc:Fallback>
+        <mc:Fallback xmlns="">
           <p:sp>
             <p:nvSpPr>
               <p:cNvPr id="6" name="TextBox 5">
@@ -9835,6 +11874,226 @@
           </p:sp>
         </mc:Fallback>
       </mc:AlternateContent>
+      <p:sp>
+        <p:nvSpPr>
+          <p:cNvPr id="5" name="TextBox 4">
+            <a:extLst>
+              <a:ext uri="{FF2B5EF4-FFF2-40B4-BE49-F238E27FC236}">
+                <a16:creationId xmlns:a16="http://schemas.microsoft.com/office/drawing/2014/main" id="{502BE0E8-A1D8-42D3-890C-FB22D657F50C}"/>
+              </a:ext>
+            </a:extLst>
+          </p:cNvPr>
+          <p:cNvSpPr txBox="1"/>
+          <p:nvPr/>
+        </p:nvSpPr>
+        <p:spPr>
+          <a:xfrm>
+            <a:off x="323528" y="4307226"/>
+            <a:ext cx="3009157" cy="400110"/>
+          </a:xfrm>
+          <a:prstGeom prst="rect">
+            <a:avLst/>
+          </a:prstGeom>
+          <a:noFill/>
+        </p:spPr>
+        <p:txBody>
+          <a:bodyPr wrap="none" rtlCol="0">
+            <a:spAutoFit/>
+          </a:bodyPr>
+          <a:lstStyle/>
+          <a:p>
+            <a:r>
+              <a:rPr lang="ko-KR" altLang="en-US" sz="2000" dirty="0">
+                <a:latin typeface="맑은 고딕"/>
+                <a:ea typeface="맑은 고딕"/>
+              </a:rPr>
+              <a:t>▣ </a:t>
+            </a:r>
+            <a:r>
+              <a:rPr lang="ko-KR" altLang="en-US" sz="2000" dirty="0">
+                <a:latin typeface="HY견고딕" panose="02030600000101010101" pitchFamily="18" charset="-127"/>
+                <a:ea typeface="HY견고딕" panose="02030600000101010101" pitchFamily="18" charset="-127"/>
+              </a:rPr>
+              <a:t>교수님 자료와의 차이</a:t>
+            </a:r>
+            <a:endParaRPr lang="en-US" altLang="ko-KR" sz="2000" dirty="0">
+              <a:latin typeface="HY견고딕" panose="02030600000101010101" pitchFamily="18" charset="-127"/>
+              <a:ea typeface="HY견고딕" panose="02030600000101010101" pitchFamily="18" charset="-127"/>
+            </a:endParaRPr>
+          </a:p>
+        </p:txBody>
+      </p:sp>
+      <p:sp>
+        <p:nvSpPr>
+          <p:cNvPr id="8" name="TextBox 7">
+            <a:extLst>
+              <a:ext uri="{FF2B5EF4-FFF2-40B4-BE49-F238E27FC236}">
+                <a16:creationId xmlns:a16="http://schemas.microsoft.com/office/drawing/2014/main" id="{71F8DB5E-0C91-426E-ACDE-583582846ADE}"/>
+              </a:ext>
+            </a:extLst>
+          </p:cNvPr>
+          <p:cNvSpPr txBox="1"/>
+          <p:nvPr/>
+        </p:nvSpPr>
+        <p:spPr>
+          <a:xfrm>
+            <a:off x="733738" y="4819666"/>
+            <a:ext cx="8167126" cy="1754326"/>
+          </a:xfrm>
+          <a:prstGeom prst="rect">
+            <a:avLst/>
+          </a:prstGeom>
+          <a:noFill/>
+        </p:spPr>
+        <p:txBody>
+          <a:bodyPr wrap="square" rtlCol="0">
+            <a:spAutoFit/>
+          </a:bodyPr>
+          <a:lstStyle/>
+          <a:p>
+            <a:pPr marL="285750" indent="-285750">
+              <a:buFontTx/>
+              <a:buChar char="-"/>
+            </a:pPr>
+            <a:r>
+              <a:rPr lang="ko-KR" altLang="en-US" dirty="0">
+                <a:latin typeface="맑은 고딕" panose="020B0503020000020004" pitchFamily="50" charset="-127"/>
+                <a:ea typeface="맑은 고딕" panose="020B0503020000020004" pitchFamily="50" charset="-127"/>
+              </a:rPr>
+              <a:t>시작 전 각 판에 연결된 조인트 위치 계산</a:t>
+            </a:r>
+            <a:r>
+              <a:rPr lang="en-US" altLang="ko-KR" dirty="0">
+                <a:latin typeface="맑은 고딕" panose="020B0503020000020004" pitchFamily="50" charset="-127"/>
+                <a:ea typeface="맑은 고딕" panose="020B0503020000020004" pitchFamily="50" charset="-127"/>
+              </a:rPr>
+              <a:t>(</a:t>
+            </a:r>
+            <a:r>
+              <a:rPr lang="ko-KR" altLang="en-US" dirty="0">
+                <a:latin typeface="맑은 고딕" panose="020B0503020000020004" pitchFamily="50" charset="-127"/>
+                <a:ea typeface="맑은 고딕" panose="020B0503020000020004" pitchFamily="50" charset="-127"/>
+              </a:rPr>
+              <a:t>반지름</a:t>
+            </a:r>
+            <a:r>
+              <a:rPr lang="en-US" altLang="ko-KR" dirty="0">
+                <a:latin typeface="맑은 고딕" panose="020B0503020000020004" pitchFamily="50" charset="-127"/>
+                <a:ea typeface="맑은 고딕" panose="020B0503020000020004" pitchFamily="50" charset="-127"/>
+              </a:rPr>
+              <a:t>, </a:t>
+            </a:r>
+            <a:r>
+              <a:rPr lang="ko-KR" altLang="en-US" dirty="0" err="1">
+                <a:latin typeface="맑은 고딕" panose="020B0503020000020004" pitchFamily="50" charset="-127"/>
+                <a:ea typeface="맑은 고딕" panose="020B0503020000020004" pitchFamily="50" charset="-127"/>
+              </a:rPr>
+              <a:t>힌지</a:t>
+            </a:r>
+            <a:r>
+              <a:rPr lang="ko-KR" altLang="en-US" dirty="0">
+                <a:latin typeface="맑은 고딕" panose="020B0503020000020004" pitchFamily="50" charset="-127"/>
+                <a:ea typeface="맑은 고딕" panose="020B0503020000020004" pitchFamily="50" charset="-127"/>
+              </a:rPr>
+              <a:t> </a:t>
+            </a:r>
+            <a:r>
+              <a:rPr lang="en-US" altLang="ko-KR" dirty="0">
+                <a:latin typeface="맑은 고딕" panose="020B0503020000020004" pitchFamily="50" charset="-127"/>
+                <a:ea typeface="맑은 고딕" panose="020B0503020000020004" pitchFamily="50" charset="-127"/>
+              </a:rPr>
+              <a:t>Offset, Tool Offset)</a:t>
+            </a:r>
+          </a:p>
+          <a:p>
+            <a:pPr marL="285750" indent="-285750">
+              <a:buFontTx/>
+              <a:buChar char="-"/>
+            </a:pPr>
+            <a:endParaRPr lang="en-US" altLang="ko-KR" dirty="0">
+              <a:latin typeface="맑은 고딕" panose="020B0503020000020004" pitchFamily="50" charset="-127"/>
+              <a:ea typeface="맑은 고딕" panose="020B0503020000020004" pitchFamily="50" charset="-127"/>
+            </a:endParaRPr>
+          </a:p>
+          <a:p>
+            <a:pPr marL="285750" indent="-285750">
+              <a:buFontTx/>
+              <a:buChar char="-"/>
+            </a:pPr>
+            <a:r>
+              <a:rPr lang="en-US" altLang="ko-KR" dirty="0">
+                <a:latin typeface="맑은 고딕" panose="020B0503020000020004" pitchFamily="50" charset="-127"/>
+                <a:ea typeface="맑은 고딕" panose="020B0503020000020004" pitchFamily="50" charset="-127"/>
+              </a:rPr>
+              <a:t>Tool Offset</a:t>
+            </a:r>
+            <a:r>
+              <a:rPr lang="ko-KR" altLang="en-US" dirty="0">
+                <a:latin typeface="맑은 고딕" panose="020B0503020000020004" pitchFamily="50" charset="-127"/>
+                <a:ea typeface="맑은 고딕" panose="020B0503020000020004" pitchFamily="50" charset="-127"/>
+              </a:rPr>
+              <a:t>을 추가하여 위치 보상을 수행함</a:t>
+            </a:r>
+            <a:r>
+              <a:rPr lang="en-US" altLang="ko-KR" dirty="0">
+                <a:latin typeface="맑은 고딕" panose="020B0503020000020004" pitchFamily="50" charset="-127"/>
+                <a:ea typeface="맑은 고딕" panose="020B0503020000020004" pitchFamily="50" charset="-127"/>
+              </a:rPr>
+              <a:t>.</a:t>
+            </a:r>
+          </a:p>
+          <a:p>
+            <a:pPr marL="285750" indent="-285750">
+              <a:buFontTx/>
+              <a:buChar char="-"/>
+            </a:pPr>
+            <a:endParaRPr lang="en-US" altLang="ko-KR" dirty="0">
+              <a:latin typeface="맑은 고딕" panose="020B0503020000020004" pitchFamily="50" charset="-127"/>
+              <a:ea typeface="맑은 고딕" panose="020B0503020000020004" pitchFamily="50" charset="-127"/>
+            </a:endParaRPr>
+          </a:p>
+          <a:p>
+            <a:pPr marL="285750" indent="-285750">
+              <a:buFontTx/>
+              <a:buChar char="-"/>
+            </a:pPr>
+            <a:r>
+              <a:rPr lang="ko-KR" altLang="en-US" dirty="0">
+                <a:latin typeface="맑은 고딕" panose="020B0503020000020004" pitchFamily="50" charset="-127"/>
+                <a:ea typeface="맑은 고딕" panose="020B0503020000020004" pitchFamily="50" charset="-127"/>
+              </a:rPr>
+              <a:t>회전 변환 후 위치 이동 수행</a:t>
+            </a:r>
+            <a:r>
+              <a:rPr lang="en-US" altLang="ko-KR" dirty="0">
+                <a:latin typeface="맑은 고딕" panose="020B0503020000020004" pitchFamily="50" charset="-127"/>
+                <a:ea typeface="맑은 고딕" panose="020B0503020000020004" pitchFamily="50" charset="-127"/>
+              </a:rPr>
+              <a:t>.(XYZ </a:t>
+            </a:r>
+            <a:r>
+              <a:rPr lang="ko-KR" altLang="en-US" dirty="0">
+                <a:latin typeface="맑은 고딕" panose="020B0503020000020004" pitchFamily="50" charset="-127"/>
+                <a:ea typeface="맑은 고딕" panose="020B0503020000020004" pitchFamily="50" charset="-127"/>
+              </a:rPr>
+              <a:t>순으로 회전 변환 실행</a:t>
+            </a:r>
+            <a:r>
+              <a:rPr lang="en-US" altLang="ko-KR" dirty="0">
+                <a:latin typeface="맑은 고딕" panose="020B0503020000020004" pitchFamily="50" charset="-127"/>
+                <a:ea typeface="맑은 고딕" panose="020B0503020000020004" pitchFamily="50" charset="-127"/>
+              </a:rPr>
+              <a:t>)</a:t>
+            </a:r>
+          </a:p>
+          <a:p>
+            <a:endParaRPr lang="en-US" altLang="ko-KR" dirty="0">
+              <a:latin typeface="맑은 고딕" panose="020B0503020000020004" pitchFamily="50" charset="-127"/>
+              <a:ea typeface="맑은 고딕" panose="020B0503020000020004" pitchFamily="50" charset="-127"/>
+            </a:endParaRPr>
+          </a:p>
+        </p:txBody>
+      </p:sp>
     </p:spTree>
     <p:extLst>
       <p:ext uri="{BB962C8B-B14F-4D97-AF65-F5344CB8AC3E}">
@@ -9899,7 +12158,7 @@
                 <a:latin typeface="HY견고딕" panose="02030600000101010101" pitchFamily="18" charset="-127"/>
                 <a:ea typeface="HY견고딕" panose="02030600000101010101" pitchFamily="18" charset="-127"/>
               </a:rPr>
-              <a:t>Rotation Matrix(ZYX)</a:t>
+              <a:t>Rotation Matrix(XYZ)</a:t>
             </a:r>
           </a:p>
           <a:p>
@@ -10011,8 +12270,8 @@
           </a:p>
         </p:txBody>
       </p:sp>
-      <mc:AlternateContent xmlns:mc="http://schemas.openxmlformats.org/markup-compatibility/2006">
-        <mc:Choice xmlns:a14="http://schemas.microsoft.com/office/drawing/2010/main" Requires="a14">
+      <mc:AlternateContent xmlns:mc="http://schemas.openxmlformats.org/markup-compatibility/2006" xmlns:a14="http://schemas.microsoft.com/office/drawing/2010/main">
+        <mc:Choice Requires="a14">
           <p:sp>
             <p:nvSpPr>
               <p:cNvPr id="30" name="직사각형 29">
@@ -10257,7 +12516,13 @@
                                 <a:rPr lang="en-US" altLang="ko-KR" sz="1600" b="0" i="1" smtClean="0">
                                   <a:latin typeface="Cambria Math" panose="02040503050406030204" pitchFamily="18" charset="0"/>
                                 </a:rPr>
-                                <m:t>𝑐𝑜𝑠</m:t>
+                                <m:t>𝑐</m:t>
+                              </m:r>
+                              <m:r>
+                                <a:rPr lang="en-US" altLang="ko-KR" sz="1600" b="0" i="1" smtClean="0">
+                                  <a:latin typeface="Cambria Math" panose="02040503050406030204" pitchFamily="18" charset="0"/>
+                                </a:rPr>
+                                <m:t>𝑜𝑠</m:t>
                               </m:r>
                               <m:r>
                                 <a:rPr lang="ko-KR" altLang="en-US" sz="1600" b="0" i="1" smtClean="0">
@@ -11622,13 +13887,7 @@
                                 <a:rPr lang="en-US" altLang="ko-KR" sz="1600" i="1" smtClean="0">
                                   <a:latin typeface="Cambria Math" panose="02040503050406030204" pitchFamily="18" charset="0"/>
                                 </a:rPr>
-                                <m:t>𝑠𝑖</m:t>
-                              </m:r>
-                              <m:r>
-                                <a:rPr lang="en-US" altLang="ko-KR" sz="1600" b="0" i="1" smtClean="0">
-                                  <a:latin typeface="Cambria Math" panose="02040503050406030204" pitchFamily="18" charset="0"/>
-                                </a:rPr>
-                                <m:t>𝑛</m:t>
+                                <m:t>𝑠𝑖𝑛</m:t>
                               </m:r>
                               <m:r>
                                 <a:rPr lang="ko-KR" altLang="en-US" sz="1600" i="1">
@@ -11772,7 +14031,7 @@
             </p:txBody>
           </p:sp>
         </mc:Choice>
-        <mc:Fallback>
+        <mc:Fallback xmlns="">
           <p:sp>
             <p:nvSpPr>
               <p:cNvPr id="30" name="직사각형 29">
@@ -11849,20 +14108,14 @@
       </p:grpSpPr>
       <p:sp>
         <p:nvSpPr>
-          <p:cNvPr id="4" name="TextBox 3">
-            <a:extLst>
-              <a:ext uri="{FF2B5EF4-FFF2-40B4-BE49-F238E27FC236}">
-                <a16:creationId xmlns:a16="http://schemas.microsoft.com/office/drawing/2014/main" id="{AE0A424D-F847-4EDA-8C0D-89C5A9331C2A}"/>
-              </a:ext>
-            </a:extLst>
-          </p:cNvPr>
+          <p:cNvPr id="11" name="TextBox 10"/>
           <p:cNvSpPr txBox="1"/>
           <p:nvPr/>
         </p:nvSpPr>
         <p:spPr>
           <a:xfrm>
             <a:off x="323528" y="980728"/>
-            <a:ext cx="2656496" cy="646331"/>
+            <a:ext cx="2113079" cy="400110"/>
           </a:xfrm>
           <a:prstGeom prst="rect">
             <a:avLst/>
@@ -11887,450 +14140,14 @@
                 <a:latin typeface="HY견고딕" panose="02030600000101010101" pitchFamily="18" charset="-127"/>
                 <a:ea typeface="HY견고딕" panose="02030600000101010101" pitchFamily="18" charset="-127"/>
               </a:rPr>
-              <a:t>3</a:t>
-            </a:r>
-            <a:r>
-              <a:rPr lang="ko-KR" altLang="en-US" sz="2000" dirty="0">
-                <a:latin typeface="HY견고딕" panose="02030600000101010101" pitchFamily="18" charset="-127"/>
-                <a:ea typeface="HY견고딕" panose="02030600000101010101" pitchFamily="18" charset="-127"/>
-              </a:rPr>
-              <a:t>자유도 회전 허용</a:t>
-            </a:r>
-            <a:endParaRPr lang="en-US" altLang="ko-KR" sz="2000" dirty="0">
-              <a:latin typeface="HY견고딕" panose="02030600000101010101" pitchFamily="18" charset="-127"/>
-              <a:ea typeface="HY견고딕" panose="02030600000101010101" pitchFamily="18" charset="-127"/>
-            </a:endParaRPr>
-          </a:p>
-          <a:p>
-            <a:r>
-              <a:rPr lang="en-US" altLang="ko-KR" sz="1600" dirty="0">
-                <a:latin typeface="HY견고딕" panose="02030600000101010101" pitchFamily="18" charset="-127"/>
-                <a:ea typeface="HY견고딕" panose="02030600000101010101" pitchFamily="18" charset="-127"/>
-              </a:rPr>
-              <a:t>(Roll – Pitch – Yaw)</a:t>
-            </a:r>
-            <a:endParaRPr lang="en-US" altLang="ko-KR" sz="2000" dirty="0">
-              <a:latin typeface="HY견고딕" panose="02030600000101010101" pitchFamily="18" charset="-127"/>
-              <a:ea typeface="HY견고딕" panose="02030600000101010101" pitchFamily="18" charset="-127"/>
-            </a:endParaRPr>
-          </a:p>
-        </p:txBody>
-      </p:sp>
-      <p:grpSp>
-        <p:nvGrpSpPr>
-          <p:cNvPr id="20" name="그룹 19">
-            <a:extLst>
-              <a:ext uri="{FF2B5EF4-FFF2-40B4-BE49-F238E27FC236}">
-                <a16:creationId xmlns:a16="http://schemas.microsoft.com/office/drawing/2014/main" id="{DACAA177-17DB-4A1B-B7B6-0349D02E54EF}"/>
-              </a:ext>
-            </a:extLst>
-          </p:cNvPr>
-          <p:cNvGrpSpPr/>
-          <p:nvPr/>
-        </p:nvGrpSpPr>
-        <p:grpSpPr>
-          <a:xfrm>
-            <a:off x="323528" y="1710194"/>
-            <a:ext cx="4761685" cy="3960440"/>
-            <a:chOff x="539552" y="1916832"/>
-            <a:chExt cx="4761685" cy="3960440"/>
-          </a:xfrm>
-        </p:grpSpPr>
-        <p:pic>
-          <p:nvPicPr>
-            <p:cNvPr id="3" name="그림 2">
-              <a:extLst>
-                <a:ext uri="{FF2B5EF4-FFF2-40B4-BE49-F238E27FC236}">
-                  <a16:creationId xmlns:a16="http://schemas.microsoft.com/office/drawing/2014/main" id="{AF3E2F38-7AAC-46FF-A1B7-9C0F78837C2D}"/>
-                </a:ext>
-              </a:extLst>
-            </p:cNvPr>
-            <p:cNvPicPr>
-              <a:picLocks noChangeAspect="1"/>
-            </p:cNvPicPr>
-            <p:nvPr/>
-          </p:nvPicPr>
-          <p:blipFill>
-            <a:blip r:embed="rId2">
-              <a:extLst>
-                <a:ext uri="{28A0092B-C50C-407E-A947-70E740481C1C}">
-                  <a14:useLocalDpi xmlns:a14="http://schemas.microsoft.com/office/drawing/2010/main" val="0"/>
-                </a:ext>
-              </a:extLst>
-            </a:blip>
-            <a:stretch>
-              <a:fillRect/>
-            </a:stretch>
-          </p:blipFill>
-          <p:spPr>
-            <a:xfrm>
-              <a:off x="539552" y="1916832"/>
-              <a:ext cx="4761685" cy="3960440"/>
-            </a:xfrm>
-            <a:prstGeom prst="rect">
-              <a:avLst/>
-            </a:prstGeom>
-          </p:spPr>
-        </p:pic>
-        <p:cxnSp>
-          <p:nvCxnSpPr>
-            <p:cNvPr id="6" name="직선 화살표 연결선 5">
-              <a:extLst>
-                <a:ext uri="{FF2B5EF4-FFF2-40B4-BE49-F238E27FC236}">
-                  <a16:creationId xmlns:a16="http://schemas.microsoft.com/office/drawing/2014/main" id="{711069D1-D2C8-4046-B477-36C930D26F8C}"/>
-                </a:ext>
-              </a:extLst>
-            </p:cNvPr>
-            <p:cNvCxnSpPr>
-              <a:cxnSpLocks/>
-            </p:cNvCxnSpPr>
-            <p:nvPr/>
-          </p:nvCxnSpPr>
-          <p:spPr>
-            <a:xfrm flipH="1">
-              <a:off x="2195736" y="5085184"/>
-              <a:ext cx="648072" cy="0"/>
-            </a:xfrm>
-            <a:prstGeom prst="straightConnector1">
-              <a:avLst/>
-            </a:prstGeom>
-            <a:ln w="38100">
-              <a:solidFill>
-                <a:srgbClr val="FF0000"/>
-              </a:solidFill>
-              <a:tailEnd type="triangle"/>
-            </a:ln>
-          </p:spPr>
-          <p:style>
-            <a:lnRef idx="1">
-              <a:schemeClr val="accent1"/>
-            </a:lnRef>
-            <a:fillRef idx="0">
-              <a:schemeClr val="accent1"/>
-            </a:fillRef>
-            <a:effectRef idx="0">
-              <a:schemeClr val="accent1"/>
-            </a:effectRef>
-            <a:fontRef idx="minor">
-              <a:schemeClr val="tx1"/>
-            </a:fontRef>
-          </p:style>
-        </p:cxnSp>
-        <p:cxnSp>
-          <p:nvCxnSpPr>
-            <p:cNvPr id="10" name="직선 화살표 연결선 9">
-              <a:extLst>
-                <a:ext uri="{FF2B5EF4-FFF2-40B4-BE49-F238E27FC236}">
-                  <a16:creationId xmlns:a16="http://schemas.microsoft.com/office/drawing/2014/main" id="{581089E4-82F9-41F0-8722-159EFAB78E56}"/>
-                </a:ext>
-              </a:extLst>
-            </p:cNvPr>
-            <p:cNvCxnSpPr>
-              <a:cxnSpLocks/>
-            </p:cNvCxnSpPr>
-            <p:nvPr/>
-          </p:nvCxnSpPr>
-          <p:spPr>
-            <a:xfrm flipH="1">
-              <a:off x="2339752" y="2636912"/>
-              <a:ext cx="580642" cy="72008"/>
-            </a:xfrm>
-            <a:prstGeom prst="straightConnector1">
-              <a:avLst/>
-            </a:prstGeom>
-            <a:ln w="38100">
-              <a:solidFill>
-                <a:srgbClr val="FF0000"/>
-              </a:solidFill>
-              <a:tailEnd type="triangle"/>
-            </a:ln>
-          </p:spPr>
-          <p:style>
-            <a:lnRef idx="1">
-              <a:schemeClr val="accent1"/>
-            </a:lnRef>
-            <a:fillRef idx="0">
-              <a:schemeClr val="accent1"/>
-            </a:fillRef>
-            <a:effectRef idx="0">
-              <a:schemeClr val="accent1"/>
-            </a:effectRef>
-            <a:fontRef idx="minor">
-              <a:schemeClr val="tx1"/>
-            </a:fontRef>
-          </p:style>
-        </p:cxnSp>
-        <p:cxnSp>
-          <p:nvCxnSpPr>
-            <p:cNvPr id="13" name="직선 화살표 연결선 12">
-              <a:extLst>
-                <a:ext uri="{FF2B5EF4-FFF2-40B4-BE49-F238E27FC236}">
-                  <a16:creationId xmlns:a16="http://schemas.microsoft.com/office/drawing/2014/main" id="{64CF0BC2-4FB8-4DAB-A5C1-0EA44ED9867D}"/>
-                </a:ext>
-              </a:extLst>
-            </p:cNvPr>
-            <p:cNvCxnSpPr>
-              <a:cxnSpLocks/>
-            </p:cNvCxnSpPr>
-            <p:nvPr/>
-          </p:nvCxnSpPr>
-          <p:spPr>
-            <a:xfrm flipH="1" flipV="1">
-              <a:off x="2405312" y="2809982"/>
-              <a:ext cx="438496" cy="2218506"/>
-            </a:xfrm>
-            <a:prstGeom prst="straightConnector1">
-              <a:avLst/>
-            </a:prstGeom>
-            <a:ln w="38100">
-              <a:solidFill>
-                <a:srgbClr val="FF0000"/>
-              </a:solidFill>
-              <a:tailEnd type="triangle"/>
-            </a:ln>
-          </p:spPr>
-          <p:style>
-            <a:lnRef idx="1">
-              <a:schemeClr val="accent1"/>
-            </a:lnRef>
-            <a:fillRef idx="0">
-              <a:schemeClr val="accent1"/>
-            </a:fillRef>
-            <a:effectRef idx="0">
-              <a:schemeClr val="accent1"/>
-            </a:effectRef>
-            <a:fontRef idx="minor">
-              <a:schemeClr val="tx1"/>
-            </a:fontRef>
-          </p:style>
-        </p:cxnSp>
-        <p:cxnSp>
-          <p:nvCxnSpPr>
-            <p:cNvPr id="16" name="직선 화살표 연결선 15">
-              <a:extLst>
-                <a:ext uri="{FF2B5EF4-FFF2-40B4-BE49-F238E27FC236}">
-                  <a16:creationId xmlns:a16="http://schemas.microsoft.com/office/drawing/2014/main" id="{4A61041A-D6F0-4681-925E-ADD23B474ED7}"/>
-                </a:ext>
-              </a:extLst>
-            </p:cNvPr>
-            <p:cNvCxnSpPr>
-              <a:cxnSpLocks/>
-            </p:cNvCxnSpPr>
-            <p:nvPr/>
-          </p:nvCxnSpPr>
-          <p:spPr>
-            <a:xfrm flipV="1">
-              <a:off x="2037696" y="2775580"/>
-              <a:ext cx="216024" cy="2156048"/>
-            </a:xfrm>
-            <a:prstGeom prst="straightConnector1">
-              <a:avLst/>
-            </a:prstGeom>
-            <a:ln w="38100">
-              <a:solidFill>
-                <a:srgbClr val="FF0000"/>
-              </a:solidFill>
-              <a:tailEnd type="triangle"/>
-            </a:ln>
-          </p:spPr>
-          <p:style>
-            <a:lnRef idx="1">
-              <a:schemeClr val="accent1"/>
-            </a:lnRef>
-            <a:fillRef idx="0">
-              <a:schemeClr val="accent1"/>
-            </a:fillRef>
-            <a:effectRef idx="0">
-              <a:schemeClr val="accent1"/>
-            </a:effectRef>
-            <a:fontRef idx="minor">
-              <a:schemeClr val="tx1"/>
-            </a:fontRef>
-          </p:style>
-        </p:cxnSp>
-      </p:grpSp>
-      <p:sp>
-        <p:nvSpPr>
-          <p:cNvPr id="19" name="TextBox 18">
-            <a:extLst>
-              <a:ext uri="{FF2B5EF4-FFF2-40B4-BE49-F238E27FC236}">
-                <a16:creationId xmlns:a16="http://schemas.microsoft.com/office/drawing/2014/main" id="{4CDB503E-A893-49DD-827A-561514B645B3}"/>
-              </a:ext>
-            </a:extLst>
-          </p:cNvPr>
-          <p:cNvSpPr txBox="1"/>
-          <p:nvPr/>
-        </p:nvSpPr>
-        <p:spPr>
-          <a:xfrm>
-            <a:off x="5119306" y="1772816"/>
-            <a:ext cx="3986916" cy="1877437"/>
-          </a:xfrm>
-          <a:prstGeom prst="rect">
-            <a:avLst/>
-          </a:prstGeom>
-          <a:noFill/>
-        </p:spPr>
-        <p:txBody>
-          <a:bodyPr wrap="square" rtlCol="0">
-            <a:spAutoFit/>
-          </a:bodyPr>
-          <a:lstStyle/>
-          <a:p>
-            <a:r>
-              <a:rPr lang="ko-KR" altLang="en-US" b="1" dirty="0">
-                <a:latin typeface="맑은 고딕" panose="020B0503020000020004" pitchFamily="50" charset="-127"/>
-                <a:ea typeface="맑은 고딕" panose="020B0503020000020004" pitchFamily="50" charset="-127"/>
-              </a:rPr>
-              <a:t>고정 축 설정</a:t>
-            </a:r>
-            <a:r>
-              <a:rPr lang="en-US" altLang="ko-KR" b="1" dirty="0">
-                <a:latin typeface="맑은 고딕" panose="020B0503020000020004" pitchFamily="50" charset="-127"/>
-                <a:ea typeface="맑은 고딕" panose="020B0503020000020004" pitchFamily="50" charset="-127"/>
-              </a:rPr>
-              <a:t>(</a:t>
-            </a:r>
-            <a:r>
-              <a:rPr lang="ko-KR" altLang="en-US" b="1" dirty="0" err="1">
-                <a:latin typeface="맑은 고딕" panose="020B0503020000020004" pitchFamily="50" charset="-127"/>
-                <a:ea typeface="맑은 고딕" panose="020B0503020000020004" pitchFamily="50" charset="-127"/>
-              </a:rPr>
-              <a:t>동축</a:t>
-            </a:r>
-            <a:r>
-              <a:rPr lang="en-US" altLang="ko-KR" b="1" dirty="0">
-                <a:latin typeface="맑은 고딕" panose="020B0503020000020004" pitchFamily="50" charset="-127"/>
-                <a:ea typeface="맑은 고딕" panose="020B0503020000020004" pitchFamily="50" charset="-127"/>
-              </a:rPr>
-              <a:t>)</a:t>
-            </a:r>
-          </a:p>
-          <a:p>
-            <a:endParaRPr lang="en-US" altLang="ko-KR" dirty="0">
-              <a:latin typeface="맑은 고딕" panose="020B0503020000020004" pitchFamily="50" charset="-127"/>
-              <a:ea typeface="맑은 고딕" panose="020B0503020000020004" pitchFamily="50" charset="-127"/>
-            </a:endParaRPr>
-          </a:p>
-          <a:p>
-            <a:endParaRPr lang="en-US" altLang="ko-KR" sz="1600" dirty="0">
-              <a:latin typeface="맑은 고딕" panose="020B0503020000020004" pitchFamily="50" charset="-127"/>
-              <a:ea typeface="맑은 고딕" panose="020B0503020000020004" pitchFamily="50" charset="-127"/>
-            </a:endParaRPr>
-          </a:p>
-          <a:p>
-            <a:r>
-              <a:rPr lang="en-US" altLang="ko-KR" sz="1600" dirty="0">
-                <a:latin typeface="맑은 고딕" panose="020B0503020000020004" pitchFamily="50" charset="-127"/>
-                <a:ea typeface="맑은 고딕" panose="020B0503020000020004" pitchFamily="50" charset="-127"/>
-              </a:rPr>
-              <a:t>- </a:t>
-            </a:r>
-            <a:r>
-              <a:rPr lang="ko-KR" altLang="en-US" sz="1600" dirty="0">
-                <a:latin typeface="맑은 고딕" panose="020B0503020000020004" pitchFamily="50" charset="-127"/>
-                <a:ea typeface="맑은 고딕" panose="020B0503020000020004" pitchFamily="50" charset="-127"/>
-              </a:rPr>
-              <a:t>간단한 기구학으로 </a:t>
-            </a:r>
-            <a:r>
-              <a:rPr lang="en-US" altLang="ko-KR" sz="1600" dirty="0">
-                <a:latin typeface="맑은 고딕" panose="020B0503020000020004" pitchFamily="50" charset="-127"/>
-                <a:ea typeface="맑은 고딕" panose="020B0503020000020004" pitchFamily="50" charset="-127"/>
-              </a:rPr>
-              <a:t>L1 ~ L3 </a:t>
-            </a:r>
-            <a:r>
-              <a:rPr lang="ko-KR" altLang="en-US" sz="1600" dirty="0">
-                <a:latin typeface="맑은 고딕" panose="020B0503020000020004" pitchFamily="50" charset="-127"/>
-                <a:ea typeface="맑은 고딕" panose="020B0503020000020004" pitchFamily="50" charset="-127"/>
-              </a:rPr>
-              <a:t>계산 가능</a:t>
-            </a:r>
-            <a:endParaRPr lang="en-US" altLang="ko-KR" sz="1600" dirty="0">
-              <a:latin typeface="맑은 고딕" panose="020B0503020000020004" pitchFamily="50" charset="-127"/>
-              <a:ea typeface="맑은 고딕" panose="020B0503020000020004" pitchFamily="50" charset="-127"/>
-            </a:endParaRPr>
-          </a:p>
-          <a:p>
-            <a:endParaRPr lang="en-US" altLang="ko-KR" sz="1600" dirty="0">
-              <a:latin typeface="맑은 고딕" panose="020B0503020000020004" pitchFamily="50" charset="-127"/>
-              <a:ea typeface="맑은 고딕" panose="020B0503020000020004" pitchFamily="50" charset="-127"/>
-            </a:endParaRPr>
-          </a:p>
-          <a:p>
-            <a:pPr marL="285750" indent="-285750">
-              <a:buFontTx/>
-              <a:buChar char="-"/>
-            </a:pPr>
-            <a:r>
-              <a:rPr lang="ko-KR" altLang="en-US" sz="1600" dirty="0">
-                <a:latin typeface="맑은 고딕" panose="020B0503020000020004" pitchFamily="50" charset="-127"/>
-                <a:ea typeface="맑은 고딕" panose="020B0503020000020004" pitchFamily="50" charset="-127"/>
-              </a:rPr>
-              <a:t>각 </a:t>
-            </a:r>
-            <a:r>
-              <a:rPr lang="ko-KR" altLang="en-US" sz="1600" dirty="0" err="1">
-                <a:latin typeface="맑은 고딕" panose="020B0503020000020004" pitchFamily="50" charset="-127"/>
-                <a:ea typeface="맑은 고딕" panose="020B0503020000020004" pitchFamily="50" charset="-127"/>
-              </a:rPr>
-              <a:t>엑추에이터의</a:t>
-            </a:r>
-            <a:r>
-              <a:rPr lang="ko-KR" altLang="en-US" sz="1600" dirty="0">
-                <a:latin typeface="맑은 고딕" panose="020B0503020000020004" pitchFamily="50" charset="-127"/>
-                <a:ea typeface="맑은 고딕" panose="020B0503020000020004" pitchFamily="50" charset="-127"/>
-              </a:rPr>
-              <a:t> 최소</a:t>
-            </a:r>
-            <a:r>
-              <a:rPr lang="en-US" altLang="ko-KR" sz="1600" dirty="0">
-                <a:latin typeface="맑은 고딕" panose="020B0503020000020004" pitchFamily="50" charset="-127"/>
-                <a:ea typeface="맑은 고딕" panose="020B0503020000020004" pitchFamily="50" charset="-127"/>
-              </a:rPr>
-              <a:t>, </a:t>
-            </a:r>
-            <a:r>
-              <a:rPr lang="ko-KR" altLang="en-US" sz="1600" dirty="0">
-                <a:latin typeface="맑은 고딕" panose="020B0503020000020004" pitchFamily="50" charset="-127"/>
-                <a:ea typeface="맑은 고딕" panose="020B0503020000020004" pitchFamily="50" charset="-127"/>
-              </a:rPr>
-              <a:t>최대 운영 거리 확보해야 함</a:t>
-            </a:r>
-            <a:r>
-              <a:rPr lang="en-US" altLang="ko-KR" sz="1600" dirty="0">
-                <a:latin typeface="맑은 고딕" panose="020B0503020000020004" pitchFamily="50" charset="-127"/>
-                <a:ea typeface="맑은 고딕" panose="020B0503020000020004" pitchFamily="50" charset="-127"/>
-              </a:rPr>
-              <a:t>.(</a:t>
-            </a:r>
-            <a:r>
-              <a:rPr lang="ko-KR" altLang="en-US" sz="1600" dirty="0">
-                <a:latin typeface="맑은 고딕" panose="020B0503020000020004" pitchFamily="50" charset="-127"/>
-                <a:ea typeface="맑은 고딕" panose="020B0503020000020004" pitchFamily="50" charset="-127"/>
-              </a:rPr>
-              <a:t>파손 위험</a:t>
-            </a:r>
-            <a:r>
-              <a:rPr lang="en-US" altLang="ko-KR" sz="1600" dirty="0">
-                <a:latin typeface="맑은 고딕" panose="020B0503020000020004" pitchFamily="50" charset="-127"/>
-                <a:ea typeface="맑은 고딕" panose="020B0503020000020004" pitchFamily="50" charset="-127"/>
-              </a:rPr>
-              <a:t>)</a:t>
+              <a:t>MVC Patten</a:t>
             </a:r>
           </a:p>
         </p:txBody>
       </p:sp>
       <p:sp>
         <p:nvSpPr>
-          <p:cNvPr id="21" name="TextBox 20">
-            <a:extLst>
-              <a:ext uri="{FF2B5EF4-FFF2-40B4-BE49-F238E27FC236}">
-                <a16:creationId xmlns:a16="http://schemas.microsoft.com/office/drawing/2014/main" id="{B2C7BE40-AEB3-4532-8109-C9FCA612C004}"/>
-              </a:ext>
-            </a:extLst>
-          </p:cNvPr>
+          <p:cNvPr id="7" name="TextBox 6"/>
           <p:cNvSpPr txBox="1"/>
           <p:nvPr/>
         </p:nvSpPr>
@@ -12389,7 +14206,7 @@
                 <a:ea typeface="HY견고딕" pitchFamily="18" charset="-127"/>
                 <a:cs typeface="Arial" panose="020B0604020202020204" pitchFamily="34" charset="0"/>
               </a:rPr>
-              <a:t>구조 제안</a:t>
+              <a:t>프로그램 진행 계획</a:t>
             </a:r>
             <a:endParaRPr lang="ko-KR" altLang="en-US" sz="2800" b="1" kern="0" spc="-150" dirty="0">
               <a:gradFill>
@@ -12415,1149 +14232,2202 @@
           </a:p>
         </p:txBody>
       </p:sp>
-      <mc:AlternateContent xmlns:mc="http://schemas.openxmlformats.org/markup-compatibility/2006">
-        <mc:Choice xmlns:a14="http://schemas.microsoft.com/office/drawing/2010/main" Requires="a14">
-          <p:sp>
-            <p:nvSpPr>
-              <p:cNvPr id="22" name="TextBox 21">
-                <a:extLst>
-                  <a:ext uri="{FF2B5EF4-FFF2-40B4-BE49-F238E27FC236}">
-                    <a16:creationId xmlns:a16="http://schemas.microsoft.com/office/drawing/2014/main" id="{9256729B-70D1-460B-8551-62E7211315BA}"/>
-                  </a:ext>
-                </a:extLst>
-              </p:cNvPr>
-              <p:cNvSpPr txBox="1"/>
-              <p:nvPr/>
-            </p:nvSpPr>
-            <p:spPr>
-              <a:xfrm>
-                <a:off x="1526628" y="4634587"/>
-                <a:ext cx="216024" cy="374526"/>
-              </a:xfrm>
-              <a:prstGeom prst="rect">
-                <a:avLst/>
-              </a:prstGeom>
-              <a:noFill/>
-            </p:spPr>
-            <p:txBody>
-              <a:bodyPr wrap="square" rtlCol="0">
-                <a:spAutoFit/>
-              </a:bodyPr>
-              <a:lstStyle/>
-              <a:p>
-                <a14:m>
-                  <m:oMathPara xmlns:m="http://schemas.openxmlformats.org/officeDocument/2006/math">
-                    <m:oMathParaPr>
-                      <m:jc m:val="centerGroup"/>
-                    </m:oMathParaPr>
-                    <m:oMath xmlns:m="http://schemas.openxmlformats.org/officeDocument/2006/math">
-                      <m:sSub>
-                        <m:sSubPr>
-                          <m:ctrlPr>
-                            <a:rPr lang="en-US" altLang="ko-KR" i="1" smtClean="0">
-                              <a:latin typeface="Cambria Math" panose="02040503050406030204" pitchFamily="18" charset="0"/>
-                            </a:rPr>
-                          </m:ctrlPr>
-                        </m:sSubPr>
-                        <m:e>
-                          <m:r>
-                            <a:rPr lang="en-US" altLang="ko-KR" b="0" i="1" smtClean="0">
-                              <a:latin typeface="Cambria Math" panose="02040503050406030204" pitchFamily="18" charset="0"/>
-                            </a:rPr>
-                            <m:t>𝑏</m:t>
-                          </m:r>
-                        </m:e>
-                        <m:sub>
-                          <m:r>
-                            <a:rPr lang="en-US" altLang="ko-KR" b="0" i="1" smtClean="0">
-                              <a:latin typeface="Cambria Math" panose="02040503050406030204" pitchFamily="18" charset="0"/>
-                            </a:rPr>
-                            <m:t>𝑖</m:t>
-                          </m:r>
-                        </m:sub>
-                      </m:sSub>
-                    </m:oMath>
-                  </m:oMathPara>
-                </a14:m>
-                <a:endParaRPr lang="ko-KR" altLang="en-US" dirty="0"/>
-              </a:p>
-            </p:txBody>
-          </p:sp>
-        </mc:Choice>
-        <mc:Fallback>
-          <p:sp>
-            <p:nvSpPr>
-              <p:cNvPr id="22" name="TextBox 21">
-                <a:extLst>
-                  <a:ext uri="{FF2B5EF4-FFF2-40B4-BE49-F238E27FC236}">
-                    <a16:creationId xmlns:a16="http://schemas.microsoft.com/office/drawing/2014/main" id="{9256729B-70D1-460B-8551-62E7211315BA}"/>
-                  </a:ext>
-                </a:extLst>
-              </p:cNvPr>
-              <p:cNvSpPr txBox="1">
-                <a:spLocks noRot="1" noChangeAspect="1" noMove="1" noResize="1" noEditPoints="1" noAdjustHandles="1" noChangeArrowheads="1" noChangeShapeType="1" noTextEdit="1"/>
-              </p:cNvSpPr>
-              <p:nvPr/>
-            </p:nvSpPr>
-            <p:spPr>
-              <a:xfrm>
-                <a:off x="1526628" y="4634587"/>
-                <a:ext cx="216024" cy="374526"/>
-              </a:xfrm>
-              <a:prstGeom prst="rect">
-                <a:avLst/>
-              </a:prstGeom>
-              <a:blipFill>
-                <a:blip r:embed="rId3"/>
-                <a:stretch>
-                  <a:fillRect r="-52778"/>
-                </a:stretch>
-              </a:blipFill>
-            </p:spPr>
-            <p:txBody>
-              <a:bodyPr/>
-              <a:lstStyle/>
-              <a:p>
-                <a:r>
-                  <a:rPr lang="ko-KR" altLang="en-US">
-                    <a:noFill/>
-                  </a:rPr>
-                  <a:t> </a:t>
-                </a:r>
-              </a:p>
-            </p:txBody>
-          </p:sp>
-        </mc:Fallback>
-      </mc:AlternateContent>
-      <mc:AlternateContent xmlns:mc="http://schemas.openxmlformats.org/markup-compatibility/2006">
-        <mc:Choice xmlns:a14="http://schemas.microsoft.com/office/drawing/2010/main" Requires="a14">
-          <p:sp>
-            <p:nvSpPr>
-              <p:cNvPr id="23" name="TextBox 22">
-                <a:extLst>
-                  <a:ext uri="{FF2B5EF4-FFF2-40B4-BE49-F238E27FC236}">
-                    <a16:creationId xmlns:a16="http://schemas.microsoft.com/office/drawing/2014/main" id="{036C7D75-6F3F-45DD-9133-D1187B0ABC0F}"/>
-                  </a:ext>
-                </a:extLst>
-              </p:cNvPr>
-              <p:cNvSpPr txBox="1"/>
-              <p:nvPr/>
-            </p:nvSpPr>
-            <p:spPr>
-              <a:xfrm>
-                <a:off x="1799692" y="2203956"/>
-                <a:ext cx="216024" cy="374526"/>
-              </a:xfrm>
-              <a:prstGeom prst="rect">
-                <a:avLst/>
-              </a:prstGeom>
-              <a:noFill/>
-            </p:spPr>
-            <p:txBody>
-              <a:bodyPr wrap="square" rtlCol="0">
-                <a:spAutoFit/>
-              </a:bodyPr>
-              <a:lstStyle/>
-              <a:p>
-                <a14:m>
-                  <m:oMathPara xmlns:m="http://schemas.openxmlformats.org/officeDocument/2006/math">
-                    <m:oMathParaPr>
-                      <m:jc m:val="centerGroup"/>
-                    </m:oMathParaPr>
-                    <m:oMath xmlns:m="http://schemas.openxmlformats.org/officeDocument/2006/math">
-                      <m:sSub>
-                        <m:sSubPr>
-                          <m:ctrlPr>
-                            <a:rPr lang="en-US" altLang="ko-KR" i="1" smtClean="0">
-                              <a:latin typeface="Cambria Math" panose="02040503050406030204" pitchFamily="18" charset="0"/>
-                            </a:rPr>
-                          </m:ctrlPr>
-                        </m:sSubPr>
-                        <m:e>
-                          <m:r>
-                            <a:rPr lang="en-US" altLang="ko-KR" b="0" i="1" smtClean="0">
-                              <a:latin typeface="Cambria Math" panose="02040503050406030204" pitchFamily="18" charset="0"/>
-                            </a:rPr>
-                            <m:t>𝑝</m:t>
-                          </m:r>
-                        </m:e>
-                        <m:sub>
-                          <m:r>
-                            <a:rPr lang="en-US" altLang="ko-KR" b="0" i="1" smtClean="0">
-                              <a:latin typeface="Cambria Math" panose="02040503050406030204" pitchFamily="18" charset="0"/>
-                            </a:rPr>
-                            <m:t>𝑖</m:t>
-                          </m:r>
-                        </m:sub>
-                      </m:sSub>
-                    </m:oMath>
-                  </m:oMathPara>
-                </a14:m>
-                <a:endParaRPr lang="ko-KR" altLang="en-US" dirty="0"/>
-              </a:p>
-            </p:txBody>
-          </p:sp>
-        </mc:Choice>
-        <mc:Fallback>
-          <p:sp>
-            <p:nvSpPr>
-              <p:cNvPr id="23" name="TextBox 22">
-                <a:extLst>
-                  <a:ext uri="{FF2B5EF4-FFF2-40B4-BE49-F238E27FC236}">
-                    <a16:creationId xmlns:a16="http://schemas.microsoft.com/office/drawing/2014/main" id="{036C7D75-6F3F-45DD-9133-D1187B0ABC0F}"/>
-                  </a:ext>
-                </a:extLst>
-              </p:cNvPr>
-              <p:cNvSpPr txBox="1">
-                <a:spLocks noRot="1" noChangeAspect="1" noMove="1" noResize="1" noEditPoints="1" noAdjustHandles="1" noChangeArrowheads="1" noChangeShapeType="1" noTextEdit="1"/>
-              </p:cNvSpPr>
-              <p:nvPr/>
-            </p:nvSpPr>
-            <p:spPr>
-              <a:xfrm>
-                <a:off x="1799692" y="2203956"/>
-                <a:ext cx="216024" cy="374526"/>
-              </a:xfrm>
-              <a:prstGeom prst="rect">
-                <a:avLst/>
-              </a:prstGeom>
-              <a:blipFill>
-                <a:blip r:embed="rId4"/>
-                <a:stretch>
-                  <a:fillRect r="-55556" b="-4918"/>
-                </a:stretch>
-              </a:blipFill>
-            </p:spPr>
-            <p:txBody>
-              <a:bodyPr/>
-              <a:lstStyle/>
-              <a:p>
-                <a:r>
-                  <a:rPr lang="ko-KR" altLang="en-US">
-                    <a:noFill/>
-                  </a:rPr>
-                  <a:t> </a:t>
-                </a:r>
-              </a:p>
-            </p:txBody>
-          </p:sp>
-        </mc:Fallback>
-      </mc:AlternateContent>
-      <mc:AlternateContent xmlns:mc="http://schemas.openxmlformats.org/markup-compatibility/2006">
-        <mc:Choice xmlns:a14="http://schemas.microsoft.com/office/drawing/2010/main" Requires="a14">
-          <p:sp>
-            <p:nvSpPr>
-              <p:cNvPr id="24" name="TextBox 23">
-                <a:extLst>
-                  <a:ext uri="{FF2B5EF4-FFF2-40B4-BE49-F238E27FC236}">
-                    <a16:creationId xmlns:a16="http://schemas.microsoft.com/office/drawing/2014/main" id="{E0ED9CAA-3560-4527-B30D-0EDE6800C377}"/>
-                  </a:ext>
-                </a:extLst>
-              </p:cNvPr>
-              <p:cNvSpPr txBox="1"/>
-              <p:nvPr/>
-            </p:nvSpPr>
-            <p:spPr>
-              <a:xfrm>
-                <a:off x="2488346" y="4853684"/>
-                <a:ext cx="216024" cy="374526"/>
-              </a:xfrm>
-              <a:prstGeom prst="rect">
-                <a:avLst/>
-              </a:prstGeom>
-              <a:noFill/>
-            </p:spPr>
-            <p:txBody>
-              <a:bodyPr wrap="square" rtlCol="0">
-                <a:spAutoFit/>
-              </a:bodyPr>
-              <a:lstStyle/>
-              <a:p>
-                <a14:m>
-                  <m:oMathPara xmlns:m="http://schemas.openxmlformats.org/officeDocument/2006/math">
-                    <m:oMathParaPr>
-                      <m:jc m:val="centerGroup"/>
-                    </m:oMathParaPr>
-                    <m:oMath xmlns:m="http://schemas.openxmlformats.org/officeDocument/2006/math">
-                      <m:sSub>
-                        <m:sSubPr>
-                          <m:ctrlPr>
-                            <a:rPr lang="en-US" altLang="ko-KR" i="1" smtClean="0">
-                              <a:latin typeface="Cambria Math" panose="02040503050406030204" pitchFamily="18" charset="0"/>
-                            </a:rPr>
-                          </m:ctrlPr>
-                        </m:sSubPr>
-                        <m:e>
-                          <m:r>
-                            <a:rPr lang="en-US" altLang="ko-KR" b="0" i="1" smtClean="0">
-                              <a:latin typeface="Cambria Math" panose="02040503050406030204" pitchFamily="18" charset="0"/>
-                            </a:rPr>
-                            <m:t>𝑏</m:t>
-                          </m:r>
-                        </m:e>
-                        <m:sub>
-                          <m:r>
-                            <a:rPr lang="en-US" altLang="ko-KR" b="0" i="1" smtClean="0">
-                              <a:latin typeface="Cambria Math" panose="02040503050406030204" pitchFamily="18" charset="0"/>
-                            </a:rPr>
-                            <m:t>𝑜</m:t>
-                          </m:r>
-                        </m:sub>
-                      </m:sSub>
-                    </m:oMath>
-                  </m:oMathPara>
-                </a14:m>
-                <a:endParaRPr lang="ko-KR" altLang="en-US" dirty="0"/>
-              </a:p>
-            </p:txBody>
-          </p:sp>
-        </mc:Choice>
-        <mc:Fallback>
-          <p:sp>
-            <p:nvSpPr>
-              <p:cNvPr id="24" name="TextBox 23">
-                <a:extLst>
-                  <a:ext uri="{FF2B5EF4-FFF2-40B4-BE49-F238E27FC236}">
-                    <a16:creationId xmlns:a16="http://schemas.microsoft.com/office/drawing/2014/main" id="{E0ED9CAA-3560-4527-B30D-0EDE6800C377}"/>
-                  </a:ext>
-                </a:extLst>
-              </p:cNvPr>
-              <p:cNvSpPr txBox="1">
-                <a:spLocks noRot="1" noChangeAspect="1" noMove="1" noResize="1" noEditPoints="1" noAdjustHandles="1" noChangeArrowheads="1" noChangeShapeType="1" noTextEdit="1"/>
-              </p:cNvSpPr>
-              <p:nvPr/>
-            </p:nvSpPr>
-            <p:spPr>
-              <a:xfrm>
-                <a:off x="2488346" y="4853684"/>
-                <a:ext cx="216024" cy="374526"/>
-              </a:xfrm>
-              <a:prstGeom prst="rect">
-                <a:avLst/>
-              </a:prstGeom>
-              <a:blipFill>
-                <a:blip r:embed="rId5"/>
-                <a:stretch>
-                  <a:fillRect r="-61111"/>
-                </a:stretch>
-              </a:blipFill>
-            </p:spPr>
-            <p:txBody>
-              <a:bodyPr/>
-              <a:lstStyle/>
-              <a:p>
-                <a:r>
-                  <a:rPr lang="ko-KR" altLang="en-US">
-                    <a:noFill/>
-                  </a:rPr>
-                  <a:t> </a:t>
-                </a:r>
-              </a:p>
-            </p:txBody>
-          </p:sp>
-        </mc:Fallback>
-      </mc:AlternateContent>
-      <mc:AlternateContent xmlns:mc="http://schemas.openxmlformats.org/markup-compatibility/2006">
-        <mc:Choice xmlns:a14="http://schemas.microsoft.com/office/drawing/2010/main" Requires="a14">
-          <p:sp>
-            <p:nvSpPr>
-              <p:cNvPr id="25" name="TextBox 24">
-                <a:extLst>
-                  <a:ext uri="{FF2B5EF4-FFF2-40B4-BE49-F238E27FC236}">
-                    <a16:creationId xmlns:a16="http://schemas.microsoft.com/office/drawing/2014/main" id="{56BD0694-2E94-4474-AAC8-C155FCFAFB47}"/>
-                  </a:ext>
-                </a:extLst>
-              </p:cNvPr>
-              <p:cNvSpPr txBox="1"/>
-              <p:nvPr/>
-            </p:nvSpPr>
-            <p:spPr>
-              <a:xfrm>
-                <a:off x="2519772" y="1953538"/>
-                <a:ext cx="216024" cy="374526"/>
-              </a:xfrm>
-              <a:prstGeom prst="rect">
-                <a:avLst/>
-              </a:prstGeom>
-              <a:noFill/>
-            </p:spPr>
-            <p:txBody>
-              <a:bodyPr wrap="square" rtlCol="0">
-                <a:spAutoFit/>
-              </a:bodyPr>
-              <a:lstStyle/>
-              <a:p>
-                <a14:m>
-                  <m:oMathPara xmlns:m="http://schemas.openxmlformats.org/officeDocument/2006/math">
-                    <m:oMathParaPr>
-                      <m:jc m:val="centerGroup"/>
-                    </m:oMathParaPr>
-                    <m:oMath xmlns:m="http://schemas.openxmlformats.org/officeDocument/2006/math">
-                      <m:sSub>
-                        <m:sSubPr>
-                          <m:ctrlPr>
-                            <a:rPr lang="en-US" altLang="ko-KR" i="1" smtClean="0">
-                              <a:latin typeface="Cambria Math" panose="02040503050406030204" pitchFamily="18" charset="0"/>
-                            </a:rPr>
-                          </m:ctrlPr>
-                        </m:sSubPr>
-                        <m:e>
-                          <m:r>
-                            <a:rPr lang="en-US" altLang="ko-KR" b="0" i="1" smtClean="0">
-                              <a:latin typeface="Cambria Math" panose="02040503050406030204" pitchFamily="18" charset="0"/>
-                            </a:rPr>
-                            <m:t>𝑝</m:t>
-                          </m:r>
-                        </m:e>
-                        <m:sub>
-                          <m:r>
-                            <a:rPr lang="en-US" altLang="ko-KR" b="0" i="1" smtClean="0">
-                              <a:latin typeface="Cambria Math" panose="02040503050406030204" pitchFamily="18" charset="0"/>
-                            </a:rPr>
-                            <m:t>𝑜</m:t>
-                          </m:r>
-                        </m:sub>
-                      </m:sSub>
-                    </m:oMath>
-                  </m:oMathPara>
-                </a14:m>
-                <a:endParaRPr lang="ko-KR" altLang="en-US" dirty="0"/>
-              </a:p>
-            </p:txBody>
-          </p:sp>
-        </mc:Choice>
-        <mc:Fallback>
-          <p:sp>
-            <p:nvSpPr>
-              <p:cNvPr id="25" name="TextBox 24">
-                <a:extLst>
-                  <a:ext uri="{FF2B5EF4-FFF2-40B4-BE49-F238E27FC236}">
-                    <a16:creationId xmlns:a16="http://schemas.microsoft.com/office/drawing/2014/main" id="{56BD0694-2E94-4474-AAC8-C155FCFAFB47}"/>
-                  </a:ext>
-                </a:extLst>
-              </p:cNvPr>
-              <p:cNvSpPr txBox="1">
-                <a:spLocks noRot="1" noChangeAspect="1" noMove="1" noResize="1" noEditPoints="1" noAdjustHandles="1" noChangeArrowheads="1" noChangeShapeType="1" noTextEdit="1"/>
-              </p:cNvSpPr>
-              <p:nvPr/>
-            </p:nvSpPr>
-            <p:spPr>
-              <a:xfrm>
-                <a:off x="2519772" y="1953538"/>
-                <a:ext cx="216024" cy="374526"/>
-              </a:xfrm>
-              <a:prstGeom prst="rect">
-                <a:avLst/>
-              </a:prstGeom>
-              <a:blipFill>
-                <a:blip r:embed="rId6"/>
-                <a:stretch>
-                  <a:fillRect r="-63889" b="-4839"/>
-                </a:stretch>
-              </a:blipFill>
-            </p:spPr>
-            <p:txBody>
-              <a:bodyPr/>
-              <a:lstStyle/>
-              <a:p>
-                <a:r>
-                  <a:rPr lang="ko-KR" altLang="en-US">
-                    <a:noFill/>
-                  </a:rPr>
-                  <a:t> </a:t>
-                </a:r>
-              </a:p>
-            </p:txBody>
-          </p:sp>
-        </mc:Fallback>
-      </mc:AlternateContent>
-      <mc:AlternateContent xmlns:mc="http://schemas.openxmlformats.org/markup-compatibility/2006">
-        <mc:Choice xmlns:a14="http://schemas.microsoft.com/office/drawing/2010/main" Requires="a14">
-          <p:sp>
-            <p:nvSpPr>
-              <p:cNvPr id="26" name="TextBox 25">
-                <a:extLst>
-                  <a:ext uri="{FF2B5EF4-FFF2-40B4-BE49-F238E27FC236}">
-                    <a16:creationId xmlns:a16="http://schemas.microsoft.com/office/drawing/2014/main" id="{C7149B10-7253-4B09-BAA9-068D02F7CDCA}"/>
-                  </a:ext>
-                </a:extLst>
-              </p:cNvPr>
-              <p:cNvSpPr txBox="1"/>
-              <p:nvPr/>
-            </p:nvSpPr>
-            <p:spPr>
-              <a:xfrm>
-                <a:off x="2512368" y="3646966"/>
-                <a:ext cx="216024" cy="369332"/>
-              </a:xfrm>
-              <a:prstGeom prst="rect">
-                <a:avLst/>
-              </a:prstGeom>
-              <a:noFill/>
-            </p:spPr>
-            <p:txBody>
-              <a:bodyPr wrap="square" rtlCol="0">
-                <a:spAutoFit/>
-              </a:bodyPr>
-              <a:lstStyle/>
-              <a:p>
-                <a14:m>
-                  <m:oMathPara xmlns:m="http://schemas.openxmlformats.org/officeDocument/2006/math">
-                    <m:oMathParaPr>
-                      <m:jc m:val="centerGroup"/>
-                    </m:oMathParaPr>
-                    <m:oMath xmlns:m="http://schemas.openxmlformats.org/officeDocument/2006/math">
-                      <m:r>
-                        <a:rPr lang="en-US" altLang="ko-KR" b="0" i="1" smtClean="0">
-                          <a:latin typeface="Cambria Math" panose="02040503050406030204" pitchFamily="18" charset="0"/>
-                        </a:rPr>
-                        <m:t>h</m:t>
-                      </m:r>
-                    </m:oMath>
-                  </m:oMathPara>
-                </a14:m>
-                <a:endParaRPr lang="ko-KR" altLang="en-US" dirty="0"/>
-              </a:p>
-            </p:txBody>
-          </p:sp>
-        </mc:Choice>
-        <mc:Fallback>
-          <p:sp>
-            <p:nvSpPr>
-              <p:cNvPr id="26" name="TextBox 25">
-                <a:extLst>
-                  <a:ext uri="{FF2B5EF4-FFF2-40B4-BE49-F238E27FC236}">
-                    <a16:creationId xmlns:a16="http://schemas.microsoft.com/office/drawing/2014/main" id="{C7149B10-7253-4B09-BAA9-068D02F7CDCA}"/>
-                  </a:ext>
-                </a:extLst>
-              </p:cNvPr>
-              <p:cNvSpPr txBox="1">
-                <a:spLocks noRot="1" noChangeAspect="1" noMove="1" noResize="1" noEditPoints="1" noAdjustHandles="1" noChangeArrowheads="1" noChangeShapeType="1" noTextEdit="1"/>
-              </p:cNvSpPr>
-              <p:nvPr/>
-            </p:nvSpPr>
-            <p:spPr>
-              <a:xfrm>
-                <a:off x="2512368" y="3646966"/>
-                <a:ext cx="216024" cy="369332"/>
-              </a:xfrm>
-              <a:prstGeom prst="rect">
-                <a:avLst/>
-              </a:prstGeom>
-              <a:blipFill>
-                <a:blip r:embed="rId7"/>
-                <a:stretch>
-                  <a:fillRect r="-38889"/>
-                </a:stretch>
-              </a:blipFill>
-            </p:spPr>
-            <p:txBody>
-              <a:bodyPr/>
-              <a:lstStyle/>
-              <a:p>
-                <a:r>
-                  <a:rPr lang="ko-KR" altLang="en-US">
-                    <a:noFill/>
-                  </a:rPr>
-                  <a:t> </a:t>
-                </a:r>
-              </a:p>
-            </p:txBody>
-          </p:sp>
-        </mc:Fallback>
-      </mc:AlternateContent>
-      <mc:AlternateContent xmlns:mc="http://schemas.openxmlformats.org/markup-compatibility/2006">
-        <mc:Choice xmlns:a14="http://schemas.microsoft.com/office/drawing/2010/main" Requires="a14">
-          <p:sp>
-            <p:nvSpPr>
-              <p:cNvPr id="27" name="직사각형 26">
-                <a:extLst>
-                  <a:ext uri="{FF2B5EF4-FFF2-40B4-BE49-F238E27FC236}">
-                    <a16:creationId xmlns:a16="http://schemas.microsoft.com/office/drawing/2014/main" id="{0CEB42D9-A762-4DB9-BE1D-9F757AAC8793}"/>
-                  </a:ext>
-                </a:extLst>
-              </p:cNvPr>
-              <p:cNvSpPr/>
-              <p:nvPr/>
-            </p:nvSpPr>
-            <p:spPr>
-              <a:xfrm>
-                <a:off x="5593847" y="4029447"/>
-                <a:ext cx="2782887" cy="1800686"/>
-              </a:xfrm>
-              <a:prstGeom prst="rect">
-                <a:avLst/>
-              </a:prstGeom>
-            </p:spPr>
-            <p:txBody>
-              <a:bodyPr wrap="square">
-                <a:spAutoFit/>
-              </a:bodyPr>
-              <a:lstStyle/>
-              <a:p>
-                <a14:m>
-                  <m:oMathPara xmlns:m="http://schemas.openxmlformats.org/officeDocument/2006/math">
-                    <m:oMathParaPr>
-                      <m:jc m:val="centerGroup"/>
-                    </m:oMathParaPr>
-                    <m:oMath xmlns:m="http://schemas.openxmlformats.org/officeDocument/2006/math">
-                      <m:acc>
-                        <m:accPr>
-                          <m:chr m:val="̅"/>
-                          <m:ctrlPr>
-                            <a:rPr lang="ko-KR" altLang="en-US" i="1" smtClean="0">
-                              <a:latin typeface="Cambria Math" panose="02040503050406030204" pitchFamily="18" charset="0"/>
-                            </a:rPr>
-                          </m:ctrlPr>
-                        </m:accPr>
-                        <m:e>
-                          <m:sSub>
-                            <m:sSubPr>
-                              <m:ctrlPr>
-                                <a:rPr lang="en-US" altLang="ko-KR" i="1" smtClean="0">
-                                  <a:latin typeface="Cambria Math" panose="02040503050406030204" pitchFamily="18" charset="0"/>
-                                </a:rPr>
-                              </m:ctrlPr>
-                            </m:sSubPr>
-                            <m:e>
-                              <m:r>
-                                <a:rPr lang="en-US" altLang="ko-KR" b="0" i="1" smtClean="0">
-                                  <a:latin typeface="Cambria Math" panose="02040503050406030204" pitchFamily="18" charset="0"/>
-                                </a:rPr>
-                                <m:t>𝑝</m:t>
-                              </m:r>
-                            </m:e>
-                            <m:sub>
-                              <m:r>
-                                <a:rPr lang="en-US" altLang="ko-KR" b="0" i="1" smtClean="0">
-                                  <a:latin typeface="Cambria Math" panose="02040503050406030204" pitchFamily="18" charset="0"/>
-                                </a:rPr>
-                                <m:t>𝑜</m:t>
-                              </m:r>
-                            </m:sub>
-                          </m:sSub>
-                          <m:sSub>
-                            <m:sSubPr>
-                              <m:ctrlPr>
-                                <a:rPr lang="en-US" altLang="ko-KR" i="1">
-                                  <a:latin typeface="Cambria Math" panose="02040503050406030204" pitchFamily="18" charset="0"/>
-                                </a:rPr>
-                              </m:ctrlPr>
-                            </m:sSubPr>
-                            <m:e>
-                              <m:r>
-                                <a:rPr lang="en-US" altLang="ko-KR" b="0" i="1" smtClean="0">
-                                  <a:latin typeface="Cambria Math" panose="02040503050406030204" pitchFamily="18" charset="0"/>
-                                </a:rPr>
-                                <m:t>𝑏</m:t>
-                              </m:r>
-                            </m:e>
-                            <m:sub>
-                              <m:r>
-                                <a:rPr lang="en-US" altLang="ko-KR" b="0" i="1" smtClean="0">
-                                  <a:latin typeface="Cambria Math" panose="02040503050406030204" pitchFamily="18" charset="0"/>
-                                </a:rPr>
-                                <m:t>𝑜</m:t>
-                              </m:r>
-                            </m:sub>
-                          </m:sSub>
-                        </m:e>
-                      </m:acc>
-                      <m:r>
-                        <a:rPr lang="en-US" altLang="ko-KR" b="0" i="1" smtClean="0">
-                          <a:latin typeface="Cambria Math" panose="02040503050406030204" pitchFamily="18" charset="0"/>
-                        </a:rPr>
-                        <m:t>=</m:t>
-                      </m:r>
-                      <m:sSup>
-                        <m:sSupPr>
-                          <m:ctrlPr>
-                            <a:rPr lang="en-US" altLang="ko-KR" b="0" i="1" smtClean="0">
-                              <a:latin typeface="Cambria Math" panose="02040503050406030204" pitchFamily="18" charset="0"/>
-                            </a:rPr>
-                          </m:ctrlPr>
-                        </m:sSupPr>
-                        <m:e>
-                          <m:r>
-                            <a:rPr lang="en-US" altLang="ko-KR" b="0" i="1" smtClean="0">
-                              <a:latin typeface="Cambria Math" panose="02040503050406030204" pitchFamily="18" charset="0"/>
-                            </a:rPr>
-                            <m:t> </m:t>
-                          </m:r>
-                          <m:r>
-                            <a:rPr lang="en-US" altLang="ko-KR" i="0" smtClean="0">
-                              <a:latin typeface="+mj-lt"/>
-                            </a:rPr>
-                            <m:t>[</m:t>
-                          </m:r>
-                          <m:m>
-                            <m:mPr>
-                              <m:mcs>
-                                <m:mc>
-                                  <m:mcPr>
-                                    <m:count m:val="3"/>
-                                    <m:mcJc m:val="center"/>
-                                  </m:mcPr>
-                                </m:mc>
-                              </m:mcs>
-                              <m:ctrlPr>
-                                <a:rPr lang="en-US" altLang="ko-KR" i="1">
-                                  <a:latin typeface="Cambria Math" panose="02040503050406030204" pitchFamily="18" charset="0"/>
-                                </a:rPr>
-                              </m:ctrlPr>
-                            </m:mPr>
-                            <m:mr>
-                              <m:e>
-                                <m:r>
-                                  <m:rPr>
-                                    <m:brk m:alnAt="7"/>
-                                  </m:rPr>
-                                  <a:rPr lang="en-US" altLang="ko-KR" b="0" i="1" smtClean="0">
-                                    <a:latin typeface="Cambria Math" panose="02040503050406030204" pitchFamily="18" charset="0"/>
-                                  </a:rPr>
-                                  <m:t>0</m:t>
-                                </m:r>
-                              </m:e>
-                              <m:e>
-                                <m:r>
-                                  <a:rPr lang="en-US" altLang="ko-KR" b="0" i="1" smtClean="0">
-                                    <a:latin typeface="Cambria Math" panose="02040503050406030204" pitchFamily="18" charset="0"/>
-                                  </a:rPr>
-                                  <m:t>0</m:t>
-                                </m:r>
-                              </m:e>
-                              <m:e>
-                                <m:r>
-                                  <a:rPr lang="en-US" altLang="ko-KR" b="0" i="1" smtClean="0">
-                                    <a:latin typeface="Cambria Math" panose="02040503050406030204" pitchFamily="18" charset="0"/>
-                                  </a:rPr>
-                                  <m:t>h</m:t>
-                                </m:r>
-                              </m:e>
-                            </m:mr>
-                          </m:m>
-                          <m:r>
-                            <a:rPr lang="en-US" altLang="ko-KR" i="0" smtClean="0">
-                              <a:latin typeface="+mj-lt"/>
-                            </a:rPr>
-                            <m:t>]</m:t>
-                          </m:r>
-                        </m:e>
-                        <m:sup>
-                          <m:r>
-                            <a:rPr lang="en-US" altLang="ko-KR" b="0" i="1" smtClean="0">
-                              <a:latin typeface="Cambria Math" panose="02040503050406030204" pitchFamily="18" charset="0"/>
-                            </a:rPr>
-                            <m:t>𝑇</m:t>
-                          </m:r>
-                        </m:sup>
-                      </m:sSup>
-                    </m:oMath>
-                  </m:oMathPara>
-                </a14:m>
-                <a:endParaRPr lang="en-US" altLang="ko-KR" b="0" dirty="0"/>
-              </a:p>
-              <a:p>
-                <a:endParaRPr lang="en-US" altLang="ko-KR" dirty="0"/>
-              </a:p>
-              <a:p>
-                <a14:m>
-                  <m:oMathPara xmlns:m="http://schemas.openxmlformats.org/officeDocument/2006/math">
-                    <m:oMathParaPr>
-                      <m:jc m:val="centerGroup"/>
-                    </m:oMathParaPr>
-                    <m:oMath xmlns:m="http://schemas.openxmlformats.org/officeDocument/2006/math">
-                      <m:acc>
-                        <m:accPr>
-                          <m:chr m:val="̅"/>
-                          <m:ctrlPr>
-                            <a:rPr lang="ko-KR" altLang="en-US" i="1">
-                              <a:latin typeface="Cambria Math" panose="02040503050406030204" pitchFamily="18" charset="0"/>
-                            </a:rPr>
-                          </m:ctrlPr>
-                        </m:accPr>
-                        <m:e>
-                          <m:sSub>
-                            <m:sSubPr>
-                              <m:ctrlPr>
-                                <a:rPr lang="en-US" altLang="ko-KR" i="1">
-                                  <a:latin typeface="Cambria Math" panose="02040503050406030204" pitchFamily="18" charset="0"/>
-                                </a:rPr>
-                              </m:ctrlPr>
-                            </m:sSubPr>
-                            <m:e>
-                              <m:sSub>
-                                <m:sSubPr>
-                                  <m:ctrlPr>
-                                    <a:rPr lang="en-US" altLang="ko-KR" i="1">
-                                      <a:latin typeface="Cambria Math" panose="02040503050406030204" pitchFamily="18" charset="0"/>
-                                    </a:rPr>
-                                  </m:ctrlPr>
-                                </m:sSubPr>
-                                <m:e>
-                                  <m:r>
-                                    <a:rPr lang="en-US" altLang="ko-KR" i="1">
-                                      <a:latin typeface="Cambria Math" panose="02040503050406030204" pitchFamily="18" charset="0"/>
-                                    </a:rPr>
-                                    <m:t>𝑏</m:t>
-                                  </m:r>
-                                </m:e>
-                                <m:sub>
-                                  <m:r>
-                                    <a:rPr lang="en-US" altLang="ko-KR" i="1">
-                                      <a:latin typeface="Cambria Math" panose="02040503050406030204" pitchFamily="18" charset="0"/>
-                                    </a:rPr>
-                                    <m:t>𝑜</m:t>
-                                  </m:r>
-                                </m:sub>
-                              </m:sSub>
-                              <m:r>
-                                <a:rPr lang="en-US" altLang="ko-KR" i="1">
-                                  <a:latin typeface="Cambria Math" panose="02040503050406030204" pitchFamily="18" charset="0"/>
-                                </a:rPr>
-                                <m:t>𝑝</m:t>
-                              </m:r>
-                            </m:e>
-                            <m:sub>
-                              <m:r>
-                                <a:rPr lang="en-US" altLang="ko-KR" b="0" i="1" smtClean="0">
-                                  <a:latin typeface="Cambria Math" panose="02040503050406030204" pitchFamily="18" charset="0"/>
-                                </a:rPr>
-                                <m:t>𝑖</m:t>
-                              </m:r>
-                            </m:sub>
-                          </m:sSub>
-                        </m:e>
-                      </m:acc>
-                      <m:r>
-                        <a:rPr lang="en-US" altLang="ko-KR" i="1">
-                          <a:latin typeface="Cambria Math" panose="02040503050406030204" pitchFamily="18" charset="0"/>
-                        </a:rPr>
-                        <m:t>=</m:t>
-                      </m:r>
-                      <m:sSub>
-                        <m:sSubPr>
-                          <m:ctrlPr>
-                            <a:rPr lang="en-US" altLang="ko-KR" i="1">
-                              <a:latin typeface="Cambria Math" panose="02040503050406030204" pitchFamily="18" charset="0"/>
-                            </a:rPr>
-                          </m:ctrlPr>
-                        </m:sSubPr>
-                        <m:e>
-                          <m:r>
-                            <a:rPr lang="en-US" altLang="ko-KR" b="0" i="1" smtClean="0">
-                              <a:latin typeface="Cambria Math" panose="02040503050406030204" pitchFamily="18" charset="0"/>
-                            </a:rPr>
-                            <m:t>𝑅</m:t>
-                          </m:r>
-                        </m:e>
-                        <m:sub>
-                          <m:r>
-                            <a:rPr lang="en-US" altLang="ko-KR" b="0" i="1" smtClean="0">
-                              <a:latin typeface="Cambria Math" panose="02040503050406030204" pitchFamily="18" charset="0"/>
-                            </a:rPr>
-                            <m:t>𝑝𝑏</m:t>
-                          </m:r>
-                        </m:sub>
-                      </m:sSub>
-                      <m:sSub>
-                        <m:sSubPr>
-                          <m:ctrlPr>
-                            <a:rPr lang="en-US" altLang="ko-KR" i="1">
-                              <a:latin typeface="Cambria Math" panose="02040503050406030204" pitchFamily="18" charset="0"/>
-                            </a:rPr>
-                          </m:ctrlPr>
-                        </m:sSubPr>
-                        <m:e>
-                          <m:r>
-                            <a:rPr lang="en-US" altLang="ko-KR" i="1">
-                              <a:latin typeface="Cambria Math" panose="02040503050406030204" pitchFamily="18" charset="0"/>
-                            </a:rPr>
-                            <m:t>𝑝</m:t>
-                          </m:r>
-                        </m:e>
-                        <m:sub>
-                          <m:r>
-                            <a:rPr lang="en-US" altLang="ko-KR" b="0" i="1" smtClean="0">
-                              <a:latin typeface="Cambria Math" panose="02040503050406030204" pitchFamily="18" charset="0"/>
-                            </a:rPr>
-                            <m:t>𝑖</m:t>
-                          </m:r>
-                        </m:sub>
-                      </m:sSub>
-                    </m:oMath>
-                  </m:oMathPara>
-                </a14:m>
-                <a:endParaRPr lang="en-US" altLang="ko-KR" dirty="0"/>
-              </a:p>
-              <a:p>
-                <a:endParaRPr lang="en-US" altLang="ko-KR" dirty="0"/>
-              </a:p>
-              <a:p>
-                <a14:m>
-                  <m:oMathPara xmlns:m="http://schemas.openxmlformats.org/officeDocument/2006/math">
-                    <m:oMathParaPr>
-                      <m:jc m:val="centerGroup"/>
-                    </m:oMathParaPr>
-                    <m:oMath xmlns:m="http://schemas.openxmlformats.org/officeDocument/2006/math">
-                      <m:acc>
-                        <m:accPr>
-                          <m:chr m:val="̅"/>
-                          <m:ctrlPr>
-                            <a:rPr lang="ko-KR" altLang="en-US" i="1">
-                              <a:latin typeface="Cambria Math" panose="02040503050406030204" pitchFamily="18" charset="0"/>
-                            </a:rPr>
-                          </m:ctrlPr>
-                        </m:accPr>
-                        <m:e>
-                          <m:sSub>
-                            <m:sSubPr>
-                              <m:ctrlPr>
-                                <a:rPr lang="en-US" altLang="ko-KR" i="1">
-                                  <a:latin typeface="Cambria Math" panose="02040503050406030204" pitchFamily="18" charset="0"/>
-                                </a:rPr>
-                              </m:ctrlPr>
-                            </m:sSubPr>
-                            <m:e>
-                              <m:sSub>
-                                <m:sSubPr>
-                                  <m:ctrlPr>
-                                    <a:rPr lang="en-US" altLang="ko-KR" i="1">
-                                      <a:latin typeface="Cambria Math" panose="02040503050406030204" pitchFamily="18" charset="0"/>
-                                    </a:rPr>
-                                  </m:ctrlPr>
-                                </m:sSubPr>
-                                <m:e>
-                                  <m:r>
-                                    <a:rPr lang="en-US" altLang="ko-KR" i="1">
-                                      <a:latin typeface="Cambria Math" panose="02040503050406030204" pitchFamily="18" charset="0"/>
-                                    </a:rPr>
-                                    <m:t>𝑏</m:t>
-                                  </m:r>
-                                </m:e>
-                                <m:sub>
-                                  <m:r>
-                                    <a:rPr lang="en-US" altLang="ko-KR" b="0" i="1" smtClean="0">
-                                      <a:latin typeface="Cambria Math" panose="02040503050406030204" pitchFamily="18" charset="0"/>
-                                    </a:rPr>
-                                    <m:t>𝑖</m:t>
-                                  </m:r>
-                                </m:sub>
-                              </m:sSub>
-                              <m:r>
-                                <a:rPr lang="en-US" altLang="ko-KR" i="1">
-                                  <a:latin typeface="Cambria Math" panose="02040503050406030204" pitchFamily="18" charset="0"/>
-                                </a:rPr>
-                                <m:t>𝑝</m:t>
-                              </m:r>
-                            </m:e>
-                            <m:sub>
-                              <m:r>
-                                <a:rPr lang="en-US" altLang="ko-KR" i="1">
-                                  <a:latin typeface="Cambria Math" panose="02040503050406030204" pitchFamily="18" charset="0"/>
-                                </a:rPr>
-                                <m:t>𝑖</m:t>
-                              </m:r>
-                            </m:sub>
-                          </m:sSub>
-                        </m:e>
-                      </m:acc>
-                      <m:r>
-                        <a:rPr lang="en-US" altLang="ko-KR" i="1">
-                          <a:latin typeface="Cambria Math" panose="02040503050406030204" pitchFamily="18" charset="0"/>
-                        </a:rPr>
-                        <m:t>=</m:t>
-                      </m:r>
-                      <m:acc>
-                        <m:accPr>
-                          <m:chr m:val="̅"/>
-                          <m:ctrlPr>
-                            <a:rPr lang="ko-KR" altLang="en-US" i="1">
-                              <a:latin typeface="Cambria Math" panose="02040503050406030204" pitchFamily="18" charset="0"/>
-                            </a:rPr>
-                          </m:ctrlPr>
-                        </m:accPr>
-                        <m:e>
-                          <m:sSub>
-                            <m:sSubPr>
-                              <m:ctrlPr>
-                                <a:rPr lang="en-US" altLang="ko-KR" i="1">
-                                  <a:latin typeface="Cambria Math" panose="02040503050406030204" pitchFamily="18" charset="0"/>
-                                </a:rPr>
-                              </m:ctrlPr>
-                            </m:sSubPr>
-                            <m:e>
-                              <m:sSub>
-                                <m:sSubPr>
-                                  <m:ctrlPr>
-                                    <a:rPr lang="en-US" altLang="ko-KR" i="1">
-                                      <a:latin typeface="Cambria Math" panose="02040503050406030204" pitchFamily="18" charset="0"/>
-                                    </a:rPr>
-                                  </m:ctrlPr>
-                                </m:sSubPr>
-                                <m:e>
-                                  <m:r>
-                                    <a:rPr lang="en-US" altLang="ko-KR" i="1">
-                                      <a:latin typeface="Cambria Math" panose="02040503050406030204" pitchFamily="18" charset="0"/>
-                                    </a:rPr>
-                                    <m:t>𝑏</m:t>
-                                  </m:r>
-                                </m:e>
-                                <m:sub>
-                                  <m:r>
-                                    <a:rPr lang="en-US" altLang="ko-KR" i="1">
-                                      <a:latin typeface="Cambria Math" panose="02040503050406030204" pitchFamily="18" charset="0"/>
-                                    </a:rPr>
-                                    <m:t>𝑜</m:t>
-                                  </m:r>
-                                </m:sub>
-                              </m:sSub>
-                              <m:r>
-                                <a:rPr lang="en-US" altLang="ko-KR" i="1">
-                                  <a:latin typeface="Cambria Math" panose="02040503050406030204" pitchFamily="18" charset="0"/>
-                                </a:rPr>
-                                <m:t>𝑝</m:t>
-                              </m:r>
-                            </m:e>
-                            <m:sub>
-                              <m:r>
-                                <a:rPr lang="en-US" altLang="ko-KR" i="1">
-                                  <a:latin typeface="Cambria Math" panose="02040503050406030204" pitchFamily="18" charset="0"/>
-                                </a:rPr>
-                                <m:t>𝑖</m:t>
-                              </m:r>
-                            </m:sub>
-                          </m:sSub>
-                        </m:e>
-                      </m:acc>
-                      <m:r>
-                        <a:rPr lang="en-US" altLang="ko-KR" b="0" i="1" smtClean="0">
-                          <a:latin typeface="Cambria Math" panose="02040503050406030204" pitchFamily="18" charset="0"/>
-                        </a:rPr>
-                        <m:t>−</m:t>
-                      </m:r>
-                      <m:acc>
-                        <m:accPr>
-                          <m:chr m:val="̅"/>
-                          <m:ctrlPr>
-                            <a:rPr lang="ko-KR" altLang="en-US" i="1">
-                              <a:latin typeface="Cambria Math" panose="02040503050406030204" pitchFamily="18" charset="0"/>
-                            </a:rPr>
-                          </m:ctrlPr>
-                        </m:accPr>
-                        <m:e>
-                          <m:sSub>
-                            <m:sSubPr>
-                              <m:ctrlPr>
-                                <a:rPr lang="en-US" altLang="ko-KR" i="1">
-                                  <a:latin typeface="Cambria Math" panose="02040503050406030204" pitchFamily="18" charset="0"/>
-                                </a:rPr>
-                              </m:ctrlPr>
-                            </m:sSubPr>
-                            <m:e>
-                              <m:sSub>
-                                <m:sSubPr>
-                                  <m:ctrlPr>
-                                    <a:rPr lang="en-US" altLang="ko-KR" i="1">
-                                      <a:latin typeface="Cambria Math" panose="02040503050406030204" pitchFamily="18" charset="0"/>
-                                    </a:rPr>
-                                  </m:ctrlPr>
-                                </m:sSubPr>
-                                <m:e>
-                                  <m:r>
-                                    <a:rPr lang="en-US" altLang="ko-KR" i="1">
-                                      <a:latin typeface="Cambria Math" panose="02040503050406030204" pitchFamily="18" charset="0"/>
-                                    </a:rPr>
-                                    <m:t>𝑏</m:t>
-                                  </m:r>
-                                </m:e>
-                                <m:sub>
-                                  <m:r>
-                                    <a:rPr lang="en-US" altLang="ko-KR" i="1">
-                                      <a:latin typeface="Cambria Math" panose="02040503050406030204" pitchFamily="18" charset="0"/>
-                                    </a:rPr>
-                                    <m:t>0</m:t>
-                                  </m:r>
-                                </m:sub>
-                              </m:sSub>
-                              <m:r>
-                                <a:rPr lang="en-US" altLang="ko-KR" i="1">
-                                  <a:latin typeface="Cambria Math" panose="02040503050406030204" pitchFamily="18" charset="0"/>
-                                </a:rPr>
-                                <m:t>𝑏</m:t>
-                              </m:r>
-                            </m:e>
-                            <m:sub>
-                              <m:r>
-                                <a:rPr lang="en-US" altLang="ko-KR" i="1">
-                                  <a:latin typeface="Cambria Math" panose="02040503050406030204" pitchFamily="18" charset="0"/>
-                                </a:rPr>
-                                <m:t>𝑖</m:t>
-                              </m:r>
-                            </m:sub>
-                          </m:sSub>
-                        </m:e>
-                      </m:acc>
-                    </m:oMath>
-                  </m:oMathPara>
-                </a14:m>
-                <a:endParaRPr lang="ko-KR" altLang="en-US" dirty="0"/>
-              </a:p>
-              <a:p>
-                <a:endParaRPr lang="ko-KR" altLang="en-US" dirty="0"/>
-              </a:p>
-            </p:txBody>
-          </p:sp>
-        </mc:Choice>
-        <mc:Fallback>
-          <p:sp>
-            <p:nvSpPr>
-              <p:cNvPr id="27" name="직사각형 26">
-                <a:extLst>
-                  <a:ext uri="{FF2B5EF4-FFF2-40B4-BE49-F238E27FC236}">
-                    <a16:creationId xmlns:a16="http://schemas.microsoft.com/office/drawing/2014/main" id="{0CEB42D9-A762-4DB9-BE1D-9F757AAC8793}"/>
-                  </a:ext>
-                </a:extLst>
-              </p:cNvPr>
-              <p:cNvSpPr>
-                <a:spLocks noRot="1" noChangeAspect="1" noMove="1" noResize="1" noEditPoints="1" noAdjustHandles="1" noChangeArrowheads="1" noChangeShapeType="1" noTextEdit="1"/>
-              </p:cNvSpPr>
-              <p:nvPr/>
-            </p:nvSpPr>
-            <p:spPr>
-              <a:xfrm>
-                <a:off x="5593847" y="4029447"/>
-                <a:ext cx="2782887" cy="1800686"/>
-              </a:xfrm>
-              <a:prstGeom prst="rect">
-                <a:avLst/>
-              </a:prstGeom>
-              <a:blipFill>
-                <a:blip r:embed="rId8"/>
-                <a:stretch>
-                  <a:fillRect/>
-                </a:stretch>
-              </a:blipFill>
-            </p:spPr>
-            <p:txBody>
-              <a:bodyPr/>
-              <a:lstStyle/>
-              <a:p>
-                <a:r>
-                  <a:rPr lang="ko-KR" altLang="en-US">
-                    <a:noFill/>
-                  </a:rPr>
-                  <a:t> </a:t>
-                </a:r>
-              </a:p>
-            </p:txBody>
-          </p:sp>
-        </mc:Fallback>
-      </mc:AlternateContent>
+      <p:grpSp>
+        <p:nvGrpSpPr>
+          <p:cNvPr id="2" name="그룹 1">
+            <a:extLst>
+              <a:ext uri="{FF2B5EF4-FFF2-40B4-BE49-F238E27FC236}">
+                <a16:creationId xmlns:a16="http://schemas.microsoft.com/office/drawing/2014/main" id="{03548796-DF21-49BE-A89D-B32C0ECB6319}"/>
+              </a:ext>
+            </a:extLst>
+          </p:cNvPr>
+          <p:cNvGrpSpPr/>
+          <p:nvPr/>
+        </p:nvGrpSpPr>
+        <p:grpSpPr>
+          <a:xfrm>
+            <a:off x="1160442" y="4600458"/>
+            <a:ext cx="1980220" cy="1656184"/>
+            <a:chOff x="1331640" y="1677420"/>
+            <a:chExt cx="2664296" cy="1950315"/>
+          </a:xfrm>
+        </p:grpSpPr>
+        <p:sp>
+          <p:nvSpPr>
+            <p:cNvPr id="12" name="사각형: 둥근 모서리 11">
+              <a:extLst>
+                <a:ext uri="{FF2B5EF4-FFF2-40B4-BE49-F238E27FC236}">
+                  <a16:creationId xmlns:a16="http://schemas.microsoft.com/office/drawing/2014/main" id="{8FA033C8-4310-4D1D-A529-93FA75E278BD}"/>
+                </a:ext>
+              </a:extLst>
+            </p:cNvPr>
+            <p:cNvSpPr/>
+            <p:nvPr/>
+          </p:nvSpPr>
+          <p:spPr>
+            <a:xfrm>
+              <a:off x="1331640" y="1971551"/>
+              <a:ext cx="2664296" cy="1656184"/>
+            </a:xfrm>
+            <a:prstGeom prst="roundRect">
+              <a:avLst/>
+            </a:prstGeom>
+            <a:noFill/>
+            <a:ln w="9525">
+              <a:solidFill>
+                <a:schemeClr val="tx1">
+                  <a:lumMod val="75000"/>
+                  <a:lumOff val="25000"/>
+                </a:schemeClr>
+              </a:solidFill>
+              <a:headEnd type="none"/>
+              <a:tailEnd type="none"/>
+            </a:ln>
+          </p:spPr>
+          <p:style>
+            <a:lnRef idx="2">
+              <a:schemeClr val="accent1">
+                <a:shade val="50000"/>
+              </a:schemeClr>
+            </a:lnRef>
+            <a:fillRef idx="1">
+              <a:schemeClr val="accent1"/>
+            </a:fillRef>
+            <a:effectRef idx="0">
+              <a:schemeClr val="accent1"/>
+            </a:effectRef>
+            <a:fontRef idx="minor">
+              <a:schemeClr val="lt1"/>
+            </a:fontRef>
+          </p:style>
+          <p:txBody>
+            <a:bodyPr rtlCol="0" anchor="ctr"/>
+            <a:lstStyle/>
+            <a:p>
+              <a:pPr algn="ctr"/>
+              <a:endParaRPr lang="ko-KR" altLang="en-US" sz="1400" b="1" dirty="0">
+                <a:solidFill>
+                  <a:schemeClr val="tx1"/>
+                </a:solidFill>
+              </a:endParaRPr>
+            </a:p>
+          </p:txBody>
+        </p:sp>
+        <p:sp>
+          <p:nvSpPr>
+            <p:cNvPr id="13" name="사각형: 둥근 모서리 12">
+              <a:extLst>
+                <a:ext uri="{FF2B5EF4-FFF2-40B4-BE49-F238E27FC236}">
+                  <a16:creationId xmlns:a16="http://schemas.microsoft.com/office/drawing/2014/main" id="{625C56FD-6941-44EB-BE3D-342842BDD68A}"/>
+                </a:ext>
+              </a:extLst>
+            </p:cNvPr>
+            <p:cNvSpPr/>
+            <p:nvPr/>
+          </p:nvSpPr>
+          <p:spPr>
+            <a:xfrm>
+              <a:off x="1943708" y="1677420"/>
+              <a:ext cx="1440160" cy="576064"/>
+            </a:xfrm>
+            <a:prstGeom prst="roundRect">
+              <a:avLst/>
+            </a:prstGeom>
+            <a:solidFill>
+              <a:schemeClr val="bg1"/>
+            </a:solidFill>
+            <a:ln w="9525">
+              <a:solidFill>
+                <a:schemeClr val="tx1">
+                  <a:lumMod val="75000"/>
+                  <a:lumOff val="25000"/>
+                </a:schemeClr>
+              </a:solidFill>
+              <a:headEnd type="none"/>
+              <a:tailEnd type="none"/>
+            </a:ln>
+          </p:spPr>
+          <p:style>
+            <a:lnRef idx="2">
+              <a:schemeClr val="accent1">
+                <a:shade val="50000"/>
+              </a:schemeClr>
+            </a:lnRef>
+            <a:fillRef idx="1">
+              <a:schemeClr val="accent1"/>
+            </a:fillRef>
+            <a:effectRef idx="0">
+              <a:schemeClr val="accent1"/>
+            </a:effectRef>
+            <a:fontRef idx="minor">
+              <a:schemeClr val="lt1"/>
+            </a:fontRef>
+          </p:style>
+          <p:txBody>
+            <a:bodyPr rtlCol="0" anchor="ctr"/>
+            <a:lstStyle/>
+            <a:p>
+              <a:pPr algn="ctr"/>
+              <a:r>
+                <a:rPr lang="en-US" altLang="ko-KR" sz="1400" b="1" dirty="0">
+                  <a:solidFill>
+                    <a:schemeClr val="tx1"/>
+                  </a:solidFill>
+                </a:rPr>
+                <a:t>Hardware</a:t>
+              </a:r>
+            </a:p>
+            <a:p>
+              <a:pPr algn="ctr"/>
+              <a:r>
+                <a:rPr lang="en-US" altLang="ko-KR" sz="1400" b="1" dirty="0">
+                  <a:solidFill>
+                    <a:schemeClr val="tx1"/>
+                  </a:solidFill>
+                </a:rPr>
+                <a:t>(Model)</a:t>
+              </a:r>
+              <a:endParaRPr lang="ko-KR" altLang="en-US" sz="1400" b="1" dirty="0">
+                <a:solidFill>
+                  <a:schemeClr val="tx1"/>
+                </a:solidFill>
+              </a:endParaRPr>
+            </a:p>
+          </p:txBody>
+        </p:sp>
+        <p:sp>
+          <p:nvSpPr>
+            <p:cNvPr id="15" name="사각형: 둥근 모서리 14">
+              <a:extLst>
+                <a:ext uri="{FF2B5EF4-FFF2-40B4-BE49-F238E27FC236}">
+                  <a16:creationId xmlns:a16="http://schemas.microsoft.com/office/drawing/2014/main" id="{9B87FCD9-8E54-4C46-A2F6-C228B1722430}"/>
+                </a:ext>
+              </a:extLst>
+            </p:cNvPr>
+            <p:cNvSpPr/>
+            <p:nvPr/>
+          </p:nvSpPr>
+          <p:spPr>
+            <a:xfrm>
+              <a:off x="1637674" y="3053515"/>
+              <a:ext cx="2052228" cy="478824"/>
+            </a:xfrm>
+            <a:prstGeom prst="roundRect">
+              <a:avLst/>
+            </a:prstGeom>
+            <a:solidFill>
+              <a:schemeClr val="bg1"/>
+            </a:solidFill>
+            <a:ln w="9525">
+              <a:solidFill>
+                <a:schemeClr val="tx1">
+                  <a:lumMod val="75000"/>
+                  <a:lumOff val="25000"/>
+                </a:schemeClr>
+              </a:solidFill>
+              <a:headEnd type="none"/>
+              <a:tailEnd type="none"/>
+            </a:ln>
+          </p:spPr>
+          <p:style>
+            <a:lnRef idx="2">
+              <a:schemeClr val="accent1">
+                <a:shade val="50000"/>
+              </a:schemeClr>
+            </a:lnRef>
+            <a:fillRef idx="1">
+              <a:schemeClr val="accent1"/>
+            </a:fillRef>
+            <a:effectRef idx="0">
+              <a:schemeClr val="accent1"/>
+            </a:effectRef>
+            <a:fontRef idx="minor">
+              <a:schemeClr val="lt1"/>
+            </a:fontRef>
+          </p:style>
+          <p:txBody>
+            <a:bodyPr rtlCol="0" anchor="ctr"/>
+            <a:lstStyle/>
+            <a:p>
+              <a:pPr algn="ctr"/>
+              <a:r>
+                <a:rPr lang="en-US" altLang="ko-KR" sz="1200" b="1" dirty="0">
+                  <a:solidFill>
+                    <a:schemeClr val="tx1"/>
+                  </a:solidFill>
+                </a:rPr>
+                <a:t>Upper</a:t>
+              </a:r>
+            </a:p>
+            <a:p>
+              <a:pPr algn="ctr"/>
+              <a:r>
+                <a:rPr lang="en-US" altLang="ko-KR" sz="1200" b="1" dirty="0">
+                  <a:solidFill>
+                    <a:schemeClr val="tx1"/>
+                  </a:solidFill>
+                </a:rPr>
+                <a:t>(Component)</a:t>
+              </a:r>
+              <a:endParaRPr lang="ko-KR" altLang="en-US" sz="1200" b="1" dirty="0">
+                <a:solidFill>
+                  <a:schemeClr val="tx1"/>
+                </a:solidFill>
+              </a:endParaRPr>
+            </a:p>
+          </p:txBody>
+        </p:sp>
+        <p:sp>
+          <p:nvSpPr>
+            <p:cNvPr id="20" name="사각형: 둥근 모서리 19">
+              <a:extLst>
+                <a:ext uri="{FF2B5EF4-FFF2-40B4-BE49-F238E27FC236}">
+                  <a16:creationId xmlns:a16="http://schemas.microsoft.com/office/drawing/2014/main" id="{3DD0FC6C-FDC3-4148-B8B8-E25D23334D96}"/>
+                </a:ext>
+              </a:extLst>
+            </p:cNvPr>
+            <p:cNvSpPr/>
+            <p:nvPr/>
+          </p:nvSpPr>
+          <p:spPr>
+            <a:xfrm>
+              <a:off x="1637674" y="2414087"/>
+              <a:ext cx="2052228" cy="478824"/>
+            </a:xfrm>
+            <a:prstGeom prst="roundRect">
+              <a:avLst/>
+            </a:prstGeom>
+            <a:solidFill>
+              <a:schemeClr val="bg1"/>
+            </a:solidFill>
+            <a:ln w="9525">
+              <a:solidFill>
+                <a:schemeClr val="tx1">
+                  <a:lumMod val="75000"/>
+                  <a:lumOff val="25000"/>
+                </a:schemeClr>
+              </a:solidFill>
+              <a:headEnd type="none"/>
+              <a:tailEnd type="none"/>
+            </a:ln>
+          </p:spPr>
+          <p:style>
+            <a:lnRef idx="2">
+              <a:schemeClr val="accent1">
+                <a:shade val="50000"/>
+              </a:schemeClr>
+            </a:lnRef>
+            <a:fillRef idx="1">
+              <a:schemeClr val="accent1"/>
+            </a:fillRef>
+            <a:effectRef idx="0">
+              <a:schemeClr val="accent1"/>
+            </a:effectRef>
+            <a:fontRef idx="minor">
+              <a:schemeClr val="lt1"/>
+            </a:fontRef>
+          </p:style>
+          <p:txBody>
+            <a:bodyPr rtlCol="0" anchor="ctr"/>
+            <a:lstStyle/>
+            <a:p>
+              <a:pPr algn="ctr"/>
+              <a:r>
+                <a:rPr lang="en-US" altLang="ko-KR" sz="1200" b="1" dirty="0">
+                  <a:solidFill>
+                    <a:schemeClr val="tx1"/>
+                  </a:solidFill>
+                </a:rPr>
+                <a:t>Base</a:t>
+              </a:r>
+            </a:p>
+            <a:p>
+              <a:pPr algn="ctr"/>
+              <a:r>
+                <a:rPr lang="en-US" altLang="ko-KR" sz="1200" b="1" dirty="0">
+                  <a:solidFill>
+                    <a:schemeClr val="tx1"/>
+                  </a:solidFill>
+                </a:rPr>
+                <a:t>(Component)</a:t>
+              </a:r>
+              <a:endParaRPr lang="ko-KR" altLang="en-US" sz="1200" b="1" dirty="0">
+                <a:solidFill>
+                  <a:schemeClr val="tx1"/>
+                </a:solidFill>
+              </a:endParaRPr>
+            </a:p>
+          </p:txBody>
+        </p:sp>
+      </p:grpSp>
+      <p:grpSp>
+        <p:nvGrpSpPr>
+          <p:cNvPr id="3" name="그룹 2">
+            <a:extLst>
+              <a:ext uri="{FF2B5EF4-FFF2-40B4-BE49-F238E27FC236}">
+                <a16:creationId xmlns:a16="http://schemas.microsoft.com/office/drawing/2014/main" id="{161A0B94-80D0-4D29-B84A-F6EE1B9F6006}"/>
+              </a:ext>
+            </a:extLst>
+          </p:cNvPr>
+          <p:cNvGrpSpPr/>
+          <p:nvPr/>
+        </p:nvGrpSpPr>
+        <p:grpSpPr>
+          <a:xfrm>
+            <a:off x="5575303" y="4595771"/>
+            <a:ext cx="1980221" cy="1665558"/>
+            <a:chOff x="4586906" y="1642809"/>
+            <a:chExt cx="2664296" cy="1950315"/>
+          </a:xfrm>
+        </p:grpSpPr>
+        <p:sp>
+          <p:nvSpPr>
+            <p:cNvPr id="16" name="사각형: 둥근 모서리 15">
+              <a:extLst>
+                <a:ext uri="{FF2B5EF4-FFF2-40B4-BE49-F238E27FC236}">
+                  <a16:creationId xmlns:a16="http://schemas.microsoft.com/office/drawing/2014/main" id="{C7578092-71BA-41CC-A620-742099D3060C}"/>
+                </a:ext>
+              </a:extLst>
+            </p:cNvPr>
+            <p:cNvSpPr/>
+            <p:nvPr/>
+          </p:nvSpPr>
+          <p:spPr>
+            <a:xfrm>
+              <a:off x="4586906" y="1936940"/>
+              <a:ext cx="2664296" cy="1656184"/>
+            </a:xfrm>
+            <a:prstGeom prst="roundRect">
+              <a:avLst/>
+            </a:prstGeom>
+            <a:noFill/>
+            <a:ln w="9525">
+              <a:solidFill>
+                <a:schemeClr val="tx1">
+                  <a:lumMod val="75000"/>
+                  <a:lumOff val="25000"/>
+                </a:schemeClr>
+              </a:solidFill>
+              <a:headEnd type="none"/>
+              <a:tailEnd type="none"/>
+            </a:ln>
+          </p:spPr>
+          <p:style>
+            <a:lnRef idx="2">
+              <a:schemeClr val="accent1">
+                <a:shade val="50000"/>
+              </a:schemeClr>
+            </a:lnRef>
+            <a:fillRef idx="1">
+              <a:schemeClr val="accent1"/>
+            </a:fillRef>
+            <a:effectRef idx="0">
+              <a:schemeClr val="accent1"/>
+            </a:effectRef>
+            <a:fontRef idx="minor">
+              <a:schemeClr val="lt1"/>
+            </a:fontRef>
+          </p:style>
+          <p:txBody>
+            <a:bodyPr rtlCol="0" anchor="ctr"/>
+            <a:lstStyle/>
+            <a:p>
+              <a:pPr algn="ctr"/>
+              <a:endParaRPr lang="ko-KR" altLang="en-US" sz="1400" b="1" dirty="0">
+                <a:solidFill>
+                  <a:schemeClr val="tx1"/>
+                </a:solidFill>
+              </a:endParaRPr>
+            </a:p>
+          </p:txBody>
+        </p:sp>
+        <p:sp>
+          <p:nvSpPr>
+            <p:cNvPr id="17" name="사각형: 둥근 모서리 16">
+              <a:extLst>
+                <a:ext uri="{FF2B5EF4-FFF2-40B4-BE49-F238E27FC236}">
+                  <a16:creationId xmlns:a16="http://schemas.microsoft.com/office/drawing/2014/main" id="{30CB818F-02B7-4EBE-AF97-0551107F18E9}"/>
+                </a:ext>
+              </a:extLst>
+            </p:cNvPr>
+            <p:cNvSpPr/>
+            <p:nvPr/>
+          </p:nvSpPr>
+          <p:spPr>
+            <a:xfrm>
+              <a:off x="5198974" y="1642809"/>
+              <a:ext cx="1440160" cy="576064"/>
+            </a:xfrm>
+            <a:prstGeom prst="roundRect">
+              <a:avLst/>
+            </a:prstGeom>
+            <a:solidFill>
+              <a:schemeClr val="bg1"/>
+            </a:solidFill>
+            <a:ln w="9525">
+              <a:solidFill>
+                <a:schemeClr val="tx1">
+                  <a:lumMod val="75000"/>
+                  <a:lumOff val="25000"/>
+                </a:schemeClr>
+              </a:solidFill>
+              <a:headEnd type="none"/>
+              <a:tailEnd type="none"/>
+            </a:ln>
+          </p:spPr>
+          <p:style>
+            <a:lnRef idx="2">
+              <a:schemeClr val="accent1">
+                <a:shade val="50000"/>
+              </a:schemeClr>
+            </a:lnRef>
+            <a:fillRef idx="1">
+              <a:schemeClr val="accent1"/>
+            </a:fillRef>
+            <a:effectRef idx="0">
+              <a:schemeClr val="accent1"/>
+            </a:effectRef>
+            <a:fontRef idx="minor">
+              <a:schemeClr val="lt1"/>
+            </a:fontRef>
+          </p:style>
+          <p:txBody>
+            <a:bodyPr rtlCol="0" anchor="ctr"/>
+            <a:lstStyle/>
+            <a:p>
+              <a:pPr algn="ctr"/>
+              <a:r>
+                <a:rPr lang="en-US" altLang="ko-KR" sz="1400" b="1" dirty="0">
+                  <a:solidFill>
+                    <a:schemeClr val="tx1"/>
+                  </a:solidFill>
+                </a:rPr>
+                <a:t>Motion</a:t>
+              </a:r>
+            </a:p>
+            <a:p>
+              <a:pPr algn="ctr"/>
+              <a:r>
+                <a:rPr lang="en-US" altLang="ko-KR" sz="1400" b="1" dirty="0">
+                  <a:solidFill>
+                    <a:schemeClr val="tx1"/>
+                  </a:solidFill>
+                </a:rPr>
+                <a:t>(Model)</a:t>
+              </a:r>
+              <a:endParaRPr lang="ko-KR" altLang="en-US" sz="1400" b="1" dirty="0">
+                <a:solidFill>
+                  <a:schemeClr val="tx1"/>
+                </a:solidFill>
+              </a:endParaRPr>
+            </a:p>
+          </p:txBody>
+        </p:sp>
+        <p:sp>
+          <p:nvSpPr>
+            <p:cNvPr id="21" name="사각형: 둥근 모서리 20">
+              <a:extLst>
+                <a:ext uri="{FF2B5EF4-FFF2-40B4-BE49-F238E27FC236}">
+                  <a16:creationId xmlns:a16="http://schemas.microsoft.com/office/drawing/2014/main" id="{771392DA-7942-4978-99F5-4F6BD343FF5A}"/>
+                </a:ext>
+              </a:extLst>
+            </p:cNvPr>
+            <p:cNvSpPr/>
+            <p:nvPr/>
+          </p:nvSpPr>
+          <p:spPr>
+            <a:xfrm>
+              <a:off x="4892940" y="2375818"/>
+              <a:ext cx="2052228" cy="478824"/>
+            </a:xfrm>
+            <a:prstGeom prst="roundRect">
+              <a:avLst/>
+            </a:prstGeom>
+            <a:solidFill>
+              <a:schemeClr val="bg1"/>
+            </a:solidFill>
+            <a:ln w="9525">
+              <a:solidFill>
+                <a:schemeClr val="tx1">
+                  <a:lumMod val="75000"/>
+                  <a:lumOff val="25000"/>
+                </a:schemeClr>
+              </a:solidFill>
+              <a:headEnd type="none"/>
+              <a:tailEnd type="none"/>
+            </a:ln>
+          </p:spPr>
+          <p:style>
+            <a:lnRef idx="2">
+              <a:schemeClr val="accent1">
+                <a:shade val="50000"/>
+              </a:schemeClr>
+            </a:lnRef>
+            <a:fillRef idx="1">
+              <a:schemeClr val="accent1"/>
+            </a:fillRef>
+            <a:effectRef idx="0">
+              <a:schemeClr val="accent1"/>
+            </a:effectRef>
+            <a:fontRef idx="minor">
+              <a:schemeClr val="lt1"/>
+            </a:fontRef>
+          </p:style>
+          <p:txBody>
+            <a:bodyPr rtlCol="0" anchor="ctr"/>
+            <a:lstStyle/>
+            <a:p>
+              <a:pPr algn="ctr"/>
+              <a:r>
+                <a:rPr lang="en-US" altLang="ko-KR" sz="1200" b="1" dirty="0">
+                  <a:solidFill>
+                    <a:schemeClr val="tx1"/>
+                  </a:solidFill>
+                </a:rPr>
+                <a:t>Actuator</a:t>
+              </a:r>
+            </a:p>
+            <a:p>
+              <a:pPr algn="ctr"/>
+              <a:r>
+                <a:rPr lang="en-US" altLang="ko-KR" sz="1200" b="1" dirty="0">
+                  <a:solidFill>
+                    <a:schemeClr val="tx1"/>
+                  </a:solidFill>
+                </a:rPr>
+                <a:t>(Component)</a:t>
+              </a:r>
+              <a:endParaRPr lang="ko-KR" altLang="en-US" sz="1200" b="1" dirty="0">
+                <a:solidFill>
+                  <a:schemeClr val="tx1"/>
+                </a:solidFill>
+              </a:endParaRPr>
+            </a:p>
+          </p:txBody>
+        </p:sp>
+        <p:sp>
+          <p:nvSpPr>
+            <p:cNvPr id="22" name="사각형: 둥근 모서리 21">
+              <a:extLst>
+                <a:ext uri="{FF2B5EF4-FFF2-40B4-BE49-F238E27FC236}">
+                  <a16:creationId xmlns:a16="http://schemas.microsoft.com/office/drawing/2014/main" id="{1A6F36B4-BD2B-4222-BDA2-638138BD13F9}"/>
+                </a:ext>
+              </a:extLst>
+            </p:cNvPr>
+            <p:cNvSpPr/>
+            <p:nvPr/>
+          </p:nvSpPr>
+          <p:spPr>
+            <a:xfrm>
+              <a:off x="4892940" y="2962924"/>
+              <a:ext cx="2052228" cy="478824"/>
+            </a:xfrm>
+            <a:prstGeom prst="roundRect">
+              <a:avLst/>
+            </a:prstGeom>
+            <a:solidFill>
+              <a:schemeClr val="bg1"/>
+            </a:solidFill>
+            <a:ln w="9525">
+              <a:solidFill>
+                <a:schemeClr val="tx1">
+                  <a:lumMod val="75000"/>
+                  <a:lumOff val="25000"/>
+                </a:schemeClr>
+              </a:solidFill>
+              <a:headEnd type="none"/>
+              <a:tailEnd type="none"/>
+            </a:ln>
+          </p:spPr>
+          <p:style>
+            <a:lnRef idx="2">
+              <a:schemeClr val="accent1">
+                <a:shade val="50000"/>
+              </a:schemeClr>
+            </a:lnRef>
+            <a:fillRef idx="1">
+              <a:schemeClr val="accent1"/>
+            </a:fillRef>
+            <a:effectRef idx="0">
+              <a:schemeClr val="accent1"/>
+            </a:effectRef>
+            <a:fontRef idx="minor">
+              <a:schemeClr val="lt1"/>
+            </a:fontRef>
+          </p:style>
+          <p:txBody>
+            <a:bodyPr rtlCol="0" anchor="ctr"/>
+            <a:lstStyle/>
+            <a:p>
+              <a:pPr algn="ctr"/>
+              <a:r>
+                <a:rPr lang="en-US" altLang="ko-KR" sz="1200" b="1" dirty="0">
+                  <a:solidFill>
+                    <a:schemeClr val="tx1"/>
+                  </a:solidFill>
+                </a:rPr>
+                <a:t>Motion profile</a:t>
+              </a:r>
+            </a:p>
+            <a:p>
+              <a:pPr algn="ctr"/>
+              <a:r>
+                <a:rPr lang="en-US" altLang="ko-KR" sz="1200" b="1" dirty="0">
+                  <a:solidFill>
+                    <a:schemeClr val="tx1"/>
+                  </a:solidFill>
+                </a:rPr>
+                <a:t>(Component)</a:t>
+              </a:r>
+              <a:endParaRPr lang="ko-KR" altLang="en-US" sz="1200" b="1" dirty="0">
+                <a:solidFill>
+                  <a:schemeClr val="tx1"/>
+                </a:solidFill>
+              </a:endParaRPr>
+            </a:p>
+          </p:txBody>
+        </p:sp>
+      </p:grpSp>
+      <p:grpSp>
+        <p:nvGrpSpPr>
+          <p:cNvPr id="4" name="그룹 3">
+            <a:extLst>
+              <a:ext uri="{FF2B5EF4-FFF2-40B4-BE49-F238E27FC236}">
+                <a16:creationId xmlns:a16="http://schemas.microsoft.com/office/drawing/2014/main" id="{D5AF8612-A22D-436C-9740-5D1F75CB4E4A}"/>
+              </a:ext>
+            </a:extLst>
+          </p:cNvPr>
+          <p:cNvGrpSpPr/>
+          <p:nvPr/>
+        </p:nvGrpSpPr>
+        <p:grpSpPr>
+          <a:xfrm>
+            <a:off x="3367873" y="4600458"/>
+            <a:ext cx="1980220" cy="1656185"/>
+            <a:chOff x="4752020" y="3933057"/>
+            <a:chExt cx="2664296" cy="2238346"/>
+          </a:xfrm>
+        </p:grpSpPr>
+        <p:sp>
+          <p:nvSpPr>
+            <p:cNvPr id="25" name="사각형: 둥근 모서리 24">
+              <a:extLst>
+                <a:ext uri="{FF2B5EF4-FFF2-40B4-BE49-F238E27FC236}">
+                  <a16:creationId xmlns:a16="http://schemas.microsoft.com/office/drawing/2014/main" id="{2715078A-7699-43D3-8832-CD8DF7F6D585}"/>
+                </a:ext>
+              </a:extLst>
+            </p:cNvPr>
+            <p:cNvSpPr/>
+            <p:nvPr/>
+          </p:nvSpPr>
+          <p:spPr>
+            <a:xfrm>
+              <a:off x="4752020" y="4227187"/>
+              <a:ext cx="2664296" cy="1944216"/>
+            </a:xfrm>
+            <a:prstGeom prst="roundRect">
+              <a:avLst/>
+            </a:prstGeom>
+            <a:noFill/>
+            <a:ln w="9525">
+              <a:solidFill>
+                <a:schemeClr val="tx1">
+                  <a:lumMod val="75000"/>
+                  <a:lumOff val="25000"/>
+                </a:schemeClr>
+              </a:solidFill>
+              <a:headEnd type="none"/>
+              <a:tailEnd type="none"/>
+            </a:ln>
+          </p:spPr>
+          <p:style>
+            <a:lnRef idx="2">
+              <a:schemeClr val="accent1">
+                <a:shade val="50000"/>
+              </a:schemeClr>
+            </a:lnRef>
+            <a:fillRef idx="1">
+              <a:schemeClr val="accent1"/>
+            </a:fillRef>
+            <a:effectRef idx="0">
+              <a:schemeClr val="accent1"/>
+            </a:effectRef>
+            <a:fontRef idx="minor">
+              <a:schemeClr val="lt1"/>
+            </a:fontRef>
+          </p:style>
+          <p:txBody>
+            <a:bodyPr rtlCol="0" anchor="ctr"/>
+            <a:lstStyle/>
+            <a:p>
+              <a:pPr algn="ctr"/>
+              <a:endParaRPr lang="ko-KR" altLang="en-US" sz="1400" b="1" dirty="0">
+                <a:solidFill>
+                  <a:schemeClr val="tx1"/>
+                </a:solidFill>
+              </a:endParaRPr>
+            </a:p>
+          </p:txBody>
+        </p:sp>
+        <p:sp>
+          <p:nvSpPr>
+            <p:cNvPr id="26" name="사각형: 둥근 모서리 25">
+              <a:extLst>
+                <a:ext uri="{FF2B5EF4-FFF2-40B4-BE49-F238E27FC236}">
+                  <a16:creationId xmlns:a16="http://schemas.microsoft.com/office/drawing/2014/main" id="{9122621C-5CF4-434A-B624-324F50A237F1}"/>
+                </a:ext>
+              </a:extLst>
+            </p:cNvPr>
+            <p:cNvSpPr/>
+            <p:nvPr/>
+          </p:nvSpPr>
+          <p:spPr>
+            <a:xfrm>
+              <a:off x="5364088" y="3933057"/>
+              <a:ext cx="1440160" cy="576064"/>
+            </a:xfrm>
+            <a:prstGeom prst="roundRect">
+              <a:avLst/>
+            </a:prstGeom>
+            <a:solidFill>
+              <a:schemeClr val="bg1"/>
+            </a:solidFill>
+            <a:ln w="9525">
+              <a:solidFill>
+                <a:schemeClr val="tx1">
+                  <a:lumMod val="75000"/>
+                  <a:lumOff val="25000"/>
+                </a:schemeClr>
+              </a:solidFill>
+              <a:headEnd type="none"/>
+              <a:tailEnd type="none"/>
+            </a:ln>
+          </p:spPr>
+          <p:style>
+            <a:lnRef idx="2">
+              <a:schemeClr val="accent1">
+                <a:shade val="50000"/>
+              </a:schemeClr>
+            </a:lnRef>
+            <a:fillRef idx="1">
+              <a:schemeClr val="accent1"/>
+            </a:fillRef>
+            <a:effectRef idx="0">
+              <a:schemeClr val="accent1"/>
+            </a:effectRef>
+            <a:fontRef idx="minor">
+              <a:schemeClr val="lt1"/>
+            </a:fontRef>
+          </p:style>
+          <p:txBody>
+            <a:bodyPr rtlCol="0" anchor="ctr"/>
+            <a:lstStyle/>
+            <a:p>
+              <a:pPr algn="ctr"/>
+              <a:r>
+                <a:rPr lang="en-US" altLang="ko-KR" sz="1400" b="1" dirty="0">
+                  <a:solidFill>
+                    <a:schemeClr val="tx1"/>
+                  </a:solidFill>
+                </a:rPr>
+                <a:t>Coordinate</a:t>
+              </a:r>
+            </a:p>
+            <a:p>
+              <a:pPr algn="ctr"/>
+              <a:r>
+                <a:rPr lang="en-US" altLang="ko-KR" sz="1400" b="1" dirty="0">
+                  <a:solidFill>
+                    <a:schemeClr val="tx1"/>
+                  </a:solidFill>
+                </a:rPr>
+                <a:t>(Model)</a:t>
+              </a:r>
+              <a:endParaRPr lang="ko-KR" altLang="en-US" sz="1400" b="1" dirty="0">
+                <a:solidFill>
+                  <a:schemeClr val="tx1"/>
+                </a:solidFill>
+              </a:endParaRPr>
+            </a:p>
+          </p:txBody>
+        </p:sp>
+        <p:sp>
+          <p:nvSpPr>
+            <p:cNvPr id="27" name="사각형: 둥근 모서리 26">
+              <a:extLst>
+                <a:ext uri="{FF2B5EF4-FFF2-40B4-BE49-F238E27FC236}">
+                  <a16:creationId xmlns:a16="http://schemas.microsoft.com/office/drawing/2014/main" id="{F902F681-DE8B-408A-BBAB-19F30C1D2756}"/>
+                </a:ext>
+              </a:extLst>
+            </p:cNvPr>
+            <p:cNvSpPr/>
+            <p:nvPr/>
+          </p:nvSpPr>
+          <p:spPr>
+            <a:xfrm>
+              <a:off x="5088162" y="4611890"/>
+              <a:ext cx="2052228" cy="478824"/>
+            </a:xfrm>
+            <a:prstGeom prst="roundRect">
+              <a:avLst/>
+            </a:prstGeom>
+            <a:solidFill>
+              <a:schemeClr val="bg1"/>
+            </a:solidFill>
+            <a:ln w="9525">
+              <a:solidFill>
+                <a:schemeClr val="tx1">
+                  <a:lumMod val="75000"/>
+                  <a:lumOff val="25000"/>
+                </a:schemeClr>
+              </a:solidFill>
+              <a:headEnd type="none"/>
+              <a:tailEnd type="none"/>
+            </a:ln>
+          </p:spPr>
+          <p:style>
+            <a:lnRef idx="2">
+              <a:schemeClr val="accent1">
+                <a:shade val="50000"/>
+              </a:schemeClr>
+            </a:lnRef>
+            <a:fillRef idx="1">
+              <a:schemeClr val="accent1"/>
+            </a:fillRef>
+            <a:effectRef idx="0">
+              <a:schemeClr val="accent1"/>
+            </a:effectRef>
+            <a:fontRef idx="minor">
+              <a:schemeClr val="lt1"/>
+            </a:fontRef>
+          </p:style>
+          <p:txBody>
+            <a:bodyPr rtlCol="0" anchor="ctr"/>
+            <a:lstStyle/>
+            <a:p>
+              <a:pPr algn="ctr"/>
+              <a:r>
+                <a:rPr lang="en-US" altLang="ko-KR" sz="1200" b="1" dirty="0">
+                  <a:solidFill>
+                    <a:schemeClr val="tx1"/>
+                  </a:solidFill>
+                </a:rPr>
+                <a:t>Matrix Transform</a:t>
+              </a:r>
+            </a:p>
+            <a:p>
+              <a:pPr algn="ctr"/>
+              <a:r>
+                <a:rPr lang="en-US" altLang="ko-KR" sz="1200" b="1" dirty="0">
+                  <a:solidFill>
+                    <a:schemeClr val="tx1"/>
+                  </a:solidFill>
+                </a:rPr>
+                <a:t>(Component)</a:t>
+              </a:r>
+              <a:endParaRPr lang="ko-KR" altLang="en-US" sz="1200" b="1" dirty="0">
+                <a:solidFill>
+                  <a:schemeClr val="tx1"/>
+                </a:solidFill>
+              </a:endParaRPr>
+            </a:p>
+          </p:txBody>
+        </p:sp>
+        <p:sp>
+          <p:nvSpPr>
+            <p:cNvPr id="28" name="사각형: 둥근 모서리 27">
+              <a:extLst>
+                <a:ext uri="{FF2B5EF4-FFF2-40B4-BE49-F238E27FC236}">
+                  <a16:creationId xmlns:a16="http://schemas.microsoft.com/office/drawing/2014/main" id="{1B671FD7-A07D-4045-88ED-BFD2BB079A69}"/>
+                </a:ext>
+              </a:extLst>
+            </p:cNvPr>
+            <p:cNvSpPr/>
+            <p:nvPr/>
+          </p:nvSpPr>
+          <p:spPr>
+            <a:xfrm>
+              <a:off x="5092447" y="5247629"/>
+              <a:ext cx="2047943" cy="779757"/>
+            </a:xfrm>
+            <a:prstGeom prst="roundRect">
+              <a:avLst/>
+            </a:prstGeom>
+            <a:solidFill>
+              <a:schemeClr val="bg1"/>
+            </a:solidFill>
+            <a:ln w="9525">
+              <a:solidFill>
+                <a:schemeClr val="tx1">
+                  <a:lumMod val="75000"/>
+                  <a:lumOff val="25000"/>
+                </a:schemeClr>
+              </a:solidFill>
+              <a:headEnd type="none"/>
+              <a:tailEnd type="none"/>
+            </a:ln>
+          </p:spPr>
+          <p:style>
+            <a:lnRef idx="2">
+              <a:schemeClr val="accent1">
+                <a:shade val="50000"/>
+              </a:schemeClr>
+            </a:lnRef>
+            <a:fillRef idx="1">
+              <a:schemeClr val="accent1"/>
+            </a:fillRef>
+            <a:effectRef idx="0">
+              <a:schemeClr val="accent1"/>
+            </a:effectRef>
+            <a:fontRef idx="minor">
+              <a:schemeClr val="lt1"/>
+            </a:fontRef>
+          </p:style>
+          <p:txBody>
+            <a:bodyPr rtlCol="0" anchor="ctr"/>
+            <a:lstStyle/>
+            <a:p>
+              <a:pPr algn="ctr"/>
+              <a:r>
+                <a:rPr lang="en-US" altLang="ko-KR" sz="1200" b="1" dirty="0">
+                  <a:solidFill>
+                    <a:schemeClr val="tx1"/>
+                  </a:solidFill>
+                </a:rPr>
+                <a:t>Hexapod Inverse Kinematics</a:t>
+              </a:r>
+            </a:p>
+            <a:p>
+              <a:pPr algn="ctr"/>
+              <a:r>
+                <a:rPr lang="en-US" altLang="ko-KR" sz="1200" b="1" dirty="0">
+                  <a:solidFill>
+                    <a:schemeClr val="tx1"/>
+                  </a:solidFill>
+                </a:rPr>
+                <a:t>(Component)</a:t>
+              </a:r>
+              <a:endParaRPr lang="ko-KR" altLang="en-US" sz="1200" b="1" dirty="0">
+                <a:solidFill>
+                  <a:schemeClr val="tx1"/>
+                </a:solidFill>
+              </a:endParaRPr>
+            </a:p>
+          </p:txBody>
+        </p:sp>
+      </p:grpSp>
+      <p:grpSp>
+        <p:nvGrpSpPr>
+          <p:cNvPr id="5" name="그룹 4">
+            <a:extLst>
+              <a:ext uri="{FF2B5EF4-FFF2-40B4-BE49-F238E27FC236}">
+                <a16:creationId xmlns:a16="http://schemas.microsoft.com/office/drawing/2014/main" id="{63071E74-A6E9-46AF-A092-6224CA700418}"/>
+              </a:ext>
+            </a:extLst>
+          </p:cNvPr>
+          <p:cNvGrpSpPr/>
+          <p:nvPr/>
+        </p:nvGrpSpPr>
+        <p:grpSpPr>
+          <a:xfrm>
+            <a:off x="922488" y="1484784"/>
+            <a:ext cx="2456126" cy="1894203"/>
+            <a:chOff x="-3636912" y="2326885"/>
+            <a:chExt cx="2808312" cy="1894203"/>
+          </a:xfrm>
+        </p:grpSpPr>
+        <p:sp>
+          <p:nvSpPr>
+            <p:cNvPr id="18" name="사각형: 둥근 모서리 17">
+              <a:extLst>
+                <a:ext uri="{FF2B5EF4-FFF2-40B4-BE49-F238E27FC236}">
+                  <a16:creationId xmlns:a16="http://schemas.microsoft.com/office/drawing/2014/main" id="{2AC5287B-CC88-42FF-8890-5C05363F5CE8}"/>
+                </a:ext>
+              </a:extLst>
+            </p:cNvPr>
+            <p:cNvSpPr/>
+            <p:nvPr/>
+          </p:nvSpPr>
+          <p:spPr>
+            <a:xfrm>
+              <a:off x="-3636912" y="2621016"/>
+              <a:ext cx="2808312" cy="1600072"/>
+            </a:xfrm>
+            <a:prstGeom prst="roundRect">
+              <a:avLst/>
+            </a:prstGeom>
+            <a:noFill/>
+            <a:ln w="9525">
+              <a:solidFill>
+                <a:schemeClr val="tx1">
+                  <a:lumMod val="75000"/>
+                  <a:lumOff val="25000"/>
+                </a:schemeClr>
+              </a:solidFill>
+              <a:headEnd type="none"/>
+              <a:tailEnd type="none"/>
+            </a:ln>
+          </p:spPr>
+          <p:style>
+            <a:lnRef idx="2">
+              <a:schemeClr val="accent1">
+                <a:shade val="50000"/>
+              </a:schemeClr>
+            </a:lnRef>
+            <a:fillRef idx="1">
+              <a:schemeClr val="accent1"/>
+            </a:fillRef>
+            <a:effectRef idx="0">
+              <a:schemeClr val="accent1"/>
+            </a:effectRef>
+            <a:fontRef idx="minor">
+              <a:schemeClr val="lt1"/>
+            </a:fontRef>
+          </p:style>
+          <p:txBody>
+            <a:bodyPr rtlCol="0" anchor="ctr"/>
+            <a:lstStyle/>
+            <a:p>
+              <a:pPr algn="ctr"/>
+              <a:endParaRPr lang="ko-KR" altLang="en-US" b="1" dirty="0">
+                <a:solidFill>
+                  <a:schemeClr val="tx1"/>
+                </a:solidFill>
+              </a:endParaRPr>
+            </a:p>
+          </p:txBody>
+        </p:sp>
+        <p:sp>
+          <p:nvSpPr>
+            <p:cNvPr id="19" name="사각형: 둥근 모서리 18">
+              <a:extLst>
+                <a:ext uri="{FF2B5EF4-FFF2-40B4-BE49-F238E27FC236}">
+                  <a16:creationId xmlns:a16="http://schemas.microsoft.com/office/drawing/2014/main" id="{8AA3C9C7-F888-4BE8-A91C-825F3D6BAF63}"/>
+                </a:ext>
+              </a:extLst>
+            </p:cNvPr>
+            <p:cNvSpPr/>
+            <p:nvPr/>
+          </p:nvSpPr>
+          <p:spPr>
+            <a:xfrm>
+              <a:off x="-3024844" y="2326885"/>
+              <a:ext cx="1440160" cy="576064"/>
+            </a:xfrm>
+            <a:prstGeom prst="roundRect">
+              <a:avLst/>
+            </a:prstGeom>
+            <a:solidFill>
+              <a:schemeClr val="bg1"/>
+            </a:solidFill>
+            <a:ln w="9525">
+              <a:solidFill>
+                <a:schemeClr val="tx1">
+                  <a:lumMod val="75000"/>
+                  <a:lumOff val="25000"/>
+                </a:schemeClr>
+              </a:solidFill>
+              <a:headEnd type="none"/>
+              <a:tailEnd type="none"/>
+            </a:ln>
+          </p:spPr>
+          <p:style>
+            <a:lnRef idx="2">
+              <a:schemeClr val="accent1">
+                <a:shade val="50000"/>
+              </a:schemeClr>
+            </a:lnRef>
+            <a:fillRef idx="1">
+              <a:schemeClr val="accent1"/>
+            </a:fillRef>
+            <a:effectRef idx="0">
+              <a:schemeClr val="accent1"/>
+            </a:effectRef>
+            <a:fontRef idx="minor">
+              <a:schemeClr val="lt1"/>
+            </a:fontRef>
+          </p:style>
+          <p:txBody>
+            <a:bodyPr rtlCol="0" anchor="ctr"/>
+            <a:lstStyle/>
+            <a:p>
+              <a:pPr algn="ctr"/>
+              <a:r>
+                <a:rPr lang="en-US" altLang="ko-KR" b="1" dirty="0">
+                  <a:solidFill>
+                    <a:schemeClr val="tx1"/>
+                  </a:solidFill>
+                </a:rPr>
+                <a:t>View</a:t>
+              </a:r>
+              <a:endParaRPr lang="ko-KR" altLang="en-US" b="1" dirty="0">
+                <a:solidFill>
+                  <a:schemeClr val="tx1"/>
+                </a:solidFill>
+              </a:endParaRPr>
+            </a:p>
+          </p:txBody>
+        </p:sp>
+        <p:sp>
+          <p:nvSpPr>
+            <p:cNvPr id="24" name="사각형: 둥근 모서리 23">
+              <a:extLst>
+                <a:ext uri="{FF2B5EF4-FFF2-40B4-BE49-F238E27FC236}">
+                  <a16:creationId xmlns:a16="http://schemas.microsoft.com/office/drawing/2014/main" id="{280251C4-C28B-4BB0-8539-3FE153B8D8F8}"/>
+                </a:ext>
+              </a:extLst>
+            </p:cNvPr>
+            <p:cNvSpPr/>
+            <p:nvPr/>
+          </p:nvSpPr>
+          <p:spPr>
+            <a:xfrm>
+              <a:off x="-3296485" y="3641459"/>
+              <a:ext cx="2047943" cy="388970"/>
+            </a:xfrm>
+            <a:prstGeom prst="roundRect">
+              <a:avLst/>
+            </a:prstGeom>
+            <a:solidFill>
+              <a:schemeClr val="bg1"/>
+            </a:solidFill>
+            <a:ln w="9525">
+              <a:solidFill>
+                <a:schemeClr val="tx1">
+                  <a:lumMod val="75000"/>
+                  <a:lumOff val="25000"/>
+                </a:schemeClr>
+              </a:solidFill>
+              <a:headEnd type="none"/>
+              <a:tailEnd type="none"/>
+            </a:ln>
+          </p:spPr>
+          <p:style>
+            <a:lnRef idx="2">
+              <a:schemeClr val="accent1">
+                <a:shade val="50000"/>
+              </a:schemeClr>
+            </a:lnRef>
+            <a:fillRef idx="1">
+              <a:schemeClr val="accent1"/>
+            </a:fillRef>
+            <a:effectRef idx="0">
+              <a:schemeClr val="accent1"/>
+            </a:effectRef>
+            <a:fontRef idx="minor">
+              <a:schemeClr val="lt1"/>
+            </a:fontRef>
+          </p:style>
+          <p:txBody>
+            <a:bodyPr rtlCol="0" anchor="ctr"/>
+            <a:lstStyle/>
+            <a:p>
+              <a:pPr algn="ctr"/>
+              <a:r>
+                <a:rPr lang="en-US" altLang="ko-KR" sz="1600" b="1" dirty="0">
+                  <a:solidFill>
+                    <a:schemeClr val="tx1"/>
+                  </a:solidFill>
+                </a:rPr>
+                <a:t>Actuator State</a:t>
+              </a:r>
+              <a:endParaRPr lang="ko-KR" altLang="en-US" sz="1600" b="1" dirty="0">
+                <a:solidFill>
+                  <a:schemeClr val="tx1"/>
+                </a:solidFill>
+              </a:endParaRPr>
+            </a:p>
+          </p:txBody>
+        </p:sp>
+        <p:sp>
+          <p:nvSpPr>
+            <p:cNvPr id="29" name="사각형: 둥근 모서리 28">
+              <a:extLst>
+                <a:ext uri="{FF2B5EF4-FFF2-40B4-BE49-F238E27FC236}">
+                  <a16:creationId xmlns:a16="http://schemas.microsoft.com/office/drawing/2014/main" id="{3196BB81-4650-4EB5-A2E3-CEE7811D160C}"/>
+                </a:ext>
+              </a:extLst>
+            </p:cNvPr>
+            <p:cNvSpPr/>
+            <p:nvPr/>
+          </p:nvSpPr>
+          <p:spPr>
+            <a:xfrm>
+              <a:off x="-3295136" y="3105424"/>
+              <a:ext cx="2047943" cy="388970"/>
+            </a:xfrm>
+            <a:prstGeom prst="roundRect">
+              <a:avLst/>
+            </a:prstGeom>
+            <a:solidFill>
+              <a:schemeClr val="bg1"/>
+            </a:solidFill>
+            <a:ln w="9525">
+              <a:solidFill>
+                <a:schemeClr val="tx1">
+                  <a:lumMod val="75000"/>
+                  <a:lumOff val="25000"/>
+                </a:schemeClr>
+              </a:solidFill>
+              <a:headEnd type="none"/>
+              <a:tailEnd type="none"/>
+            </a:ln>
+          </p:spPr>
+          <p:style>
+            <a:lnRef idx="2">
+              <a:schemeClr val="accent1">
+                <a:shade val="50000"/>
+              </a:schemeClr>
+            </a:lnRef>
+            <a:fillRef idx="1">
+              <a:schemeClr val="accent1"/>
+            </a:fillRef>
+            <a:effectRef idx="0">
+              <a:schemeClr val="accent1"/>
+            </a:effectRef>
+            <a:fontRef idx="minor">
+              <a:schemeClr val="lt1"/>
+            </a:fontRef>
+          </p:style>
+          <p:txBody>
+            <a:bodyPr rtlCol="0" anchor="ctr"/>
+            <a:lstStyle/>
+            <a:p>
+              <a:pPr algn="ctr"/>
+              <a:r>
+                <a:rPr lang="en-US" altLang="ko-KR" sz="1600" b="1" dirty="0">
+                  <a:solidFill>
+                    <a:schemeClr val="tx1"/>
+                  </a:solidFill>
+                </a:rPr>
+                <a:t>Hexapod State</a:t>
+              </a:r>
+              <a:endParaRPr lang="ko-KR" altLang="en-US" sz="1600" b="1" dirty="0">
+                <a:solidFill>
+                  <a:schemeClr val="tx1"/>
+                </a:solidFill>
+              </a:endParaRPr>
+            </a:p>
+          </p:txBody>
+        </p:sp>
+      </p:grpSp>
+      <p:sp>
+        <p:nvSpPr>
+          <p:cNvPr id="30" name="사각형: 둥근 모서리 29">
+            <a:extLst>
+              <a:ext uri="{FF2B5EF4-FFF2-40B4-BE49-F238E27FC236}">
+                <a16:creationId xmlns:a16="http://schemas.microsoft.com/office/drawing/2014/main" id="{CC6859CA-3A5D-470B-8D0A-CBE719CB0C05}"/>
+              </a:ext>
+            </a:extLst>
+          </p:cNvPr>
+          <p:cNvSpPr/>
+          <p:nvPr/>
+        </p:nvSpPr>
+        <p:spPr>
+          <a:xfrm>
+            <a:off x="773308" y="4186116"/>
+            <a:ext cx="7321756" cy="2316968"/>
+          </a:xfrm>
+          <a:prstGeom prst="roundRect">
+            <a:avLst/>
+          </a:prstGeom>
+          <a:noFill/>
+          <a:ln w="9525">
+            <a:solidFill>
+              <a:schemeClr val="tx1">
+                <a:lumMod val="75000"/>
+                <a:lumOff val="25000"/>
+              </a:schemeClr>
+            </a:solidFill>
+            <a:headEnd type="none"/>
+            <a:tailEnd type="none"/>
+          </a:ln>
+        </p:spPr>
+        <p:style>
+          <a:lnRef idx="2">
+            <a:schemeClr val="accent1">
+              <a:shade val="50000"/>
+            </a:schemeClr>
+          </a:lnRef>
+          <a:fillRef idx="1">
+            <a:schemeClr val="accent1"/>
+          </a:fillRef>
+          <a:effectRef idx="0">
+            <a:schemeClr val="accent1"/>
+          </a:effectRef>
+          <a:fontRef idx="minor">
+            <a:schemeClr val="lt1"/>
+          </a:fontRef>
+        </p:style>
+        <p:txBody>
+          <a:bodyPr rtlCol="0" anchor="ctr"/>
+          <a:lstStyle/>
+          <a:p>
+            <a:pPr algn="ctr"/>
+            <a:endParaRPr lang="ko-KR" altLang="en-US" b="1" dirty="0">
+              <a:solidFill>
+                <a:schemeClr val="tx1"/>
+              </a:solidFill>
+            </a:endParaRPr>
+          </a:p>
+        </p:txBody>
+      </p:sp>
+      <p:sp>
+        <p:nvSpPr>
+          <p:cNvPr id="31" name="사각형: 둥근 모서리 30">
+            <a:extLst>
+              <a:ext uri="{FF2B5EF4-FFF2-40B4-BE49-F238E27FC236}">
+                <a16:creationId xmlns:a16="http://schemas.microsoft.com/office/drawing/2014/main" id="{11231432-1FD7-41A1-94E3-D5EB4B570C4A}"/>
+              </a:ext>
+            </a:extLst>
+          </p:cNvPr>
+          <p:cNvSpPr/>
+          <p:nvPr/>
+        </p:nvSpPr>
+        <p:spPr>
+          <a:xfrm>
+            <a:off x="3750584" y="3885065"/>
+            <a:ext cx="1259552" cy="576064"/>
+          </a:xfrm>
+          <a:prstGeom prst="roundRect">
+            <a:avLst/>
+          </a:prstGeom>
+          <a:solidFill>
+            <a:schemeClr val="bg1"/>
+          </a:solidFill>
+          <a:ln w="9525">
+            <a:solidFill>
+              <a:schemeClr val="tx1">
+                <a:lumMod val="75000"/>
+                <a:lumOff val="25000"/>
+              </a:schemeClr>
+            </a:solidFill>
+            <a:headEnd type="none"/>
+            <a:tailEnd type="none"/>
+          </a:ln>
+        </p:spPr>
+        <p:style>
+          <a:lnRef idx="2">
+            <a:schemeClr val="accent1">
+              <a:shade val="50000"/>
+            </a:schemeClr>
+          </a:lnRef>
+          <a:fillRef idx="1">
+            <a:schemeClr val="accent1"/>
+          </a:fillRef>
+          <a:effectRef idx="0">
+            <a:schemeClr val="accent1"/>
+          </a:effectRef>
+          <a:fontRef idx="minor">
+            <a:schemeClr val="lt1"/>
+          </a:fontRef>
+        </p:style>
+        <p:txBody>
+          <a:bodyPr rtlCol="0" anchor="ctr"/>
+          <a:lstStyle/>
+          <a:p>
+            <a:pPr algn="ctr"/>
+            <a:r>
+              <a:rPr lang="en-US" altLang="ko-KR" b="1" dirty="0">
+                <a:solidFill>
+                  <a:schemeClr val="tx1"/>
+                </a:solidFill>
+              </a:rPr>
+              <a:t>Model</a:t>
+            </a:r>
+            <a:endParaRPr lang="ko-KR" altLang="en-US" b="1" dirty="0">
+              <a:solidFill>
+                <a:schemeClr val="tx1"/>
+              </a:solidFill>
+            </a:endParaRPr>
+          </a:p>
+        </p:txBody>
+      </p:sp>
+      <p:grpSp>
+        <p:nvGrpSpPr>
+          <p:cNvPr id="32" name="그룹 31">
+            <a:extLst>
+              <a:ext uri="{FF2B5EF4-FFF2-40B4-BE49-F238E27FC236}">
+                <a16:creationId xmlns:a16="http://schemas.microsoft.com/office/drawing/2014/main" id="{63B1A29A-B9F5-479C-BBF1-4027329445DE}"/>
+              </a:ext>
+            </a:extLst>
+          </p:cNvPr>
+          <p:cNvGrpSpPr/>
+          <p:nvPr/>
+        </p:nvGrpSpPr>
+        <p:grpSpPr>
+          <a:xfrm>
+            <a:off x="5348093" y="1484784"/>
+            <a:ext cx="2456126" cy="1894203"/>
+            <a:chOff x="-3636912" y="2326885"/>
+            <a:chExt cx="2808312" cy="1894203"/>
+          </a:xfrm>
+        </p:grpSpPr>
+        <p:sp>
+          <p:nvSpPr>
+            <p:cNvPr id="33" name="사각형: 둥근 모서리 32">
+              <a:extLst>
+                <a:ext uri="{FF2B5EF4-FFF2-40B4-BE49-F238E27FC236}">
+                  <a16:creationId xmlns:a16="http://schemas.microsoft.com/office/drawing/2014/main" id="{01811C79-7208-4B8B-A2A1-D135F914E072}"/>
+                </a:ext>
+              </a:extLst>
+            </p:cNvPr>
+            <p:cNvSpPr/>
+            <p:nvPr/>
+          </p:nvSpPr>
+          <p:spPr>
+            <a:xfrm>
+              <a:off x="-3636912" y="2621016"/>
+              <a:ext cx="2808312" cy="1600072"/>
+            </a:xfrm>
+            <a:prstGeom prst="roundRect">
+              <a:avLst/>
+            </a:prstGeom>
+            <a:noFill/>
+            <a:ln w="9525">
+              <a:solidFill>
+                <a:schemeClr val="tx1">
+                  <a:lumMod val="75000"/>
+                  <a:lumOff val="25000"/>
+                </a:schemeClr>
+              </a:solidFill>
+              <a:headEnd type="none"/>
+              <a:tailEnd type="none"/>
+            </a:ln>
+          </p:spPr>
+          <p:style>
+            <a:lnRef idx="2">
+              <a:schemeClr val="accent1">
+                <a:shade val="50000"/>
+              </a:schemeClr>
+            </a:lnRef>
+            <a:fillRef idx="1">
+              <a:schemeClr val="accent1"/>
+            </a:fillRef>
+            <a:effectRef idx="0">
+              <a:schemeClr val="accent1"/>
+            </a:effectRef>
+            <a:fontRef idx="minor">
+              <a:schemeClr val="lt1"/>
+            </a:fontRef>
+          </p:style>
+          <p:txBody>
+            <a:bodyPr rtlCol="0" anchor="ctr"/>
+            <a:lstStyle/>
+            <a:p>
+              <a:pPr algn="ctr"/>
+              <a:endParaRPr lang="ko-KR" altLang="en-US" b="1" dirty="0">
+                <a:solidFill>
+                  <a:schemeClr val="tx1"/>
+                </a:solidFill>
+              </a:endParaRPr>
+            </a:p>
+          </p:txBody>
+        </p:sp>
+        <p:sp>
+          <p:nvSpPr>
+            <p:cNvPr id="34" name="사각형: 둥근 모서리 33">
+              <a:extLst>
+                <a:ext uri="{FF2B5EF4-FFF2-40B4-BE49-F238E27FC236}">
+                  <a16:creationId xmlns:a16="http://schemas.microsoft.com/office/drawing/2014/main" id="{548F0921-3FE5-41D1-AC90-A7E0452F5E22}"/>
+                </a:ext>
+              </a:extLst>
+            </p:cNvPr>
+            <p:cNvSpPr/>
+            <p:nvPr/>
+          </p:nvSpPr>
+          <p:spPr>
+            <a:xfrm>
+              <a:off x="-3024844" y="2326885"/>
+              <a:ext cx="1440160" cy="576064"/>
+            </a:xfrm>
+            <a:prstGeom prst="roundRect">
+              <a:avLst/>
+            </a:prstGeom>
+            <a:solidFill>
+              <a:schemeClr val="bg1"/>
+            </a:solidFill>
+            <a:ln w="9525">
+              <a:solidFill>
+                <a:schemeClr val="tx1">
+                  <a:lumMod val="75000"/>
+                  <a:lumOff val="25000"/>
+                </a:schemeClr>
+              </a:solidFill>
+              <a:headEnd type="none"/>
+              <a:tailEnd type="none"/>
+            </a:ln>
+          </p:spPr>
+          <p:style>
+            <a:lnRef idx="2">
+              <a:schemeClr val="accent1">
+                <a:shade val="50000"/>
+              </a:schemeClr>
+            </a:lnRef>
+            <a:fillRef idx="1">
+              <a:schemeClr val="accent1"/>
+            </a:fillRef>
+            <a:effectRef idx="0">
+              <a:schemeClr val="accent1"/>
+            </a:effectRef>
+            <a:fontRef idx="minor">
+              <a:schemeClr val="lt1"/>
+            </a:fontRef>
+          </p:style>
+          <p:txBody>
+            <a:bodyPr rtlCol="0" anchor="ctr"/>
+            <a:lstStyle/>
+            <a:p>
+              <a:pPr algn="ctr"/>
+              <a:r>
+                <a:rPr lang="en-US" altLang="ko-KR" b="1" dirty="0">
+                  <a:solidFill>
+                    <a:schemeClr val="tx1"/>
+                  </a:solidFill>
+                </a:rPr>
+                <a:t>Controller</a:t>
+              </a:r>
+              <a:endParaRPr lang="ko-KR" altLang="en-US" b="1" dirty="0">
+                <a:solidFill>
+                  <a:schemeClr val="tx1"/>
+                </a:solidFill>
+              </a:endParaRPr>
+            </a:p>
+          </p:txBody>
+        </p:sp>
+        <p:sp>
+          <p:nvSpPr>
+            <p:cNvPr id="35" name="사각형: 둥근 모서리 34">
+              <a:extLst>
+                <a:ext uri="{FF2B5EF4-FFF2-40B4-BE49-F238E27FC236}">
+                  <a16:creationId xmlns:a16="http://schemas.microsoft.com/office/drawing/2014/main" id="{60B22BFD-4EE3-4327-92C9-D72AAC321367}"/>
+                </a:ext>
+              </a:extLst>
+            </p:cNvPr>
+            <p:cNvSpPr/>
+            <p:nvPr/>
+          </p:nvSpPr>
+          <p:spPr>
+            <a:xfrm>
+              <a:off x="-3296485" y="3641459"/>
+              <a:ext cx="2047943" cy="388970"/>
+            </a:xfrm>
+            <a:prstGeom prst="roundRect">
+              <a:avLst/>
+            </a:prstGeom>
+            <a:solidFill>
+              <a:schemeClr val="bg1"/>
+            </a:solidFill>
+            <a:ln w="9525">
+              <a:solidFill>
+                <a:schemeClr val="tx1">
+                  <a:lumMod val="75000"/>
+                  <a:lumOff val="25000"/>
+                </a:schemeClr>
+              </a:solidFill>
+              <a:headEnd type="none"/>
+              <a:tailEnd type="none"/>
+            </a:ln>
+          </p:spPr>
+          <p:style>
+            <a:lnRef idx="2">
+              <a:schemeClr val="accent1">
+                <a:shade val="50000"/>
+              </a:schemeClr>
+            </a:lnRef>
+            <a:fillRef idx="1">
+              <a:schemeClr val="accent1"/>
+            </a:fillRef>
+            <a:effectRef idx="0">
+              <a:schemeClr val="accent1"/>
+            </a:effectRef>
+            <a:fontRef idx="minor">
+              <a:schemeClr val="lt1"/>
+            </a:fontRef>
+          </p:style>
+          <p:txBody>
+            <a:bodyPr rtlCol="0" anchor="ctr"/>
+            <a:lstStyle/>
+            <a:p>
+              <a:pPr algn="ctr"/>
+              <a:r>
+                <a:rPr lang="en-US" altLang="ko-KR" sz="1600" b="1" dirty="0">
+                  <a:solidFill>
+                    <a:schemeClr val="tx1"/>
+                  </a:solidFill>
+                </a:rPr>
+                <a:t>Actuator Control</a:t>
+              </a:r>
+              <a:endParaRPr lang="ko-KR" altLang="en-US" sz="1600" b="1" dirty="0">
+                <a:solidFill>
+                  <a:schemeClr val="tx1"/>
+                </a:solidFill>
+              </a:endParaRPr>
+            </a:p>
+          </p:txBody>
+        </p:sp>
+        <p:sp>
+          <p:nvSpPr>
+            <p:cNvPr id="36" name="사각형: 둥근 모서리 35">
+              <a:extLst>
+                <a:ext uri="{FF2B5EF4-FFF2-40B4-BE49-F238E27FC236}">
+                  <a16:creationId xmlns:a16="http://schemas.microsoft.com/office/drawing/2014/main" id="{695B6C40-2B13-4928-AC68-B998DEF112AD}"/>
+                </a:ext>
+              </a:extLst>
+            </p:cNvPr>
+            <p:cNvSpPr/>
+            <p:nvPr/>
+          </p:nvSpPr>
+          <p:spPr>
+            <a:xfrm>
+              <a:off x="-3295136" y="3105424"/>
+              <a:ext cx="2047943" cy="388970"/>
+            </a:xfrm>
+            <a:prstGeom prst="roundRect">
+              <a:avLst/>
+            </a:prstGeom>
+            <a:solidFill>
+              <a:schemeClr val="bg1"/>
+            </a:solidFill>
+            <a:ln w="9525">
+              <a:solidFill>
+                <a:schemeClr val="tx1">
+                  <a:lumMod val="75000"/>
+                  <a:lumOff val="25000"/>
+                </a:schemeClr>
+              </a:solidFill>
+              <a:headEnd type="none"/>
+              <a:tailEnd type="none"/>
+            </a:ln>
+          </p:spPr>
+          <p:style>
+            <a:lnRef idx="2">
+              <a:schemeClr val="accent1">
+                <a:shade val="50000"/>
+              </a:schemeClr>
+            </a:lnRef>
+            <a:fillRef idx="1">
+              <a:schemeClr val="accent1"/>
+            </a:fillRef>
+            <a:effectRef idx="0">
+              <a:schemeClr val="accent1"/>
+            </a:effectRef>
+            <a:fontRef idx="minor">
+              <a:schemeClr val="lt1"/>
+            </a:fontRef>
+          </p:style>
+          <p:txBody>
+            <a:bodyPr rtlCol="0" anchor="ctr"/>
+            <a:lstStyle/>
+            <a:p>
+              <a:pPr algn="ctr"/>
+              <a:r>
+                <a:rPr lang="en-US" altLang="ko-KR" sz="1600" b="1" dirty="0">
+                  <a:solidFill>
+                    <a:schemeClr val="tx1"/>
+                  </a:solidFill>
+                </a:rPr>
+                <a:t>Hexapod Control</a:t>
+              </a:r>
+              <a:endParaRPr lang="ko-KR" altLang="en-US" sz="1600" b="1" dirty="0">
+                <a:solidFill>
+                  <a:schemeClr val="tx1"/>
+                </a:solidFill>
+              </a:endParaRPr>
+            </a:p>
+          </p:txBody>
+        </p:sp>
+      </p:grpSp>
+      <p:cxnSp>
+        <p:nvCxnSpPr>
+          <p:cNvPr id="8" name="직선 화살표 연결선 7">
+            <a:extLst>
+              <a:ext uri="{FF2B5EF4-FFF2-40B4-BE49-F238E27FC236}">
+                <a16:creationId xmlns:a16="http://schemas.microsoft.com/office/drawing/2014/main" id="{E7BE196B-A359-4577-BE0E-06B4FA63B182}"/>
+              </a:ext>
+            </a:extLst>
+          </p:cNvPr>
+          <p:cNvCxnSpPr/>
+          <p:nvPr/>
+        </p:nvCxnSpPr>
+        <p:spPr>
+          <a:xfrm>
+            <a:off x="3617708" y="2503249"/>
+            <a:ext cx="1275469" cy="0"/>
+          </a:xfrm>
+          <a:prstGeom prst="straightConnector1">
+            <a:avLst/>
+          </a:prstGeom>
+          <a:ln w="63500">
+            <a:solidFill>
+              <a:schemeClr val="bg1">
+                <a:lumMod val="75000"/>
+              </a:schemeClr>
+            </a:solidFill>
+            <a:tailEnd type="triangle"/>
+          </a:ln>
+        </p:spPr>
+        <p:style>
+          <a:lnRef idx="1">
+            <a:schemeClr val="accent1"/>
+          </a:lnRef>
+          <a:fillRef idx="0">
+            <a:schemeClr val="accent1"/>
+          </a:fillRef>
+          <a:effectRef idx="0">
+            <a:schemeClr val="accent1"/>
+          </a:effectRef>
+          <a:fontRef idx="minor">
+            <a:schemeClr val="tx1"/>
+          </a:fontRef>
+        </p:style>
+      </p:cxnSp>
+      <p:cxnSp>
+        <p:nvCxnSpPr>
+          <p:cNvPr id="37" name="직선 화살표 연결선 36">
+            <a:extLst>
+              <a:ext uri="{FF2B5EF4-FFF2-40B4-BE49-F238E27FC236}">
+                <a16:creationId xmlns:a16="http://schemas.microsoft.com/office/drawing/2014/main" id="{F75672A2-D59A-492B-8E7C-435645E651B7}"/>
+              </a:ext>
+            </a:extLst>
+          </p:cNvPr>
+          <p:cNvCxnSpPr>
+            <a:cxnSpLocks/>
+          </p:cNvCxnSpPr>
+          <p:nvPr/>
+        </p:nvCxnSpPr>
+        <p:spPr>
+          <a:xfrm flipH="1">
+            <a:off x="3617709" y="2705724"/>
+            <a:ext cx="1275468" cy="0"/>
+          </a:xfrm>
+          <a:prstGeom prst="straightConnector1">
+            <a:avLst/>
+          </a:prstGeom>
+          <a:ln w="63500">
+            <a:solidFill>
+              <a:schemeClr val="bg1">
+                <a:lumMod val="75000"/>
+              </a:schemeClr>
+            </a:solidFill>
+            <a:tailEnd type="triangle"/>
+          </a:ln>
+        </p:spPr>
+        <p:style>
+          <a:lnRef idx="1">
+            <a:schemeClr val="accent1"/>
+          </a:lnRef>
+          <a:fillRef idx="0">
+            <a:schemeClr val="accent1"/>
+          </a:fillRef>
+          <a:effectRef idx="0">
+            <a:schemeClr val="accent1"/>
+          </a:effectRef>
+          <a:fontRef idx="minor">
+            <a:schemeClr val="tx1"/>
+          </a:fontRef>
+        </p:style>
+      </p:cxnSp>
+      <p:cxnSp>
+        <p:nvCxnSpPr>
+          <p:cNvPr id="38" name="직선 화살표 연결선 37">
+            <a:extLst>
+              <a:ext uri="{FF2B5EF4-FFF2-40B4-BE49-F238E27FC236}">
+                <a16:creationId xmlns:a16="http://schemas.microsoft.com/office/drawing/2014/main" id="{860B0E1E-3283-4295-AF89-88641EDE86AA}"/>
+              </a:ext>
+            </a:extLst>
+          </p:cNvPr>
+          <p:cNvCxnSpPr>
+            <a:cxnSpLocks/>
+          </p:cNvCxnSpPr>
+          <p:nvPr/>
+        </p:nvCxnSpPr>
+        <p:spPr>
+          <a:xfrm>
+            <a:off x="6444208" y="3443074"/>
+            <a:ext cx="0" cy="648000"/>
+          </a:xfrm>
+          <a:prstGeom prst="straightConnector1">
+            <a:avLst/>
+          </a:prstGeom>
+          <a:ln w="63500">
+            <a:solidFill>
+              <a:schemeClr val="bg1">
+                <a:lumMod val="75000"/>
+              </a:schemeClr>
+            </a:solidFill>
+            <a:tailEnd type="triangle"/>
+          </a:ln>
+        </p:spPr>
+        <p:style>
+          <a:lnRef idx="1">
+            <a:schemeClr val="accent1"/>
+          </a:lnRef>
+          <a:fillRef idx="0">
+            <a:schemeClr val="accent1"/>
+          </a:fillRef>
+          <a:effectRef idx="0">
+            <a:schemeClr val="accent1"/>
+          </a:effectRef>
+          <a:fontRef idx="minor">
+            <a:schemeClr val="tx1"/>
+          </a:fontRef>
+        </p:style>
+      </p:cxnSp>
+      <p:cxnSp>
+        <p:nvCxnSpPr>
+          <p:cNvPr id="41" name="직선 화살표 연결선 40">
+            <a:extLst>
+              <a:ext uri="{FF2B5EF4-FFF2-40B4-BE49-F238E27FC236}">
+                <a16:creationId xmlns:a16="http://schemas.microsoft.com/office/drawing/2014/main" id="{E17406C1-2E26-42B9-A34F-576427D271AA}"/>
+              </a:ext>
+            </a:extLst>
+          </p:cNvPr>
+          <p:cNvCxnSpPr>
+            <a:cxnSpLocks/>
+          </p:cNvCxnSpPr>
+          <p:nvPr/>
+        </p:nvCxnSpPr>
+        <p:spPr>
+          <a:xfrm flipV="1">
+            <a:off x="6660232" y="3443074"/>
+            <a:ext cx="0" cy="648000"/>
+          </a:xfrm>
+          <a:prstGeom prst="straightConnector1">
+            <a:avLst/>
+          </a:prstGeom>
+          <a:ln w="63500">
+            <a:solidFill>
+              <a:schemeClr val="bg1">
+                <a:lumMod val="75000"/>
+              </a:schemeClr>
+            </a:solidFill>
+            <a:tailEnd type="triangle"/>
+          </a:ln>
+        </p:spPr>
+        <p:style>
+          <a:lnRef idx="1">
+            <a:schemeClr val="accent1"/>
+          </a:lnRef>
+          <a:fillRef idx="0">
+            <a:schemeClr val="accent1"/>
+          </a:fillRef>
+          <a:effectRef idx="0">
+            <a:schemeClr val="accent1"/>
+          </a:effectRef>
+          <a:fontRef idx="minor">
+            <a:schemeClr val="tx1"/>
+          </a:fontRef>
+        </p:style>
+      </p:cxnSp>
+      <p:sp>
+        <p:nvSpPr>
+          <p:cNvPr id="43" name="TextBox 42">
+            <a:extLst>
+              <a:ext uri="{FF2B5EF4-FFF2-40B4-BE49-F238E27FC236}">
+                <a16:creationId xmlns:a16="http://schemas.microsoft.com/office/drawing/2014/main" id="{A3AC5BEC-057F-42E9-BDF1-A21DD75950BE}"/>
+              </a:ext>
+            </a:extLst>
+          </p:cNvPr>
+          <p:cNvSpPr txBox="1"/>
+          <p:nvPr/>
+        </p:nvSpPr>
+        <p:spPr>
+          <a:xfrm>
+            <a:off x="3833530" y="2766980"/>
+            <a:ext cx="936245" cy="338554"/>
+          </a:xfrm>
+          <a:prstGeom prst="rect">
+            <a:avLst/>
+          </a:prstGeom>
+          <a:noFill/>
+        </p:spPr>
+        <p:txBody>
+          <a:bodyPr wrap="square" rtlCol="0">
+            <a:spAutoFit/>
+          </a:bodyPr>
+          <a:lstStyle/>
+          <a:p>
+            <a:r>
+              <a:rPr lang="en-US" altLang="ko-KR" sz="1600" b="1" dirty="0"/>
+              <a:t>Instance</a:t>
+            </a:r>
+            <a:endParaRPr lang="ko-KR" altLang="en-US" sz="1600" b="1" dirty="0"/>
+          </a:p>
+        </p:txBody>
+      </p:sp>
+      <p:sp>
+        <p:nvSpPr>
+          <p:cNvPr id="44" name="TextBox 43">
+            <a:extLst>
+              <a:ext uri="{FF2B5EF4-FFF2-40B4-BE49-F238E27FC236}">
+                <a16:creationId xmlns:a16="http://schemas.microsoft.com/office/drawing/2014/main" id="{14904DA6-A967-40D5-99D9-09D1DC890EA4}"/>
+              </a:ext>
+            </a:extLst>
+          </p:cNvPr>
+          <p:cNvSpPr txBox="1"/>
+          <p:nvPr/>
+        </p:nvSpPr>
+        <p:spPr>
+          <a:xfrm>
+            <a:off x="6674832" y="3597983"/>
+            <a:ext cx="936245" cy="338554"/>
+          </a:xfrm>
+          <a:prstGeom prst="rect">
+            <a:avLst/>
+          </a:prstGeom>
+          <a:noFill/>
+        </p:spPr>
+        <p:txBody>
+          <a:bodyPr wrap="square" rtlCol="0">
+            <a:spAutoFit/>
+          </a:bodyPr>
+          <a:lstStyle/>
+          <a:p>
+            <a:r>
+              <a:rPr lang="en-US" altLang="ko-KR" sz="1600" b="1" dirty="0"/>
+              <a:t>Delegate</a:t>
+            </a:r>
+            <a:endParaRPr lang="ko-KR" altLang="en-US" sz="1600" b="1" dirty="0"/>
+          </a:p>
+        </p:txBody>
+      </p:sp>
+      <p:sp>
+        <p:nvSpPr>
+          <p:cNvPr id="45" name="TextBox 44">
+            <a:extLst>
+              <a:ext uri="{FF2B5EF4-FFF2-40B4-BE49-F238E27FC236}">
+                <a16:creationId xmlns:a16="http://schemas.microsoft.com/office/drawing/2014/main" id="{0CAE6441-BB71-4260-8E23-F11B76D71F18}"/>
+              </a:ext>
+            </a:extLst>
+          </p:cNvPr>
+          <p:cNvSpPr txBox="1"/>
+          <p:nvPr/>
+        </p:nvSpPr>
+        <p:spPr>
+          <a:xfrm>
+            <a:off x="5537104" y="3581462"/>
+            <a:ext cx="936245" cy="338554"/>
+          </a:xfrm>
+          <a:prstGeom prst="rect">
+            <a:avLst/>
+          </a:prstGeom>
+          <a:noFill/>
+        </p:spPr>
+        <p:txBody>
+          <a:bodyPr wrap="square" rtlCol="0">
+            <a:spAutoFit/>
+          </a:bodyPr>
+          <a:lstStyle/>
+          <a:p>
+            <a:r>
+              <a:rPr lang="en-US" altLang="ko-KR" sz="1600" b="1" dirty="0"/>
+              <a:t>Instance</a:t>
+            </a:r>
+            <a:endParaRPr lang="ko-KR" altLang="en-US" sz="1600" b="1" dirty="0"/>
+          </a:p>
+        </p:txBody>
+      </p:sp>
+      <p:sp>
+        <p:nvSpPr>
+          <p:cNvPr id="46" name="TextBox 45">
+            <a:extLst>
+              <a:ext uri="{FF2B5EF4-FFF2-40B4-BE49-F238E27FC236}">
+                <a16:creationId xmlns:a16="http://schemas.microsoft.com/office/drawing/2014/main" id="{92943645-926E-480B-B2A4-BDBB276C6AEF}"/>
+              </a:ext>
+            </a:extLst>
+          </p:cNvPr>
+          <p:cNvSpPr txBox="1"/>
+          <p:nvPr/>
+        </p:nvSpPr>
+        <p:spPr>
+          <a:xfrm>
+            <a:off x="3833530" y="2136839"/>
+            <a:ext cx="936245" cy="338554"/>
+          </a:xfrm>
+          <a:prstGeom prst="rect">
+            <a:avLst/>
+          </a:prstGeom>
+          <a:noFill/>
+        </p:spPr>
+        <p:txBody>
+          <a:bodyPr wrap="square" rtlCol="0">
+            <a:spAutoFit/>
+          </a:bodyPr>
+          <a:lstStyle/>
+          <a:p>
+            <a:r>
+              <a:rPr lang="en-US" altLang="ko-KR" sz="1600" b="1" dirty="0"/>
+              <a:t>Delegate</a:t>
+            </a:r>
+            <a:endParaRPr lang="ko-KR" altLang="en-US" sz="1600" b="1" dirty="0"/>
+          </a:p>
+        </p:txBody>
+      </p:sp>
     </p:spTree>
     <p:extLst>
       <p:ext uri="{BB962C8B-B14F-4D97-AF65-F5344CB8AC3E}">
-        <p14:creationId xmlns:p14="http://schemas.microsoft.com/office/powerpoint/2010/main" val="1408984109"/>
+        <p14:creationId xmlns:p14="http://schemas.microsoft.com/office/powerpoint/2010/main" val="3722013639"/>
+      </p:ext>
+    </p:extLst>
+  </p:cSld>
+  <p:clrMapOvr>
+    <a:masterClrMapping/>
+  </p:clrMapOvr>
+</p:sld>
+</file>
+
+<file path=ppt/slides/slide9.xml><?xml version="1.0" encoding="utf-8"?>
+<p:sld xmlns:a="http://schemas.openxmlformats.org/drawingml/2006/main" xmlns:r="http://schemas.openxmlformats.org/officeDocument/2006/relationships" xmlns:p="http://schemas.openxmlformats.org/presentationml/2006/main">
+  <p:cSld>
+    <p:spTree>
+      <p:nvGrpSpPr>
+        <p:cNvPr id="1" name=""/>
+        <p:cNvGrpSpPr/>
+        <p:nvPr/>
+      </p:nvGrpSpPr>
+      <p:grpSpPr>
+        <a:xfrm>
+          <a:off x="0" y="0"/>
+          <a:ext cx="0" cy="0"/>
+          <a:chOff x="0" y="0"/>
+          <a:chExt cx="0" cy="0"/>
+        </a:xfrm>
+      </p:grpSpPr>
+      <p:sp>
+        <p:nvSpPr>
+          <p:cNvPr id="11" name="TextBox 10"/>
+          <p:cNvSpPr txBox="1"/>
+          <p:nvPr/>
+        </p:nvSpPr>
+        <p:spPr>
+          <a:xfrm>
+            <a:off x="323528" y="980728"/>
+            <a:ext cx="1641796" cy="400110"/>
+          </a:xfrm>
+          <a:prstGeom prst="rect">
+            <a:avLst/>
+          </a:prstGeom>
+          <a:noFill/>
+        </p:spPr>
+        <p:txBody>
+          <a:bodyPr wrap="none" rtlCol="0">
+            <a:spAutoFit/>
+          </a:bodyPr>
+          <a:lstStyle/>
+          <a:p>
+            <a:r>
+              <a:rPr lang="ko-KR" altLang="en-US" sz="2000" dirty="0">
+                <a:latin typeface="맑은 고딕"/>
+                <a:ea typeface="맑은 고딕"/>
+              </a:rPr>
+              <a:t>▣ </a:t>
+            </a:r>
+            <a:r>
+              <a:rPr lang="ko-KR" altLang="en-US" sz="2000" dirty="0">
+                <a:latin typeface="HY견고딕" panose="02030600000101010101" pitchFamily="18" charset="-127"/>
+                <a:ea typeface="HY견고딕" panose="02030600000101010101" pitchFamily="18" charset="-127"/>
+              </a:rPr>
+              <a:t>일정 계산</a:t>
+            </a:r>
+            <a:endParaRPr lang="en-US" altLang="ko-KR" sz="2000" dirty="0">
+              <a:latin typeface="HY견고딕" panose="02030600000101010101" pitchFamily="18" charset="-127"/>
+              <a:ea typeface="HY견고딕" panose="02030600000101010101" pitchFamily="18" charset="-127"/>
+            </a:endParaRPr>
+          </a:p>
+        </p:txBody>
+      </p:sp>
+      <p:sp>
+        <p:nvSpPr>
+          <p:cNvPr id="7" name="TextBox 6"/>
+          <p:cNvSpPr txBox="1"/>
+          <p:nvPr/>
+        </p:nvSpPr>
+        <p:spPr>
+          <a:xfrm>
+            <a:off x="323528" y="169476"/>
+            <a:ext cx="8640960" cy="523220"/>
+          </a:xfrm>
+          <a:prstGeom prst="rect">
+            <a:avLst/>
+          </a:prstGeom>
+          <a:noFill/>
+        </p:spPr>
+        <p:txBody>
+          <a:bodyPr wrap="square" rtlCol="0">
+            <a:spAutoFit/>
+          </a:bodyPr>
+          <a:lstStyle/>
+          <a:p>
+            <a:pPr latinLnBrk="0"/>
+            <a:r>
+              <a:rPr lang="en-US" altLang="ko-KR" sz="2800" b="1" kern="0" dirty="0">
+                <a:ln>
+                  <a:solidFill>
+                    <a:prstClr val="white">
+                      <a:alpha val="0"/>
+                    </a:prstClr>
+                  </a:solidFill>
+                </a:ln>
+                <a:solidFill>
+                  <a:srgbClr val="1F497D">
+                    <a:lumMod val="50000"/>
+                  </a:srgbClr>
+                </a:solidFill>
+                <a:latin typeface="HY견고딕" pitchFamily="18" charset="-127"/>
+                <a:ea typeface="HY견고딕" pitchFamily="18" charset="-127"/>
+                <a:cs typeface="Arial" panose="020B0604020202020204" pitchFamily="34" charset="0"/>
+              </a:rPr>
+              <a:t>2. </a:t>
+            </a:r>
+            <a:r>
+              <a:rPr lang="ko-KR" altLang="en-US" sz="2800" b="1" kern="0" dirty="0">
+                <a:ln>
+                  <a:solidFill>
+                    <a:prstClr val="white">
+                      <a:alpha val="0"/>
+                    </a:prstClr>
+                  </a:solidFill>
+                </a:ln>
+                <a:solidFill>
+                  <a:srgbClr val="1F497D">
+                    <a:lumMod val="50000"/>
+                  </a:srgbClr>
+                </a:solidFill>
+                <a:latin typeface="HY견고딕" pitchFamily="18" charset="-127"/>
+                <a:ea typeface="HY견고딕" pitchFamily="18" charset="-127"/>
+                <a:cs typeface="Arial" panose="020B0604020202020204" pitchFamily="34" charset="0"/>
+              </a:rPr>
+              <a:t>프로그램 진행 계획</a:t>
+            </a:r>
+            <a:endParaRPr lang="ko-KR" altLang="en-US" sz="2800" b="1" kern="0" spc="-150" dirty="0">
+              <a:gradFill>
+                <a:gsLst>
+                  <a:gs pos="100000">
+                    <a:schemeClr val="tx2">
+                      <a:lumMod val="75000"/>
+                    </a:schemeClr>
+                  </a:gs>
+                  <a:gs pos="100000">
+                    <a:prstClr val="black">
+                      <a:lumMod val="85000"/>
+                      <a:lumOff val="15000"/>
+                    </a:prstClr>
+                  </a:gs>
+                </a:gsLst>
+                <a:lin ang="5400000" scaled="1"/>
+              </a:gradFill>
+              <a:latin typeface="-윤고딕330" panose="02030504000101010101" pitchFamily="18" charset="-127"/>
+              <a:ea typeface="-윤고딕330" panose="02030504000101010101" pitchFamily="18" charset="-127"/>
+              <a:cs typeface="Arial" panose="020B0604020202020204" pitchFamily="34" charset="0"/>
+            </a:endParaRPr>
+          </a:p>
+        </p:txBody>
+      </p:sp>
+    </p:spTree>
+    <p:extLst>
+      <p:ext uri="{BB962C8B-B14F-4D97-AF65-F5344CB8AC3E}">
+        <p14:creationId xmlns:p14="http://schemas.microsoft.com/office/powerpoint/2010/main" val="4151586887"/>
       </p:ext>
     </p:extLst>
   </p:cSld>

--- a/02 Scheduler/200406_Hexapod 수식정리.pptx
+++ b/02 Scheduler/200406_Hexapod 수식정리.pptx
@@ -274,7 +274,7 @@
             <a:fld id="{5A3A39F1-8DBE-4B2C-A5AA-02BE4DE26BF5}" type="datetimeFigureOut">
               <a:rPr lang="ko-KR" altLang="en-US" smtClean="0"/>
               <a:pPr/>
-              <a:t>2020-04-07</a:t>
+              <a:t>2020-04-08</a:t>
             </a:fld>
             <a:endParaRPr lang="ko-KR" altLang="en-US"/>
           </a:p>
@@ -2541,7 +2541,7 @@
               <a:t> 04. </a:t>
             </a:r>
             <a:r>
-              <a:rPr kumimoji="0" lang="en-US" altLang="ko-KR" sz="3200" b="0" i="0" u="none" strike="noStrike" kern="1200" cap="none" spc="-50" normalizeH="0" dirty="0">
+              <a:rPr kumimoji="0" lang="en-US" altLang="ko-KR" sz="3200" b="0" i="0" u="none" strike="noStrike" kern="1200" cap="none" spc="-50" normalizeH="0">
                 <a:ln>
                   <a:solidFill>
                     <a:srgbClr val="4F81BD">
@@ -2562,7 +2562,7 @@
                 <a:ea typeface="-윤고딕320" panose="02030504000101010101" pitchFamily="18" charset="-127"/>
                 <a:cs typeface="+mn-cs"/>
               </a:rPr>
-              <a:t>06</a:t>
+              <a:t>08</a:t>
             </a:r>
             <a:endParaRPr lang="en-US" altLang="ko-KR" sz="3200" spc="-50" dirty="0">
               <a:ln>
@@ -3475,8 +3475,8 @@
           </a:p>
         </p:txBody>
       </p:sp>
-      <mc:AlternateContent xmlns:mc="http://schemas.openxmlformats.org/markup-compatibility/2006">
-        <mc:Choice xmlns:a14="http://schemas.microsoft.com/office/drawing/2010/main" Requires="a14">
+      <mc:AlternateContent xmlns:mc="http://schemas.openxmlformats.org/markup-compatibility/2006" xmlns:a14="http://schemas.microsoft.com/office/drawing/2010/main">
+        <mc:Choice Requires="a14">
           <p:sp>
             <p:nvSpPr>
               <p:cNvPr id="19" name="TextBox 18">
@@ -3797,7 +3797,7 @@
             </p:txBody>
           </p:sp>
         </mc:Choice>
-        <mc:Fallback>
+        <mc:Fallback xmlns="">
           <p:sp>
             <p:nvSpPr>
               <p:cNvPr id="19" name="TextBox 18">
@@ -21977,11 +21977,6 @@
                 </a:rPr>
                 <a:t>Hexapod State</a:t>
               </a:r>
-              <a:endParaRPr lang="ko-KR" altLang="en-US" sz="1600" b="1" dirty="0">
-                <a:solidFill>
-                  <a:schemeClr val="tx1"/>
-                </a:solidFill>
-              </a:endParaRPr>
             </a:p>
           </p:txBody>
         </p:sp>

--- a/02 Scheduler/200406_Hexapod 수식정리.pptx
+++ b/02 Scheduler/200406_Hexapod 수식정리.pptx
@@ -2541,7 +2541,7 @@
               <a:t> 04. </a:t>
             </a:r>
             <a:r>
-              <a:rPr kumimoji="0" lang="en-US" altLang="ko-KR" sz="3200" b="0" i="0" u="none" strike="noStrike" kern="1200" cap="none" spc="-50" normalizeH="0">
+              <a:rPr kumimoji="0" lang="en-US" altLang="ko-KR" sz="3200" b="0" i="0" u="none" strike="noStrike" kern="1200" cap="none" spc="-50" normalizeH="0" dirty="0">
                 <a:ln>
                   <a:solidFill>
                     <a:srgbClr val="4F81BD">
@@ -2912,7 +2912,7 @@
         </p:nvGrpSpPr>
         <p:grpSpPr>
           <a:xfrm rot="19100650">
-            <a:off x="3610945" y="2606736"/>
+            <a:off x="3208435" y="2536469"/>
             <a:ext cx="872518" cy="2653818"/>
             <a:chOff x="4394844" y="3868450"/>
             <a:chExt cx="872518" cy="2653818"/>
@@ -3049,7 +3049,7 @@
         </p:nvGrpSpPr>
         <p:grpSpPr>
           <a:xfrm rot="20367990">
-            <a:off x="2359891" y="2782449"/>
+            <a:off x="1957381" y="2712182"/>
             <a:ext cx="931065" cy="2770804"/>
             <a:chOff x="4394844" y="3868450"/>
             <a:chExt cx="872518" cy="2653818"/>
@@ -3186,7 +3186,7 @@
         </p:nvSpPr>
         <p:spPr>
           <a:xfrm>
-            <a:off x="3312036" y="2441491"/>
+            <a:off x="2909526" y="2371224"/>
             <a:ext cx="467876" cy="434737"/>
           </a:xfrm>
           <a:prstGeom prst="ellipse">
@@ -3245,7 +3245,7 @@
         </p:nvSpPr>
         <p:spPr>
           <a:xfrm>
-            <a:off x="2584002" y="2515003"/>
+            <a:off x="2181492" y="2444736"/>
             <a:ext cx="467876" cy="434737"/>
           </a:xfrm>
           <a:prstGeom prst="ellipse">
@@ -3304,7 +3304,7 @@
         </p:nvSpPr>
         <p:spPr>
           <a:xfrm rot="1152689">
-            <a:off x="1596577" y="2617375"/>
+            <a:off x="1194067" y="2547108"/>
             <a:ext cx="394230" cy="1378852"/>
           </a:xfrm>
           <a:prstGeom prst="roundRect">
@@ -3361,7 +3361,7 @@
         </p:nvSpPr>
         <p:spPr>
           <a:xfrm>
-            <a:off x="1766039" y="2441492"/>
+            <a:off x="1363529" y="2371225"/>
             <a:ext cx="467876" cy="434737"/>
           </a:xfrm>
           <a:prstGeom prst="ellipse">
@@ -3475,8 +3475,8 @@
           </a:p>
         </p:txBody>
       </p:sp>
-      <mc:AlternateContent xmlns:mc="http://schemas.openxmlformats.org/markup-compatibility/2006" xmlns:a14="http://schemas.microsoft.com/office/drawing/2010/main">
-        <mc:Choice Requires="a14">
+      <mc:AlternateContent xmlns:mc="http://schemas.openxmlformats.org/markup-compatibility/2006">
+        <mc:Choice xmlns:a14="http://schemas.microsoft.com/office/drawing/2010/main" Requires="a14">
           <p:sp>
             <p:nvSpPr>
               <p:cNvPr id="19" name="TextBox 18">
@@ -3491,8 +3491,8 @@
             </p:nvSpPr>
             <p:spPr>
               <a:xfrm>
-                <a:off x="5051250" y="1369316"/>
-                <a:ext cx="4184440" cy="2308324"/>
+                <a:off x="4444847" y="2236395"/>
+                <a:ext cx="4561586" cy="3139321"/>
               </a:xfrm>
               <a:prstGeom prst="rect">
                 <a:avLst/>
@@ -3703,7 +3703,7 @@
                           <a:rPr lang="en-US" altLang="ko-KR" b="0" i="1" smtClean="0">
                             <a:latin typeface="Cambria Math" panose="02040503050406030204" pitchFamily="18" charset="0"/>
                           </a:rPr>
-                          <m:t>5</m:t>
+                          <m:t>2</m:t>
                         </m:r>
                       </m:sub>
                     </m:sSub>
@@ -3713,7 +3713,7 @@
                   <a:rPr lang="en-US" altLang="ko-KR" b="1" dirty="0">
                     <a:latin typeface="맑은 고딕" panose="020B0503020000020004" pitchFamily="50" charset="-127"/>
                   </a:rPr>
-                  <a:t>): 6</a:t>
+                  <a:t>): 3</a:t>
                 </a:r>
                 <a:r>
                   <a:rPr lang="ko-KR" altLang="en-US" b="1" dirty="0">
@@ -3732,6 +3732,87 @@
                   <a:buFontTx/>
                   <a:buChar char="-"/>
                 </a:pPr>
+                <a:r>
+                  <a:rPr lang="en-US" altLang="ko-KR" b="1" dirty="0">
+                    <a:latin typeface="맑은 고딕" panose="020B0503020000020004" pitchFamily="50" charset="-127"/>
+                    <a:ea typeface="맑은 고딕" panose="020B0503020000020004" pitchFamily="50" charset="-127"/>
+                  </a:rPr>
+                  <a:t>Pin Joint(</a:t>
+                </a:r>
+                <a14:m>
+                  <m:oMath xmlns:m="http://schemas.openxmlformats.org/officeDocument/2006/math">
+                    <m:sSub>
+                      <m:sSubPr>
+                        <m:ctrlPr>
+                          <a:rPr lang="en-US" altLang="ko-KR" i="1">
+                            <a:latin typeface="Cambria Math" panose="02040503050406030204" pitchFamily="18" charset="0"/>
+                          </a:rPr>
+                        </m:ctrlPr>
+                      </m:sSubPr>
+                      <m:e>
+                        <m:r>
+                          <a:rPr lang="en-US" altLang="ko-KR" b="0" i="1" smtClean="0">
+                            <a:latin typeface="Cambria Math" panose="02040503050406030204" pitchFamily="18" charset="0"/>
+                          </a:rPr>
+                          <m:t>𝑝</m:t>
+                        </m:r>
+                      </m:e>
+                      <m:sub>
+                        <m:r>
+                          <a:rPr lang="en-US" altLang="ko-KR" i="1">
+                            <a:latin typeface="Cambria Math" panose="02040503050406030204" pitchFamily="18" charset="0"/>
+                          </a:rPr>
+                          <m:t>0</m:t>
+                        </m:r>
+                      </m:sub>
+                    </m:sSub>
+                    <m:r>
+                      <a:rPr lang="en-US" altLang="ko-KR" b="0" i="1" smtClean="0">
+                        <a:latin typeface="Cambria Math" panose="02040503050406030204" pitchFamily="18" charset="0"/>
+                      </a:rPr>
+                      <m:t> ~</m:t>
+                    </m:r>
+                    <m:sSub>
+                      <m:sSubPr>
+                        <m:ctrlPr>
+                          <a:rPr lang="en-US" altLang="ko-KR" i="1">
+                            <a:latin typeface="Cambria Math" panose="02040503050406030204" pitchFamily="18" charset="0"/>
+                          </a:rPr>
+                        </m:ctrlPr>
+                      </m:sSubPr>
+                      <m:e>
+                        <m:r>
+                          <a:rPr lang="en-US" altLang="ko-KR" i="1">
+                            <a:latin typeface="Cambria Math" panose="02040503050406030204" pitchFamily="18" charset="0"/>
+                          </a:rPr>
+                          <m:t>𝑝</m:t>
+                        </m:r>
+                      </m:e>
+                      <m:sub>
+                        <m:r>
+                          <a:rPr lang="en-US" altLang="ko-KR" b="0" i="1" smtClean="0">
+                            <a:latin typeface="Cambria Math" panose="02040503050406030204" pitchFamily="18" charset="0"/>
+                          </a:rPr>
+                          <m:t>2</m:t>
+                        </m:r>
+                      </m:sub>
+                    </m:sSub>
+                  </m:oMath>
+                </a14:m>
+                <a:r>
+                  <a:rPr lang="en-US" altLang="ko-KR" b="1" dirty="0">
+                    <a:latin typeface="맑은 고딕" panose="020B0503020000020004" pitchFamily="50" charset="-127"/>
+                    <a:ea typeface="맑은 고딕" panose="020B0503020000020004" pitchFamily="50" charset="-127"/>
+                  </a:rPr>
+                  <a:t>): 3</a:t>
+                </a:r>
+                <a:r>
+                  <a:rPr lang="ko-KR" altLang="en-US" b="1" dirty="0">
+                    <a:latin typeface="맑은 고딕" panose="020B0503020000020004" pitchFamily="50" charset="-127"/>
+                    <a:ea typeface="맑은 고딕" panose="020B0503020000020004" pitchFamily="50" charset="-127"/>
+                  </a:rPr>
+                  <a:t>개</a:t>
+                </a:r>
                 <a:endParaRPr lang="en-US" altLang="ko-KR" b="1" dirty="0">
                   <a:latin typeface="맑은 고딕" panose="020B0503020000020004" pitchFamily="50" charset="-127"/>
                   <a:ea typeface="맑은 고딕" panose="020B0503020000020004" pitchFamily="50" charset="-127"/>
@@ -3769,24 +3850,51 @@
                 </a:endParaRPr>
               </a:p>
               <a:p>
+                <a:pPr marL="285750" indent="-285750">
+                  <a:buFontTx/>
+                  <a:buChar char="-"/>
+                </a:pPr>
+                <a:endParaRPr lang="en-US" altLang="ko-KR" b="1" dirty="0">
+                  <a:latin typeface="맑은 고딕" panose="020B0503020000020004" pitchFamily="50" charset="-127"/>
+                  <a:ea typeface="맑은 고딕" panose="020B0503020000020004" pitchFamily="50" charset="-127"/>
+                </a:endParaRPr>
+              </a:p>
+              <a:p>
                 <a:r>
                   <a:rPr lang="en-US" altLang="ko-KR" b="1" dirty="0">
                     <a:latin typeface="맑은 고딕" panose="020B0503020000020004" pitchFamily="50" charset="-127"/>
                     <a:ea typeface="맑은 고딕" panose="020B0503020000020004" pitchFamily="50" charset="-127"/>
                   </a:rPr>
-                  <a:t>-&gt; 6(8 -1) – 5 * 3 – 6 * 4 = 3 </a:t>
+                  <a:t>-&gt; 6(8(Link) -1) – 5 * (3(Pin)</a:t>
                 </a:r>
                 <a:r>
                   <a:rPr lang="ko-KR" altLang="en-US" b="1" dirty="0">
                     <a:latin typeface="맑은 고딕" panose="020B0503020000020004" pitchFamily="50" charset="-127"/>
                     <a:ea typeface="맑은 고딕" panose="020B0503020000020004" pitchFamily="50" charset="-127"/>
                   </a:rPr>
-                  <a:t>자유도</a:t>
+                  <a:t> </a:t>
                 </a:r>
-                <a:endParaRPr lang="en-US" altLang="ko-KR" b="1" dirty="0">
-                  <a:latin typeface="맑은 고딕" panose="020B0503020000020004" pitchFamily="50" charset="-127"/>
-                  <a:ea typeface="맑은 고딕" panose="020B0503020000020004" pitchFamily="50" charset="-127"/>
-                </a:endParaRPr>
+                <a:r>
+                  <a:rPr lang="en-US" altLang="ko-KR" b="1" dirty="0">
+                    <a:latin typeface="맑은 고딕" panose="020B0503020000020004" pitchFamily="50" charset="-127"/>
+                    <a:ea typeface="맑은 고딕" panose="020B0503020000020004" pitchFamily="50" charset="-127"/>
+                  </a:rPr>
+                  <a:t>+</a:t>
+                </a:r>
+                <a:r>
+                  <a:rPr lang="ko-KR" altLang="en-US" b="1" dirty="0">
+                    <a:latin typeface="맑은 고딕" panose="020B0503020000020004" pitchFamily="50" charset="-127"/>
+                    <a:ea typeface="맑은 고딕" panose="020B0503020000020004" pitchFamily="50" charset="-127"/>
+                  </a:rPr>
+                  <a:t> </a:t>
+                </a:r>
+                <a:r>
+                  <a:rPr lang="en-US" altLang="ko-KR" b="1" dirty="0">
+                    <a:latin typeface="맑은 고딕" panose="020B0503020000020004" pitchFamily="50" charset="-127"/>
+                    <a:ea typeface="맑은 고딕" panose="020B0503020000020004" pitchFamily="50" charset="-127"/>
+                  </a:rPr>
+                  <a:t>3(Linear)) 	           – 4 * 3(Universal) 	           = 0 </a:t>
+                </a:r>
               </a:p>
               <a:p>
                 <a:endParaRPr lang="en-US" altLang="ko-KR" dirty="0">
@@ -3797,7 +3905,7 @@
             </p:txBody>
           </p:sp>
         </mc:Choice>
-        <mc:Fallback xmlns="">
+        <mc:Fallback>
           <p:sp>
             <p:nvSpPr>
               <p:cNvPr id="19" name="TextBox 18">
@@ -3814,8 +3922,8 @@
             </p:nvSpPr>
             <p:spPr>
               <a:xfrm>
-                <a:off x="5051250" y="1369316"/>
-                <a:ext cx="4184440" cy="2308324"/>
+                <a:off x="4444847" y="2236395"/>
+                <a:ext cx="4561586" cy="3139321"/>
               </a:xfrm>
               <a:prstGeom prst="rect">
                 <a:avLst/>
@@ -3823,7 +3931,7 @@
               <a:blipFill>
                 <a:blip r:embed="rId2"/>
                 <a:stretch>
-                  <a:fillRect l="-1603" t="-2116"/>
+                  <a:fillRect l="-1337" t="-1553" r="-4813"/>
                 </a:stretch>
               </a:blipFill>
             </p:spPr>
@@ -3949,7 +4057,7 @@
         </p:nvSpPr>
         <p:spPr>
           <a:xfrm>
-            <a:off x="916757" y="4514436"/>
+            <a:off x="514247" y="4444169"/>
             <a:ext cx="3672408" cy="1080120"/>
           </a:xfrm>
           <a:prstGeom prst="ellipse">
@@ -3992,8 +4100,8 @@
           </a:p>
         </p:txBody>
       </p:sp>
-      <mc:AlternateContent xmlns:mc="http://schemas.openxmlformats.org/markup-compatibility/2006" xmlns:a14="http://schemas.microsoft.com/office/drawing/2010/main">
-        <mc:Choice Requires="a14">
+      <mc:AlternateContent xmlns:mc="http://schemas.openxmlformats.org/markup-compatibility/2006">
+        <mc:Choice xmlns:a14="http://schemas.microsoft.com/office/drawing/2010/main" Requires="a14">
           <p:sp>
             <p:nvSpPr>
               <p:cNvPr id="31" name="TextBox 30">
@@ -4008,7 +4116,7 @@
             </p:nvSpPr>
             <p:spPr>
               <a:xfrm>
-                <a:off x="2093518" y="4932180"/>
+                <a:off x="1691008" y="4861913"/>
                 <a:ext cx="216024" cy="374526"/>
               </a:xfrm>
               <a:prstGeom prst="rect">
@@ -4062,7 +4170,7 @@
             </p:txBody>
           </p:sp>
         </mc:Choice>
-        <mc:Fallback xmlns="">
+        <mc:Fallback>
           <p:sp>
             <p:nvSpPr>
               <p:cNvPr id="31" name="TextBox 30">
@@ -4079,7 +4187,7 @@
             </p:nvSpPr>
             <p:spPr>
               <a:xfrm>
-                <a:off x="2093518" y="4932180"/>
+                <a:off x="1691008" y="4861913"/>
                 <a:ext cx="216024" cy="374526"/>
               </a:xfrm>
               <a:prstGeom prst="rect">
@@ -4121,7 +4229,7 @@
         </p:nvSpPr>
         <p:spPr>
           <a:xfrm rot="1152689">
-            <a:off x="1118289" y="3734212"/>
+            <a:off x="715779" y="3663945"/>
             <a:ext cx="524811" cy="1536981"/>
           </a:xfrm>
           <a:prstGeom prst="roundRect">
@@ -4180,7 +4288,7 @@
         </p:nvSpPr>
         <p:spPr>
           <a:xfrm>
-            <a:off x="1600833" y="2131115"/>
+            <a:off x="1198323" y="2060848"/>
             <a:ext cx="2304256" cy="576064"/>
           </a:xfrm>
           <a:prstGeom prst="ellipse">
@@ -4225,8 +4333,8 @@
           </a:p>
         </p:txBody>
       </p:sp>
-      <mc:AlternateContent xmlns:mc="http://schemas.openxmlformats.org/markup-compatibility/2006" xmlns:a14="http://schemas.microsoft.com/office/drawing/2010/main">
-        <mc:Choice Requires="a14">
+      <mc:AlternateContent xmlns:mc="http://schemas.openxmlformats.org/markup-compatibility/2006">
+        <mc:Choice xmlns:a14="http://schemas.microsoft.com/office/drawing/2010/main" Requires="a14">
           <p:sp>
             <p:nvSpPr>
               <p:cNvPr id="61" name="TextBox 60">
@@ -4241,7 +4349,7 @@
             </p:nvSpPr>
             <p:spPr>
               <a:xfrm>
-                <a:off x="1164670" y="4315439"/>
+                <a:off x="762160" y="4245172"/>
                 <a:ext cx="216024" cy="374526"/>
               </a:xfrm>
               <a:prstGeom prst="rect">
@@ -4295,7 +4403,7 @@
             </p:txBody>
           </p:sp>
         </mc:Choice>
-        <mc:Fallback xmlns="">
+        <mc:Fallback>
           <p:sp>
             <p:nvSpPr>
               <p:cNvPr id="61" name="TextBox 60">
@@ -4312,7 +4420,7 @@
             </p:nvSpPr>
             <p:spPr>
               <a:xfrm>
-                <a:off x="1164670" y="4315439"/>
+                <a:off x="762160" y="4245172"/>
                 <a:ext cx="216024" cy="374526"/>
               </a:xfrm>
               <a:prstGeom prst="rect">
@@ -4340,8 +4448,8 @@
           </p:sp>
         </mc:Fallback>
       </mc:AlternateContent>
-      <mc:AlternateContent xmlns:mc="http://schemas.openxmlformats.org/markup-compatibility/2006" xmlns:a14="http://schemas.microsoft.com/office/drawing/2010/main">
-        <mc:Choice Requires="a14">
+      <mc:AlternateContent xmlns:mc="http://schemas.openxmlformats.org/markup-compatibility/2006">
+        <mc:Choice xmlns:a14="http://schemas.microsoft.com/office/drawing/2010/main" Requires="a14">
           <p:sp>
             <p:nvSpPr>
               <p:cNvPr id="62" name="TextBox 61">
@@ -4356,7 +4464,7 @@
             </p:nvSpPr>
             <p:spPr>
               <a:xfrm>
-                <a:off x="1658027" y="3023492"/>
+                <a:off x="1255517" y="2953225"/>
                 <a:ext cx="216024" cy="374526"/>
               </a:xfrm>
               <a:prstGeom prst="rect">
@@ -4410,7 +4518,7 @@
             </p:txBody>
           </p:sp>
         </mc:Choice>
-        <mc:Fallback xmlns="">
+        <mc:Fallback>
           <p:sp>
             <p:nvSpPr>
               <p:cNvPr id="62" name="TextBox 61">
@@ -4427,7 +4535,7 @@
             </p:nvSpPr>
             <p:spPr>
               <a:xfrm>
-                <a:off x="1658027" y="3023492"/>
+                <a:off x="1255517" y="2953225"/>
                 <a:ext cx="216024" cy="374526"/>
               </a:xfrm>
               <a:prstGeom prst="rect">
@@ -4455,8 +4563,8 @@
           </p:sp>
         </mc:Fallback>
       </mc:AlternateContent>
-      <mc:AlternateContent xmlns:mc="http://schemas.openxmlformats.org/markup-compatibility/2006" xmlns:a14="http://schemas.microsoft.com/office/drawing/2010/main">
-        <mc:Choice Requires="a14">
+      <mc:AlternateContent xmlns:mc="http://schemas.openxmlformats.org/markup-compatibility/2006">
+        <mc:Choice xmlns:a14="http://schemas.microsoft.com/office/drawing/2010/main" Requires="a14">
           <p:sp>
             <p:nvSpPr>
               <p:cNvPr id="63" name="TextBox 62">
@@ -4471,7 +4579,7 @@
             </p:nvSpPr>
             <p:spPr>
               <a:xfrm>
-                <a:off x="2715865" y="4536394"/>
+                <a:off x="2313355" y="4466127"/>
                 <a:ext cx="216024" cy="374526"/>
               </a:xfrm>
               <a:prstGeom prst="rect">
@@ -4525,7 +4633,7 @@
             </p:txBody>
           </p:sp>
         </mc:Choice>
-        <mc:Fallback xmlns="">
+        <mc:Fallback>
           <p:sp>
             <p:nvSpPr>
               <p:cNvPr id="63" name="TextBox 62">
@@ -4542,7 +4650,7 @@
             </p:nvSpPr>
             <p:spPr>
               <a:xfrm>
-                <a:off x="2715865" y="4536394"/>
+                <a:off x="2313355" y="4466127"/>
                 <a:ext cx="216024" cy="374526"/>
               </a:xfrm>
               <a:prstGeom prst="rect">
@@ -4551,7 +4659,7 @@
               <a:blipFill>
                 <a:blip r:embed="rId6"/>
                 <a:stretch>
-                  <a:fillRect r="-48571"/>
+                  <a:fillRect r="-47222"/>
                 </a:stretch>
               </a:blipFill>
             </p:spPr>
@@ -4570,8 +4678,8 @@
           </p:sp>
         </mc:Fallback>
       </mc:AlternateContent>
-      <mc:AlternateContent xmlns:mc="http://schemas.openxmlformats.org/markup-compatibility/2006" xmlns:a14="http://schemas.microsoft.com/office/drawing/2010/main">
-        <mc:Choice Requires="a14">
+      <mc:AlternateContent xmlns:mc="http://schemas.openxmlformats.org/markup-compatibility/2006">
+        <mc:Choice xmlns:a14="http://schemas.microsoft.com/office/drawing/2010/main" Requires="a14">
           <p:sp>
             <p:nvSpPr>
               <p:cNvPr id="64" name="TextBox 63">
@@ -4586,7 +4694,7 @@
             </p:nvSpPr>
             <p:spPr>
               <a:xfrm>
-                <a:off x="2640169" y="3049018"/>
+                <a:off x="2237659" y="2978751"/>
                 <a:ext cx="216024" cy="374526"/>
               </a:xfrm>
               <a:prstGeom prst="rect">
@@ -4640,7 +4748,7 @@
             </p:txBody>
           </p:sp>
         </mc:Choice>
-        <mc:Fallback xmlns="">
+        <mc:Fallback>
           <p:sp>
             <p:nvSpPr>
               <p:cNvPr id="64" name="TextBox 63">
@@ -4657,7 +4765,7 @@
             </p:nvSpPr>
             <p:spPr>
               <a:xfrm>
-                <a:off x="2640169" y="3049018"/>
+                <a:off x="2237659" y="2978751"/>
                 <a:ext cx="216024" cy="374526"/>
               </a:xfrm>
               <a:prstGeom prst="rect">
@@ -4685,8 +4793,8 @@
           </p:sp>
         </mc:Fallback>
       </mc:AlternateContent>
-      <mc:AlternateContent xmlns:mc="http://schemas.openxmlformats.org/markup-compatibility/2006" xmlns:a14="http://schemas.microsoft.com/office/drawing/2010/main">
-        <mc:Choice Requires="a14">
+      <mc:AlternateContent xmlns:mc="http://schemas.openxmlformats.org/markup-compatibility/2006">
+        <mc:Choice xmlns:a14="http://schemas.microsoft.com/office/drawing/2010/main" Requires="a14">
           <p:sp>
             <p:nvSpPr>
               <p:cNvPr id="65" name="TextBox 64">
@@ -4701,7 +4809,7 @@
             </p:nvSpPr>
             <p:spPr>
               <a:xfrm>
-                <a:off x="3627373" y="3028290"/>
+                <a:off x="3224863" y="2958023"/>
                 <a:ext cx="216024" cy="374526"/>
               </a:xfrm>
               <a:prstGeom prst="rect">
@@ -4755,7 +4863,7 @@
             </p:txBody>
           </p:sp>
         </mc:Choice>
-        <mc:Fallback xmlns="">
+        <mc:Fallback>
           <p:sp>
             <p:nvSpPr>
               <p:cNvPr id="65" name="TextBox 64">
@@ -4772,7 +4880,7 @@
             </p:nvSpPr>
             <p:spPr>
               <a:xfrm>
-                <a:off x="3627373" y="3028290"/>
+                <a:off x="3224863" y="2958023"/>
                 <a:ext cx="216024" cy="374526"/>
               </a:xfrm>
               <a:prstGeom prst="rect">
@@ -4800,8 +4908,8 @@
           </p:sp>
         </mc:Fallback>
       </mc:AlternateContent>
-      <mc:AlternateContent xmlns:mc="http://schemas.openxmlformats.org/markup-compatibility/2006" xmlns:a14="http://schemas.microsoft.com/office/drawing/2010/main">
-        <mc:Choice Requires="a14">
+      <mc:AlternateContent xmlns:mc="http://schemas.openxmlformats.org/markup-compatibility/2006">
+        <mc:Choice xmlns:a14="http://schemas.microsoft.com/office/drawing/2010/main" Requires="a14">
           <p:sp>
             <p:nvSpPr>
               <p:cNvPr id="66" name="TextBox 65">
@@ -4816,7 +4924,7 @@
             </p:nvSpPr>
             <p:spPr>
               <a:xfrm>
-                <a:off x="4180452" y="4367731"/>
+                <a:off x="3777942" y="4297464"/>
                 <a:ext cx="216024" cy="374526"/>
               </a:xfrm>
               <a:prstGeom prst="rect">
@@ -4870,7 +4978,7 @@
             </p:txBody>
           </p:sp>
         </mc:Choice>
-        <mc:Fallback xmlns="">
+        <mc:Fallback>
           <p:sp>
             <p:nvSpPr>
               <p:cNvPr id="66" name="TextBox 65">
@@ -4887,7 +4995,7 @@
             </p:nvSpPr>
             <p:spPr>
               <a:xfrm>
-                <a:off x="4180452" y="4367731"/>
+                <a:off x="3777942" y="4297464"/>
                 <a:ext cx="216024" cy="374526"/>
               </a:xfrm>
               <a:prstGeom prst="rect">
@@ -4915,8 +5023,8 @@
           </p:sp>
         </mc:Fallback>
       </mc:AlternateContent>
-      <mc:AlternateContent xmlns:mc="http://schemas.openxmlformats.org/markup-compatibility/2006" xmlns:a14="http://schemas.microsoft.com/office/drawing/2010/main">
-        <mc:Choice Requires="a14">
+      <mc:AlternateContent xmlns:mc="http://schemas.openxmlformats.org/markup-compatibility/2006">
+        <mc:Choice xmlns:a14="http://schemas.microsoft.com/office/drawing/2010/main" Requires="a14">
           <p:sp>
             <p:nvSpPr>
               <p:cNvPr id="67" name="TextBox 66">
@@ -4931,7 +5039,7 @@
             </p:nvSpPr>
             <p:spPr>
               <a:xfrm>
-                <a:off x="2604051" y="2171193"/>
+                <a:off x="2201541" y="2100926"/>
                 <a:ext cx="216024" cy="374526"/>
               </a:xfrm>
               <a:prstGeom prst="rect">
@@ -4985,7 +5093,7 @@
             </p:txBody>
           </p:sp>
         </mc:Choice>
-        <mc:Fallback xmlns="">
+        <mc:Fallback>
           <p:sp>
             <p:nvSpPr>
               <p:cNvPr id="67" name="TextBox 66">
@@ -5002,7 +5110,7 @@
             </p:nvSpPr>
             <p:spPr>
               <a:xfrm>
-                <a:off x="2604051" y="2171193"/>
+                <a:off x="2201541" y="2100926"/>
                 <a:ext cx="216024" cy="374526"/>
               </a:xfrm>
               <a:prstGeom prst="rect">
@@ -5044,7 +5152,7 @@
         </p:nvSpPr>
         <p:spPr>
           <a:xfrm>
-            <a:off x="930732" y="4896618"/>
+            <a:off x="528222" y="4826351"/>
             <a:ext cx="467876" cy="434737"/>
           </a:xfrm>
           <a:prstGeom prst="ellipse">
@@ -5089,8 +5197,8 @@
           </a:p>
         </p:txBody>
       </p:sp>
-      <mc:AlternateContent xmlns:mc="http://schemas.openxmlformats.org/markup-compatibility/2006" xmlns:a14="http://schemas.microsoft.com/office/drawing/2010/main">
-        <mc:Choice Requires="a14">
+      <mc:AlternateContent xmlns:mc="http://schemas.openxmlformats.org/markup-compatibility/2006">
+        <mc:Choice xmlns:a14="http://schemas.microsoft.com/office/drawing/2010/main" Requires="a14">
           <p:sp>
             <p:nvSpPr>
               <p:cNvPr id="34" name="TextBox 33">
@@ -5105,7 +5213,7 @@
             </p:nvSpPr>
             <p:spPr>
               <a:xfrm>
-                <a:off x="954583" y="4905093"/>
+                <a:off x="569090" y="4834826"/>
                 <a:ext cx="216024" cy="374526"/>
               </a:xfrm>
               <a:prstGeom prst="rect">
@@ -5139,7 +5247,7 @@
                             <a:rPr lang="en-US" altLang="ko-KR" b="0" i="1" smtClean="0">
                               <a:latin typeface="Cambria Math" panose="02040503050406030204" pitchFamily="18" charset="0"/>
                             </a:rPr>
-                            <m:t>𝑢</m:t>
+                            <m:t>𝑝</m:t>
                           </m:r>
                         </m:e>
                         <m:sub>
@@ -5159,7 +5267,7 @@
             </p:txBody>
           </p:sp>
         </mc:Choice>
-        <mc:Fallback xmlns="">
+        <mc:Fallback>
           <p:sp>
             <p:nvSpPr>
               <p:cNvPr id="34" name="TextBox 33">
@@ -5176,7 +5284,7 @@
             </p:nvSpPr>
             <p:spPr>
               <a:xfrm>
-                <a:off x="954583" y="4905093"/>
+                <a:off x="569090" y="4834826"/>
                 <a:ext cx="216024" cy="374526"/>
               </a:xfrm>
               <a:prstGeom prst="rect">
@@ -5185,7 +5293,7 @@
               <a:blipFill>
                 <a:blip r:embed="rId11"/>
                 <a:stretch>
-                  <a:fillRect r="-77143"/>
+                  <a:fillRect r="-69444" b="-4839"/>
                 </a:stretch>
               </a:blipFill>
             </p:spPr>
@@ -5218,7 +5326,7 @@
         </p:nvSpPr>
         <p:spPr>
           <a:xfrm>
-            <a:off x="2622255" y="5201892"/>
+            <a:off x="2219745" y="5131625"/>
             <a:ext cx="467876" cy="434737"/>
           </a:xfrm>
           <a:prstGeom prst="ellipse">
@@ -5263,8 +5371,8 @@
           </a:p>
         </p:txBody>
       </p:sp>
-      <mc:AlternateContent xmlns:mc="http://schemas.openxmlformats.org/markup-compatibility/2006" xmlns:a14="http://schemas.microsoft.com/office/drawing/2010/main">
-        <mc:Choice Requires="a14">
+      <mc:AlternateContent xmlns:mc="http://schemas.openxmlformats.org/markup-compatibility/2006">
+        <mc:Choice xmlns:a14="http://schemas.microsoft.com/office/drawing/2010/main" Requires="a14">
           <p:sp>
             <p:nvSpPr>
               <p:cNvPr id="71" name="TextBox 70">
@@ -5279,7 +5387,7 @@
             </p:nvSpPr>
             <p:spPr>
               <a:xfrm>
-                <a:off x="2646106" y="5210367"/>
+                <a:off x="2243596" y="5140100"/>
                 <a:ext cx="216024" cy="374526"/>
               </a:xfrm>
               <a:prstGeom prst="rect">
@@ -5313,7 +5421,7 @@
                             <a:rPr lang="en-US" altLang="ko-KR" b="0" i="1" smtClean="0">
                               <a:latin typeface="Cambria Math" panose="02040503050406030204" pitchFamily="18" charset="0"/>
                             </a:rPr>
-                            <m:t>𝑢</m:t>
+                            <m:t>𝑝</m:t>
                           </m:r>
                         </m:e>
                         <m:sub>
@@ -5333,7 +5441,7 @@
             </p:txBody>
           </p:sp>
         </mc:Choice>
-        <mc:Fallback xmlns="">
+        <mc:Fallback>
           <p:sp>
             <p:nvSpPr>
               <p:cNvPr id="71" name="TextBox 70">
@@ -5350,7 +5458,7 @@
             </p:nvSpPr>
             <p:spPr>
               <a:xfrm>
-                <a:off x="2646106" y="5210367"/>
+                <a:off x="2243596" y="5140100"/>
                 <a:ext cx="216024" cy="374526"/>
               </a:xfrm>
               <a:prstGeom prst="rect">
@@ -5359,7 +5467,7 @@
               <a:blipFill>
                 <a:blip r:embed="rId12"/>
                 <a:stretch>
-                  <a:fillRect r="-72222"/>
+                  <a:fillRect r="-71429" b="-4839"/>
                 </a:stretch>
               </a:blipFill>
             </p:spPr>
@@ -5392,7 +5500,7 @@
         </p:nvSpPr>
         <p:spPr>
           <a:xfrm>
-            <a:off x="4312172" y="4803703"/>
+            <a:off x="3909662" y="4733436"/>
             <a:ext cx="467876" cy="434737"/>
           </a:xfrm>
           <a:prstGeom prst="ellipse">
@@ -5437,8 +5545,8 @@
           </a:p>
         </p:txBody>
       </p:sp>
-      <mc:AlternateContent xmlns:mc="http://schemas.openxmlformats.org/markup-compatibility/2006" xmlns:a14="http://schemas.microsoft.com/office/drawing/2010/main">
-        <mc:Choice Requires="a14">
+      <mc:AlternateContent xmlns:mc="http://schemas.openxmlformats.org/markup-compatibility/2006">
+        <mc:Choice xmlns:a14="http://schemas.microsoft.com/office/drawing/2010/main" Requires="a14">
           <p:sp>
             <p:nvSpPr>
               <p:cNvPr id="73" name="TextBox 72">
@@ -5453,7 +5561,7 @@
             </p:nvSpPr>
             <p:spPr>
               <a:xfrm>
-                <a:off x="4336023" y="4812178"/>
+                <a:off x="3933513" y="4741911"/>
                 <a:ext cx="216024" cy="374526"/>
               </a:xfrm>
               <a:prstGeom prst="rect">
@@ -5487,7 +5595,7 @@
                             <a:rPr lang="en-US" altLang="ko-KR" b="0" i="1" smtClean="0">
                               <a:latin typeface="Cambria Math" panose="02040503050406030204" pitchFamily="18" charset="0"/>
                             </a:rPr>
-                            <m:t>𝑢</m:t>
+                            <m:t>𝑝</m:t>
                           </m:r>
                         </m:e>
                         <m:sub>
@@ -5507,7 +5615,7 @@
             </p:txBody>
           </p:sp>
         </mc:Choice>
-        <mc:Fallback xmlns="">
+        <mc:Fallback>
           <p:sp>
             <p:nvSpPr>
               <p:cNvPr id="73" name="TextBox 72">
@@ -5524,7 +5632,7 @@
             </p:nvSpPr>
             <p:spPr>
               <a:xfrm>
-                <a:off x="4336023" y="4812178"/>
+                <a:off x="3933513" y="4741911"/>
                 <a:ext cx="216024" cy="374526"/>
               </a:xfrm>
               <a:prstGeom prst="rect">
@@ -5533,7 +5641,7 @@
               <a:blipFill>
                 <a:blip r:embed="rId13"/>
                 <a:stretch>
-                  <a:fillRect r="-75000"/>
+                  <a:fillRect r="-69444" b="-4918"/>
                 </a:stretch>
               </a:blipFill>
             </p:spPr>
@@ -5552,8 +5660,8 @@
           </p:sp>
         </mc:Fallback>
       </mc:AlternateContent>
-      <mc:AlternateContent xmlns:mc="http://schemas.openxmlformats.org/markup-compatibility/2006" xmlns:a14="http://schemas.microsoft.com/office/drawing/2010/main">
-        <mc:Choice Requires="a14">
+      <mc:AlternateContent xmlns:mc="http://schemas.openxmlformats.org/markup-compatibility/2006">
+        <mc:Choice xmlns:a14="http://schemas.microsoft.com/office/drawing/2010/main" Requires="a14">
           <p:sp>
             <p:nvSpPr>
               <p:cNvPr id="75" name="TextBox 74">
@@ -5568,7 +5676,7 @@
             </p:nvSpPr>
             <p:spPr>
               <a:xfrm>
-                <a:off x="2607853" y="2523478"/>
+                <a:off x="2205343" y="2453211"/>
                 <a:ext cx="216024" cy="369332"/>
               </a:xfrm>
               <a:prstGeom prst="rect">
@@ -5622,7 +5730,7 @@
             </p:txBody>
           </p:sp>
         </mc:Choice>
-        <mc:Fallback xmlns="">
+        <mc:Fallback>
           <p:sp>
             <p:nvSpPr>
               <p:cNvPr id="75" name="TextBox 74">
@@ -5639,7 +5747,7 @@
             </p:nvSpPr>
             <p:spPr>
               <a:xfrm>
-                <a:off x="2607853" y="2523478"/>
+                <a:off x="2205343" y="2453211"/>
                 <a:ext cx="216024" cy="369332"/>
               </a:xfrm>
               <a:prstGeom prst="rect">
@@ -5667,8 +5775,8 @@
           </p:sp>
         </mc:Fallback>
       </mc:AlternateContent>
-      <mc:AlternateContent xmlns:mc="http://schemas.openxmlformats.org/markup-compatibility/2006" xmlns:a14="http://schemas.microsoft.com/office/drawing/2010/main">
-        <mc:Choice Requires="a14">
+      <mc:AlternateContent xmlns:mc="http://schemas.openxmlformats.org/markup-compatibility/2006">
+        <mc:Choice xmlns:a14="http://schemas.microsoft.com/office/drawing/2010/main" Requires="a14">
           <p:sp>
             <p:nvSpPr>
               <p:cNvPr id="76" name="TextBox 75">
@@ -5683,7 +5791,7 @@
             </p:nvSpPr>
             <p:spPr>
               <a:xfrm>
-                <a:off x="1793692" y="2409588"/>
+                <a:off x="1391182" y="2339321"/>
                 <a:ext cx="216024" cy="369332"/>
               </a:xfrm>
               <a:prstGeom prst="rect">
@@ -5737,7 +5845,7 @@
             </p:txBody>
           </p:sp>
         </mc:Choice>
-        <mc:Fallback xmlns="">
+        <mc:Fallback>
           <p:sp>
             <p:nvSpPr>
               <p:cNvPr id="76" name="TextBox 75">
@@ -5754,7 +5862,7 @@
             </p:nvSpPr>
             <p:spPr>
               <a:xfrm>
-                <a:off x="1793692" y="2409588"/>
+                <a:off x="1391182" y="2339321"/>
                 <a:ext cx="216024" cy="369332"/>
               </a:xfrm>
               <a:prstGeom prst="rect">
@@ -5782,8 +5890,8 @@
           </p:sp>
         </mc:Fallback>
       </mc:AlternateContent>
-      <mc:AlternateContent xmlns:mc="http://schemas.openxmlformats.org/markup-compatibility/2006" xmlns:a14="http://schemas.microsoft.com/office/drawing/2010/main">
-        <mc:Choice Requires="a14">
+      <mc:AlternateContent xmlns:mc="http://schemas.openxmlformats.org/markup-compatibility/2006">
+        <mc:Choice xmlns:a14="http://schemas.microsoft.com/office/drawing/2010/main" Requires="a14">
           <p:sp>
             <p:nvSpPr>
               <p:cNvPr id="78" name="TextBox 77">
@@ -5798,7 +5906,7 @@
             </p:nvSpPr>
             <p:spPr>
               <a:xfrm>
-                <a:off x="3372095" y="2441491"/>
+                <a:off x="2969585" y="2371224"/>
                 <a:ext cx="216024" cy="369332"/>
               </a:xfrm>
               <a:prstGeom prst="rect">
@@ -5852,7 +5960,7 @@
             </p:txBody>
           </p:sp>
         </mc:Choice>
-        <mc:Fallback xmlns="">
+        <mc:Fallback>
           <p:sp>
             <p:nvSpPr>
               <p:cNvPr id="78" name="TextBox 77">
@@ -5869,7 +5977,7 @@
             </p:nvSpPr>
             <p:spPr>
               <a:xfrm>
-                <a:off x="3372095" y="2441491"/>
+                <a:off x="2969585" y="2371224"/>
                 <a:ext cx="216024" cy="369332"/>
               </a:xfrm>
               <a:prstGeom prst="rect">
@@ -5911,7 +6019,7 @@
         </p:nvSpPr>
         <p:spPr>
           <a:xfrm>
-            <a:off x="5555306" y="3621081"/>
+            <a:off x="5436096" y="6165304"/>
             <a:ext cx="418237" cy="345035"/>
           </a:xfrm>
           <a:prstGeom prst="rightArrow">
@@ -5968,7 +6076,7 @@
         </p:nvSpPr>
         <p:spPr>
           <a:xfrm>
-            <a:off x="6182354" y="3612386"/>
+            <a:off x="6063943" y="6165304"/>
             <a:ext cx="1189749" cy="369332"/>
           </a:xfrm>
           <a:prstGeom prst="rect">
@@ -5982,7 +6090,7 @@
           <a:lstStyle/>
           <a:p>
             <a:r>
-              <a:rPr lang="ko-KR" altLang="en-US" b="1">
+              <a:rPr lang="ko-KR" altLang="en-US" b="1" dirty="0">
                 <a:latin typeface="맑은 고딕" panose="020B0503020000020004" pitchFamily="50" charset="-127"/>
               </a:rPr>
               <a:t>운영 가능</a:t>
@@ -6009,7 +6117,7 @@
         </p:nvCxnSpPr>
         <p:spPr>
           <a:xfrm flipH="1" flipV="1">
-            <a:off x="2831376" y="3526886"/>
+            <a:off x="2428866" y="3456619"/>
             <a:ext cx="5908" cy="909664"/>
           </a:xfrm>
           <a:prstGeom prst="straightConnector1">
@@ -6053,7 +6161,7 @@
         </p:nvCxnSpPr>
         <p:spPr>
           <a:xfrm flipH="1" flipV="1">
-            <a:off x="3879316" y="3452030"/>
+            <a:off x="3476806" y="3381763"/>
             <a:ext cx="301136" cy="762152"/>
           </a:xfrm>
           <a:prstGeom prst="straightConnector1">
@@ -6097,7 +6205,7 @@
         </p:nvCxnSpPr>
         <p:spPr>
           <a:xfrm flipV="1">
-            <a:off x="1473414" y="3530954"/>
+            <a:off x="1070904" y="3460687"/>
             <a:ext cx="249151" cy="690739"/>
           </a:xfrm>
           <a:prstGeom prst="straightConnector1">

--- a/02 Scheduler/200406_Hexapod 수식정리.pptx
+++ b/02 Scheduler/200406_Hexapod 수식정리.pptx
@@ -3475,8 +3475,8 @@
           </a:p>
         </p:txBody>
       </p:sp>
-      <mc:AlternateContent xmlns:mc="http://schemas.openxmlformats.org/markup-compatibility/2006">
-        <mc:Choice xmlns:a14="http://schemas.microsoft.com/office/drawing/2010/main" Requires="a14">
+      <mc:AlternateContent xmlns:mc="http://schemas.openxmlformats.org/markup-compatibility/2006" xmlns:a14="http://schemas.microsoft.com/office/drawing/2010/main">
+        <mc:Choice Requires="a14">
           <p:sp>
             <p:nvSpPr>
               <p:cNvPr id="19" name="TextBox 18">
@@ -3905,7 +3905,7 @@
             </p:txBody>
           </p:sp>
         </mc:Choice>
-        <mc:Fallback>
+        <mc:Fallback xmlns="">
           <p:sp>
             <p:nvSpPr>
               <p:cNvPr id="19" name="TextBox 18">
@@ -4100,8 +4100,8 @@
           </a:p>
         </p:txBody>
       </p:sp>
-      <mc:AlternateContent xmlns:mc="http://schemas.openxmlformats.org/markup-compatibility/2006">
-        <mc:Choice xmlns:a14="http://schemas.microsoft.com/office/drawing/2010/main" Requires="a14">
+      <mc:AlternateContent xmlns:mc="http://schemas.openxmlformats.org/markup-compatibility/2006" xmlns:a14="http://schemas.microsoft.com/office/drawing/2010/main">
+        <mc:Choice Requires="a14">
           <p:sp>
             <p:nvSpPr>
               <p:cNvPr id="31" name="TextBox 30">
@@ -4170,7 +4170,7 @@
             </p:txBody>
           </p:sp>
         </mc:Choice>
-        <mc:Fallback>
+        <mc:Fallback xmlns="">
           <p:sp>
             <p:nvSpPr>
               <p:cNvPr id="31" name="TextBox 30">
@@ -4333,8 +4333,8 @@
           </a:p>
         </p:txBody>
       </p:sp>
-      <mc:AlternateContent xmlns:mc="http://schemas.openxmlformats.org/markup-compatibility/2006">
-        <mc:Choice xmlns:a14="http://schemas.microsoft.com/office/drawing/2010/main" Requires="a14">
+      <mc:AlternateContent xmlns:mc="http://schemas.openxmlformats.org/markup-compatibility/2006" xmlns:a14="http://schemas.microsoft.com/office/drawing/2010/main">
+        <mc:Choice Requires="a14">
           <p:sp>
             <p:nvSpPr>
               <p:cNvPr id="61" name="TextBox 60">
@@ -4403,7 +4403,7 @@
             </p:txBody>
           </p:sp>
         </mc:Choice>
-        <mc:Fallback>
+        <mc:Fallback xmlns="">
           <p:sp>
             <p:nvSpPr>
               <p:cNvPr id="61" name="TextBox 60">
@@ -4448,8 +4448,8 @@
           </p:sp>
         </mc:Fallback>
       </mc:AlternateContent>
-      <mc:AlternateContent xmlns:mc="http://schemas.openxmlformats.org/markup-compatibility/2006">
-        <mc:Choice xmlns:a14="http://schemas.microsoft.com/office/drawing/2010/main" Requires="a14">
+      <mc:AlternateContent xmlns:mc="http://schemas.openxmlformats.org/markup-compatibility/2006" xmlns:a14="http://schemas.microsoft.com/office/drawing/2010/main">
+        <mc:Choice Requires="a14">
           <p:sp>
             <p:nvSpPr>
               <p:cNvPr id="62" name="TextBox 61">
@@ -4518,7 +4518,7 @@
             </p:txBody>
           </p:sp>
         </mc:Choice>
-        <mc:Fallback>
+        <mc:Fallback xmlns="">
           <p:sp>
             <p:nvSpPr>
               <p:cNvPr id="62" name="TextBox 61">
@@ -4563,8 +4563,8 @@
           </p:sp>
         </mc:Fallback>
       </mc:AlternateContent>
-      <mc:AlternateContent xmlns:mc="http://schemas.openxmlformats.org/markup-compatibility/2006">
-        <mc:Choice xmlns:a14="http://schemas.microsoft.com/office/drawing/2010/main" Requires="a14">
+      <mc:AlternateContent xmlns:mc="http://schemas.openxmlformats.org/markup-compatibility/2006" xmlns:a14="http://schemas.microsoft.com/office/drawing/2010/main">
+        <mc:Choice Requires="a14">
           <p:sp>
             <p:nvSpPr>
               <p:cNvPr id="63" name="TextBox 62">
@@ -4633,7 +4633,7 @@
             </p:txBody>
           </p:sp>
         </mc:Choice>
-        <mc:Fallback>
+        <mc:Fallback xmlns="">
           <p:sp>
             <p:nvSpPr>
               <p:cNvPr id="63" name="TextBox 62">
@@ -4678,8 +4678,8 @@
           </p:sp>
         </mc:Fallback>
       </mc:AlternateContent>
-      <mc:AlternateContent xmlns:mc="http://schemas.openxmlformats.org/markup-compatibility/2006">
-        <mc:Choice xmlns:a14="http://schemas.microsoft.com/office/drawing/2010/main" Requires="a14">
+      <mc:AlternateContent xmlns:mc="http://schemas.openxmlformats.org/markup-compatibility/2006" xmlns:a14="http://schemas.microsoft.com/office/drawing/2010/main">
+        <mc:Choice Requires="a14">
           <p:sp>
             <p:nvSpPr>
               <p:cNvPr id="64" name="TextBox 63">
@@ -4748,7 +4748,7 @@
             </p:txBody>
           </p:sp>
         </mc:Choice>
-        <mc:Fallback>
+        <mc:Fallback xmlns="">
           <p:sp>
             <p:nvSpPr>
               <p:cNvPr id="64" name="TextBox 63">
@@ -4793,8 +4793,8 @@
           </p:sp>
         </mc:Fallback>
       </mc:AlternateContent>
-      <mc:AlternateContent xmlns:mc="http://schemas.openxmlformats.org/markup-compatibility/2006">
-        <mc:Choice xmlns:a14="http://schemas.microsoft.com/office/drawing/2010/main" Requires="a14">
+      <mc:AlternateContent xmlns:mc="http://schemas.openxmlformats.org/markup-compatibility/2006" xmlns:a14="http://schemas.microsoft.com/office/drawing/2010/main">
+        <mc:Choice Requires="a14">
           <p:sp>
             <p:nvSpPr>
               <p:cNvPr id="65" name="TextBox 64">
@@ -4863,7 +4863,7 @@
             </p:txBody>
           </p:sp>
         </mc:Choice>
-        <mc:Fallback>
+        <mc:Fallback xmlns="">
           <p:sp>
             <p:nvSpPr>
               <p:cNvPr id="65" name="TextBox 64">
@@ -4908,8 +4908,8 @@
           </p:sp>
         </mc:Fallback>
       </mc:AlternateContent>
-      <mc:AlternateContent xmlns:mc="http://schemas.openxmlformats.org/markup-compatibility/2006">
-        <mc:Choice xmlns:a14="http://schemas.microsoft.com/office/drawing/2010/main" Requires="a14">
+      <mc:AlternateContent xmlns:mc="http://schemas.openxmlformats.org/markup-compatibility/2006" xmlns:a14="http://schemas.microsoft.com/office/drawing/2010/main">
+        <mc:Choice Requires="a14">
           <p:sp>
             <p:nvSpPr>
               <p:cNvPr id="66" name="TextBox 65">
@@ -4978,7 +4978,7 @@
             </p:txBody>
           </p:sp>
         </mc:Choice>
-        <mc:Fallback>
+        <mc:Fallback xmlns="">
           <p:sp>
             <p:nvSpPr>
               <p:cNvPr id="66" name="TextBox 65">
@@ -5023,8 +5023,8 @@
           </p:sp>
         </mc:Fallback>
       </mc:AlternateContent>
-      <mc:AlternateContent xmlns:mc="http://schemas.openxmlformats.org/markup-compatibility/2006">
-        <mc:Choice xmlns:a14="http://schemas.microsoft.com/office/drawing/2010/main" Requires="a14">
+      <mc:AlternateContent xmlns:mc="http://schemas.openxmlformats.org/markup-compatibility/2006" xmlns:a14="http://schemas.microsoft.com/office/drawing/2010/main">
+        <mc:Choice Requires="a14">
           <p:sp>
             <p:nvSpPr>
               <p:cNvPr id="67" name="TextBox 66">
@@ -5093,7 +5093,7 @@
             </p:txBody>
           </p:sp>
         </mc:Choice>
-        <mc:Fallback>
+        <mc:Fallback xmlns="">
           <p:sp>
             <p:nvSpPr>
               <p:cNvPr id="67" name="TextBox 66">
@@ -5197,8 +5197,8 @@
           </a:p>
         </p:txBody>
       </p:sp>
-      <mc:AlternateContent xmlns:mc="http://schemas.openxmlformats.org/markup-compatibility/2006">
-        <mc:Choice xmlns:a14="http://schemas.microsoft.com/office/drawing/2010/main" Requires="a14">
+      <mc:AlternateContent xmlns:mc="http://schemas.openxmlformats.org/markup-compatibility/2006" xmlns:a14="http://schemas.microsoft.com/office/drawing/2010/main">
+        <mc:Choice Requires="a14">
           <p:sp>
             <p:nvSpPr>
               <p:cNvPr id="34" name="TextBox 33">
@@ -5267,7 +5267,7 @@
             </p:txBody>
           </p:sp>
         </mc:Choice>
-        <mc:Fallback>
+        <mc:Fallback xmlns="">
           <p:sp>
             <p:nvSpPr>
               <p:cNvPr id="34" name="TextBox 33">
@@ -5371,8 +5371,8 @@
           </a:p>
         </p:txBody>
       </p:sp>
-      <mc:AlternateContent xmlns:mc="http://schemas.openxmlformats.org/markup-compatibility/2006">
-        <mc:Choice xmlns:a14="http://schemas.microsoft.com/office/drawing/2010/main" Requires="a14">
+      <mc:AlternateContent xmlns:mc="http://schemas.openxmlformats.org/markup-compatibility/2006" xmlns:a14="http://schemas.microsoft.com/office/drawing/2010/main">
+        <mc:Choice Requires="a14">
           <p:sp>
             <p:nvSpPr>
               <p:cNvPr id="71" name="TextBox 70">
@@ -5441,7 +5441,7 @@
             </p:txBody>
           </p:sp>
         </mc:Choice>
-        <mc:Fallback>
+        <mc:Fallback xmlns="">
           <p:sp>
             <p:nvSpPr>
               <p:cNvPr id="71" name="TextBox 70">
@@ -5545,8 +5545,8 @@
           </a:p>
         </p:txBody>
       </p:sp>
-      <mc:AlternateContent xmlns:mc="http://schemas.openxmlformats.org/markup-compatibility/2006">
-        <mc:Choice xmlns:a14="http://schemas.microsoft.com/office/drawing/2010/main" Requires="a14">
+      <mc:AlternateContent xmlns:mc="http://schemas.openxmlformats.org/markup-compatibility/2006" xmlns:a14="http://schemas.microsoft.com/office/drawing/2010/main">
+        <mc:Choice Requires="a14">
           <p:sp>
             <p:nvSpPr>
               <p:cNvPr id="73" name="TextBox 72">
@@ -5615,7 +5615,7 @@
             </p:txBody>
           </p:sp>
         </mc:Choice>
-        <mc:Fallback>
+        <mc:Fallback xmlns="">
           <p:sp>
             <p:nvSpPr>
               <p:cNvPr id="73" name="TextBox 72">
@@ -5660,8 +5660,8 @@
           </p:sp>
         </mc:Fallback>
       </mc:AlternateContent>
-      <mc:AlternateContent xmlns:mc="http://schemas.openxmlformats.org/markup-compatibility/2006">
-        <mc:Choice xmlns:a14="http://schemas.microsoft.com/office/drawing/2010/main" Requires="a14">
+      <mc:AlternateContent xmlns:mc="http://schemas.openxmlformats.org/markup-compatibility/2006" xmlns:a14="http://schemas.microsoft.com/office/drawing/2010/main">
+        <mc:Choice Requires="a14">
           <p:sp>
             <p:nvSpPr>
               <p:cNvPr id="75" name="TextBox 74">
@@ -5730,7 +5730,7 @@
             </p:txBody>
           </p:sp>
         </mc:Choice>
-        <mc:Fallback>
+        <mc:Fallback xmlns="">
           <p:sp>
             <p:nvSpPr>
               <p:cNvPr id="75" name="TextBox 74">
@@ -5775,8 +5775,8 @@
           </p:sp>
         </mc:Fallback>
       </mc:AlternateContent>
-      <mc:AlternateContent xmlns:mc="http://schemas.openxmlformats.org/markup-compatibility/2006">
-        <mc:Choice xmlns:a14="http://schemas.microsoft.com/office/drawing/2010/main" Requires="a14">
+      <mc:AlternateContent xmlns:mc="http://schemas.openxmlformats.org/markup-compatibility/2006" xmlns:a14="http://schemas.microsoft.com/office/drawing/2010/main">
+        <mc:Choice Requires="a14">
           <p:sp>
             <p:nvSpPr>
               <p:cNvPr id="76" name="TextBox 75">
@@ -5845,7 +5845,7 @@
             </p:txBody>
           </p:sp>
         </mc:Choice>
-        <mc:Fallback>
+        <mc:Fallback xmlns="">
           <p:sp>
             <p:nvSpPr>
               <p:cNvPr id="76" name="TextBox 75">
@@ -5890,8 +5890,8 @@
           </p:sp>
         </mc:Fallback>
       </mc:AlternateContent>
-      <mc:AlternateContent xmlns:mc="http://schemas.openxmlformats.org/markup-compatibility/2006">
-        <mc:Choice xmlns:a14="http://schemas.microsoft.com/office/drawing/2010/main" Requires="a14">
+      <mc:AlternateContent xmlns:mc="http://schemas.openxmlformats.org/markup-compatibility/2006" xmlns:a14="http://schemas.microsoft.com/office/drawing/2010/main">
+        <mc:Choice Requires="a14">
           <p:sp>
             <p:nvSpPr>
               <p:cNvPr id="78" name="TextBox 77">
@@ -5960,7 +5960,7 @@
             </p:txBody>
           </p:sp>
         </mc:Choice>
-        <mc:Fallback>
+        <mc:Fallback xmlns="">
           <p:sp>
             <p:nvSpPr>
               <p:cNvPr id="78" name="TextBox 77">

--- a/02 Scheduler/200406_Hexapod 수식정리.pptx
+++ b/02 Scheduler/200406_Hexapod 수식정리.pptx
@@ -274,7 +274,7 @@
             <a:fld id="{5A3A39F1-8DBE-4B2C-A5AA-02BE4DE26BF5}" type="datetimeFigureOut">
               <a:rPr lang="ko-KR" altLang="en-US" smtClean="0"/>
               <a:pPr/>
-              <a:t>2020-04-08</a:t>
+              <a:t>2020-04-13</a:t>
             </a:fld>
             <a:endParaRPr lang="ko-KR" altLang="en-US"/>
           </a:p>

--- a/02 Scheduler/200406_Hexapod 수식정리.pptx
+++ b/02 Scheduler/200406_Hexapod 수식정리.pptx
@@ -5,7 +5,7 @@
     <p:sldMasterId id="2147483672" r:id="rId1"/>
   </p:sldMasterIdLst>
   <p:notesMasterIdLst>
-    <p:notesMasterId r:id="rId14"/>
+    <p:notesMasterId r:id="rId12"/>
   </p:notesMasterIdLst>
   <p:sldIdLst>
     <p:sldId id="305" r:id="rId2"/>
@@ -18,51 +18,49 @@
     <p:sldId id="512" r:id="rId9"/>
     <p:sldId id="511" r:id="rId10"/>
     <p:sldId id="510" r:id="rId11"/>
-    <p:sldId id="513" r:id="rId12"/>
-    <p:sldId id="508" r:id="rId13"/>
   </p:sldIdLst>
   <p:sldSz cx="9144000" cy="6858000" type="screen4x3"/>
   <p:notesSz cx="6797675" cy="9926638"/>
   <p:embeddedFontLst>
     <p:embeddedFont>
       <p:font typeface="-윤고딕320" panose="020B0600000101010101" charset="-127"/>
-      <p:regular r:id="rId15"/>
+      <p:regular r:id="rId13"/>
     </p:embeddedFont>
     <p:embeddedFont>
       <p:font typeface="-윤고딕330" panose="020B0600000101010101" charset="-127"/>
-      <p:regular r:id="rId16"/>
+      <p:regular r:id="rId14"/>
     </p:embeddedFont>
     <p:embeddedFont>
       <p:font typeface="Calibri" panose="020F0502020204030204" pitchFamily="34" charset="0"/>
-      <p:regular r:id="rId17"/>
-      <p:bold r:id="rId18"/>
-      <p:italic r:id="rId19"/>
-      <p:boldItalic r:id="rId20"/>
+      <p:regular r:id="rId15"/>
+      <p:bold r:id="rId16"/>
+      <p:italic r:id="rId17"/>
+      <p:boldItalic r:id="rId18"/>
     </p:embeddedFont>
     <p:embeddedFont>
       <p:font typeface="Calibri Light" panose="020F0302020204030204" pitchFamily="34" charset="0"/>
-      <p:regular r:id="rId21"/>
-      <p:italic r:id="rId22"/>
+      <p:regular r:id="rId19"/>
+      <p:italic r:id="rId20"/>
     </p:embeddedFont>
     <p:embeddedFont>
       <p:font typeface="Cambria Math" panose="02040503050406030204" pitchFamily="18" charset="0"/>
-      <p:regular r:id="rId23"/>
+      <p:regular r:id="rId21"/>
     </p:embeddedFont>
     <p:embeddedFont>
       <p:font typeface="Consolas" panose="020B0609020204030204" pitchFamily="49" charset="0"/>
-      <p:regular r:id="rId24"/>
-      <p:bold r:id="rId25"/>
-      <p:italic r:id="rId26"/>
-      <p:boldItalic r:id="rId27"/>
+      <p:regular r:id="rId22"/>
+      <p:bold r:id="rId23"/>
+      <p:italic r:id="rId24"/>
+      <p:boldItalic r:id="rId25"/>
     </p:embeddedFont>
     <p:embeddedFont>
       <p:font typeface="HY견고딕" panose="02030600000101010101" pitchFamily="18" charset="-127"/>
-      <p:regular r:id="rId28"/>
+      <p:regular r:id="rId26"/>
     </p:embeddedFont>
     <p:embeddedFont>
       <p:font typeface="맑은 고딕" panose="020B0503020000020004" pitchFamily="50" charset="-127"/>
-      <p:regular r:id="rId29"/>
-      <p:bold r:id="rId30"/>
+      <p:regular r:id="rId27"/>
+      <p:bold r:id="rId28"/>
     </p:embeddedFont>
   </p:embeddedFontLst>
   <p:defaultTextStyle>
@@ -274,7 +272,7 @@
             <a:fld id="{5A3A39F1-8DBE-4B2C-A5AA-02BE4DE26BF5}" type="datetimeFigureOut">
               <a:rPr lang="ko-KR" altLang="en-US" smtClean="0"/>
               <a:pPr/>
-              <a:t>2020-04-13</a:t>
+              <a:t>2020-04-14</a:t>
             </a:fld>
             <a:endParaRPr lang="ko-KR" altLang="en-US"/>
           </a:p>
@@ -2872,5133 +2870,6 @@
     <p:extLst>
       <p:ext uri="{BB962C8B-B14F-4D97-AF65-F5344CB8AC3E}">
         <p14:creationId xmlns:p14="http://schemas.microsoft.com/office/powerpoint/2010/main" val="4151586887"/>
-      </p:ext>
-    </p:extLst>
-  </p:cSld>
-  <p:clrMapOvr>
-    <a:masterClrMapping/>
-  </p:clrMapOvr>
-</p:sld>
-</file>
-
-<file path=ppt/slides/slide11.xml><?xml version="1.0" encoding="utf-8"?>
-<p:sld xmlns:a="http://schemas.openxmlformats.org/drawingml/2006/main" xmlns:r="http://schemas.openxmlformats.org/officeDocument/2006/relationships" xmlns:p="http://schemas.openxmlformats.org/presentationml/2006/main">
-  <p:cSld>
-    <p:spTree>
-      <p:nvGrpSpPr>
-        <p:cNvPr id="1" name=""/>
-        <p:cNvGrpSpPr/>
-        <p:nvPr/>
-      </p:nvGrpSpPr>
-      <p:grpSpPr>
-        <a:xfrm>
-          <a:off x="0" y="0"/>
-          <a:ext cx="0" cy="0"/>
-          <a:chOff x="0" y="0"/>
-          <a:chExt cx="0" cy="0"/>
-        </a:xfrm>
-      </p:grpSpPr>
-      <p:grpSp>
-        <p:nvGrpSpPr>
-          <p:cNvPr id="57" name="그룹 56">
-            <a:extLst>
-              <a:ext uri="{FF2B5EF4-FFF2-40B4-BE49-F238E27FC236}">
-                <a16:creationId xmlns:a16="http://schemas.microsoft.com/office/drawing/2014/main" id="{FEEC5E71-8683-4C58-8FC2-E5BC47F4749A}"/>
-              </a:ext>
-            </a:extLst>
-          </p:cNvPr>
-          <p:cNvGrpSpPr/>
-          <p:nvPr/>
-        </p:nvGrpSpPr>
-        <p:grpSpPr>
-          <a:xfrm rot="19100650">
-            <a:off x="3208435" y="2536469"/>
-            <a:ext cx="872518" cy="2653818"/>
-            <a:chOff x="4394844" y="3868450"/>
-            <a:chExt cx="872518" cy="2653818"/>
-          </a:xfrm>
-        </p:grpSpPr>
-        <p:sp>
-          <p:nvSpPr>
-            <p:cNvPr id="55" name="사각형: 둥근 모서리 54">
-              <a:extLst>
-                <a:ext uri="{FF2B5EF4-FFF2-40B4-BE49-F238E27FC236}">
-                  <a16:creationId xmlns:a16="http://schemas.microsoft.com/office/drawing/2014/main" id="{EC26793D-F5B3-40B0-BD41-BB938DD4035B}"/>
-                </a:ext>
-              </a:extLst>
-            </p:cNvPr>
-            <p:cNvSpPr/>
-            <p:nvPr/>
-          </p:nvSpPr>
-          <p:spPr>
-            <a:xfrm rot="1152689">
-              <a:off x="4873132" y="3868450"/>
-              <a:ext cx="394230" cy="1378852"/>
-            </a:xfrm>
-            <a:prstGeom prst="roundRect">
-              <a:avLst/>
-            </a:prstGeom>
-            <a:noFill/>
-            <a:ln w="9525">
-              <a:solidFill>
-                <a:schemeClr val="tx1">
-                  <a:lumMod val="75000"/>
-                  <a:lumOff val="25000"/>
-                </a:schemeClr>
-              </a:solidFill>
-              <a:headEnd type="none"/>
-              <a:tailEnd type="none"/>
-            </a:ln>
-          </p:spPr>
-          <p:style>
-            <a:lnRef idx="2">
-              <a:schemeClr val="accent1">
-                <a:shade val="50000"/>
-              </a:schemeClr>
-            </a:lnRef>
-            <a:fillRef idx="1">
-              <a:schemeClr val="accent1"/>
-            </a:fillRef>
-            <a:effectRef idx="0">
-              <a:schemeClr val="accent1"/>
-            </a:effectRef>
-            <a:fontRef idx="minor">
-              <a:schemeClr val="lt1"/>
-            </a:fontRef>
-          </p:style>
-          <p:txBody>
-            <a:bodyPr rtlCol="0" anchor="ctr"/>
-            <a:lstStyle/>
-            <a:p>
-              <a:pPr algn="ctr"/>
-              <a:endParaRPr lang="ko-KR" altLang="en-US"/>
-            </a:p>
-          </p:txBody>
-        </p:sp>
-        <p:sp>
-          <p:nvSpPr>
-            <p:cNvPr id="56" name="사각형: 둥근 모서리 55">
-              <a:extLst>
-                <a:ext uri="{FF2B5EF4-FFF2-40B4-BE49-F238E27FC236}">
-                  <a16:creationId xmlns:a16="http://schemas.microsoft.com/office/drawing/2014/main" id="{F445F1BF-8331-4628-B049-217C9B70EAC3}"/>
-                </a:ext>
-              </a:extLst>
-            </p:cNvPr>
-            <p:cNvSpPr/>
-            <p:nvPr/>
-          </p:nvSpPr>
-          <p:spPr>
-            <a:xfrm rot="1152689">
-              <a:off x="4394844" y="4985287"/>
-              <a:ext cx="524811" cy="1536981"/>
-            </a:xfrm>
-            <a:prstGeom prst="roundRect">
-              <a:avLst/>
-            </a:prstGeom>
-            <a:solidFill>
-              <a:schemeClr val="bg1"/>
-            </a:solidFill>
-            <a:ln w="9525">
-              <a:solidFill>
-                <a:schemeClr val="tx1">
-                  <a:lumMod val="75000"/>
-                  <a:lumOff val="25000"/>
-                </a:schemeClr>
-              </a:solidFill>
-              <a:headEnd type="none"/>
-              <a:tailEnd type="none"/>
-            </a:ln>
-          </p:spPr>
-          <p:style>
-            <a:lnRef idx="2">
-              <a:schemeClr val="accent1">
-                <a:shade val="50000"/>
-              </a:schemeClr>
-            </a:lnRef>
-            <a:fillRef idx="1">
-              <a:schemeClr val="accent1"/>
-            </a:fillRef>
-            <a:effectRef idx="0">
-              <a:schemeClr val="accent1"/>
-            </a:effectRef>
-            <a:fontRef idx="minor">
-              <a:schemeClr val="lt1"/>
-            </a:fontRef>
-          </p:style>
-          <p:txBody>
-            <a:bodyPr rtlCol="0" anchor="ctr"/>
-            <a:lstStyle/>
-            <a:p>
-              <a:pPr algn="ctr"/>
-              <a:endParaRPr lang="ko-KR" altLang="en-US"/>
-            </a:p>
-          </p:txBody>
-        </p:sp>
-      </p:grpSp>
-      <p:grpSp>
-        <p:nvGrpSpPr>
-          <p:cNvPr id="58" name="그룹 57">
-            <a:extLst>
-              <a:ext uri="{FF2B5EF4-FFF2-40B4-BE49-F238E27FC236}">
-                <a16:creationId xmlns:a16="http://schemas.microsoft.com/office/drawing/2014/main" id="{271311D1-4CE2-42DD-8333-3915FDAADFB6}"/>
-              </a:ext>
-            </a:extLst>
-          </p:cNvPr>
-          <p:cNvGrpSpPr/>
-          <p:nvPr/>
-        </p:nvGrpSpPr>
-        <p:grpSpPr>
-          <a:xfrm rot="20367990">
-            <a:off x="1957381" y="2712182"/>
-            <a:ext cx="931065" cy="2770804"/>
-            <a:chOff x="4394844" y="3868450"/>
-            <a:chExt cx="872518" cy="2653818"/>
-          </a:xfrm>
-        </p:grpSpPr>
-        <p:sp>
-          <p:nvSpPr>
-            <p:cNvPr id="59" name="사각형: 둥근 모서리 58">
-              <a:extLst>
-                <a:ext uri="{FF2B5EF4-FFF2-40B4-BE49-F238E27FC236}">
-                  <a16:creationId xmlns:a16="http://schemas.microsoft.com/office/drawing/2014/main" id="{403FC9E8-182B-4524-B93E-4F2600ADCAFC}"/>
-                </a:ext>
-              </a:extLst>
-            </p:cNvPr>
-            <p:cNvSpPr/>
-            <p:nvPr/>
-          </p:nvSpPr>
-          <p:spPr>
-            <a:xfrm rot="1152689">
-              <a:off x="4873132" y="3868450"/>
-              <a:ext cx="394230" cy="1378852"/>
-            </a:xfrm>
-            <a:prstGeom prst="roundRect">
-              <a:avLst/>
-            </a:prstGeom>
-            <a:noFill/>
-            <a:ln w="9525">
-              <a:solidFill>
-                <a:schemeClr val="tx1">
-                  <a:lumMod val="75000"/>
-                  <a:lumOff val="25000"/>
-                </a:schemeClr>
-              </a:solidFill>
-              <a:headEnd type="none"/>
-              <a:tailEnd type="none"/>
-            </a:ln>
-          </p:spPr>
-          <p:style>
-            <a:lnRef idx="2">
-              <a:schemeClr val="accent1">
-                <a:shade val="50000"/>
-              </a:schemeClr>
-            </a:lnRef>
-            <a:fillRef idx="1">
-              <a:schemeClr val="accent1"/>
-            </a:fillRef>
-            <a:effectRef idx="0">
-              <a:schemeClr val="accent1"/>
-            </a:effectRef>
-            <a:fontRef idx="minor">
-              <a:schemeClr val="lt1"/>
-            </a:fontRef>
-          </p:style>
-          <p:txBody>
-            <a:bodyPr rtlCol="0" anchor="ctr"/>
-            <a:lstStyle/>
-            <a:p>
-              <a:pPr algn="ctr"/>
-              <a:endParaRPr lang="ko-KR" altLang="en-US"/>
-            </a:p>
-          </p:txBody>
-        </p:sp>
-        <p:sp>
-          <p:nvSpPr>
-            <p:cNvPr id="60" name="사각형: 둥근 모서리 59">
-              <a:extLst>
-                <a:ext uri="{FF2B5EF4-FFF2-40B4-BE49-F238E27FC236}">
-                  <a16:creationId xmlns:a16="http://schemas.microsoft.com/office/drawing/2014/main" id="{FA978C79-4FC1-4B03-81E5-491037EEF1D3}"/>
-                </a:ext>
-              </a:extLst>
-            </p:cNvPr>
-            <p:cNvSpPr/>
-            <p:nvPr/>
-          </p:nvSpPr>
-          <p:spPr>
-            <a:xfrm rot="1152689">
-              <a:off x="4394844" y="4985287"/>
-              <a:ext cx="524811" cy="1536981"/>
-            </a:xfrm>
-            <a:prstGeom prst="roundRect">
-              <a:avLst/>
-            </a:prstGeom>
-            <a:solidFill>
-              <a:schemeClr val="bg1"/>
-            </a:solidFill>
-            <a:ln w="9525">
-              <a:solidFill>
-                <a:schemeClr val="tx1">
-                  <a:lumMod val="75000"/>
-                  <a:lumOff val="25000"/>
-                </a:schemeClr>
-              </a:solidFill>
-              <a:headEnd type="none"/>
-              <a:tailEnd type="none"/>
-            </a:ln>
-          </p:spPr>
-          <p:style>
-            <a:lnRef idx="2">
-              <a:schemeClr val="accent1">
-                <a:shade val="50000"/>
-              </a:schemeClr>
-            </a:lnRef>
-            <a:fillRef idx="1">
-              <a:schemeClr val="accent1"/>
-            </a:fillRef>
-            <a:effectRef idx="0">
-              <a:schemeClr val="accent1"/>
-            </a:effectRef>
-            <a:fontRef idx="minor">
-              <a:schemeClr val="lt1"/>
-            </a:fontRef>
-          </p:style>
-          <p:txBody>
-            <a:bodyPr rtlCol="0" anchor="ctr"/>
-            <a:lstStyle/>
-            <a:p>
-              <a:pPr algn="ctr"/>
-              <a:endParaRPr lang="ko-KR" altLang="en-US"/>
-            </a:p>
-          </p:txBody>
-        </p:sp>
-      </p:grpSp>
-      <p:sp>
-        <p:nvSpPr>
-          <p:cNvPr id="77" name="타원 76">
-            <a:extLst>
-              <a:ext uri="{FF2B5EF4-FFF2-40B4-BE49-F238E27FC236}">
-                <a16:creationId xmlns:a16="http://schemas.microsoft.com/office/drawing/2014/main" id="{0C6E147A-44A0-4F8A-8BD2-00335F85FA1F}"/>
-              </a:ext>
-            </a:extLst>
-          </p:cNvPr>
-          <p:cNvSpPr/>
-          <p:nvPr/>
-        </p:nvSpPr>
-        <p:spPr>
-          <a:xfrm>
-            <a:off x="2909526" y="2371224"/>
-            <a:ext cx="467876" cy="434737"/>
-          </a:xfrm>
-          <a:prstGeom prst="ellipse">
-            <a:avLst/>
-          </a:prstGeom>
-          <a:solidFill>
-            <a:schemeClr val="bg1"/>
-          </a:solidFill>
-          <a:ln w="9525">
-            <a:solidFill>
-              <a:schemeClr val="tx1">
-                <a:lumMod val="75000"/>
-                <a:lumOff val="25000"/>
-              </a:schemeClr>
-            </a:solidFill>
-            <a:headEnd type="none"/>
-            <a:tailEnd type="none"/>
-          </a:ln>
-        </p:spPr>
-        <p:style>
-          <a:lnRef idx="2">
-            <a:schemeClr val="accent1">
-              <a:shade val="50000"/>
-            </a:schemeClr>
-          </a:lnRef>
-          <a:fillRef idx="1">
-            <a:schemeClr val="accent1"/>
-          </a:fillRef>
-          <a:effectRef idx="0">
-            <a:schemeClr val="accent1"/>
-          </a:effectRef>
-          <a:fontRef idx="minor">
-            <a:schemeClr val="lt1"/>
-          </a:fontRef>
-        </p:style>
-        <p:txBody>
-          <a:bodyPr rtlCol="0" anchor="ctr"/>
-          <a:lstStyle/>
-          <a:p>
-            <a:pPr algn="ctr"/>
-            <a:endParaRPr lang="ko-KR" altLang="en-US"/>
-          </a:p>
-        </p:txBody>
-      </p:sp>
-      <p:sp>
-        <p:nvSpPr>
-          <p:cNvPr id="74" name="타원 73">
-            <a:extLst>
-              <a:ext uri="{FF2B5EF4-FFF2-40B4-BE49-F238E27FC236}">
-                <a16:creationId xmlns:a16="http://schemas.microsoft.com/office/drawing/2014/main" id="{F50525D6-B892-421D-8F87-94EAE7AAF165}"/>
-              </a:ext>
-            </a:extLst>
-          </p:cNvPr>
-          <p:cNvSpPr/>
-          <p:nvPr/>
-        </p:nvSpPr>
-        <p:spPr>
-          <a:xfrm>
-            <a:off x="2181492" y="2444736"/>
-            <a:ext cx="467876" cy="434737"/>
-          </a:xfrm>
-          <a:prstGeom prst="ellipse">
-            <a:avLst/>
-          </a:prstGeom>
-          <a:solidFill>
-            <a:schemeClr val="bg1"/>
-          </a:solidFill>
-          <a:ln w="9525">
-            <a:solidFill>
-              <a:schemeClr val="tx1">
-                <a:lumMod val="75000"/>
-                <a:lumOff val="25000"/>
-              </a:schemeClr>
-            </a:solidFill>
-            <a:headEnd type="none"/>
-            <a:tailEnd type="none"/>
-          </a:ln>
-        </p:spPr>
-        <p:style>
-          <a:lnRef idx="2">
-            <a:schemeClr val="accent1">
-              <a:shade val="50000"/>
-            </a:schemeClr>
-          </a:lnRef>
-          <a:fillRef idx="1">
-            <a:schemeClr val="accent1"/>
-          </a:fillRef>
-          <a:effectRef idx="0">
-            <a:schemeClr val="accent1"/>
-          </a:effectRef>
-          <a:fontRef idx="minor">
-            <a:schemeClr val="lt1"/>
-          </a:fontRef>
-        </p:style>
-        <p:txBody>
-          <a:bodyPr rtlCol="0" anchor="ctr"/>
-          <a:lstStyle/>
-          <a:p>
-            <a:pPr algn="ctr"/>
-            <a:endParaRPr lang="ko-KR" altLang="en-US"/>
-          </a:p>
-        </p:txBody>
-      </p:sp>
-      <p:sp>
-        <p:nvSpPr>
-          <p:cNvPr id="54" name="사각형: 둥근 모서리 53">
-            <a:extLst>
-              <a:ext uri="{FF2B5EF4-FFF2-40B4-BE49-F238E27FC236}">
-                <a16:creationId xmlns:a16="http://schemas.microsoft.com/office/drawing/2014/main" id="{F1B0B095-0912-4941-91BD-A7E3DBF57514}"/>
-              </a:ext>
-            </a:extLst>
-          </p:cNvPr>
-          <p:cNvSpPr/>
-          <p:nvPr/>
-        </p:nvSpPr>
-        <p:spPr>
-          <a:xfrm rot="1152689">
-            <a:off x="1194067" y="2547108"/>
-            <a:ext cx="394230" cy="1378852"/>
-          </a:xfrm>
-          <a:prstGeom prst="roundRect">
-            <a:avLst/>
-          </a:prstGeom>
-          <a:noFill/>
-          <a:ln w="9525">
-            <a:solidFill>
-              <a:schemeClr val="tx1">
-                <a:lumMod val="75000"/>
-                <a:lumOff val="25000"/>
-              </a:schemeClr>
-            </a:solidFill>
-            <a:headEnd type="none"/>
-            <a:tailEnd type="none"/>
-          </a:ln>
-        </p:spPr>
-        <p:style>
-          <a:lnRef idx="2">
-            <a:schemeClr val="accent1">
-              <a:shade val="50000"/>
-            </a:schemeClr>
-          </a:lnRef>
-          <a:fillRef idx="1">
-            <a:schemeClr val="accent1"/>
-          </a:fillRef>
-          <a:effectRef idx="0">
-            <a:schemeClr val="accent1"/>
-          </a:effectRef>
-          <a:fontRef idx="minor">
-            <a:schemeClr val="lt1"/>
-          </a:fontRef>
-        </p:style>
-        <p:txBody>
-          <a:bodyPr rtlCol="0" anchor="ctr"/>
-          <a:lstStyle/>
-          <a:p>
-            <a:pPr algn="ctr"/>
-            <a:endParaRPr lang="ko-KR" altLang="en-US"/>
-          </a:p>
-        </p:txBody>
-      </p:sp>
-      <p:sp>
-        <p:nvSpPr>
-          <p:cNvPr id="68" name="타원 67">
-            <a:extLst>
-              <a:ext uri="{FF2B5EF4-FFF2-40B4-BE49-F238E27FC236}">
-                <a16:creationId xmlns:a16="http://schemas.microsoft.com/office/drawing/2014/main" id="{8317C336-9614-49CC-A0BF-BAA3E0C594E9}"/>
-              </a:ext>
-            </a:extLst>
-          </p:cNvPr>
-          <p:cNvSpPr/>
-          <p:nvPr/>
-        </p:nvSpPr>
-        <p:spPr>
-          <a:xfrm>
-            <a:off x="1363529" y="2371225"/>
-            <a:ext cx="467876" cy="434737"/>
-          </a:xfrm>
-          <a:prstGeom prst="ellipse">
-            <a:avLst/>
-          </a:prstGeom>
-          <a:solidFill>
-            <a:schemeClr val="bg1"/>
-          </a:solidFill>
-          <a:ln w="9525">
-            <a:solidFill>
-              <a:schemeClr val="tx1">
-                <a:lumMod val="75000"/>
-                <a:lumOff val="25000"/>
-              </a:schemeClr>
-            </a:solidFill>
-            <a:headEnd type="none"/>
-            <a:tailEnd type="none"/>
-          </a:ln>
-        </p:spPr>
-        <p:style>
-          <a:lnRef idx="2">
-            <a:schemeClr val="accent1">
-              <a:shade val="50000"/>
-            </a:schemeClr>
-          </a:lnRef>
-          <a:fillRef idx="1">
-            <a:schemeClr val="accent1"/>
-          </a:fillRef>
-          <a:effectRef idx="0">
-            <a:schemeClr val="accent1"/>
-          </a:effectRef>
-          <a:fontRef idx="minor">
-            <a:schemeClr val="lt1"/>
-          </a:fontRef>
-        </p:style>
-        <p:txBody>
-          <a:bodyPr rtlCol="0" anchor="ctr"/>
-          <a:lstStyle/>
-          <a:p>
-            <a:pPr algn="ctr"/>
-            <a:endParaRPr lang="ko-KR" altLang="en-US"/>
-          </a:p>
-        </p:txBody>
-      </p:sp>
-      <p:sp>
-        <p:nvSpPr>
-          <p:cNvPr id="4" name="TextBox 3">
-            <a:extLst>
-              <a:ext uri="{FF2B5EF4-FFF2-40B4-BE49-F238E27FC236}">
-                <a16:creationId xmlns:a16="http://schemas.microsoft.com/office/drawing/2014/main" id="{AE0A424D-F847-4EDA-8C0D-89C5A9331C2A}"/>
-              </a:ext>
-            </a:extLst>
-          </p:cNvPr>
-          <p:cNvSpPr txBox="1"/>
-          <p:nvPr/>
-        </p:nvSpPr>
-        <p:spPr>
-          <a:xfrm>
-            <a:off x="323528" y="980728"/>
-            <a:ext cx="2656496" cy="646331"/>
-          </a:xfrm>
-          <a:prstGeom prst="rect">
-            <a:avLst/>
-          </a:prstGeom>
-          <a:noFill/>
-        </p:spPr>
-        <p:txBody>
-          <a:bodyPr wrap="none" rtlCol="0">
-            <a:spAutoFit/>
-          </a:bodyPr>
-          <a:lstStyle/>
-          <a:p>
-            <a:r>
-              <a:rPr lang="ko-KR" altLang="en-US" sz="2000" dirty="0">
-                <a:latin typeface="맑은 고딕"/>
-                <a:ea typeface="맑은 고딕"/>
-              </a:rPr>
-              <a:t>▣ </a:t>
-            </a:r>
-            <a:r>
-              <a:rPr lang="en-US" altLang="ko-KR" sz="2000" dirty="0">
-                <a:latin typeface="HY견고딕" panose="02030600000101010101" pitchFamily="18" charset="-127"/>
-                <a:ea typeface="HY견고딕" panose="02030600000101010101" pitchFamily="18" charset="-127"/>
-              </a:rPr>
-              <a:t>3</a:t>
-            </a:r>
-            <a:r>
-              <a:rPr lang="ko-KR" altLang="en-US" sz="2000" dirty="0">
-                <a:latin typeface="HY견고딕" panose="02030600000101010101" pitchFamily="18" charset="-127"/>
-                <a:ea typeface="HY견고딕" panose="02030600000101010101" pitchFamily="18" charset="-127"/>
-              </a:rPr>
-              <a:t>자유도 회전 허용</a:t>
-            </a:r>
-            <a:endParaRPr lang="en-US" altLang="ko-KR" sz="2000" dirty="0">
-              <a:latin typeface="HY견고딕" panose="02030600000101010101" pitchFamily="18" charset="-127"/>
-              <a:ea typeface="HY견고딕" panose="02030600000101010101" pitchFamily="18" charset="-127"/>
-            </a:endParaRPr>
-          </a:p>
-          <a:p>
-            <a:r>
-              <a:rPr lang="en-US" altLang="ko-KR" sz="1600" dirty="0">
-                <a:latin typeface="HY견고딕" panose="02030600000101010101" pitchFamily="18" charset="-127"/>
-                <a:ea typeface="HY견고딕" panose="02030600000101010101" pitchFamily="18" charset="-127"/>
-              </a:rPr>
-              <a:t>(Roll – Pitch – Yaw)</a:t>
-            </a:r>
-            <a:endParaRPr lang="en-US" altLang="ko-KR" sz="2000" dirty="0">
-              <a:latin typeface="HY견고딕" panose="02030600000101010101" pitchFamily="18" charset="-127"/>
-              <a:ea typeface="HY견고딕" panose="02030600000101010101" pitchFamily="18" charset="-127"/>
-            </a:endParaRPr>
-          </a:p>
-        </p:txBody>
-      </p:sp>
-      <mc:AlternateContent xmlns:mc="http://schemas.openxmlformats.org/markup-compatibility/2006" xmlns:a14="http://schemas.microsoft.com/office/drawing/2010/main">
-        <mc:Choice Requires="a14">
-          <p:sp>
-            <p:nvSpPr>
-              <p:cNvPr id="19" name="TextBox 18">
-                <a:extLst>
-                  <a:ext uri="{FF2B5EF4-FFF2-40B4-BE49-F238E27FC236}">
-                    <a16:creationId xmlns:a16="http://schemas.microsoft.com/office/drawing/2014/main" id="{4CDB503E-A893-49DD-827A-561514B645B3}"/>
-                  </a:ext>
-                </a:extLst>
-              </p:cNvPr>
-              <p:cNvSpPr txBox="1"/>
-              <p:nvPr/>
-            </p:nvSpPr>
-            <p:spPr>
-              <a:xfrm>
-                <a:off x="4444847" y="2236395"/>
-                <a:ext cx="4561586" cy="3139321"/>
-              </a:xfrm>
-              <a:prstGeom prst="rect">
-                <a:avLst/>
-              </a:prstGeom>
-              <a:noFill/>
-            </p:spPr>
-            <p:txBody>
-              <a:bodyPr wrap="square" rtlCol="0">
-                <a:spAutoFit/>
-              </a:bodyPr>
-              <a:lstStyle/>
-              <a:p>
-                <a:r>
-                  <a:rPr lang="ko-KR" altLang="en-US" b="1" dirty="0">
-                    <a:latin typeface="맑은 고딕" panose="020B0503020000020004" pitchFamily="50" charset="-127"/>
-                    <a:ea typeface="맑은 고딕" panose="020B0503020000020004" pitchFamily="50" charset="-127"/>
-                  </a:rPr>
-                  <a:t>자유도 계산</a:t>
-                </a:r>
-                <a:r>
-                  <a:rPr lang="en-US" altLang="ko-KR" b="1" dirty="0">
-                    <a:latin typeface="맑은 고딕" panose="020B0503020000020004" pitchFamily="50" charset="-127"/>
-                    <a:ea typeface="맑은 고딕" panose="020B0503020000020004" pitchFamily="50" charset="-127"/>
-                  </a:rPr>
-                  <a:t>(</a:t>
-                </a:r>
-                <a:r>
-                  <a:rPr lang="en-US" altLang="ko-KR" dirty="0" err="1"/>
-                  <a:t>Kutzbach</a:t>
-                </a:r>
-                <a:r>
-                  <a:rPr lang="en-US" altLang="ko-KR" dirty="0"/>
-                  <a:t> </a:t>
-                </a:r>
-                <a:r>
-                  <a:rPr lang="ko-KR" altLang="en-US" dirty="0"/>
-                  <a:t>정리</a:t>
-                </a:r>
-                <a:r>
-                  <a:rPr lang="en-US" altLang="ko-KR" dirty="0"/>
-                  <a:t>)</a:t>
-                </a:r>
-                <a:endParaRPr lang="en-US" altLang="ko-KR" b="1" dirty="0">
-                  <a:latin typeface="맑은 고딕" panose="020B0503020000020004" pitchFamily="50" charset="-127"/>
-                  <a:ea typeface="맑은 고딕" panose="020B0503020000020004" pitchFamily="50" charset="-127"/>
-                </a:endParaRPr>
-              </a:p>
-              <a:p>
-                <a:endParaRPr lang="en-US" altLang="ko-KR" b="1" dirty="0">
-                  <a:latin typeface="맑은 고딕" panose="020B0503020000020004" pitchFamily="50" charset="-127"/>
-                  <a:ea typeface="맑은 고딕" panose="020B0503020000020004" pitchFamily="50" charset="-127"/>
-                </a:endParaRPr>
-              </a:p>
-              <a:p>
-                <a:pPr marL="285750" indent="-285750">
-                  <a:buFontTx/>
-                  <a:buChar char="-"/>
-                </a:pPr>
-                <a:r>
-                  <a:rPr lang="en-US" altLang="ko-KR" b="1" dirty="0">
-                    <a:latin typeface="맑은 고딕" panose="020B0503020000020004" pitchFamily="50" charset="-127"/>
-                    <a:ea typeface="맑은 고딕" panose="020B0503020000020004" pitchFamily="50" charset="-127"/>
-                  </a:rPr>
-                  <a:t>Link(</a:t>
-                </a:r>
-                <a14:m>
-                  <m:oMath xmlns:m="http://schemas.openxmlformats.org/officeDocument/2006/math">
-                    <m:sSub>
-                      <m:sSubPr>
-                        <m:ctrlPr>
-                          <a:rPr lang="en-US" altLang="ko-KR" i="1" smtClean="0">
-                            <a:latin typeface="Cambria Math" panose="02040503050406030204" pitchFamily="18" charset="0"/>
-                          </a:rPr>
-                        </m:ctrlPr>
-                      </m:sSubPr>
-                      <m:e>
-                        <m:r>
-                          <a:rPr lang="en-US" altLang="ko-KR" i="1">
-                            <a:latin typeface="Cambria Math" panose="02040503050406030204" pitchFamily="18" charset="0"/>
-                          </a:rPr>
-                          <m:t>𝑙</m:t>
-                        </m:r>
-                      </m:e>
-                      <m:sub>
-                        <m:r>
-                          <a:rPr lang="en-US" altLang="ko-KR" b="0" i="1" smtClean="0">
-                            <a:latin typeface="Cambria Math" panose="02040503050406030204" pitchFamily="18" charset="0"/>
-                          </a:rPr>
-                          <m:t>0</m:t>
-                        </m:r>
-                      </m:sub>
-                    </m:sSub>
-                    <m:r>
-                      <a:rPr lang="en-US" altLang="ko-KR" b="0" i="1" smtClean="0">
-                        <a:latin typeface="Cambria Math" panose="02040503050406030204" pitchFamily="18" charset="0"/>
-                      </a:rPr>
-                      <m:t>~</m:t>
-                    </m:r>
-                    <m:sSub>
-                      <m:sSubPr>
-                        <m:ctrlPr>
-                          <a:rPr lang="en-US" altLang="ko-KR" i="1">
-                            <a:latin typeface="Cambria Math" panose="02040503050406030204" pitchFamily="18" charset="0"/>
-                          </a:rPr>
-                        </m:ctrlPr>
-                      </m:sSubPr>
-                      <m:e>
-                        <m:r>
-                          <a:rPr lang="en-US" altLang="ko-KR" i="1">
-                            <a:latin typeface="Cambria Math" panose="02040503050406030204" pitchFamily="18" charset="0"/>
-                          </a:rPr>
-                          <m:t>𝑙</m:t>
-                        </m:r>
-                      </m:e>
-                      <m:sub>
-                        <m:r>
-                          <a:rPr lang="en-US" altLang="ko-KR" b="0" i="1" smtClean="0">
-                            <a:latin typeface="Cambria Math" panose="02040503050406030204" pitchFamily="18" charset="0"/>
-                          </a:rPr>
-                          <m:t>7</m:t>
-                        </m:r>
-                      </m:sub>
-                    </m:sSub>
-                  </m:oMath>
-                </a14:m>
-                <a:r>
-                  <a:rPr lang="en-US" altLang="ko-KR" b="1" dirty="0">
-                    <a:latin typeface="맑은 고딕" panose="020B0503020000020004" pitchFamily="50" charset="-127"/>
-                    <a:ea typeface="맑은 고딕" panose="020B0503020000020004" pitchFamily="50" charset="-127"/>
-                  </a:rPr>
-                  <a:t>): 8</a:t>
-                </a:r>
-                <a:r>
-                  <a:rPr lang="ko-KR" altLang="en-US" b="1" dirty="0">
-                    <a:latin typeface="맑은 고딕" panose="020B0503020000020004" pitchFamily="50" charset="-127"/>
-                    <a:ea typeface="맑은 고딕" panose="020B0503020000020004" pitchFamily="50" charset="-127"/>
-                  </a:rPr>
-                  <a:t>개</a:t>
-                </a:r>
-                <a:endParaRPr lang="en-US" altLang="ko-KR" b="1" dirty="0">
-                  <a:latin typeface="맑은 고딕" panose="020B0503020000020004" pitchFamily="50" charset="-127"/>
-                  <a:ea typeface="맑은 고딕" panose="020B0503020000020004" pitchFamily="50" charset="-127"/>
-                </a:endParaRPr>
-              </a:p>
-              <a:p>
-                <a:pPr marL="285750" indent="-285750">
-                  <a:buFontTx/>
-                  <a:buChar char="-"/>
-                </a:pPr>
-                <a:r>
-                  <a:rPr lang="en-US" altLang="ko-KR" b="1" dirty="0">
-                    <a:latin typeface="맑은 고딕" panose="020B0503020000020004" pitchFamily="50" charset="-127"/>
-                    <a:ea typeface="맑은 고딕" panose="020B0503020000020004" pitchFamily="50" charset="-127"/>
-                  </a:rPr>
-                  <a:t>Universal Joint(</a:t>
-                </a:r>
-                <a14:m>
-                  <m:oMath xmlns:m="http://schemas.openxmlformats.org/officeDocument/2006/math">
-                    <m:sSub>
-                      <m:sSubPr>
-                        <m:ctrlPr>
-                          <a:rPr lang="en-US" altLang="ko-KR" i="1">
-                            <a:latin typeface="Cambria Math" panose="02040503050406030204" pitchFamily="18" charset="0"/>
-                          </a:rPr>
-                        </m:ctrlPr>
-                      </m:sSubPr>
-                      <m:e>
-                        <m:r>
-                          <a:rPr lang="en-US" altLang="ko-KR" b="0" i="1" smtClean="0">
-                            <a:latin typeface="Cambria Math" panose="02040503050406030204" pitchFamily="18" charset="0"/>
-                          </a:rPr>
-                          <m:t>𝑢</m:t>
-                        </m:r>
-                      </m:e>
-                      <m:sub>
-                        <m:r>
-                          <a:rPr lang="en-US" altLang="ko-KR" i="1">
-                            <a:latin typeface="Cambria Math" panose="02040503050406030204" pitchFamily="18" charset="0"/>
-                          </a:rPr>
-                          <m:t>0</m:t>
-                        </m:r>
-                      </m:sub>
-                    </m:sSub>
-                    <m:r>
-                      <a:rPr lang="en-US" altLang="ko-KR" b="0" i="1" smtClean="0">
-                        <a:latin typeface="Cambria Math" panose="02040503050406030204" pitchFamily="18" charset="0"/>
-                      </a:rPr>
-                      <m:t>~</m:t>
-                    </m:r>
-                    <m:sSub>
-                      <m:sSubPr>
-                        <m:ctrlPr>
-                          <a:rPr lang="en-US" altLang="ko-KR" i="1">
-                            <a:latin typeface="Cambria Math" panose="02040503050406030204" pitchFamily="18" charset="0"/>
-                          </a:rPr>
-                        </m:ctrlPr>
-                      </m:sSubPr>
-                      <m:e>
-                        <m:r>
-                          <a:rPr lang="en-US" altLang="ko-KR" b="0" i="1" smtClean="0">
-                            <a:latin typeface="Cambria Math" panose="02040503050406030204" pitchFamily="18" charset="0"/>
-                          </a:rPr>
-                          <m:t>𝑢</m:t>
-                        </m:r>
-                      </m:e>
-                      <m:sub>
-                        <m:r>
-                          <a:rPr lang="en-US" altLang="ko-KR" b="0" i="1" smtClean="0">
-                            <a:latin typeface="Cambria Math" panose="02040503050406030204" pitchFamily="18" charset="0"/>
-                          </a:rPr>
-                          <m:t>2</m:t>
-                        </m:r>
-                      </m:sub>
-                    </m:sSub>
-                  </m:oMath>
-                </a14:m>
-                <a:r>
-                  <a:rPr lang="en-US" altLang="ko-KR" b="1" dirty="0">
-                    <a:latin typeface="맑은 고딕" panose="020B0503020000020004" pitchFamily="50" charset="-127"/>
-                  </a:rPr>
-                  <a:t>): 3</a:t>
-                </a:r>
-                <a:r>
-                  <a:rPr lang="ko-KR" altLang="en-US" b="1" dirty="0">
-                    <a:latin typeface="맑은 고딕" panose="020B0503020000020004" pitchFamily="50" charset="-127"/>
-                    <a:ea typeface="맑은 고딕" panose="020B0503020000020004" pitchFamily="50" charset="-127"/>
-                  </a:rPr>
-                  <a:t>개</a:t>
-                </a:r>
-                <a:endParaRPr lang="en-US" altLang="ko-KR" b="1" dirty="0">
-                  <a:latin typeface="맑은 고딕" panose="020B0503020000020004" pitchFamily="50" charset="-127"/>
-                  <a:ea typeface="맑은 고딕" panose="020B0503020000020004" pitchFamily="50" charset="-127"/>
-                </a:endParaRPr>
-              </a:p>
-              <a:p>
-                <a:pPr marL="285750" indent="-285750">
-                  <a:buFontTx/>
-                  <a:buChar char="-"/>
-                </a:pPr>
-                <a:r>
-                  <a:rPr lang="en-US" altLang="ko-KR" b="1" dirty="0">
-                    <a:latin typeface="맑은 고딕" panose="020B0503020000020004" pitchFamily="50" charset="-127"/>
-                    <a:ea typeface="맑은 고딕" panose="020B0503020000020004" pitchFamily="50" charset="-127"/>
-                  </a:rPr>
-                  <a:t>Pin Joint(</a:t>
-                </a:r>
-                <a14:m>
-                  <m:oMath xmlns:m="http://schemas.openxmlformats.org/officeDocument/2006/math">
-                    <m:sSub>
-                      <m:sSubPr>
-                        <m:ctrlPr>
-                          <a:rPr lang="en-US" altLang="ko-KR" i="1">
-                            <a:latin typeface="Cambria Math" panose="02040503050406030204" pitchFamily="18" charset="0"/>
-                          </a:rPr>
-                        </m:ctrlPr>
-                      </m:sSubPr>
-                      <m:e>
-                        <m:r>
-                          <a:rPr lang="en-US" altLang="ko-KR" b="0" i="1" smtClean="0">
-                            <a:latin typeface="Cambria Math" panose="02040503050406030204" pitchFamily="18" charset="0"/>
-                          </a:rPr>
-                          <m:t>𝑝</m:t>
-                        </m:r>
-                      </m:e>
-                      <m:sub>
-                        <m:r>
-                          <a:rPr lang="en-US" altLang="ko-KR" i="1">
-                            <a:latin typeface="Cambria Math" panose="02040503050406030204" pitchFamily="18" charset="0"/>
-                          </a:rPr>
-                          <m:t>0</m:t>
-                        </m:r>
-                      </m:sub>
-                    </m:sSub>
-                    <m:r>
-                      <a:rPr lang="en-US" altLang="ko-KR" b="0" i="1" smtClean="0">
-                        <a:latin typeface="Cambria Math" panose="02040503050406030204" pitchFamily="18" charset="0"/>
-                      </a:rPr>
-                      <m:t> ~</m:t>
-                    </m:r>
-                    <m:sSub>
-                      <m:sSubPr>
-                        <m:ctrlPr>
-                          <a:rPr lang="en-US" altLang="ko-KR" i="1">
-                            <a:latin typeface="Cambria Math" panose="02040503050406030204" pitchFamily="18" charset="0"/>
-                          </a:rPr>
-                        </m:ctrlPr>
-                      </m:sSubPr>
-                      <m:e>
-                        <m:r>
-                          <a:rPr lang="en-US" altLang="ko-KR" i="1">
-                            <a:latin typeface="Cambria Math" panose="02040503050406030204" pitchFamily="18" charset="0"/>
-                          </a:rPr>
-                          <m:t>𝑝</m:t>
-                        </m:r>
-                      </m:e>
-                      <m:sub>
-                        <m:r>
-                          <a:rPr lang="en-US" altLang="ko-KR" b="0" i="1" smtClean="0">
-                            <a:latin typeface="Cambria Math" panose="02040503050406030204" pitchFamily="18" charset="0"/>
-                          </a:rPr>
-                          <m:t>2</m:t>
-                        </m:r>
-                      </m:sub>
-                    </m:sSub>
-                  </m:oMath>
-                </a14:m>
-                <a:r>
-                  <a:rPr lang="en-US" altLang="ko-KR" b="1" dirty="0">
-                    <a:latin typeface="맑은 고딕" panose="020B0503020000020004" pitchFamily="50" charset="-127"/>
-                    <a:ea typeface="맑은 고딕" panose="020B0503020000020004" pitchFamily="50" charset="-127"/>
-                  </a:rPr>
-                  <a:t>): 3</a:t>
-                </a:r>
-                <a:r>
-                  <a:rPr lang="ko-KR" altLang="en-US" b="1" dirty="0">
-                    <a:latin typeface="맑은 고딕" panose="020B0503020000020004" pitchFamily="50" charset="-127"/>
-                    <a:ea typeface="맑은 고딕" panose="020B0503020000020004" pitchFamily="50" charset="-127"/>
-                  </a:rPr>
-                  <a:t>개</a:t>
-                </a:r>
-                <a:endParaRPr lang="en-US" altLang="ko-KR" b="1" dirty="0">
-                  <a:latin typeface="맑은 고딕" panose="020B0503020000020004" pitchFamily="50" charset="-127"/>
-                  <a:ea typeface="맑은 고딕" panose="020B0503020000020004" pitchFamily="50" charset="-127"/>
-                </a:endParaRPr>
-              </a:p>
-              <a:p>
-                <a:pPr marL="285750" indent="-285750">
-                  <a:buFontTx/>
-                  <a:buChar char="-"/>
-                </a:pPr>
-                <a:r>
-                  <a:rPr lang="en-US" altLang="ko-KR" b="1" dirty="0" err="1">
-                    <a:latin typeface="맑은 고딕" panose="020B0503020000020004" pitchFamily="50" charset="-127"/>
-                    <a:ea typeface="맑은 고딕" panose="020B0503020000020004" pitchFamily="50" charset="-127"/>
-                  </a:rPr>
-                  <a:t>Acuator</a:t>
-                </a:r>
-                <a:r>
-                  <a:rPr lang="en-US" altLang="ko-KR" b="1" dirty="0">
-                    <a:latin typeface="맑은 고딕" panose="020B0503020000020004" pitchFamily="50" charset="-127"/>
-                    <a:ea typeface="맑은 고딕" panose="020B0503020000020004" pitchFamily="50" charset="-127"/>
-                  </a:rPr>
-                  <a:t> (Linear): 3</a:t>
-                </a:r>
-                <a:r>
-                  <a:rPr lang="ko-KR" altLang="en-US" b="1" dirty="0">
-                    <a:latin typeface="맑은 고딕" panose="020B0503020000020004" pitchFamily="50" charset="-127"/>
-                    <a:ea typeface="맑은 고딕" panose="020B0503020000020004" pitchFamily="50" charset="-127"/>
-                  </a:rPr>
-                  <a:t>개</a:t>
-                </a:r>
-                <a:endParaRPr lang="en-US" altLang="ko-KR" b="1" dirty="0">
-                  <a:latin typeface="맑은 고딕" panose="020B0503020000020004" pitchFamily="50" charset="-127"/>
-                  <a:ea typeface="맑은 고딕" panose="020B0503020000020004" pitchFamily="50" charset="-127"/>
-                </a:endParaRPr>
-              </a:p>
-              <a:p>
-                <a:pPr marL="285750" indent="-285750">
-                  <a:buFontTx/>
-                  <a:buChar char="-"/>
-                </a:pPr>
-                <a:endParaRPr lang="en-US" altLang="ko-KR" b="1" dirty="0">
-                  <a:latin typeface="맑은 고딕" panose="020B0503020000020004" pitchFamily="50" charset="-127"/>
-                  <a:ea typeface="맑은 고딕" panose="020B0503020000020004" pitchFamily="50" charset="-127"/>
-                </a:endParaRPr>
-              </a:p>
-              <a:p>
-                <a:r>
-                  <a:rPr lang="en-US" altLang="ko-KR" b="1" dirty="0">
-                    <a:latin typeface="맑은 고딕" panose="020B0503020000020004" pitchFamily="50" charset="-127"/>
-                    <a:ea typeface="맑은 고딕" panose="020B0503020000020004" pitchFamily="50" charset="-127"/>
-                  </a:rPr>
-                  <a:t>-&gt; 6(8(Link) -1) – 5 * (3(Pin)</a:t>
-                </a:r>
-                <a:r>
-                  <a:rPr lang="ko-KR" altLang="en-US" b="1" dirty="0">
-                    <a:latin typeface="맑은 고딕" panose="020B0503020000020004" pitchFamily="50" charset="-127"/>
-                    <a:ea typeface="맑은 고딕" panose="020B0503020000020004" pitchFamily="50" charset="-127"/>
-                  </a:rPr>
-                  <a:t> </a:t>
-                </a:r>
-                <a:r>
-                  <a:rPr lang="en-US" altLang="ko-KR" b="1" dirty="0">
-                    <a:latin typeface="맑은 고딕" panose="020B0503020000020004" pitchFamily="50" charset="-127"/>
-                    <a:ea typeface="맑은 고딕" panose="020B0503020000020004" pitchFamily="50" charset="-127"/>
-                  </a:rPr>
-                  <a:t>+</a:t>
-                </a:r>
-                <a:r>
-                  <a:rPr lang="ko-KR" altLang="en-US" b="1" dirty="0">
-                    <a:latin typeface="맑은 고딕" panose="020B0503020000020004" pitchFamily="50" charset="-127"/>
-                    <a:ea typeface="맑은 고딕" panose="020B0503020000020004" pitchFamily="50" charset="-127"/>
-                  </a:rPr>
-                  <a:t> </a:t>
-                </a:r>
-                <a:r>
-                  <a:rPr lang="en-US" altLang="ko-KR" b="1" dirty="0">
-                    <a:latin typeface="맑은 고딕" panose="020B0503020000020004" pitchFamily="50" charset="-127"/>
-                    <a:ea typeface="맑은 고딕" panose="020B0503020000020004" pitchFamily="50" charset="-127"/>
-                  </a:rPr>
-                  <a:t>3(Linear)) 	           – 4 * 3(Universal) 	           = 0 </a:t>
-                </a:r>
-              </a:p>
-              <a:p>
-                <a:endParaRPr lang="en-US" altLang="ko-KR" dirty="0">
-                  <a:latin typeface="맑은 고딕" panose="020B0503020000020004" pitchFamily="50" charset="-127"/>
-                  <a:ea typeface="맑은 고딕" panose="020B0503020000020004" pitchFamily="50" charset="-127"/>
-                </a:endParaRPr>
-              </a:p>
-            </p:txBody>
-          </p:sp>
-        </mc:Choice>
-        <mc:Fallback xmlns="">
-          <p:sp>
-            <p:nvSpPr>
-              <p:cNvPr id="19" name="TextBox 18">
-                <a:extLst>
-                  <a:ext uri="{FF2B5EF4-FFF2-40B4-BE49-F238E27FC236}">
-                    <a16:creationId xmlns:a16="http://schemas.microsoft.com/office/drawing/2014/main" id="{4CDB503E-A893-49DD-827A-561514B645B3}"/>
-                  </a:ext>
-                </a:extLst>
-              </p:cNvPr>
-              <p:cNvSpPr txBox="1">
-                <a:spLocks noRot="1" noChangeAspect="1" noMove="1" noResize="1" noEditPoints="1" noAdjustHandles="1" noChangeArrowheads="1" noChangeShapeType="1" noTextEdit="1"/>
-              </p:cNvSpPr>
-              <p:nvPr/>
-            </p:nvSpPr>
-            <p:spPr>
-              <a:xfrm>
-                <a:off x="4444847" y="2236395"/>
-                <a:ext cx="4561586" cy="3139321"/>
-              </a:xfrm>
-              <a:prstGeom prst="rect">
-                <a:avLst/>
-              </a:prstGeom>
-              <a:blipFill>
-                <a:blip r:embed="rId2"/>
-                <a:stretch>
-                  <a:fillRect l="-1337" t="-1553" r="-4813"/>
-                </a:stretch>
-              </a:blipFill>
-            </p:spPr>
-            <p:txBody>
-              <a:bodyPr/>
-              <a:lstStyle/>
-              <a:p>
-                <a:r>
-                  <a:rPr lang="ko-KR" altLang="en-US">
-                    <a:noFill/>
-                  </a:rPr>
-                  <a:t> </a:t>
-                </a:r>
-              </a:p>
-            </p:txBody>
-          </p:sp>
-        </mc:Fallback>
-      </mc:AlternateContent>
-      <p:sp>
-        <p:nvSpPr>
-          <p:cNvPr id="21" name="TextBox 20">
-            <a:extLst>
-              <a:ext uri="{FF2B5EF4-FFF2-40B4-BE49-F238E27FC236}">
-                <a16:creationId xmlns:a16="http://schemas.microsoft.com/office/drawing/2014/main" id="{B2C7BE40-AEB3-4532-8109-C9FCA612C004}"/>
-              </a:ext>
-            </a:extLst>
-          </p:cNvPr>
-          <p:cNvSpPr txBox="1"/>
-          <p:nvPr/>
-        </p:nvSpPr>
-        <p:spPr>
-          <a:xfrm>
-            <a:off x="323528" y="169476"/>
-            <a:ext cx="8640960" cy="523220"/>
-          </a:xfrm>
-          <a:prstGeom prst="rect">
-            <a:avLst/>
-          </a:prstGeom>
-          <a:noFill/>
-        </p:spPr>
-        <p:txBody>
-          <a:bodyPr wrap="square" rtlCol="0">
-            <a:spAutoFit/>
-          </a:bodyPr>
-          <a:lstStyle/>
-          <a:p>
-            <a:pPr latinLnBrk="0"/>
-            <a:r>
-              <a:rPr lang="en-US" altLang="ko-KR" sz="2800" b="1" kern="0" dirty="0">
-                <a:ln>
-                  <a:solidFill>
-                    <a:prstClr val="white">
-                      <a:alpha val="0"/>
-                    </a:prstClr>
-                  </a:solidFill>
-                </a:ln>
-                <a:solidFill>
-                  <a:srgbClr val="1F497D">
-                    <a:lumMod val="50000"/>
-                  </a:srgbClr>
-                </a:solidFill>
-                <a:latin typeface="HY견고딕" pitchFamily="18" charset="-127"/>
-                <a:ea typeface="HY견고딕" pitchFamily="18" charset="-127"/>
-                <a:cs typeface="Arial" panose="020B0604020202020204" pitchFamily="34" charset="0"/>
-              </a:rPr>
-              <a:t>2. </a:t>
-            </a:r>
-            <a:r>
-              <a:rPr lang="ko-KR" altLang="en-US" sz="2800" b="1" kern="0" dirty="0">
-                <a:ln>
-                  <a:solidFill>
-                    <a:prstClr val="white">
-                      <a:alpha val="0"/>
-                    </a:prstClr>
-                  </a:solidFill>
-                </a:ln>
-                <a:solidFill>
-                  <a:srgbClr val="1F497D">
-                    <a:lumMod val="50000"/>
-                  </a:srgbClr>
-                </a:solidFill>
-                <a:latin typeface="HY견고딕" pitchFamily="18" charset="-127"/>
-                <a:ea typeface="HY견고딕" pitchFamily="18" charset="-127"/>
-                <a:cs typeface="Arial" panose="020B0604020202020204" pitchFamily="34" charset="0"/>
-              </a:rPr>
-              <a:t>구조 제안</a:t>
-            </a:r>
-            <a:endParaRPr lang="ko-KR" altLang="en-US" sz="2800" b="1" kern="0" spc="-150" dirty="0">
-              <a:gradFill>
-                <a:gsLst>
-                  <a:gs pos="100000">
-                    <a:schemeClr val="tx2">
-                      <a:lumMod val="75000"/>
-                    </a:schemeClr>
-                  </a:gs>
-                  <a:gs pos="100000">
-                    <a:prstClr val="black">
-                      <a:lumMod val="85000"/>
-                      <a:lumOff val="15000"/>
-                    </a:prstClr>
-                  </a:gs>
-                </a:gsLst>
-                <a:lin ang="5400000" scaled="1"/>
-              </a:gradFill>
-              <a:latin typeface="-윤고딕330" panose="02030504000101010101" pitchFamily="18" charset="-127"/>
-              <a:ea typeface="-윤고딕330" panose="02030504000101010101" pitchFamily="18" charset="-127"/>
-              <a:cs typeface="Arial" panose="020B0604020202020204" pitchFamily="34" charset="0"/>
-            </a:endParaRPr>
-          </a:p>
-        </p:txBody>
-      </p:sp>
-      <p:sp>
-        <p:nvSpPr>
-          <p:cNvPr id="2" name="타원 1">
-            <a:extLst>
-              <a:ext uri="{FF2B5EF4-FFF2-40B4-BE49-F238E27FC236}">
-                <a16:creationId xmlns:a16="http://schemas.microsoft.com/office/drawing/2014/main" id="{48A6FC5E-8A37-4E71-8029-E5DC06037DBB}"/>
-              </a:ext>
-            </a:extLst>
-          </p:cNvPr>
-          <p:cNvSpPr/>
-          <p:nvPr/>
-        </p:nvSpPr>
-        <p:spPr>
-          <a:xfrm>
-            <a:off x="514247" y="4444169"/>
-            <a:ext cx="3672408" cy="1080120"/>
-          </a:xfrm>
-          <a:prstGeom prst="ellipse">
-            <a:avLst/>
-          </a:prstGeom>
-          <a:noFill/>
-          <a:ln w="9525">
-            <a:solidFill>
-              <a:schemeClr val="tx1">
-                <a:lumMod val="75000"/>
-                <a:lumOff val="25000"/>
-              </a:schemeClr>
-            </a:solidFill>
-            <a:headEnd type="none"/>
-            <a:tailEnd type="none"/>
-          </a:ln>
-        </p:spPr>
-        <p:style>
-          <a:lnRef idx="2">
-            <a:schemeClr val="accent1">
-              <a:shade val="50000"/>
-            </a:schemeClr>
-          </a:lnRef>
-          <a:fillRef idx="1">
-            <a:schemeClr val="accent1"/>
-          </a:fillRef>
-          <a:effectRef idx="0">
-            <a:schemeClr val="accent1"/>
-          </a:effectRef>
-          <a:fontRef idx="minor">
-            <a:schemeClr val="lt1"/>
-          </a:fontRef>
-        </p:style>
-        <p:txBody>
-          <a:bodyPr rtlCol="0" anchor="ctr"/>
-          <a:lstStyle/>
-          <a:p>
-            <a:pPr algn="ctr"/>
-            <a:endParaRPr lang="ko-KR" altLang="en-US"/>
-          </a:p>
-        </p:txBody>
-      </p:sp>
-      <mc:AlternateContent xmlns:mc="http://schemas.openxmlformats.org/markup-compatibility/2006" xmlns:a14="http://schemas.microsoft.com/office/drawing/2010/main">
-        <mc:Choice Requires="a14">
-          <p:sp>
-            <p:nvSpPr>
-              <p:cNvPr id="31" name="TextBox 30">
-                <a:extLst>
-                  <a:ext uri="{FF2B5EF4-FFF2-40B4-BE49-F238E27FC236}">
-                    <a16:creationId xmlns:a16="http://schemas.microsoft.com/office/drawing/2014/main" id="{D1261C3E-0357-4F46-A77F-B542884AF1C6}"/>
-                  </a:ext>
-                </a:extLst>
-              </p:cNvPr>
-              <p:cNvSpPr txBox="1"/>
-              <p:nvPr/>
-            </p:nvSpPr>
-            <p:spPr>
-              <a:xfrm>
-                <a:off x="1691008" y="4861913"/>
-                <a:ext cx="216024" cy="374526"/>
-              </a:xfrm>
-              <a:prstGeom prst="rect">
-                <a:avLst/>
-              </a:prstGeom>
-              <a:noFill/>
-            </p:spPr>
-            <p:txBody>
-              <a:bodyPr wrap="square" rtlCol="0">
-                <a:spAutoFit/>
-              </a:bodyPr>
-              <a:lstStyle/>
-              <a:p>
-                <a:pPr/>
-                <a14:m>
-                  <m:oMathPara xmlns:m="http://schemas.openxmlformats.org/officeDocument/2006/math">
-                    <m:oMathParaPr>
-                      <m:jc m:val="centerGroup"/>
-                    </m:oMathParaPr>
-                    <m:oMath xmlns:m="http://schemas.openxmlformats.org/officeDocument/2006/math">
-                      <m:sSub>
-                        <m:sSubPr>
-                          <m:ctrlPr>
-                            <a:rPr lang="en-US" altLang="ko-KR" i="1" smtClean="0">
-                              <a:latin typeface="Cambria Math" panose="02040503050406030204" pitchFamily="18" charset="0"/>
-                            </a:rPr>
-                          </m:ctrlPr>
-                        </m:sSubPr>
-                        <m:e>
-                          <m:r>
-                            <a:rPr lang="en-US" altLang="ko-KR" b="0" i="1" smtClean="0">
-                              <a:latin typeface="Cambria Math" panose="02040503050406030204" pitchFamily="18" charset="0"/>
-                            </a:rPr>
-                            <m:t>𝑙</m:t>
-                          </m:r>
-                        </m:e>
-                        <m:sub>
-                          <m:r>
-                            <a:rPr lang="en-US" altLang="ko-KR" b="0" i="1" smtClean="0">
-                              <a:latin typeface="Cambria Math" panose="02040503050406030204" pitchFamily="18" charset="0"/>
-                            </a:rPr>
-                            <m:t>𝑜</m:t>
-                          </m:r>
-                        </m:sub>
-                      </m:sSub>
-                    </m:oMath>
-                  </m:oMathPara>
-                </a14:m>
-                <a:endParaRPr lang="ko-KR" altLang="en-US" dirty="0"/>
-              </a:p>
-            </p:txBody>
-          </p:sp>
-        </mc:Choice>
-        <mc:Fallback xmlns="">
-          <p:sp>
-            <p:nvSpPr>
-              <p:cNvPr id="31" name="TextBox 30">
-                <a:extLst>
-                  <a:ext uri="{FF2B5EF4-FFF2-40B4-BE49-F238E27FC236}">
-                    <a16:creationId xmlns:a16="http://schemas.microsoft.com/office/drawing/2014/main" id="{D1261C3E-0357-4F46-A77F-B542884AF1C6}"/>
-                  </a:ext>
-                </a:extLst>
-              </p:cNvPr>
-              <p:cNvSpPr txBox="1">
-                <a:spLocks noRot="1" noChangeAspect="1" noMove="1" noResize="1" noEditPoints="1" noAdjustHandles="1" noChangeArrowheads="1" noChangeShapeType="1" noTextEdit="1"/>
-              </p:cNvSpPr>
-              <p:nvPr/>
-            </p:nvSpPr>
-            <p:spPr>
-              <a:xfrm>
-                <a:off x="1691008" y="4861913"/>
-                <a:ext cx="216024" cy="374526"/>
-              </a:xfrm>
-              <a:prstGeom prst="rect">
-                <a:avLst/>
-              </a:prstGeom>
-              <a:blipFill>
-                <a:blip r:embed="rId3"/>
-                <a:stretch>
-                  <a:fillRect r="-41667"/>
-                </a:stretch>
-              </a:blipFill>
-            </p:spPr>
-            <p:txBody>
-              <a:bodyPr/>
-              <a:lstStyle/>
-              <a:p>
-                <a:r>
-                  <a:rPr lang="ko-KR" altLang="en-US">
-                    <a:noFill/>
-                  </a:rPr>
-                  <a:t> </a:t>
-                </a:r>
-              </a:p>
-            </p:txBody>
-          </p:sp>
-        </mc:Fallback>
-      </mc:AlternateContent>
-      <p:sp>
-        <p:nvSpPr>
-          <p:cNvPr id="53" name="사각형: 둥근 모서리 52">
-            <a:extLst>
-              <a:ext uri="{FF2B5EF4-FFF2-40B4-BE49-F238E27FC236}">
-                <a16:creationId xmlns:a16="http://schemas.microsoft.com/office/drawing/2014/main" id="{FCD99A3A-EF29-43BE-BE86-B303367E5805}"/>
-              </a:ext>
-            </a:extLst>
-          </p:cNvPr>
-          <p:cNvSpPr/>
-          <p:nvPr/>
-        </p:nvSpPr>
-        <p:spPr>
-          <a:xfrm rot="1152689">
-            <a:off x="715779" y="3663945"/>
-            <a:ext cx="524811" cy="1536981"/>
-          </a:xfrm>
-          <a:prstGeom prst="roundRect">
-            <a:avLst/>
-          </a:prstGeom>
-          <a:solidFill>
-            <a:schemeClr val="bg1"/>
-          </a:solidFill>
-          <a:ln w="9525">
-            <a:solidFill>
-              <a:schemeClr val="tx1">
-                <a:lumMod val="75000"/>
-                <a:lumOff val="25000"/>
-              </a:schemeClr>
-            </a:solidFill>
-            <a:headEnd type="none"/>
-            <a:tailEnd type="none"/>
-          </a:ln>
-        </p:spPr>
-        <p:style>
-          <a:lnRef idx="2">
-            <a:schemeClr val="accent1">
-              <a:shade val="50000"/>
-            </a:schemeClr>
-          </a:lnRef>
-          <a:fillRef idx="1">
-            <a:schemeClr val="accent1"/>
-          </a:fillRef>
-          <a:effectRef idx="0">
-            <a:schemeClr val="accent1"/>
-          </a:effectRef>
-          <a:fontRef idx="minor">
-            <a:schemeClr val="lt1"/>
-          </a:fontRef>
-        </p:style>
-        <p:txBody>
-          <a:bodyPr rtlCol="0" anchor="ctr"/>
-          <a:lstStyle/>
-          <a:p>
-            <a:pPr algn="ctr"/>
-            <a:endParaRPr lang="ko-KR" altLang="en-US"/>
-          </a:p>
-        </p:txBody>
-      </p:sp>
-      <p:sp>
-        <p:nvSpPr>
-          <p:cNvPr id="18" name="타원 17">
-            <a:extLst>
-              <a:ext uri="{FF2B5EF4-FFF2-40B4-BE49-F238E27FC236}">
-                <a16:creationId xmlns:a16="http://schemas.microsoft.com/office/drawing/2014/main" id="{5B44DABC-B54F-477B-9BA8-4AAC123357E0}"/>
-              </a:ext>
-            </a:extLst>
-          </p:cNvPr>
-          <p:cNvSpPr/>
-          <p:nvPr/>
-        </p:nvSpPr>
-        <p:spPr>
-          <a:xfrm>
-            <a:off x="1198323" y="2060848"/>
-            <a:ext cx="2304256" cy="576064"/>
-          </a:xfrm>
-          <a:prstGeom prst="ellipse">
-            <a:avLst/>
-          </a:prstGeom>
-          <a:solidFill>
-            <a:schemeClr val="bg1"/>
-          </a:solidFill>
-          <a:ln w="9525">
-            <a:solidFill>
-              <a:schemeClr val="tx1">
-                <a:lumMod val="75000"/>
-                <a:lumOff val="25000"/>
-              </a:schemeClr>
-            </a:solidFill>
-            <a:headEnd type="none"/>
-            <a:tailEnd type="none"/>
-          </a:ln>
-        </p:spPr>
-        <p:style>
-          <a:lnRef idx="2">
-            <a:schemeClr val="accent1">
-              <a:shade val="50000"/>
-            </a:schemeClr>
-          </a:lnRef>
-          <a:fillRef idx="1">
-            <a:schemeClr val="accent1"/>
-          </a:fillRef>
-          <a:effectRef idx="0">
-            <a:schemeClr val="accent1"/>
-          </a:effectRef>
-          <a:fontRef idx="minor">
-            <a:schemeClr val="lt1"/>
-          </a:fontRef>
-        </p:style>
-        <p:txBody>
-          <a:bodyPr rtlCol="0" anchor="ctr"/>
-          <a:lstStyle/>
-          <a:p>
-            <a:pPr algn="ctr"/>
-            <a:endParaRPr lang="ko-KR" altLang="en-US"/>
-          </a:p>
-        </p:txBody>
-      </p:sp>
-      <mc:AlternateContent xmlns:mc="http://schemas.openxmlformats.org/markup-compatibility/2006" xmlns:a14="http://schemas.microsoft.com/office/drawing/2010/main">
-        <mc:Choice Requires="a14">
-          <p:sp>
-            <p:nvSpPr>
-              <p:cNvPr id="61" name="TextBox 60">
-                <a:extLst>
-                  <a:ext uri="{FF2B5EF4-FFF2-40B4-BE49-F238E27FC236}">
-                    <a16:creationId xmlns:a16="http://schemas.microsoft.com/office/drawing/2014/main" id="{92952A07-66B2-41D7-8F0C-49BC65820756}"/>
-                  </a:ext>
-                </a:extLst>
-              </p:cNvPr>
-              <p:cNvSpPr txBox="1"/>
-              <p:nvPr/>
-            </p:nvSpPr>
-            <p:spPr>
-              <a:xfrm>
-                <a:off x="762160" y="4245172"/>
-                <a:ext cx="216024" cy="374526"/>
-              </a:xfrm>
-              <a:prstGeom prst="rect">
-                <a:avLst/>
-              </a:prstGeom>
-              <a:noFill/>
-            </p:spPr>
-            <p:txBody>
-              <a:bodyPr wrap="square" rtlCol="0">
-                <a:spAutoFit/>
-              </a:bodyPr>
-              <a:lstStyle/>
-              <a:p>
-                <a:pPr/>
-                <a14:m>
-                  <m:oMathPara xmlns:m="http://schemas.openxmlformats.org/officeDocument/2006/math">
-                    <m:oMathParaPr>
-                      <m:jc m:val="centerGroup"/>
-                    </m:oMathParaPr>
-                    <m:oMath xmlns:m="http://schemas.openxmlformats.org/officeDocument/2006/math">
-                      <m:sSub>
-                        <m:sSubPr>
-                          <m:ctrlPr>
-                            <a:rPr lang="en-US" altLang="ko-KR" i="1" smtClean="0">
-                              <a:latin typeface="Cambria Math" panose="02040503050406030204" pitchFamily="18" charset="0"/>
-                            </a:rPr>
-                          </m:ctrlPr>
-                        </m:sSubPr>
-                        <m:e>
-                          <m:r>
-                            <a:rPr lang="en-US" altLang="ko-KR" b="0" i="1" smtClean="0">
-                              <a:latin typeface="Cambria Math" panose="02040503050406030204" pitchFamily="18" charset="0"/>
-                            </a:rPr>
-                            <m:t>𝑙</m:t>
-                          </m:r>
-                        </m:e>
-                        <m:sub>
-                          <m:r>
-                            <a:rPr lang="en-US" altLang="ko-KR" b="0" i="1" smtClean="0">
-                              <a:latin typeface="Cambria Math" panose="02040503050406030204" pitchFamily="18" charset="0"/>
-                            </a:rPr>
-                            <m:t>1</m:t>
-                          </m:r>
-                        </m:sub>
-                      </m:sSub>
-                    </m:oMath>
-                  </m:oMathPara>
-                </a14:m>
-                <a:endParaRPr lang="ko-KR" altLang="en-US" dirty="0"/>
-              </a:p>
-            </p:txBody>
-          </p:sp>
-        </mc:Choice>
-        <mc:Fallback xmlns="">
-          <p:sp>
-            <p:nvSpPr>
-              <p:cNvPr id="61" name="TextBox 60">
-                <a:extLst>
-                  <a:ext uri="{FF2B5EF4-FFF2-40B4-BE49-F238E27FC236}">
-                    <a16:creationId xmlns:a16="http://schemas.microsoft.com/office/drawing/2014/main" id="{92952A07-66B2-41D7-8F0C-49BC65820756}"/>
-                  </a:ext>
-                </a:extLst>
-              </p:cNvPr>
-              <p:cNvSpPr txBox="1">
-                <a:spLocks noRot="1" noChangeAspect="1" noMove="1" noResize="1" noEditPoints="1" noAdjustHandles="1" noChangeArrowheads="1" noChangeShapeType="1" noTextEdit="1"/>
-              </p:cNvSpPr>
-              <p:nvPr/>
-            </p:nvSpPr>
-            <p:spPr>
-              <a:xfrm>
-                <a:off x="762160" y="4245172"/>
-                <a:ext cx="216024" cy="374526"/>
-              </a:xfrm>
-              <a:prstGeom prst="rect">
-                <a:avLst/>
-              </a:prstGeom>
-              <a:blipFill>
-                <a:blip r:embed="rId4"/>
-                <a:stretch>
-                  <a:fillRect r="-48571"/>
-                </a:stretch>
-              </a:blipFill>
-            </p:spPr>
-            <p:txBody>
-              <a:bodyPr/>
-              <a:lstStyle/>
-              <a:p>
-                <a:r>
-                  <a:rPr lang="ko-KR" altLang="en-US">
-                    <a:noFill/>
-                  </a:rPr>
-                  <a:t> </a:t>
-                </a:r>
-              </a:p>
-            </p:txBody>
-          </p:sp>
-        </mc:Fallback>
-      </mc:AlternateContent>
-      <mc:AlternateContent xmlns:mc="http://schemas.openxmlformats.org/markup-compatibility/2006" xmlns:a14="http://schemas.microsoft.com/office/drawing/2010/main">
-        <mc:Choice Requires="a14">
-          <p:sp>
-            <p:nvSpPr>
-              <p:cNvPr id="62" name="TextBox 61">
-                <a:extLst>
-                  <a:ext uri="{FF2B5EF4-FFF2-40B4-BE49-F238E27FC236}">
-                    <a16:creationId xmlns:a16="http://schemas.microsoft.com/office/drawing/2014/main" id="{7B4AAB70-B67D-4CC3-B114-C27C26C79608}"/>
-                  </a:ext>
-                </a:extLst>
-              </p:cNvPr>
-              <p:cNvSpPr txBox="1"/>
-              <p:nvPr/>
-            </p:nvSpPr>
-            <p:spPr>
-              <a:xfrm>
-                <a:off x="1255517" y="2953225"/>
-                <a:ext cx="216024" cy="374526"/>
-              </a:xfrm>
-              <a:prstGeom prst="rect">
-                <a:avLst/>
-              </a:prstGeom>
-              <a:noFill/>
-            </p:spPr>
-            <p:txBody>
-              <a:bodyPr wrap="square" rtlCol="0">
-                <a:spAutoFit/>
-              </a:bodyPr>
-              <a:lstStyle/>
-              <a:p>
-                <a:pPr/>
-                <a14:m>
-                  <m:oMathPara xmlns:m="http://schemas.openxmlformats.org/officeDocument/2006/math">
-                    <m:oMathParaPr>
-                      <m:jc m:val="centerGroup"/>
-                    </m:oMathParaPr>
-                    <m:oMath xmlns:m="http://schemas.openxmlformats.org/officeDocument/2006/math">
-                      <m:sSub>
-                        <m:sSubPr>
-                          <m:ctrlPr>
-                            <a:rPr lang="en-US" altLang="ko-KR" i="1" smtClean="0">
-                              <a:latin typeface="Cambria Math" panose="02040503050406030204" pitchFamily="18" charset="0"/>
-                            </a:rPr>
-                          </m:ctrlPr>
-                        </m:sSubPr>
-                        <m:e>
-                          <m:r>
-                            <a:rPr lang="en-US" altLang="ko-KR" b="0" i="1" smtClean="0">
-                              <a:latin typeface="Cambria Math" panose="02040503050406030204" pitchFamily="18" charset="0"/>
-                            </a:rPr>
-                            <m:t>𝑙</m:t>
-                          </m:r>
-                        </m:e>
-                        <m:sub>
-                          <m:r>
-                            <a:rPr lang="en-US" altLang="ko-KR" b="0" i="1" smtClean="0">
-                              <a:latin typeface="Cambria Math" panose="02040503050406030204" pitchFamily="18" charset="0"/>
-                            </a:rPr>
-                            <m:t>2</m:t>
-                          </m:r>
-                        </m:sub>
-                      </m:sSub>
-                    </m:oMath>
-                  </m:oMathPara>
-                </a14:m>
-                <a:endParaRPr lang="ko-KR" altLang="en-US" dirty="0"/>
-              </a:p>
-            </p:txBody>
-          </p:sp>
-        </mc:Choice>
-        <mc:Fallback xmlns="">
-          <p:sp>
-            <p:nvSpPr>
-              <p:cNvPr id="62" name="TextBox 61">
-                <a:extLst>
-                  <a:ext uri="{FF2B5EF4-FFF2-40B4-BE49-F238E27FC236}">
-                    <a16:creationId xmlns:a16="http://schemas.microsoft.com/office/drawing/2014/main" id="{7B4AAB70-B67D-4CC3-B114-C27C26C79608}"/>
-                  </a:ext>
-                </a:extLst>
-              </p:cNvPr>
-              <p:cNvSpPr txBox="1">
-                <a:spLocks noRot="1" noChangeAspect="1" noMove="1" noResize="1" noEditPoints="1" noAdjustHandles="1" noChangeArrowheads="1" noChangeShapeType="1" noTextEdit="1"/>
-              </p:cNvSpPr>
-              <p:nvPr/>
-            </p:nvSpPr>
-            <p:spPr>
-              <a:xfrm>
-                <a:off x="1255517" y="2953225"/>
-                <a:ext cx="216024" cy="374526"/>
-              </a:xfrm>
-              <a:prstGeom prst="rect">
-                <a:avLst/>
-              </a:prstGeom>
-              <a:blipFill>
-                <a:blip r:embed="rId5"/>
-                <a:stretch>
-                  <a:fillRect r="-48571"/>
-                </a:stretch>
-              </a:blipFill>
-            </p:spPr>
-            <p:txBody>
-              <a:bodyPr/>
-              <a:lstStyle/>
-              <a:p>
-                <a:r>
-                  <a:rPr lang="ko-KR" altLang="en-US">
-                    <a:noFill/>
-                  </a:rPr>
-                  <a:t> </a:t>
-                </a:r>
-              </a:p>
-            </p:txBody>
-          </p:sp>
-        </mc:Fallback>
-      </mc:AlternateContent>
-      <mc:AlternateContent xmlns:mc="http://schemas.openxmlformats.org/markup-compatibility/2006" xmlns:a14="http://schemas.microsoft.com/office/drawing/2010/main">
-        <mc:Choice Requires="a14">
-          <p:sp>
-            <p:nvSpPr>
-              <p:cNvPr id="63" name="TextBox 62">
-                <a:extLst>
-                  <a:ext uri="{FF2B5EF4-FFF2-40B4-BE49-F238E27FC236}">
-                    <a16:creationId xmlns:a16="http://schemas.microsoft.com/office/drawing/2014/main" id="{DAE39C75-2724-4084-A550-2D0F0A954AEA}"/>
-                  </a:ext>
-                </a:extLst>
-              </p:cNvPr>
-              <p:cNvSpPr txBox="1"/>
-              <p:nvPr/>
-            </p:nvSpPr>
-            <p:spPr>
-              <a:xfrm>
-                <a:off x="2313355" y="4466127"/>
-                <a:ext cx="216024" cy="374526"/>
-              </a:xfrm>
-              <a:prstGeom prst="rect">
-                <a:avLst/>
-              </a:prstGeom>
-              <a:noFill/>
-            </p:spPr>
-            <p:txBody>
-              <a:bodyPr wrap="square" rtlCol="0">
-                <a:spAutoFit/>
-              </a:bodyPr>
-              <a:lstStyle/>
-              <a:p>
-                <a:pPr/>
-                <a14:m>
-                  <m:oMathPara xmlns:m="http://schemas.openxmlformats.org/officeDocument/2006/math">
-                    <m:oMathParaPr>
-                      <m:jc m:val="centerGroup"/>
-                    </m:oMathParaPr>
-                    <m:oMath xmlns:m="http://schemas.openxmlformats.org/officeDocument/2006/math">
-                      <m:sSub>
-                        <m:sSubPr>
-                          <m:ctrlPr>
-                            <a:rPr lang="en-US" altLang="ko-KR" i="1" smtClean="0">
-                              <a:latin typeface="Cambria Math" panose="02040503050406030204" pitchFamily="18" charset="0"/>
-                            </a:rPr>
-                          </m:ctrlPr>
-                        </m:sSubPr>
-                        <m:e>
-                          <m:r>
-                            <a:rPr lang="en-US" altLang="ko-KR" b="0" i="1" smtClean="0">
-                              <a:latin typeface="Cambria Math" panose="02040503050406030204" pitchFamily="18" charset="0"/>
-                            </a:rPr>
-                            <m:t>𝑙</m:t>
-                          </m:r>
-                        </m:e>
-                        <m:sub>
-                          <m:r>
-                            <a:rPr lang="en-US" altLang="ko-KR" b="0" i="1" smtClean="0">
-                              <a:latin typeface="Cambria Math" panose="02040503050406030204" pitchFamily="18" charset="0"/>
-                            </a:rPr>
-                            <m:t>3</m:t>
-                          </m:r>
-                        </m:sub>
-                      </m:sSub>
-                    </m:oMath>
-                  </m:oMathPara>
-                </a14:m>
-                <a:endParaRPr lang="ko-KR" altLang="en-US" dirty="0"/>
-              </a:p>
-            </p:txBody>
-          </p:sp>
-        </mc:Choice>
-        <mc:Fallback xmlns="">
-          <p:sp>
-            <p:nvSpPr>
-              <p:cNvPr id="63" name="TextBox 62">
-                <a:extLst>
-                  <a:ext uri="{FF2B5EF4-FFF2-40B4-BE49-F238E27FC236}">
-                    <a16:creationId xmlns:a16="http://schemas.microsoft.com/office/drawing/2014/main" id="{DAE39C75-2724-4084-A550-2D0F0A954AEA}"/>
-                  </a:ext>
-                </a:extLst>
-              </p:cNvPr>
-              <p:cNvSpPr txBox="1">
-                <a:spLocks noRot="1" noChangeAspect="1" noMove="1" noResize="1" noEditPoints="1" noAdjustHandles="1" noChangeArrowheads="1" noChangeShapeType="1" noTextEdit="1"/>
-              </p:cNvSpPr>
-              <p:nvPr/>
-            </p:nvSpPr>
-            <p:spPr>
-              <a:xfrm>
-                <a:off x="2313355" y="4466127"/>
-                <a:ext cx="216024" cy="374526"/>
-              </a:xfrm>
-              <a:prstGeom prst="rect">
-                <a:avLst/>
-              </a:prstGeom>
-              <a:blipFill>
-                <a:blip r:embed="rId6"/>
-                <a:stretch>
-                  <a:fillRect r="-47222"/>
-                </a:stretch>
-              </a:blipFill>
-            </p:spPr>
-            <p:txBody>
-              <a:bodyPr/>
-              <a:lstStyle/>
-              <a:p>
-                <a:r>
-                  <a:rPr lang="ko-KR" altLang="en-US">
-                    <a:noFill/>
-                  </a:rPr>
-                  <a:t> </a:t>
-                </a:r>
-              </a:p>
-            </p:txBody>
-          </p:sp>
-        </mc:Fallback>
-      </mc:AlternateContent>
-      <mc:AlternateContent xmlns:mc="http://schemas.openxmlformats.org/markup-compatibility/2006" xmlns:a14="http://schemas.microsoft.com/office/drawing/2010/main">
-        <mc:Choice Requires="a14">
-          <p:sp>
-            <p:nvSpPr>
-              <p:cNvPr id="64" name="TextBox 63">
-                <a:extLst>
-                  <a:ext uri="{FF2B5EF4-FFF2-40B4-BE49-F238E27FC236}">
-                    <a16:creationId xmlns:a16="http://schemas.microsoft.com/office/drawing/2014/main" id="{23489D81-CE2B-4A2F-98D6-60D3E062968B}"/>
-                  </a:ext>
-                </a:extLst>
-              </p:cNvPr>
-              <p:cNvSpPr txBox="1"/>
-              <p:nvPr/>
-            </p:nvSpPr>
-            <p:spPr>
-              <a:xfrm>
-                <a:off x="2237659" y="2978751"/>
-                <a:ext cx="216024" cy="374526"/>
-              </a:xfrm>
-              <a:prstGeom prst="rect">
-                <a:avLst/>
-              </a:prstGeom>
-              <a:noFill/>
-            </p:spPr>
-            <p:txBody>
-              <a:bodyPr wrap="square" rtlCol="0">
-                <a:spAutoFit/>
-              </a:bodyPr>
-              <a:lstStyle/>
-              <a:p>
-                <a:pPr/>
-                <a14:m>
-                  <m:oMathPara xmlns:m="http://schemas.openxmlformats.org/officeDocument/2006/math">
-                    <m:oMathParaPr>
-                      <m:jc m:val="centerGroup"/>
-                    </m:oMathParaPr>
-                    <m:oMath xmlns:m="http://schemas.openxmlformats.org/officeDocument/2006/math">
-                      <m:sSub>
-                        <m:sSubPr>
-                          <m:ctrlPr>
-                            <a:rPr lang="en-US" altLang="ko-KR" i="1" smtClean="0">
-                              <a:latin typeface="Cambria Math" panose="02040503050406030204" pitchFamily="18" charset="0"/>
-                            </a:rPr>
-                          </m:ctrlPr>
-                        </m:sSubPr>
-                        <m:e>
-                          <m:r>
-                            <a:rPr lang="en-US" altLang="ko-KR" b="0" i="1" smtClean="0">
-                              <a:latin typeface="Cambria Math" panose="02040503050406030204" pitchFamily="18" charset="0"/>
-                            </a:rPr>
-                            <m:t>𝑙</m:t>
-                          </m:r>
-                        </m:e>
-                        <m:sub>
-                          <m:r>
-                            <a:rPr lang="en-US" altLang="ko-KR" b="0" i="1" smtClean="0">
-                              <a:latin typeface="Cambria Math" panose="02040503050406030204" pitchFamily="18" charset="0"/>
-                            </a:rPr>
-                            <m:t>4</m:t>
-                          </m:r>
-                        </m:sub>
-                      </m:sSub>
-                    </m:oMath>
-                  </m:oMathPara>
-                </a14:m>
-                <a:endParaRPr lang="ko-KR" altLang="en-US" dirty="0"/>
-              </a:p>
-            </p:txBody>
-          </p:sp>
-        </mc:Choice>
-        <mc:Fallback xmlns="">
-          <p:sp>
-            <p:nvSpPr>
-              <p:cNvPr id="64" name="TextBox 63">
-                <a:extLst>
-                  <a:ext uri="{FF2B5EF4-FFF2-40B4-BE49-F238E27FC236}">
-                    <a16:creationId xmlns:a16="http://schemas.microsoft.com/office/drawing/2014/main" id="{23489D81-CE2B-4A2F-98D6-60D3E062968B}"/>
-                  </a:ext>
-                </a:extLst>
-              </p:cNvPr>
-              <p:cNvSpPr txBox="1">
-                <a:spLocks noRot="1" noChangeAspect="1" noMove="1" noResize="1" noEditPoints="1" noAdjustHandles="1" noChangeArrowheads="1" noChangeShapeType="1" noTextEdit="1"/>
-              </p:cNvSpPr>
-              <p:nvPr/>
-            </p:nvSpPr>
-            <p:spPr>
-              <a:xfrm>
-                <a:off x="2237659" y="2978751"/>
-                <a:ext cx="216024" cy="374526"/>
-              </a:xfrm>
-              <a:prstGeom prst="rect">
-                <a:avLst/>
-              </a:prstGeom>
-              <a:blipFill>
-                <a:blip r:embed="rId7"/>
-                <a:stretch>
-                  <a:fillRect r="-47222"/>
-                </a:stretch>
-              </a:blipFill>
-            </p:spPr>
-            <p:txBody>
-              <a:bodyPr/>
-              <a:lstStyle/>
-              <a:p>
-                <a:r>
-                  <a:rPr lang="ko-KR" altLang="en-US">
-                    <a:noFill/>
-                  </a:rPr>
-                  <a:t> </a:t>
-                </a:r>
-              </a:p>
-            </p:txBody>
-          </p:sp>
-        </mc:Fallback>
-      </mc:AlternateContent>
-      <mc:AlternateContent xmlns:mc="http://schemas.openxmlformats.org/markup-compatibility/2006" xmlns:a14="http://schemas.microsoft.com/office/drawing/2010/main">
-        <mc:Choice Requires="a14">
-          <p:sp>
-            <p:nvSpPr>
-              <p:cNvPr id="65" name="TextBox 64">
-                <a:extLst>
-                  <a:ext uri="{FF2B5EF4-FFF2-40B4-BE49-F238E27FC236}">
-                    <a16:creationId xmlns:a16="http://schemas.microsoft.com/office/drawing/2014/main" id="{AA0254B9-AE29-4ED6-B488-2058B862C2D3}"/>
-                  </a:ext>
-                </a:extLst>
-              </p:cNvPr>
-              <p:cNvSpPr txBox="1"/>
-              <p:nvPr/>
-            </p:nvSpPr>
-            <p:spPr>
-              <a:xfrm>
-                <a:off x="3224863" y="2958023"/>
-                <a:ext cx="216024" cy="374526"/>
-              </a:xfrm>
-              <a:prstGeom prst="rect">
-                <a:avLst/>
-              </a:prstGeom>
-              <a:noFill/>
-            </p:spPr>
-            <p:txBody>
-              <a:bodyPr wrap="square" rtlCol="0">
-                <a:spAutoFit/>
-              </a:bodyPr>
-              <a:lstStyle/>
-              <a:p>
-                <a:pPr/>
-                <a14:m>
-                  <m:oMathPara xmlns:m="http://schemas.openxmlformats.org/officeDocument/2006/math">
-                    <m:oMathParaPr>
-                      <m:jc m:val="centerGroup"/>
-                    </m:oMathParaPr>
-                    <m:oMath xmlns:m="http://schemas.openxmlformats.org/officeDocument/2006/math">
-                      <m:sSub>
-                        <m:sSubPr>
-                          <m:ctrlPr>
-                            <a:rPr lang="en-US" altLang="ko-KR" i="1" smtClean="0">
-                              <a:latin typeface="Cambria Math" panose="02040503050406030204" pitchFamily="18" charset="0"/>
-                            </a:rPr>
-                          </m:ctrlPr>
-                        </m:sSubPr>
-                        <m:e>
-                          <m:r>
-                            <a:rPr lang="en-US" altLang="ko-KR" b="0" i="1" smtClean="0">
-                              <a:latin typeface="Cambria Math" panose="02040503050406030204" pitchFamily="18" charset="0"/>
-                            </a:rPr>
-                            <m:t>𝑙</m:t>
-                          </m:r>
-                        </m:e>
-                        <m:sub>
-                          <m:r>
-                            <a:rPr lang="en-US" altLang="ko-KR" b="0" i="1" smtClean="0">
-                              <a:latin typeface="Cambria Math" panose="02040503050406030204" pitchFamily="18" charset="0"/>
-                            </a:rPr>
-                            <m:t>5</m:t>
-                          </m:r>
-                        </m:sub>
-                      </m:sSub>
-                    </m:oMath>
-                  </m:oMathPara>
-                </a14:m>
-                <a:endParaRPr lang="ko-KR" altLang="en-US" dirty="0"/>
-              </a:p>
-            </p:txBody>
-          </p:sp>
-        </mc:Choice>
-        <mc:Fallback xmlns="">
-          <p:sp>
-            <p:nvSpPr>
-              <p:cNvPr id="65" name="TextBox 64">
-                <a:extLst>
-                  <a:ext uri="{FF2B5EF4-FFF2-40B4-BE49-F238E27FC236}">
-                    <a16:creationId xmlns:a16="http://schemas.microsoft.com/office/drawing/2014/main" id="{AA0254B9-AE29-4ED6-B488-2058B862C2D3}"/>
-                  </a:ext>
-                </a:extLst>
-              </p:cNvPr>
-              <p:cNvSpPr txBox="1">
-                <a:spLocks noRot="1" noChangeAspect="1" noMove="1" noResize="1" noEditPoints="1" noAdjustHandles="1" noChangeArrowheads="1" noChangeShapeType="1" noTextEdit="1"/>
-              </p:cNvSpPr>
-              <p:nvPr/>
-            </p:nvSpPr>
-            <p:spPr>
-              <a:xfrm>
-                <a:off x="3224863" y="2958023"/>
-                <a:ext cx="216024" cy="374526"/>
-              </a:xfrm>
-              <a:prstGeom prst="rect">
-                <a:avLst/>
-              </a:prstGeom>
-              <a:blipFill>
-                <a:blip r:embed="rId8"/>
-                <a:stretch>
-                  <a:fillRect r="-51429"/>
-                </a:stretch>
-              </a:blipFill>
-            </p:spPr>
-            <p:txBody>
-              <a:bodyPr/>
-              <a:lstStyle/>
-              <a:p>
-                <a:r>
-                  <a:rPr lang="ko-KR" altLang="en-US">
-                    <a:noFill/>
-                  </a:rPr>
-                  <a:t> </a:t>
-                </a:r>
-              </a:p>
-            </p:txBody>
-          </p:sp>
-        </mc:Fallback>
-      </mc:AlternateContent>
-      <mc:AlternateContent xmlns:mc="http://schemas.openxmlformats.org/markup-compatibility/2006" xmlns:a14="http://schemas.microsoft.com/office/drawing/2010/main">
-        <mc:Choice Requires="a14">
-          <p:sp>
-            <p:nvSpPr>
-              <p:cNvPr id="66" name="TextBox 65">
-                <a:extLst>
-                  <a:ext uri="{FF2B5EF4-FFF2-40B4-BE49-F238E27FC236}">
-                    <a16:creationId xmlns:a16="http://schemas.microsoft.com/office/drawing/2014/main" id="{B6D3899A-553F-4366-9E29-E25731EC0BC0}"/>
-                  </a:ext>
-                </a:extLst>
-              </p:cNvPr>
-              <p:cNvSpPr txBox="1"/>
-              <p:nvPr/>
-            </p:nvSpPr>
-            <p:spPr>
-              <a:xfrm>
-                <a:off x="3777942" y="4297464"/>
-                <a:ext cx="216024" cy="374526"/>
-              </a:xfrm>
-              <a:prstGeom prst="rect">
-                <a:avLst/>
-              </a:prstGeom>
-              <a:noFill/>
-            </p:spPr>
-            <p:txBody>
-              <a:bodyPr wrap="square" rtlCol="0">
-                <a:spAutoFit/>
-              </a:bodyPr>
-              <a:lstStyle/>
-              <a:p>
-                <a:pPr/>
-                <a14:m>
-                  <m:oMathPara xmlns:m="http://schemas.openxmlformats.org/officeDocument/2006/math">
-                    <m:oMathParaPr>
-                      <m:jc m:val="centerGroup"/>
-                    </m:oMathParaPr>
-                    <m:oMath xmlns:m="http://schemas.openxmlformats.org/officeDocument/2006/math">
-                      <m:sSub>
-                        <m:sSubPr>
-                          <m:ctrlPr>
-                            <a:rPr lang="en-US" altLang="ko-KR" i="1" smtClean="0">
-                              <a:latin typeface="Cambria Math" panose="02040503050406030204" pitchFamily="18" charset="0"/>
-                            </a:rPr>
-                          </m:ctrlPr>
-                        </m:sSubPr>
-                        <m:e>
-                          <m:r>
-                            <a:rPr lang="en-US" altLang="ko-KR" b="0" i="1" smtClean="0">
-                              <a:latin typeface="Cambria Math" panose="02040503050406030204" pitchFamily="18" charset="0"/>
-                            </a:rPr>
-                            <m:t>𝑙</m:t>
-                          </m:r>
-                        </m:e>
-                        <m:sub>
-                          <m:r>
-                            <a:rPr lang="en-US" altLang="ko-KR" b="0" i="1" smtClean="0">
-                              <a:latin typeface="Cambria Math" panose="02040503050406030204" pitchFamily="18" charset="0"/>
-                            </a:rPr>
-                            <m:t>6</m:t>
-                          </m:r>
-                        </m:sub>
-                      </m:sSub>
-                    </m:oMath>
-                  </m:oMathPara>
-                </a14:m>
-                <a:endParaRPr lang="ko-KR" altLang="en-US" dirty="0"/>
-              </a:p>
-            </p:txBody>
-          </p:sp>
-        </mc:Choice>
-        <mc:Fallback xmlns="">
-          <p:sp>
-            <p:nvSpPr>
-              <p:cNvPr id="66" name="TextBox 65">
-                <a:extLst>
-                  <a:ext uri="{FF2B5EF4-FFF2-40B4-BE49-F238E27FC236}">
-                    <a16:creationId xmlns:a16="http://schemas.microsoft.com/office/drawing/2014/main" id="{B6D3899A-553F-4366-9E29-E25731EC0BC0}"/>
-                  </a:ext>
-                </a:extLst>
-              </p:cNvPr>
-              <p:cNvSpPr txBox="1">
-                <a:spLocks noRot="1" noChangeAspect="1" noMove="1" noResize="1" noEditPoints="1" noAdjustHandles="1" noChangeArrowheads="1" noChangeShapeType="1" noTextEdit="1"/>
-              </p:cNvSpPr>
-              <p:nvPr/>
-            </p:nvSpPr>
-            <p:spPr>
-              <a:xfrm>
-                <a:off x="3777942" y="4297464"/>
-                <a:ext cx="216024" cy="374526"/>
-              </a:xfrm>
-              <a:prstGeom prst="rect">
-                <a:avLst/>
-              </a:prstGeom>
-              <a:blipFill>
-                <a:blip r:embed="rId9"/>
-                <a:stretch>
-                  <a:fillRect r="-48571"/>
-                </a:stretch>
-              </a:blipFill>
-            </p:spPr>
-            <p:txBody>
-              <a:bodyPr/>
-              <a:lstStyle/>
-              <a:p>
-                <a:r>
-                  <a:rPr lang="ko-KR" altLang="en-US">
-                    <a:noFill/>
-                  </a:rPr>
-                  <a:t> </a:t>
-                </a:r>
-              </a:p>
-            </p:txBody>
-          </p:sp>
-        </mc:Fallback>
-      </mc:AlternateContent>
-      <mc:AlternateContent xmlns:mc="http://schemas.openxmlformats.org/markup-compatibility/2006" xmlns:a14="http://schemas.microsoft.com/office/drawing/2010/main">
-        <mc:Choice Requires="a14">
-          <p:sp>
-            <p:nvSpPr>
-              <p:cNvPr id="67" name="TextBox 66">
-                <a:extLst>
-                  <a:ext uri="{FF2B5EF4-FFF2-40B4-BE49-F238E27FC236}">
-                    <a16:creationId xmlns:a16="http://schemas.microsoft.com/office/drawing/2014/main" id="{C20323BB-D128-4C8B-BC62-74AA29A988E5}"/>
-                  </a:ext>
-                </a:extLst>
-              </p:cNvPr>
-              <p:cNvSpPr txBox="1"/>
-              <p:nvPr/>
-            </p:nvSpPr>
-            <p:spPr>
-              <a:xfrm>
-                <a:off x="2201541" y="2100926"/>
-                <a:ext cx="216024" cy="374526"/>
-              </a:xfrm>
-              <a:prstGeom prst="rect">
-                <a:avLst/>
-              </a:prstGeom>
-              <a:noFill/>
-            </p:spPr>
-            <p:txBody>
-              <a:bodyPr wrap="square" rtlCol="0">
-                <a:spAutoFit/>
-              </a:bodyPr>
-              <a:lstStyle/>
-              <a:p>
-                <a:pPr/>
-                <a14:m>
-                  <m:oMathPara xmlns:m="http://schemas.openxmlformats.org/officeDocument/2006/math">
-                    <m:oMathParaPr>
-                      <m:jc m:val="centerGroup"/>
-                    </m:oMathParaPr>
-                    <m:oMath xmlns:m="http://schemas.openxmlformats.org/officeDocument/2006/math">
-                      <m:sSub>
-                        <m:sSubPr>
-                          <m:ctrlPr>
-                            <a:rPr lang="en-US" altLang="ko-KR" i="1" smtClean="0">
-                              <a:latin typeface="Cambria Math" panose="02040503050406030204" pitchFamily="18" charset="0"/>
-                            </a:rPr>
-                          </m:ctrlPr>
-                        </m:sSubPr>
-                        <m:e>
-                          <m:r>
-                            <a:rPr lang="en-US" altLang="ko-KR" b="0" i="1" smtClean="0">
-                              <a:latin typeface="Cambria Math" panose="02040503050406030204" pitchFamily="18" charset="0"/>
-                            </a:rPr>
-                            <m:t>𝑙</m:t>
-                          </m:r>
-                        </m:e>
-                        <m:sub>
-                          <m:r>
-                            <a:rPr lang="en-US" altLang="ko-KR" b="0" i="1" smtClean="0">
-                              <a:latin typeface="Cambria Math" panose="02040503050406030204" pitchFamily="18" charset="0"/>
-                            </a:rPr>
-                            <m:t>7</m:t>
-                          </m:r>
-                        </m:sub>
-                      </m:sSub>
-                    </m:oMath>
-                  </m:oMathPara>
-                </a14:m>
-                <a:endParaRPr lang="ko-KR" altLang="en-US" dirty="0"/>
-              </a:p>
-            </p:txBody>
-          </p:sp>
-        </mc:Choice>
-        <mc:Fallback xmlns="">
-          <p:sp>
-            <p:nvSpPr>
-              <p:cNvPr id="67" name="TextBox 66">
-                <a:extLst>
-                  <a:ext uri="{FF2B5EF4-FFF2-40B4-BE49-F238E27FC236}">
-                    <a16:creationId xmlns:a16="http://schemas.microsoft.com/office/drawing/2014/main" id="{C20323BB-D128-4C8B-BC62-74AA29A988E5}"/>
-                  </a:ext>
-                </a:extLst>
-              </p:cNvPr>
-              <p:cNvSpPr txBox="1">
-                <a:spLocks noRot="1" noChangeAspect="1" noMove="1" noResize="1" noEditPoints="1" noAdjustHandles="1" noChangeArrowheads="1" noChangeShapeType="1" noTextEdit="1"/>
-              </p:cNvSpPr>
-              <p:nvPr/>
-            </p:nvSpPr>
-            <p:spPr>
-              <a:xfrm>
-                <a:off x="2201541" y="2100926"/>
-                <a:ext cx="216024" cy="374526"/>
-              </a:xfrm>
-              <a:prstGeom prst="rect">
-                <a:avLst/>
-              </a:prstGeom>
-              <a:blipFill>
-                <a:blip r:embed="rId10"/>
-                <a:stretch>
-                  <a:fillRect r="-47222"/>
-                </a:stretch>
-              </a:blipFill>
-            </p:spPr>
-            <p:txBody>
-              <a:bodyPr/>
-              <a:lstStyle/>
-              <a:p>
-                <a:r>
-                  <a:rPr lang="ko-KR" altLang="en-US">
-                    <a:noFill/>
-                  </a:rPr>
-                  <a:t> </a:t>
-                </a:r>
-              </a:p>
-            </p:txBody>
-          </p:sp>
-        </mc:Fallback>
-      </mc:AlternateContent>
-      <p:sp>
-        <p:nvSpPr>
-          <p:cNvPr id="69" name="타원 68">
-            <a:extLst>
-              <a:ext uri="{FF2B5EF4-FFF2-40B4-BE49-F238E27FC236}">
-                <a16:creationId xmlns:a16="http://schemas.microsoft.com/office/drawing/2014/main" id="{D68E6F2A-52F7-493D-9CF5-6E9870F7AD0E}"/>
-              </a:ext>
-            </a:extLst>
-          </p:cNvPr>
-          <p:cNvSpPr/>
-          <p:nvPr/>
-        </p:nvSpPr>
-        <p:spPr>
-          <a:xfrm>
-            <a:off x="528222" y="4826351"/>
-            <a:ext cx="467876" cy="434737"/>
-          </a:xfrm>
-          <a:prstGeom prst="ellipse">
-            <a:avLst/>
-          </a:prstGeom>
-          <a:solidFill>
-            <a:schemeClr val="bg1"/>
-          </a:solidFill>
-          <a:ln w="9525">
-            <a:solidFill>
-              <a:schemeClr val="tx1">
-                <a:lumMod val="75000"/>
-                <a:lumOff val="25000"/>
-              </a:schemeClr>
-            </a:solidFill>
-            <a:headEnd type="none"/>
-            <a:tailEnd type="none"/>
-          </a:ln>
-        </p:spPr>
-        <p:style>
-          <a:lnRef idx="2">
-            <a:schemeClr val="accent1">
-              <a:shade val="50000"/>
-            </a:schemeClr>
-          </a:lnRef>
-          <a:fillRef idx="1">
-            <a:schemeClr val="accent1"/>
-          </a:fillRef>
-          <a:effectRef idx="0">
-            <a:schemeClr val="accent1"/>
-          </a:effectRef>
-          <a:fontRef idx="minor">
-            <a:schemeClr val="lt1"/>
-          </a:fontRef>
-        </p:style>
-        <p:txBody>
-          <a:bodyPr rtlCol="0" anchor="ctr"/>
-          <a:lstStyle/>
-          <a:p>
-            <a:pPr algn="ctr"/>
-            <a:endParaRPr lang="ko-KR" altLang="en-US"/>
-          </a:p>
-        </p:txBody>
-      </p:sp>
-      <mc:AlternateContent xmlns:mc="http://schemas.openxmlformats.org/markup-compatibility/2006" xmlns:a14="http://schemas.microsoft.com/office/drawing/2010/main">
-        <mc:Choice Requires="a14">
-          <p:sp>
-            <p:nvSpPr>
-              <p:cNvPr id="34" name="TextBox 33">
-                <a:extLst>
-                  <a:ext uri="{FF2B5EF4-FFF2-40B4-BE49-F238E27FC236}">
-                    <a16:creationId xmlns:a16="http://schemas.microsoft.com/office/drawing/2014/main" id="{55BE8E74-3033-4726-A276-749E7518F40F}"/>
-                  </a:ext>
-                </a:extLst>
-              </p:cNvPr>
-              <p:cNvSpPr txBox="1"/>
-              <p:nvPr/>
-            </p:nvSpPr>
-            <p:spPr>
-              <a:xfrm>
-                <a:off x="569090" y="4834826"/>
-                <a:ext cx="216024" cy="374526"/>
-              </a:xfrm>
-              <a:prstGeom prst="rect">
-                <a:avLst/>
-              </a:prstGeom>
-              <a:noFill/>
-            </p:spPr>
-            <p:txBody>
-              <a:bodyPr wrap="square" rtlCol="0">
-                <a:spAutoFit/>
-              </a:bodyPr>
-              <a:lstStyle/>
-              <a:p>
-                <a:pPr/>
-                <a14:m>
-                  <m:oMathPara xmlns:m="http://schemas.openxmlformats.org/officeDocument/2006/math">
-                    <m:oMathParaPr>
-                      <m:jc m:val="centerGroup"/>
-                    </m:oMathParaPr>
-                    <m:oMath xmlns:m="http://schemas.openxmlformats.org/officeDocument/2006/math">
-                      <m:sSub>
-                        <m:sSubPr>
-                          <m:ctrlPr>
-                            <a:rPr lang="en-US" altLang="ko-KR" i="1" smtClean="0">
-                              <a:latin typeface="Cambria Math" panose="02040503050406030204" pitchFamily="18" charset="0"/>
-                            </a:rPr>
-                          </m:ctrlPr>
-                        </m:sSubPr>
-                        <m:e>
-                          <m:r>
-                            <a:rPr lang="en-US" altLang="ko-KR" b="0" i="1" smtClean="0">
-                              <a:latin typeface="Cambria Math" panose="02040503050406030204" pitchFamily="18" charset="0"/>
-                            </a:rPr>
-                            <m:t>𝑝</m:t>
-                          </m:r>
-                        </m:e>
-                        <m:sub>
-                          <m:r>
-                            <a:rPr lang="en-US" altLang="ko-KR" b="0" i="1" smtClean="0">
-                              <a:latin typeface="Cambria Math" panose="02040503050406030204" pitchFamily="18" charset="0"/>
-                            </a:rPr>
-                            <m:t>0</m:t>
-                          </m:r>
-                        </m:sub>
-                      </m:sSub>
-                    </m:oMath>
-                  </m:oMathPara>
-                </a14:m>
-                <a:endParaRPr lang="ko-KR" altLang="en-US" dirty="0"/>
-              </a:p>
-            </p:txBody>
-          </p:sp>
-        </mc:Choice>
-        <mc:Fallback xmlns="">
-          <p:sp>
-            <p:nvSpPr>
-              <p:cNvPr id="34" name="TextBox 33">
-                <a:extLst>
-                  <a:ext uri="{FF2B5EF4-FFF2-40B4-BE49-F238E27FC236}">
-                    <a16:creationId xmlns:a16="http://schemas.microsoft.com/office/drawing/2014/main" id="{55BE8E74-3033-4726-A276-749E7518F40F}"/>
-                  </a:ext>
-                </a:extLst>
-              </p:cNvPr>
-              <p:cNvSpPr txBox="1">
-                <a:spLocks noRot="1" noChangeAspect="1" noMove="1" noResize="1" noEditPoints="1" noAdjustHandles="1" noChangeArrowheads="1" noChangeShapeType="1" noTextEdit="1"/>
-              </p:cNvSpPr>
-              <p:nvPr/>
-            </p:nvSpPr>
-            <p:spPr>
-              <a:xfrm>
-                <a:off x="569090" y="4834826"/>
-                <a:ext cx="216024" cy="374526"/>
-              </a:xfrm>
-              <a:prstGeom prst="rect">
-                <a:avLst/>
-              </a:prstGeom>
-              <a:blipFill>
-                <a:blip r:embed="rId11"/>
-                <a:stretch>
-                  <a:fillRect r="-69444" b="-4839"/>
-                </a:stretch>
-              </a:blipFill>
-            </p:spPr>
-            <p:txBody>
-              <a:bodyPr/>
-              <a:lstStyle/>
-              <a:p>
-                <a:r>
-                  <a:rPr lang="ko-KR" altLang="en-US">
-                    <a:noFill/>
-                  </a:rPr>
-                  <a:t> </a:t>
-                </a:r>
-              </a:p>
-            </p:txBody>
-          </p:sp>
-        </mc:Fallback>
-      </mc:AlternateContent>
-      <p:sp>
-        <p:nvSpPr>
-          <p:cNvPr id="70" name="타원 69">
-            <a:extLst>
-              <a:ext uri="{FF2B5EF4-FFF2-40B4-BE49-F238E27FC236}">
-                <a16:creationId xmlns:a16="http://schemas.microsoft.com/office/drawing/2014/main" id="{2FE31EA3-A21D-4FFE-801A-83080475132F}"/>
-              </a:ext>
-            </a:extLst>
-          </p:cNvPr>
-          <p:cNvSpPr/>
-          <p:nvPr/>
-        </p:nvSpPr>
-        <p:spPr>
-          <a:xfrm>
-            <a:off x="2219745" y="5131625"/>
-            <a:ext cx="467876" cy="434737"/>
-          </a:xfrm>
-          <a:prstGeom prst="ellipse">
-            <a:avLst/>
-          </a:prstGeom>
-          <a:solidFill>
-            <a:schemeClr val="bg1"/>
-          </a:solidFill>
-          <a:ln w="9525">
-            <a:solidFill>
-              <a:schemeClr val="tx1">
-                <a:lumMod val="75000"/>
-                <a:lumOff val="25000"/>
-              </a:schemeClr>
-            </a:solidFill>
-            <a:headEnd type="none"/>
-            <a:tailEnd type="none"/>
-          </a:ln>
-        </p:spPr>
-        <p:style>
-          <a:lnRef idx="2">
-            <a:schemeClr val="accent1">
-              <a:shade val="50000"/>
-            </a:schemeClr>
-          </a:lnRef>
-          <a:fillRef idx="1">
-            <a:schemeClr val="accent1"/>
-          </a:fillRef>
-          <a:effectRef idx="0">
-            <a:schemeClr val="accent1"/>
-          </a:effectRef>
-          <a:fontRef idx="minor">
-            <a:schemeClr val="lt1"/>
-          </a:fontRef>
-        </p:style>
-        <p:txBody>
-          <a:bodyPr rtlCol="0" anchor="ctr"/>
-          <a:lstStyle/>
-          <a:p>
-            <a:pPr algn="ctr"/>
-            <a:endParaRPr lang="ko-KR" altLang="en-US"/>
-          </a:p>
-        </p:txBody>
-      </p:sp>
-      <mc:AlternateContent xmlns:mc="http://schemas.openxmlformats.org/markup-compatibility/2006" xmlns:a14="http://schemas.microsoft.com/office/drawing/2010/main">
-        <mc:Choice Requires="a14">
-          <p:sp>
-            <p:nvSpPr>
-              <p:cNvPr id="71" name="TextBox 70">
-                <a:extLst>
-                  <a:ext uri="{FF2B5EF4-FFF2-40B4-BE49-F238E27FC236}">
-                    <a16:creationId xmlns:a16="http://schemas.microsoft.com/office/drawing/2014/main" id="{721EC74A-51C9-43E0-820A-F4AB2EA6249B}"/>
-                  </a:ext>
-                </a:extLst>
-              </p:cNvPr>
-              <p:cNvSpPr txBox="1"/>
-              <p:nvPr/>
-            </p:nvSpPr>
-            <p:spPr>
-              <a:xfrm>
-                <a:off x="2243596" y="5140100"/>
-                <a:ext cx="216024" cy="374526"/>
-              </a:xfrm>
-              <a:prstGeom prst="rect">
-                <a:avLst/>
-              </a:prstGeom>
-              <a:noFill/>
-            </p:spPr>
-            <p:txBody>
-              <a:bodyPr wrap="square" rtlCol="0">
-                <a:spAutoFit/>
-              </a:bodyPr>
-              <a:lstStyle/>
-              <a:p>
-                <a:pPr/>
-                <a14:m>
-                  <m:oMathPara xmlns:m="http://schemas.openxmlformats.org/officeDocument/2006/math">
-                    <m:oMathParaPr>
-                      <m:jc m:val="centerGroup"/>
-                    </m:oMathParaPr>
-                    <m:oMath xmlns:m="http://schemas.openxmlformats.org/officeDocument/2006/math">
-                      <m:sSub>
-                        <m:sSubPr>
-                          <m:ctrlPr>
-                            <a:rPr lang="en-US" altLang="ko-KR" i="1" smtClean="0">
-                              <a:latin typeface="Cambria Math" panose="02040503050406030204" pitchFamily="18" charset="0"/>
-                            </a:rPr>
-                          </m:ctrlPr>
-                        </m:sSubPr>
-                        <m:e>
-                          <m:r>
-                            <a:rPr lang="en-US" altLang="ko-KR" b="0" i="1" smtClean="0">
-                              <a:latin typeface="Cambria Math" panose="02040503050406030204" pitchFamily="18" charset="0"/>
-                            </a:rPr>
-                            <m:t>𝑝</m:t>
-                          </m:r>
-                        </m:e>
-                        <m:sub>
-                          <m:r>
-                            <a:rPr lang="en-US" altLang="ko-KR" b="0" i="1" smtClean="0">
-                              <a:latin typeface="Cambria Math" panose="02040503050406030204" pitchFamily="18" charset="0"/>
-                            </a:rPr>
-                            <m:t>1</m:t>
-                          </m:r>
-                        </m:sub>
-                      </m:sSub>
-                    </m:oMath>
-                  </m:oMathPara>
-                </a14:m>
-                <a:endParaRPr lang="ko-KR" altLang="en-US" dirty="0"/>
-              </a:p>
-            </p:txBody>
-          </p:sp>
-        </mc:Choice>
-        <mc:Fallback xmlns="">
-          <p:sp>
-            <p:nvSpPr>
-              <p:cNvPr id="71" name="TextBox 70">
-                <a:extLst>
-                  <a:ext uri="{FF2B5EF4-FFF2-40B4-BE49-F238E27FC236}">
-                    <a16:creationId xmlns:a16="http://schemas.microsoft.com/office/drawing/2014/main" id="{721EC74A-51C9-43E0-820A-F4AB2EA6249B}"/>
-                  </a:ext>
-                </a:extLst>
-              </p:cNvPr>
-              <p:cNvSpPr txBox="1">
-                <a:spLocks noRot="1" noChangeAspect="1" noMove="1" noResize="1" noEditPoints="1" noAdjustHandles="1" noChangeArrowheads="1" noChangeShapeType="1" noTextEdit="1"/>
-              </p:cNvSpPr>
-              <p:nvPr/>
-            </p:nvSpPr>
-            <p:spPr>
-              <a:xfrm>
-                <a:off x="2243596" y="5140100"/>
-                <a:ext cx="216024" cy="374526"/>
-              </a:xfrm>
-              <a:prstGeom prst="rect">
-                <a:avLst/>
-              </a:prstGeom>
-              <a:blipFill>
-                <a:blip r:embed="rId12"/>
-                <a:stretch>
-                  <a:fillRect r="-71429" b="-4839"/>
-                </a:stretch>
-              </a:blipFill>
-            </p:spPr>
-            <p:txBody>
-              <a:bodyPr/>
-              <a:lstStyle/>
-              <a:p>
-                <a:r>
-                  <a:rPr lang="ko-KR" altLang="en-US">
-                    <a:noFill/>
-                  </a:rPr>
-                  <a:t> </a:t>
-                </a:r>
-              </a:p>
-            </p:txBody>
-          </p:sp>
-        </mc:Fallback>
-      </mc:AlternateContent>
-      <p:sp>
-        <p:nvSpPr>
-          <p:cNvPr id="72" name="타원 71">
-            <a:extLst>
-              <a:ext uri="{FF2B5EF4-FFF2-40B4-BE49-F238E27FC236}">
-                <a16:creationId xmlns:a16="http://schemas.microsoft.com/office/drawing/2014/main" id="{66FC84DE-895D-4939-9DB6-90190637CB5C}"/>
-              </a:ext>
-            </a:extLst>
-          </p:cNvPr>
-          <p:cNvSpPr/>
-          <p:nvPr/>
-        </p:nvSpPr>
-        <p:spPr>
-          <a:xfrm>
-            <a:off x="3909662" y="4733436"/>
-            <a:ext cx="467876" cy="434737"/>
-          </a:xfrm>
-          <a:prstGeom prst="ellipse">
-            <a:avLst/>
-          </a:prstGeom>
-          <a:solidFill>
-            <a:schemeClr val="bg1"/>
-          </a:solidFill>
-          <a:ln w="9525">
-            <a:solidFill>
-              <a:schemeClr val="tx1">
-                <a:lumMod val="75000"/>
-                <a:lumOff val="25000"/>
-              </a:schemeClr>
-            </a:solidFill>
-            <a:headEnd type="none"/>
-            <a:tailEnd type="none"/>
-          </a:ln>
-        </p:spPr>
-        <p:style>
-          <a:lnRef idx="2">
-            <a:schemeClr val="accent1">
-              <a:shade val="50000"/>
-            </a:schemeClr>
-          </a:lnRef>
-          <a:fillRef idx="1">
-            <a:schemeClr val="accent1"/>
-          </a:fillRef>
-          <a:effectRef idx="0">
-            <a:schemeClr val="accent1"/>
-          </a:effectRef>
-          <a:fontRef idx="minor">
-            <a:schemeClr val="lt1"/>
-          </a:fontRef>
-        </p:style>
-        <p:txBody>
-          <a:bodyPr rtlCol="0" anchor="ctr"/>
-          <a:lstStyle/>
-          <a:p>
-            <a:pPr algn="ctr"/>
-            <a:endParaRPr lang="ko-KR" altLang="en-US"/>
-          </a:p>
-        </p:txBody>
-      </p:sp>
-      <mc:AlternateContent xmlns:mc="http://schemas.openxmlformats.org/markup-compatibility/2006" xmlns:a14="http://schemas.microsoft.com/office/drawing/2010/main">
-        <mc:Choice Requires="a14">
-          <p:sp>
-            <p:nvSpPr>
-              <p:cNvPr id="73" name="TextBox 72">
-                <a:extLst>
-                  <a:ext uri="{FF2B5EF4-FFF2-40B4-BE49-F238E27FC236}">
-                    <a16:creationId xmlns:a16="http://schemas.microsoft.com/office/drawing/2014/main" id="{4F053069-2E0E-4C69-A7E1-F7B4CC1C981C}"/>
-                  </a:ext>
-                </a:extLst>
-              </p:cNvPr>
-              <p:cNvSpPr txBox="1"/>
-              <p:nvPr/>
-            </p:nvSpPr>
-            <p:spPr>
-              <a:xfrm>
-                <a:off x="3933513" y="4741911"/>
-                <a:ext cx="216024" cy="374526"/>
-              </a:xfrm>
-              <a:prstGeom prst="rect">
-                <a:avLst/>
-              </a:prstGeom>
-              <a:noFill/>
-            </p:spPr>
-            <p:txBody>
-              <a:bodyPr wrap="square" rtlCol="0">
-                <a:spAutoFit/>
-              </a:bodyPr>
-              <a:lstStyle/>
-              <a:p>
-                <a:pPr/>
-                <a14:m>
-                  <m:oMathPara xmlns:m="http://schemas.openxmlformats.org/officeDocument/2006/math">
-                    <m:oMathParaPr>
-                      <m:jc m:val="centerGroup"/>
-                    </m:oMathParaPr>
-                    <m:oMath xmlns:m="http://schemas.openxmlformats.org/officeDocument/2006/math">
-                      <m:sSub>
-                        <m:sSubPr>
-                          <m:ctrlPr>
-                            <a:rPr lang="en-US" altLang="ko-KR" i="1" smtClean="0">
-                              <a:latin typeface="Cambria Math" panose="02040503050406030204" pitchFamily="18" charset="0"/>
-                            </a:rPr>
-                          </m:ctrlPr>
-                        </m:sSubPr>
-                        <m:e>
-                          <m:r>
-                            <a:rPr lang="en-US" altLang="ko-KR" b="0" i="1" smtClean="0">
-                              <a:latin typeface="Cambria Math" panose="02040503050406030204" pitchFamily="18" charset="0"/>
-                            </a:rPr>
-                            <m:t>𝑝</m:t>
-                          </m:r>
-                        </m:e>
-                        <m:sub>
-                          <m:r>
-                            <a:rPr lang="en-US" altLang="ko-KR" b="0" i="1" smtClean="0">
-                              <a:latin typeface="Cambria Math" panose="02040503050406030204" pitchFamily="18" charset="0"/>
-                            </a:rPr>
-                            <m:t>2</m:t>
-                          </m:r>
-                        </m:sub>
-                      </m:sSub>
-                    </m:oMath>
-                  </m:oMathPara>
-                </a14:m>
-                <a:endParaRPr lang="ko-KR" altLang="en-US" dirty="0"/>
-              </a:p>
-            </p:txBody>
-          </p:sp>
-        </mc:Choice>
-        <mc:Fallback xmlns="">
-          <p:sp>
-            <p:nvSpPr>
-              <p:cNvPr id="73" name="TextBox 72">
-                <a:extLst>
-                  <a:ext uri="{FF2B5EF4-FFF2-40B4-BE49-F238E27FC236}">
-                    <a16:creationId xmlns:a16="http://schemas.microsoft.com/office/drawing/2014/main" id="{4F053069-2E0E-4C69-A7E1-F7B4CC1C981C}"/>
-                  </a:ext>
-                </a:extLst>
-              </p:cNvPr>
-              <p:cNvSpPr txBox="1">
-                <a:spLocks noRot="1" noChangeAspect="1" noMove="1" noResize="1" noEditPoints="1" noAdjustHandles="1" noChangeArrowheads="1" noChangeShapeType="1" noTextEdit="1"/>
-              </p:cNvSpPr>
-              <p:nvPr/>
-            </p:nvSpPr>
-            <p:spPr>
-              <a:xfrm>
-                <a:off x="3933513" y="4741911"/>
-                <a:ext cx="216024" cy="374526"/>
-              </a:xfrm>
-              <a:prstGeom prst="rect">
-                <a:avLst/>
-              </a:prstGeom>
-              <a:blipFill>
-                <a:blip r:embed="rId13"/>
-                <a:stretch>
-                  <a:fillRect r="-69444" b="-4918"/>
-                </a:stretch>
-              </a:blipFill>
-            </p:spPr>
-            <p:txBody>
-              <a:bodyPr/>
-              <a:lstStyle/>
-              <a:p>
-                <a:r>
-                  <a:rPr lang="ko-KR" altLang="en-US">
-                    <a:noFill/>
-                  </a:rPr>
-                  <a:t> </a:t>
-                </a:r>
-              </a:p>
-            </p:txBody>
-          </p:sp>
-        </mc:Fallback>
-      </mc:AlternateContent>
-      <mc:AlternateContent xmlns:mc="http://schemas.openxmlformats.org/markup-compatibility/2006" xmlns:a14="http://schemas.microsoft.com/office/drawing/2010/main">
-        <mc:Choice Requires="a14">
-          <p:sp>
-            <p:nvSpPr>
-              <p:cNvPr id="75" name="TextBox 74">
-                <a:extLst>
-                  <a:ext uri="{FF2B5EF4-FFF2-40B4-BE49-F238E27FC236}">
-                    <a16:creationId xmlns:a16="http://schemas.microsoft.com/office/drawing/2014/main" id="{39C83D5B-6EB6-4D3C-8403-F9CC1F6CDB81}"/>
-                  </a:ext>
-                </a:extLst>
-              </p:cNvPr>
-              <p:cNvSpPr txBox="1"/>
-              <p:nvPr/>
-            </p:nvSpPr>
-            <p:spPr>
-              <a:xfrm>
-                <a:off x="2205343" y="2453211"/>
-                <a:ext cx="216024" cy="369332"/>
-              </a:xfrm>
-              <a:prstGeom prst="rect">
-                <a:avLst/>
-              </a:prstGeom>
-              <a:noFill/>
-            </p:spPr>
-            <p:txBody>
-              <a:bodyPr wrap="square" rtlCol="0">
-                <a:spAutoFit/>
-              </a:bodyPr>
-              <a:lstStyle/>
-              <a:p>
-                <a:pPr/>
-                <a14:m>
-                  <m:oMathPara xmlns:m="http://schemas.openxmlformats.org/officeDocument/2006/math">
-                    <m:oMathParaPr>
-                      <m:jc m:val="centerGroup"/>
-                    </m:oMathParaPr>
-                    <m:oMath xmlns:m="http://schemas.openxmlformats.org/officeDocument/2006/math">
-                      <m:sSub>
-                        <m:sSubPr>
-                          <m:ctrlPr>
-                            <a:rPr lang="en-US" altLang="ko-KR" i="1" smtClean="0">
-                              <a:latin typeface="Cambria Math" panose="02040503050406030204" pitchFamily="18" charset="0"/>
-                            </a:rPr>
-                          </m:ctrlPr>
-                        </m:sSubPr>
-                        <m:e>
-                          <m:r>
-                            <a:rPr lang="en-US" altLang="ko-KR" b="0" i="1" smtClean="0">
-                              <a:latin typeface="Cambria Math" panose="02040503050406030204" pitchFamily="18" charset="0"/>
-                            </a:rPr>
-                            <m:t>𝑢</m:t>
-                          </m:r>
-                        </m:e>
-                        <m:sub>
-                          <m:r>
-                            <a:rPr lang="en-US" altLang="ko-KR" b="0" i="1" smtClean="0">
-                              <a:latin typeface="Cambria Math" panose="02040503050406030204" pitchFamily="18" charset="0"/>
-                            </a:rPr>
-                            <m:t>4</m:t>
-                          </m:r>
-                        </m:sub>
-                      </m:sSub>
-                    </m:oMath>
-                  </m:oMathPara>
-                </a14:m>
-                <a:endParaRPr lang="ko-KR" altLang="en-US" dirty="0"/>
-              </a:p>
-            </p:txBody>
-          </p:sp>
-        </mc:Choice>
-        <mc:Fallback xmlns="">
-          <p:sp>
-            <p:nvSpPr>
-              <p:cNvPr id="75" name="TextBox 74">
-                <a:extLst>
-                  <a:ext uri="{FF2B5EF4-FFF2-40B4-BE49-F238E27FC236}">
-                    <a16:creationId xmlns:a16="http://schemas.microsoft.com/office/drawing/2014/main" id="{39C83D5B-6EB6-4D3C-8403-F9CC1F6CDB81}"/>
-                  </a:ext>
-                </a:extLst>
-              </p:cNvPr>
-              <p:cNvSpPr txBox="1">
-                <a:spLocks noRot="1" noChangeAspect="1" noMove="1" noResize="1" noEditPoints="1" noAdjustHandles="1" noChangeArrowheads="1" noChangeShapeType="1" noTextEdit="1"/>
-              </p:cNvSpPr>
-              <p:nvPr/>
-            </p:nvSpPr>
-            <p:spPr>
-              <a:xfrm>
-                <a:off x="2205343" y="2453211"/>
-                <a:ext cx="216024" cy="369332"/>
-              </a:xfrm>
-              <a:prstGeom prst="rect">
-                <a:avLst/>
-              </a:prstGeom>
-              <a:blipFill>
-                <a:blip r:embed="rId14"/>
-                <a:stretch>
-                  <a:fillRect r="-77143"/>
-                </a:stretch>
-              </a:blipFill>
-            </p:spPr>
-            <p:txBody>
-              <a:bodyPr/>
-              <a:lstStyle/>
-              <a:p>
-                <a:r>
-                  <a:rPr lang="ko-KR" altLang="en-US">
-                    <a:noFill/>
-                  </a:rPr>
-                  <a:t> </a:t>
-                </a:r>
-              </a:p>
-            </p:txBody>
-          </p:sp>
-        </mc:Fallback>
-      </mc:AlternateContent>
-      <mc:AlternateContent xmlns:mc="http://schemas.openxmlformats.org/markup-compatibility/2006" xmlns:a14="http://schemas.microsoft.com/office/drawing/2010/main">
-        <mc:Choice Requires="a14">
-          <p:sp>
-            <p:nvSpPr>
-              <p:cNvPr id="76" name="TextBox 75">
-                <a:extLst>
-                  <a:ext uri="{FF2B5EF4-FFF2-40B4-BE49-F238E27FC236}">
-                    <a16:creationId xmlns:a16="http://schemas.microsoft.com/office/drawing/2014/main" id="{21C90CFB-DDFD-480B-A44A-1BAD01ABEBC7}"/>
-                  </a:ext>
-                </a:extLst>
-              </p:cNvPr>
-              <p:cNvSpPr txBox="1"/>
-              <p:nvPr/>
-            </p:nvSpPr>
-            <p:spPr>
-              <a:xfrm>
-                <a:off x="1391182" y="2339321"/>
-                <a:ext cx="216024" cy="369332"/>
-              </a:xfrm>
-              <a:prstGeom prst="rect">
-                <a:avLst/>
-              </a:prstGeom>
-              <a:noFill/>
-            </p:spPr>
-            <p:txBody>
-              <a:bodyPr wrap="square" rtlCol="0">
-                <a:spAutoFit/>
-              </a:bodyPr>
-              <a:lstStyle/>
-              <a:p>
-                <a:pPr/>
-                <a14:m>
-                  <m:oMathPara xmlns:m="http://schemas.openxmlformats.org/officeDocument/2006/math">
-                    <m:oMathParaPr>
-                      <m:jc m:val="centerGroup"/>
-                    </m:oMathParaPr>
-                    <m:oMath xmlns:m="http://schemas.openxmlformats.org/officeDocument/2006/math">
-                      <m:sSub>
-                        <m:sSubPr>
-                          <m:ctrlPr>
-                            <a:rPr lang="en-US" altLang="ko-KR" i="1" smtClean="0">
-                              <a:latin typeface="Cambria Math" panose="02040503050406030204" pitchFamily="18" charset="0"/>
-                            </a:rPr>
-                          </m:ctrlPr>
-                        </m:sSubPr>
-                        <m:e>
-                          <m:r>
-                            <a:rPr lang="en-US" altLang="ko-KR" b="0" i="1" smtClean="0">
-                              <a:latin typeface="Cambria Math" panose="02040503050406030204" pitchFamily="18" charset="0"/>
-                            </a:rPr>
-                            <m:t>𝑢</m:t>
-                          </m:r>
-                        </m:e>
-                        <m:sub>
-                          <m:r>
-                            <a:rPr lang="en-US" altLang="ko-KR" b="0" i="1" smtClean="0">
-                              <a:latin typeface="Cambria Math" panose="02040503050406030204" pitchFamily="18" charset="0"/>
-                            </a:rPr>
-                            <m:t>3</m:t>
-                          </m:r>
-                        </m:sub>
-                      </m:sSub>
-                    </m:oMath>
-                  </m:oMathPara>
-                </a14:m>
-                <a:endParaRPr lang="ko-KR" altLang="en-US" dirty="0"/>
-              </a:p>
-            </p:txBody>
-          </p:sp>
-        </mc:Choice>
-        <mc:Fallback xmlns="">
-          <p:sp>
-            <p:nvSpPr>
-              <p:cNvPr id="76" name="TextBox 75">
-                <a:extLst>
-                  <a:ext uri="{FF2B5EF4-FFF2-40B4-BE49-F238E27FC236}">
-                    <a16:creationId xmlns:a16="http://schemas.microsoft.com/office/drawing/2014/main" id="{21C90CFB-DDFD-480B-A44A-1BAD01ABEBC7}"/>
-                  </a:ext>
-                </a:extLst>
-              </p:cNvPr>
-              <p:cNvSpPr txBox="1">
-                <a:spLocks noRot="1" noChangeAspect="1" noMove="1" noResize="1" noEditPoints="1" noAdjustHandles="1" noChangeArrowheads="1" noChangeShapeType="1" noTextEdit="1"/>
-              </p:cNvSpPr>
-              <p:nvPr/>
-            </p:nvSpPr>
-            <p:spPr>
-              <a:xfrm>
-                <a:off x="1391182" y="2339321"/>
-                <a:ext cx="216024" cy="369332"/>
-              </a:xfrm>
-              <a:prstGeom prst="rect">
-                <a:avLst/>
-              </a:prstGeom>
-              <a:blipFill>
-                <a:blip r:embed="rId15"/>
-                <a:stretch>
-                  <a:fillRect r="-75000"/>
-                </a:stretch>
-              </a:blipFill>
-            </p:spPr>
-            <p:txBody>
-              <a:bodyPr/>
-              <a:lstStyle/>
-              <a:p>
-                <a:r>
-                  <a:rPr lang="ko-KR" altLang="en-US">
-                    <a:noFill/>
-                  </a:rPr>
-                  <a:t> </a:t>
-                </a:r>
-              </a:p>
-            </p:txBody>
-          </p:sp>
-        </mc:Fallback>
-      </mc:AlternateContent>
-      <mc:AlternateContent xmlns:mc="http://schemas.openxmlformats.org/markup-compatibility/2006" xmlns:a14="http://schemas.microsoft.com/office/drawing/2010/main">
-        <mc:Choice Requires="a14">
-          <p:sp>
-            <p:nvSpPr>
-              <p:cNvPr id="78" name="TextBox 77">
-                <a:extLst>
-                  <a:ext uri="{FF2B5EF4-FFF2-40B4-BE49-F238E27FC236}">
-                    <a16:creationId xmlns:a16="http://schemas.microsoft.com/office/drawing/2014/main" id="{08E61DB2-0D9C-4FB1-A952-20481D47897B}"/>
-                  </a:ext>
-                </a:extLst>
-              </p:cNvPr>
-              <p:cNvSpPr txBox="1"/>
-              <p:nvPr/>
-            </p:nvSpPr>
-            <p:spPr>
-              <a:xfrm>
-                <a:off x="2969585" y="2371224"/>
-                <a:ext cx="216024" cy="369332"/>
-              </a:xfrm>
-              <a:prstGeom prst="rect">
-                <a:avLst/>
-              </a:prstGeom>
-              <a:noFill/>
-            </p:spPr>
-            <p:txBody>
-              <a:bodyPr wrap="square" rtlCol="0">
-                <a:spAutoFit/>
-              </a:bodyPr>
-              <a:lstStyle/>
-              <a:p>
-                <a:pPr/>
-                <a14:m>
-                  <m:oMathPara xmlns:m="http://schemas.openxmlformats.org/officeDocument/2006/math">
-                    <m:oMathParaPr>
-                      <m:jc m:val="centerGroup"/>
-                    </m:oMathParaPr>
-                    <m:oMath xmlns:m="http://schemas.openxmlformats.org/officeDocument/2006/math">
-                      <m:sSub>
-                        <m:sSubPr>
-                          <m:ctrlPr>
-                            <a:rPr lang="en-US" altLang="ko-KR" i="1" smtClean="0">
-                              <a:latin typeface="Cambria Math" panose="02040503050406030204" pitchFamily="18" charset="0"/>
-                            </a:rPr>
-                          </m:ctrlPr>
-                        </m:sSubPr>
-                        <m:e>
-                          <m:r>
-                            <a:rPr lang="en-US" altLang="ko-KR" b="0" i="1" smtClean="0">
-                              <a:latin typeface="Cambria Math" panose="02040503050406030204" pitchFamily="18" charset="0"/>
-                            </a:rPr>
-                            <m:t>𝑢</m:t>
-                          </m:r>
-                        </m:e>
-                        <m:sub>
-                          <m:r>
-                            <a:rPr lang="en-US" altLang="ko-KR" b="0" i="1" smtClean="0">
-                              <a:latin typeface="Cambria Math" panose="02040503050406030204" pitchFamily="18" charset="0"/>
-                            </a:rPr>
-                            <m:t>5</m:t>
-                          </m:r>
-                        </m:sub>
-                      </m:sSub>
-                    </m:oMath>
-                  </m:oMathPara>
-                </a14:m>
-                <a:endParaRPr lang="ko-KR" altLang="en-US" dirty="0"/>
-              </a:p>
-            </p:txBody>
-          </p:sp>
-        </mc:Choice>
-        <mc:Fallback xmlns="">
-          <p:sp>
-            <p:nvSpPr>
-              <p:cNvPr id="78" name="TextBox 77">
-                <a:extLst>
-                  <a:ext uri="{FF2B5EF4-FFF2-40B4-BE49-F238E27FC236}">
-                    <a16:creationId xmlns:a16="http://schemas.microsoft.com/office/drawing/2014/main" id="{08E61DB2-0D9C-4FB1-A952-20481D47897B}"/>
-                  </a:ext>
-                </a:extLst>
-              </p:cNvPr>
-              <p:cNvSpPr txBox="1">
-                <a:spLocks noRot="1" noChangeAspect="1" noMove="1" noResize="1" noEditPoints="1" noAdjustHandles="1" noChangeArrowheads="1" noChangeShapeType="1" noTextEdit="1"/>
-              </p:cNvSpPr>
-              <p:nvPr/>
-            </p:nvSpPr>
-            <p:spPr>
-              <a:xfrm>
-                <a:off x="2969585" y="2371224"/>
-                <a:ext cx="216024" cy="369332"/>
-              </a:xfrm>
-              <a:prstGeom prst="rect">
-                <a:avLst/>
-              </a:prstGeom>
-              <a:blipFill>
-                <a:blip r:embed="rId16"/>
-                <a:stretch>
-                  <a:fillRect r="-75000"/>
-                </a:stretch>
-              </a:blipFill>
-            </p:spPr>
-            <p:txBody>
-              <a:bodyPr/>
-              <a:lstStyle/>
-              <a:p>
-                <a:r>
-                  <a:rPr lang="ko-KR" altLang="en-US">
-                    <a:noFill/>
-                  </a:rPr>
-                  <a:t> </a:t>
-                </a:r>
-              </a:p>
-            </p:txBody>
-          </p:sp>
-        </mc:Fallback>
-      </mc:AlternateContent>
-      <p:sp>
-        <p:nvSpPr>
-          <p:cNvPr id="79" name="화살표: 오른쪽 78">
-            <a:extLst>
-              <a:ext uri="{FF2B5EF4-FFF2-40B4-BE49-F238E27FC236}">
-                <a16:creationId xmlns:a16="http://schemas.microsoft.com/office/drawing/2014/main" id="{4A5E5B6E-B3E6-4D63-A122-62ADF845E302}"/>
-              </a:ext>
-            </a:extLst>
-          </p:cNvPr>
-          <p:cNvSpPr/>
-          <p:nvPr/>
-        </p:nvSpPr>
-        <p:spPr>
-          <a:xfrm>
-            <a:off x="5436096" y="6165304"/>
-            <a:ext cx="418237" cy="345035"/>
-          </a:xfrm>
-          <a:prstGeom prst="rightArrow">
-            <a:avLst/>
-          </a:prstGeom>
-          <a:noFill/>
-          <a:ln w="9525">
-            <a:solidFill>
-              <a:schemeClr val="tx1">
-                <a:lumMod val="75000"/>
-                <a:lumOff val="25000"/>
-              </a:schemeClr>
-            </a:solidFill>
-            <a:headEnd type="none"/>
-            <a:tailEnd type="none"/>
-          </a:ln>
-        </p:spPr>
-        <p:style>
-          <a:lnRef idx="2">
-            <a:schemeClr val="accent1">
-              <a:shade val="50000"/>
-            </a:schemeClr>
-          </a:lnRef>
-          <a:fillRef idx="1">
-            <a:schemeClr val="accent1"/>
-          </a:fillRef>
-          <a:effectRef idx="0">
-            <a:schemeClr val="accent1"/>
-          </a:effectRef>
-          <a:fontRef idx="minor">
-            <a:schemeClr val="lt1"/>
-          </a:fontRef>
-        </p:style>
-        <p:txBody>
-          <a:bodyPr rtlCol="0" anchor="ctr"/>
-          <a:lstStyle/>
-          <a:p>
-            <a:pPr algn="ctr"/>
-            <a:endParaRPr lang="ko-KR" altLang="en-US"/>
-          </a:p>
-        </p:txBody>
-      </p:sp>
-      <p:sp>
-        <p:nvSpPr>
-          <p:cNvPr id="80" name="직사각형 79">
-            <a:extLst>
-              <a:ext uri="{FF2B5EF4-FFF2-40B4-BE49-F238E27FC236}">
-                <a16:creationId xmlns:a16="http://schemas.microsoft.com/office/drawing/2014/main" id="{A7B651B3-78B8-40EA-9D0E-91422219B3E4}"/>
-              </a:ext>
-            </a:extLst>
-          </p:cNvPr>
-          <p:cNvSpPr/>
-          <p:nvPr/>
-        </p:nvSpPr>
-        <p:spPr>
-          <a:xfrm>
-            <a:off x="6063943" y="6165304"/>
-            <a:ext cx="1189749" cy="369332"/>
-          </a:xfrm>
-          <a:prstGeom prst="rect">
-            <a:avLst/>
-          </a:prstGeom>
-        </p:spPr>
-        <p:txBody>
-          <a:bodyPr wrap="none">
-            <a:spAutoFit/>
-          </a:bodyPr>
-          <a:lstStyle/>
-          <a:p>
-            <a:r>
-              <a:rPr lang="ko-KR" altLang="en-US" b="1" dirty="0">
-                <a:latin typeface="맑은 고딕" panose="020B0503020000020004" pitchFamily="50" charset="-127"/>
-              </a:rPr>
-              <a:t>운영 가능</a:t>
-            </a:r>
-            <a:endParaRPr lang="en-US" altLang="ko-KR" b="1" dirty="0">
-              <a:latin typeface="맑은 고딕" panose="020B0503020000020004" pitchFamily="50" charset="-127"/>
-            </a:endParaRPr>
-          </a:p>
-        </p:txBody>
-      </p:sp>
-      <p:cxnSp>
-        <p:nvCxnSpPr>
-          <p:cNvPr id="83" name="직선 화살표 연결선 82">
-            <a:extLst>
-              <a:ext uri="{FF2B5EF4-FFF2-40B4-BE49-F238E27FC236}">
-                <a16:creationId xmlns:a16="http://schemas.microsoft.com/office/drawing/2014/main" id="{D3B92836-2025-4970-B3A9-E0F5B77A1277}"/>
-              </a:ext>
-            </a:extLst>
-          </p:cNvPr>
-          <p:cNvCxnSpPr>
-            <a:cxnSpLocks/>
-          </p:cNvCxnSpPr>
-          <p:nvPr/>
-        </p:nvCxnSpPr>
-        <p:spPr>
-          <a:xfrm flipH="1" flipV="1">
-            <a:off x="2428866" y="3456619"/>
-            <a:ext cx="5908" cy="909664"/>
-          </a:xfrm>
-          <a:prstGeom prst="straightConnector1">
-            <a:avLst/>
-          </a:prstGeom>
-          <a:ln w="38100">
-            <a:solidFill>
-              <a:srgbClr val="FF0000"/>
-            </a:solidFill>
-            <a:tailEnd type="triangle"/>
-          </a:ln>
-        </p:spPr>
-        <p:style>
-          <a:lnRef idx="1">
-            <a:schemeClr val="accent1"/>
-          </a:lnRef>
-          <a:fillRef idx="0">
-            <a:schemeClr val="accent1"/>
-          </a:fillRef>
-          <a:effectRef idx="0">
-            <a:schemeClr val="accent1"/>
-          </a:effectRef>
-          <a:fontRef idx="minor">
-            <a:schemeClr val="tx1"/>
-          </a:fontRef>
-        </p:style>
-      </p:cxnSp>
-      <p:cxnSp>
-        <p:nvCxnSpPr>
-          <p:cNvPr id="85" name="직선 화살표 연결선 84">
-            <a:extLst>
-              <a:ext uri="{FF2B5EF4-FFF2-40B4-BE49-F238E27FC236}">
-                <a16:creationId xmlns:a16="http://schemas.microsoft.com/office/drawing/2014/main" id="{34608C34-4E24-4F2E-84CD-A2E3A900C85E}"/>
-              </a:ext>
-            </a:extLst>
-          </p:cNvPr>
-          <p:cNvCxnSpPr>
-            <a:cxnSpLocks/>
-          </p:cNvCxnSpPr>
-          <p:nvPr/>
-        </p:nvCxnSpPr>
-        <p:spPr>
-          <a:xfrm flipH="1" flipV="1">
-            <a:off x="3476806" y="3381763"/>
-            <a:ext cx="301136" cy="762152"/>
-          </a:xfrm>
-          <a:prstGeom prst="straightConnector1">
-            <a:avLst/>
-          </a:prstGeom>
-          <a:ln w="38100">
-            <a:solidFill>
-              <a:srgbClr val="FF0000"/>
-            </a:solidFill>
-            <a:tailEnd type="triangle"/>
-          </a:ln>
-        </p:spPr>
-        <p:style>
-          <a:lnRef idx="1">
-            <a:schemeClr val="accent1"/>
-          </a:lnRef>
-          <a:fillRef idx="0">
-            <a:schemeClr val="accent1"/>
-          </a:fillRef>
-          <a:effectRef idx="0">
-            <a:schemeClr val="accent1"/>
-          </a:effectRef>
-          <a:fontRef idx="minor">
-            <a:schemeClr val="tx1"/>
-          </a:fontRef>
-        </p:style>
-      </p:cxnSp>
-      <p:cxnSp>
-        <p:nvCxnSpPr>
-          <p:cNvPr id="87" name="직선 화살표 연결선 86">
-            <a:extLst>
-              <a:ext uri="{FF2B5EF4-FFF2-40B4-BE49-F238E27FC236}">
-                <a16:creationId xmlns:a16="http://schemas.microsoft.com/office/drawing/2014/main" id="{6297318D-5CE6-4624-84EB-2B552754D3ED}"/>
-              </a:ext>
-            </a:extLst>
-          </p:cNvPr>
-          <p:cNvCxnSpPr>
-            <a:cxnSpLocks/>
-          </p:cNvCxnSpPr>
-          <p:nvPr/>
-        </p:nvCxnSpPr>
-        <p:spPr>
-          <a:xfrm flipV="1">
-            <a:off x="1070904" y="3460687"/>
-            <a:ext cx="249151" cy="690739"/>
-          </a:xfrm>
-          <a:prstGeom prst="straightConnector1">
-            <a:avLst/>
-          </a:prstGeom>
-          <a:ln w="38100">
-            <a:solidFill>
-              <a:srgbClr val="FF0000"/>
-            </a:solidFill>
-            <a:tailEnd type="triangle"/>
-          </a:ln>
-        </p:spPr>
-        <p:style>
-          <a:lnRef idx="1">
-            <a:schemeClr val="accent1"/>
-          </a:lnRef>
-          <a:fillRef idx="0">
-            <a:schemeClr val="accent1"/>
-          </a:fillRef>
-          <a:effectRef idx="0">
-            <a:schemeClr val="accent1"/>
-          </a:effectRef>
-          <a:fontRef idx="minor">
-            <a:schemeClr val="tx1"/>
-          </a:fontRef>
-        </p:style>
-      </p:cxnSp>
-    </p:spTree>
-    <p:extLst>
-      <p:ext uri="{BB962C8B-B14F-4D97-AF65-F5344CB8AC3E}">
-        <p14:creationId xmlns:p14="http://schemas.microsoft.com/office/powerpoint/2010/main" val="2294748941"/>
-      </p:ext>
-    </p:extLst>
-  </p:cSld>
-  <p:clrMapOvr>
-    <a:masterClrMapping/>
-  </p:clrMapOvr>
-</p:sld>
-</file>
-
-<file path=ppt/slides/slide12.xml><?xml version="1.0" encoding="utf-8"?>
-<p:sld xmlns:a="http://schemas.openxmlformats.org/drawingml/2006/main" xmlns:r="http://schemas.openxmlformats.org/officeDocument/2006/relationships" xmlns:p="http://schemas.openxmlformats.org/presentationml/2006/main">
-  <p:cSld>
-    <p:spTree>
-      <p:nvGrpSpPr>
-        <p:cNvPr id="1" name=""/>
-        <p:cNvGrpSpPr/>
-        <p:nvPr/>
-      </p:nvGrpSpPr>
-      <p:grpSpPr>
-        <a:xfrm>
-          <a:off x="0" y="0"/>
-          <a:ext cx="0" cy="0"/>
-          <a:chOff x="0" y="0"/>
-          <a:chExt cx="0" cy="0"/>
-        </a:xfrm>
-      </p:grpSpPr>
-      <p:sp>
-        <p:nvSpPr>
-          <p:cNvPr id="4" name="TextBox 3">
-            <a:extLst>
-              <a:ext uri="{FF2B5EF4-FFF2-40B4-BE49-F238E27FC236}">
-                <a16:creationId xmlns:a16="http://schemas.microsoft.com/office/drawing/2014/main" id="{AE0A424D-F847-4EDA-8C0D-89C5A9331C2A}"/>
-              </a:ext>
-            </a:extLst>
-          </p:cNvPr>
-          <p:cNvSpPr txBox="1"/>
-          <p:nvPr/>
-        </p:nvSpPr>
-        <p:spPr>
-          <a:xfrm>
-            <a:off x="323528" y="980728"/>
-            <a:ext cx="2656496" cy="646331"/>
-          </a:xfrm>
-          <a:prstGeom prst="rect">
-            <a:avLst/>
-          </a:prstGeom>
-          <a:noFill/>
-        </p:spPr>
-        <p:txBody>
-          <a:bodyPr wrap="none" rtlCol="0">
-            <a:spAutoFit/>
-          </a:bodyPr>
-          <a:lstStyle/>
-          <a:p>
-            <a:r>
-              <a:rPr lang="ko-KR" altLang="en-US" sz="2000" dirty="0">
-                <a:latin typeface="맑은 고딕"/>
-                <a:ea typeface="맑은 고딕"/>
-              </a:rPr>
-              <a:t>▣ </a:t>
-            </a:r>
-            <a:r>
-              <a:rPr lang="en-US" altLang="ko-KR" sz="2000" dirty="0">
-                <a:latin typeface="HY견고딕" panose="02030600000101010101" pitchFamily="18" charset="-127"/>
-                <a:ea typeface="HY견고딕" panose="02030600000101010101" pitchFamily="18" charset="-127"/>
-              </a:rPr>
-              <a:t>3</a:t>
-            </a:r>
-            <a:r>
-              <a:rPr lang="ko-KR" altLang="en-US" sz="2000" dirty="0">
-                <a:latin typeface="HY견고딕" panose="02030600000101010101" pitchFamily="18" charset="-127"/>
-                <a:ea typeface="HY견고딕" panose="02030600000101010101" pitchFamily="18" charset="-127"/>
-              </a:rPr>
-              <a:t>자유도 회전 허용</a:t>
-            </a:r>
-            <a:endParaRPr lang="en-US" altLang="ko-KR" sz="2000" dirty="0">
-              <a:latin typeface="HY견고딕" panose="02030600000101010101" pitchFamily="18" charset="-127"/>
-              <a:ea typeface="HY견고딕" panose="02030600000101010101" pitchFamily="18" charset="-127"/>
-            </a:endParaRPr>
-          </a:p>
-          <a:p>
-            <a:r>
-              <a:rPr lang="en-US" altLang="ko-KR" sz="1600" dirty="0">
-                <a:latin typeface="HY견고딕" panose="02030600000101010101" pitchFamily="18" charset="-127"/>
-                <a:ea typeface="HY견고딕" panose="02030600000101010101" pitchFamily="18" charset="-127"/>
-              </a:rPr>
-              <a:t>(Roll – Pitch – Yaw)</a:t>
-            </a:r>
-            <a:endParaRPr lang="en-US" altLang="ko-KR" sz="2000" dirty="0">
-              <a:latin typeface="HY견고딕" panose="02030600000101010101" pitchFamily="18" charset="-127"/>
-              <a:ea typeface="HY견고딕" panose="02030600000101010101" pitchFamily="18" charset="-127"/>
-            </a:endParaRPr>
-          </a:p>
-        </p:txBody>
-      </p:sp>
-      <p:grpSp>
-        <p:nvGrpSpPr>
-          <p:cNvPr id="20" name="그룹 19">
-            <a:extLst>
-              <a:ext uri="{FF2B5EF4-FFF2-40B4-BE49-F238E27FC236}">
-                <a16:creationId xmlns:a16="http://schemas.microsoft.com/office/drawing/2014/main" id="{DACAA177-17DB-4A1B-B7B6-0349D02E54EF}"/>
-              </a:ext>
-            </a:extLst>
-          </p:cNvPr>
-          <p:cNvGrpSpPr/>
-          <p:nvPr/>
-        </p:nvGrpSpPr>
-        <p:grpSpPr>
-          <a:xfrm>
-            <a:off x="323528" y="1710194"/>
-            <a:ext cx="4761685" cy="3960440"/>
-            <a:chOff x="539552" y="1916832"/>
-            <a:chExt cx="4761685" cy="3960440"/>
-          </a:xfrm>
-        </p:grpSpPr>
-        <p:pic>
-          <p:nvPicPr>
-            <p:cNvPr id="3" name="그림 2">
-              <a:extLst>
-                <a:ext uri="{FF2B5EF4-FFF2-40B4-BE49-F238E27FC236}">
-                  <a16:creationId xmlns:a16="http://schemas.microsoft.com/office/drawing/2014/main" id="{AF3E2F38-7AAC-46FF-A1B7-9C0F78837C2D}"/>
-                </a:ext>
-              </a:extLst>
-            </p:cNvPr>
-            <p:cNvPicPr>
-              <a:picLocks noChangeAspect="1"/>
-            </p:cNvPicPr>
-            <p:nvPr/>
-          </p:nvPicPr>
-          <p:blipFill>
-            <a:blip r:embed="rId2">
-              <a:extLst>
-                <a:ext uri="{28A0092B-C50C-407E-A947-70E740481C1C}">
-                  <a14:useLocalDpi xmlns:a14="http://schemas.microsoft.com/office/drawing/2010/main" val="0"/>
-                </a:ext>
-              </a:extLst>
-            </a:blip>
-            <a:stretch>
-              <a:fillRect/>
-            </a:stretch>
-          </p:blipFill>
-          <p:spPr>
-            <a:xfrm>
-              <a:off x="539552" y="1916832"/>
-              <a:ext cx="4761685" cy="3960440"/>
-            </a:xfrm>
-            <a:prstGeom prst="rect">
-              <a:avLst/>
-            </a:prstGeom>
-          </p:spPr>
-        </p:pic>
-        <p:cxnSp>
-          <p:nvCxnSpPr>
-            <p:cNvPr id="6" name="직선 화살표 연결선 5">
-              <a:extLst>
-                <a:ext uri="{FF2B5EF4-FFF2-40B4-BE49-F238E27FC236}">
-                  <a16:creationId xmlns:a16="http://schemas.microsoft.com/office/drawing/2014/main" id="{711069D1-D2C8-4046-B477-36C930D26F8C}"/>
-                </a:ext>
-              </a:extLst>
-            </p:cNvPr>
-            <p:cNvCxnSpPr>
-              <a:cxnSpLocks/>
-            </p:cNvCxnSpPr>
-            <p:nvPr/>
-          </p:nvCxnSpPr>
-          <p:spPr>
-            <a:xfrm flipH="1" flipV="1">
-              <a:off x="2195738" y="5090259"/>
-              <a:ext cx="644368" cy="3524"/>
-            </a:xfrm>
-            <a:prstGeom prst="straightConnector1">
-              <a:avLst/>
-            </a:prstGeom>
-            <a:ln w="38100">
-              <a:solidFill>
-                <a:srgbClr val="FF0000"/>
-              </a:solidFill>
-              <a:tailEnd type="triangle"/>
-            </a:ln>
-          </p:spPr>
-          <p:style>
-            <a:lnRef idx="1">
-              <a:schemeClr val="accent1"/>
-            </a:lnRef>
-            <a:fillRef idx="0">
-              <a:schemeClr val="accent1"/>
-            </a:fillRef>
-            <a:effectRef idx="0">
-              <a:schemeClr val="accent1"/>
-            </a:effectRef>
-            <a:fontRef idx="minor">
-              <a:schemeClr val="tx1"/>
-            </a:fontRef>
-          </p:style>
-        </p:cxnSp>
-        <p:cxnSp>
-          <p:nvCxnSpPr>
-            <p:cNvPr id="10" name="직선 화살표 연결선 9">
-              <a:extLst>
-                <a:ext uri="{FF2B5EF4-FFF2-40B4-BE49-F238E27FC236}">
-                  <a16:creationId xmlns:a16="http://schemas.microsoft.com/office/drawing/2014/main" id="{581089E4-82F9-41F0-8722-159EFAB78E56}"/>
-                </a:ext>
-              </a:extLst>
-            </p:cNvPr>
-            <p:cNvCxnSpPr>
-              <a:cxnSpLocks/>
-            </p:cNvCxnSpPr>
-            <p:nvPr/>
-          </p:nvCxnSpPr>
-          <p:spPr>
-            <a:xfrm flipH="1">
-              <a:off x="2339752" y="2636912"/>
-              <a:ext cx="580642" cy="72008"/>
-            </a:xfrm>
-            <a:prstGeom prst="straightConnector1">
-              <a:avLst/>
-            </a:prstGeom>
-            <a:ln w="38100">
-              <a:solidFill>
-                <a:srgbClr val="FF0000"/>
-              </a:solidFill>
-              <a:tailEnd type="triangle"/>
-            </a:ln>
-          </p:spPr>
-          <p:style>
-            <a:lnRef idx="1">
-              <a:schemeClr val="accent1"/>
-            </a:lnRef>
-            <a:fillRef idx="0">
-              <a:schemeClr val="accent1"/>
-            </a:fillRef>
-            <a:effectRef idx="0">
-              <a:schemeClr val="accent1"/>
-            </a:effectRef>
-            <a:fontRef idx="minor">
-              <a:schemeClr val="tx1"/>
-            </a:fontRef>
-          </p:style>
-        </p:cxnSp>
-        <p:cxnSp>
-          <p:nvCxnSpPr>
-            <p:cNvPr id="13" name="직선 화살표 연결선 12">
-              <a:extLst>
-                <a:ext uri="{FF2B5EF4-FFF2-40B4-BE49-F238E27FC236}">
-                  <a16:creationId xmlns:a16="http://schemas.microsoft.com/office/drawing/2014/main" id="{64CF0BC2-4FB8-4DAB-A5C1-0EA44ED9867D}"/>
-                </a:ext>
-              </a:extLst>
-            </p:cNvPr>
-            <p:cNvCxnSpPr>
-              <a:cxnSpLocks/>
-            </p:cNvCxnSpPr>
-            <p:nvPr/>
-          </p:nvCxnSpPr>
-          <p:spPr>
-            <a:xfrm flipV="1">
-              <a:off x="2195736" y="2671084"/>
-              <a:ext cx="724658" cy="2389238"/>
-            </a:xfrm>
-            <a:prstGeom prst="straightConnector1">
-              <a:avLst/>
-            </a:prstGeom>
-            <a:ln w="38100">
-              <a:solidFill>
-                <a:srgbClr val="FF0000"/>
-              </a:solidFill>
-              <a:tailEnd type="triangle"/>
-            </a:ln>
-          </p:spPr>
-          <p:style>
-            <a:lnRef idx="1">
-              <a:schemeClr val="accent1"/>
-            </a:lnRef>
-            <a:fillRef idx="0">
-              <a:schemeClr val="accent1"/>
-            </a:fillRef>
-            <a:effectRef idx="0">
-              <a:schemeClr val="accent1"/>
-            </a:effectRef>
-            <a:fontRef idx="minor">
-              <a:schemeClr val="tx1"/>
-            </a:fontRef>
-          </p:style>
-        </p:cxnSp>
-        <p:cxnSp>
-          <p:nvCxnSpPr>
-            <p:cNvPr id="16" name="직선 화살표 연결선 15">
-              <a:extLst>
-                <a:ext uri="{FF2B5EF4-FFF2-40B4-BE49-F238E27FC236}">
-                  <a16:creationId xmlns:a16="http://schemas.microsoft.com/office/drawing/2014/main" id="{4A61041A-D6F0-4681-925E-ADD23B474ED7}"/>
-                </a:ext>
-              </a:extLst>
-            </p:cNvPr>
-            <p:cNvCxnSpPr>
-              <a:cxnSpLocks/>
-            </p:cNvCxnSpPr>
-            <p:nvPr/>
-          </p:nvCxnSpPr>
-          <p:spPr>
-            <a:xfrm flipV="1">
-              <a:off x="2037696" y="2775580"/>
-              <a:ext cx="216024" cy="2156048"/>
-            </a:xfrm>
-            <a:prstGeom prst="straightConnector1">
-              <a:avLst/>
-            </a:prstGeom>
-            <a:ln w="38100">
-              <a:solidFill>
-                <a:srgbClr val="FF0000"/>
-              </a:solidFill>
-              <a:tailEnd type="triangle"/>
-            </a:ln>
-          </p:spPr>
-          <p:style>
-            <a:lnRef idx="1">
-              <a:schemeClr val="accent1"/>
-            </a:lnRef>
-            <a:fillRef idx="0">
-              <a:schemeClr val="accent1"/>
-            </a:fillRef>
-            <a:effectRef idx="0">
-              <a:schemeClr val="accent1"/>
-            </a:effectRef>
-            <a:fontRef idx="minor">
-              <a:schemeClr val="tx1"/>
-            </a:fontRef>
-          </p:style>
-        </p:cxnSp>
-      </p:grpSp>
-      <p:sp>
-        <p:nvSpPr>
-          <p:cNvPr id="19" name="TextBox 18">
-            <a:extLst>
-              <a:ext uri="{FF2B5EF4-FFF2-40B4-BE49-F238E27FC236}">
-                <a16:creationId xmlns:a16="http://schemas.microsoft.com/office/drawing/2014/main" id="{4CDB503E-A893-49DD-827A-561514B645B3}"/>
-              </a:ext>
-            </a:extLst>
-          </p:cNvPr>
-          <p:cNvSpPr txBox="1"/>
-          <p:nvPr/>
-        </p:nvSpPr>
-        <p:spPr>
-          <a:xfrm>
-            <a:off x="5119306" y="1772816"/>
-            <a:ext cx="3986916" cy="1384995"/>
-          </a:xfrm>
-          <a:prstGeom prst="rect">
-            <a:avLst/>
-          </a:prstGeom>
-          <a:noFill/>
-        </p:spPr>
-        <p:txBody>
-          <a:bodyPr wrap="square" rtlCol="0">
-            <a:spAutoFit/>
-          </a:bodyPr>
-          <a:lstStyle/>
-          <a:p>
-            <a:r>
-              <a:rPr lang="ko-KR" altLang="en-US" b="1" dirty="0" err="1">
-                <a:latin typeface="맑은 고딕" panose="020B0503020000020004" pitchFamily="50" charset="-127"/>
-                <a:ea typeface="맑은 고딕" panose="020B0503020000020004" pitchFamily="50" charset="-127"/>
-              </a:rPr>
-              <a:t>기구학</a:t>
-            </a:r>
-            <a:r>
-              <a:rPr lang="ko-KR" altLang="en-US" b="1" dirty="0">
-                <a:latin typeface="맑은 고딕" panose="020B0503020000020004" pitchFamily="50" charset="-127"/>
-                <a:ea typeface="맑은 고딕" panose="020B0503020000020004" pitchFamily="50" charset="-127"/>
-              </a:rPr>
-              <a:t> 계산 </a:t>
-            </a:r>
-            <a:endParaRPr lang="en-US" altLang="ko-KR" b="1" dirty="0">
-              <a:latin typeface="맑은 고딕" panose="020B0503020000020004" pitchFamily="50" charset="-127"/>
-              <a:ea typeface="맑은 고딕" panose="020B0503020000020004" pitchFamily="50" charset="-127"/>
-            </a:endParaRPr>
-          </a:p>
-          <a:p>
-            <a:r>
-              <a:rPr lang="en-US" altLang="ko-KR" dirty="0">
-                <a:latin typeface="맑은 고딕" panose="020B0503020000020004" pitchFamily="50" charset="-127"/>
-                <a:ea typeface="맑은 고딕" panose="020B0503020000020004" pitchFamily="50" charset="-127"/>
-              </a:rPr>
-              <a:t>(</a:t>
-            </a:r>
-            <a:r>
-              <a:rPr lang="ko-KR" altLang="en-US" dirty="0">
-                <a:latin typeface="맑은 고딕" panose="020B0503020000020004" pitchFamily="50" charset="-127"/>
-                <a:ea typeface="맑은 고딕" panose="020B0503020000020004" pitchFamily="50" charset="-127"/>
-              </a:rPr>
-              <a:t>이전 계산과 동일</a:t>
-            </a:r>
-            <a:r>
-              <a:rPr lang="en-US" altLang="ko-KR" dirty="0">
-                <a:latin typeface="맑은 고딕" panose="020B0503020000020004" pitchFamily="50" charset="-127"/>
-                <a:ea typeface="맑은 고딕" panose="020B0503020000020004" pitchFamily="50" charset="-127"/>
-              </a:rPr>
-              <a:t>)</a:t>
-            </a:r>
-          </a:p>
-          <a:p>
-            <a:endParaRPr lang="en-US" altLang="ko-KR" sz="1600" dirty="0">
-              <a:latin typeface="맑은 고딕" panose="020B0503020000020004" pitchFamily="50" charset="-127"/>
-              <a:ea typeface="맑은 고딕" panose="020B0503020000020004" pitchFamily="50" charset="-127"/>
-            </a:endParaRPr>
-          </a:p>
-          <a:p>
-            <a:pPr marL="285750" indent="-285750">
-              <a:buFontTx/>
-              <a:buChar char="-"/>
-            </a:pPr>
-            <a:r>
-              <a:rPr lang="ko-KR" altLang="en-US" sz="1600" dirty="0">
-                <a:latin typeface="맑은 고딕" panose="020B0503020000020004" pitchFamily="50" charset="-127"/>
-                <a:ea typeface="맑은 고딕" panose="020B0503020000020004" pitchFamily="50" charset="-127"/>
-              </a:rPr>
-              <a:t>이전 계산과 동일한 </a:t>
-            </a:r>
-            <a:r>
-              <a:rPr lang="ko-KR" altLang="en-US" sz="1600" dirty="0" err="1">
-                <a:latin typeface="맑은 고딕" panose="020B0503020000020004" pitchFamily="50" charset="-127"/>
-                <a:ea typeface="맑은 고딕" panose="020B0503020000020004" pitchFamily="50" charset="-127"/>
-              </a:rPr>
-              <a:t>기구학식으로</a:t>
-            </a:r>
-            <a:endParaRPr lang="en-US" altLang="ko-KR" sz="1600" dirty="0">
-              <a:latin typeface="맑은 고딕" panose="020B0503020000020004" pitchFamily="50" charset="-127"/>
-              <a:ea typeface="맑은 고딕" panose="020B0503020000020004" pitchFamily="50" charset="-127"/>
-            </a:endParaRPr>
-          </a:p>
-          <a:p>
-            <a:r>
-              <a:rPr lang="en-US" altLang="ko-KR" sz="1600" dirty="0">
-                <a:latin typeface="맑은 고딕" panose="020B0503020000020004" pitchFamily="50" charset="-127"/>
-                <a:ea typeface="맑은 고딕" panose="020B0503020000020004" pitchFamily="50" charset="-127"/>
-              </a:rPr>
-              <a:t>	L1 ~ L3 </a:t>
-            </a:r>
-            <a:r>
-              <a:rPr lang="ko-KR" altLang="en-US" sz="1600" dirty="0">
-                <a:latin typeface="맑은 고딕" panose="020B0503020000020004" pitchFamily="50" charset="-127"/>
-                <a:ea typeface="맑은 고딕" panose="020B0503020000020004" pitchFamily="50" charset="-127"/>
-              </a:rPr>
-              <a:t>계산 가능</a:t>
-            </a:r>
-            <a:endParaRPr lang="en-US" altLang="ko-KR" sz="1600" dirty="0">
-              <a:latin typeface="맑은 고딕" panose="020B0503020000020004" pitchFamily="50" charset="-127"/>
-              <a:ea typeface="맑은 고딕" panose="020B0503020000020004" pitchFamily="50" charset="-127"/>
-            </a:endParaRPr>
-          </a:p>
-        </p:txBody>
-      </p:sp>
-      <p:sp>
-        <p:nvSpPr>
-          <p:cNvPr id="21" name="TextBox 20">
-            <a:extLst>
-              <a:ext uri="{FF2B5EF4-FFF2-40B4-BE49-F238E27FC236}">
-                <a16:creationId xmlns:a16="http://schemas.microsoft.com/office/drawing/2014/main" id="{B2C7BE40-AEB3-4532-8109-C9FCA612C004}"/>
-              </a:ext>
-            </a:extLst>
-          </p:cNvPr>
-          <p:cNvSpPr txBox="1"/>
-          <p:nvPr/>
-        </p:nvSpPr>
-        <p:spPr>
-          <a:xfrm>
-            <a:off x="323528" y="169476"/>
-            <a:ext cx="8640960" cy="523220"/>
-          </a:xfrm>
-          <a:prstGeom prst="rect">
-            <a:avLst/>
-          </a:prstGeom>
-          <a:noFill/>
-        </p:spPr>
-        <p:txBody>
-          <a:bodyPr wrap="square" rtlCol="0">
-            <a:spAutoFit/>
-          </a:bodyPr>
-          <a:lstStyle/>
-          <a:p>
-            <a:pPr latinLnBrk="0"/>
-            <a:r>
-              <a:rPr lang="en-US" altLang="ko-KR" sz="2800" b="1" kern="0" dirty="0">
-                <a:ln>
-                  <a:solidFill>
-                    <a:prstClr val="white">
-                      <a:alpha val="0"/>
-                    </a:prstClr>
-                  </a:solidFill>
-                </a:ln>
-                <a:solidFill>
-                  <a:srgbClr val="1F497D">
-                    <a:lumMod val="50000"/>
-                  </a:srgbClr>
-                </a:solidFill>
-                <a:latin typeface="HY견고딕" pitchFamily="18" charset="-127"/>
-                <a:ea typeface="HY견고딕" pitchFamily="18" charset="-127"/>
-                <a:cs typeface="Arial" panose="020B0604020202020204" pitchFamily="34" charset="0"/>
-              </a:rPr>
-              <a:t>3. 3</a:t>
-            </a:r>
-            <a:r>
-              <a:rPr lang="ko-KR" altLang="en-US" sz="2800" b="1" kern="0" dirty="0">
-                <a:ln>
-                  <a:solidFill>
-                    <a:prstClr val="white">
-                      <a:alpha val="0"/>
-                    </a:prstClr>
-                  </a:solidFill>
-                </a:ln>
-                <a:solidFill>
-                  <a:srgbClr val="1F497D">
-                    <a:lumMod val="50000"/>
-                  </a:srgbClr>
-                </a:solidFill>
-                <a:latin typeface="HY견고딕" pitchFamily="18" charset="-127"/>
-                <a:ea typeface="HY견고딕" pitchFamily="18" charset="-127"/>
-                <a:cs typeface="Arial" panose="020B0604020202020204" pitchFamily="34" charset="0"/>
-              </a:rPr>
-              <a:t>자유도 제어</a:t>
-            </a:r>
-            <a:endParaRPr lang="ko-KR" altLang="en-US" sz="2800" b="1" kern="0" spc="-150" dirty="0">
-              <a:gradFill>
-                <a:gsLst>
-                  <a:gs pos="100000">
-                    <a:schemeClr val="tx2">
-                      <a:lumMod val="75000"/>
-                    </a:schemeClr>
-                  </a:gs>
-                  <a:gs pos="100000">
-                    <a:prstClr val="black">
-                      <a:lumMod val="85000"/>
-                      <a:lumOff val="15000"/>
-                    </a:prstClr>
-                  </a:gs>
-                </a:gsLst>
-                <a:lin ang="5400000" scaled="1"/>
-              </a:gradFill>
-              <a:latin typeface="-윤고딕330" panose="02030504000101010101" pitchFamily="18" charset="-127"/>
-              <a:ea typeface="-윤고딕330" panose="02030504000101010101" pitchFamily="18" charset="-127"/>
-              <a:cs typeface="Arial" panose="020B0604020202020204" pitchFamily="34" charset="0"/>
-            </a:endParaRPr>
-          </a:p>
-        </p:txBody>
-      </p:sp>
-      <mc:AlternateContent xmlns:mc="http://schemas.openxmlformats.org/markup-compatibility/2006" xmlns:a14="http://schemas.microsoft.com/office/drawing/2010/main">
-        <mc:Choice Requires="a14">
-          <p:sp>
-            <p:nvSpPr>
-              <p:cNvPr id="22" name="TextBox 21">
-                <a:extLst>
-                  <a:ext uri="{FF2B5EF4-FFF2-40B4-BE49-F238E27FC236}">
-                    <a16:creationId xmlns:a16="http://schemas.microsoft.com/office/drawing/2014/main" id="{9256729B-70D1-460B-8551-62E7211315BA}"/>
-                  </a:ext>
-                </a:extLst>
-              </p:cNvPr>
-              <p:cNvSpPr txBox="1"/>
-              <p:nvPr/>
-            </p:nvSpPr>
-            <p:spPr>
-              <a:xfrm>
-                <a:off x="1526628" y="4634587"/>
-                <a:ext cx="216024" cy="374526"/>
-              </a:xfrm>
-              <a:prstGeom prst="rect">
-                <a:avLst/>
-              </a:prstGeom>
-              <a:noFill/>
-            </p:spPr>
-            <p:txBody>
-              <a:bodyPr wrap="square" rtlCol="0">
-                <a:spAutoFit/>
-              </a:bodyPr>
-              <a:lstStyle/>
-              <a:p>
-                <a:pPr/>
-                <a14:m>
-                  <m:oMathPara xmlns:m="http://schemas.openxmlformats.org/officeDocument/2006/math">
-                    <m:oMathParaPr>
-                      <m:jc m:val="centerGroup"/>
-                    </m:oMathParaPr>
-                    <m:oMath xmlns:m="http://schemas.openxmlformats.org/officeDocument/2006/math">
-                      <m:sSub>
-                        <m:sSubPr>
-                          <m:ctrlPr>
-                            <a:rPr lang="en-US" altLang="ko-KR" i="1" smtClean="0">
-                              <a:latin typeface="Cambria Math" panose="02040503050406030204" pitchFamily="18" charset="0"/>
-                            </a:rPr>
-                          </m:ctrlPr>
-                        </m:sSubPr>
-                        <m:e>
-                          <m:r>
-                            <a:rPr lang="en-US" altLang="ko-KR" b="0" i="1" smtClean="0">
-                              <a:latin typeface="Cambria Math" panose="02040503050406030204" pitchFamily="18" charset="0"/>
-                            </a:rPr>
-                            <m:t>𝑏</m:t>
-                          </m:r>
-                        </m:e>
-                        <m:sub>
-                          <m:r>
-                            <a:rPr lang="en-US" altLang="ko-KR" b="0" i="1" smtClean="0">
-                              <a:latin typeface="Cambria Math" panose="02040503050406030204" pitchFamily="18" charset="0"/>
-                            </a:rPr>
-                            <m:t>𝑖</m:t>
-                          </m:r>
-                        </m:sub>
-                      </m:sSub>
-                    </m:oMath>
-                  </m:oMathPara>
-                </a14:m>
-                <a:endParaRPr lang="ko-KR" altLang="en-US" dirty="0"/>
-              </a:p>
-            </p:txBody>
-          </p:sp>
-        </mc:Choice>
-        <mc:Fallback xmlns="">
-          <p:sp>
-            <p:nvSpPr>
-              <p:cNvPr id="22" name="TextBox 21">
-                <a:extLst>
-                  <a:ext uri="{FF2B5EF4-FFF2-40B4-BE49-F238E27FC236}">
-                    <a16:creationId xmlns:a16="http://schemas.microsoft.com/office/drawing/2014/main" id="{9256729B-70D1-460B-8551-62E7211315BA}"/>
-                  </a:ext>
-                </a:extLst>
-              </p:cNvPr>
-              <p:cNvSpPr txBox="1">
-                <a:spLocks noRot="1" noChangeAspect="1" noMove="1" noResize="1" noEditPoints="1" noAdjustHandles="1" noChangeArrowheads="1" noChangeShapeType="1" noTextEdit="1"/>
-              </p:cNvSpPr>
-              <p:nvPr/>
-            </p:nvSpPr>
-            <p:spPr>
-              <a:xfrm>
-                <a:off x="1526628" y="4634587"/>
-                <a:ext cx="216024" cy="374526"/>
-              </a:xfrm>
-              <a:prstGeom prst="rect">
-                <a:avLst/>
-              </a:prstGeom>
-              <a:blipFill>
-                <a:blip r:embed="rId3"/>
-                <a:stretch>
-                  <a:fillRect r="-52778"/>
-                </a:stretch>
-              </a:blipFill>
-            </p:spPr>
-            <p:txBody>
-              <a:bodyPr/>
-              <a:lstStyle/>
-              <a:p>
-                <a:r>
-                  <a:rPr lang="ko-KR" altLang="en-US">
-                    <a:noFill/>
-                  </a:rPr>
-                  <a:t> </a:t>
-                </a:r>
-              </a:p>
-            </p:txBody>
-          </p:sp>
-        </mc:Fallback>
-      </mc:AlternateContent>
-      <mc:AlternateContent xmlns:mc="http://schemas.openxmlformats.org/markup-compatibility/2006" xmlns:a14="http://schemas.microsoft.com/office/drawing/2010/main">
-        <mc:Choice Requires="a14">
-          <p:sp>
-            <p:nvSpPr>
-              <p:cNvPr id="23" name="TextBox 22">
-                <a:extLst>
-                  <a:ext uri="{FF2B5EF4-FFF2-40B4-BE49-F238E27FC236}">
-                    <a16:creationId xmlns:a16="http://schemas.microsoft.com/office/drawing/2014/main" id="{036C7D75-6F3F-45DD-9133-D1187B0ABC0F}"/>
-                  </a:ext>
-                </a:extLst>
-              </p:cNvPr>
-              <p:cNvSpPr txBox="1"/>
-              <p:nvPr/>
-            </p:nvSpPr>
-            <p:spPr>
-              <a:xfrm>
-                <a:off x="1799692" y="2203956"/>
-                <a:ext cx="216024" cy="374526"/>
-              </a:xfrm>
-              <a:prstGeom prst="rect">
-                <a:avLst/>
-              </a:prstGeom>
-              <a:noFill/>
-            </p:spPr>
-            <p:txBody>
-              <a:bodyPr wrap="square" rtlCol="0">
-                <a:spAutoFit/>
-              </a:bodyPr>
-              <a:lstStyle/>
-              <a:p>
-                <a:pPr/>
-                <a14:m>
-                  <m:oMathPara xmlns:m="http://schemas.openxmlformats.org/officeDocument/2006/math">
-                    <m:oMathParaPr>
-                      <m:jc m:val="centerGroup"/>
-                    </m:oMathParaPr>
-                    <m:oMath xmlns:m="http://schemas.openxmlformats.org/officeDocument/2006/math">
-                      <m:sSub>
-                        <m:sSubPr>
-                          <m:ctrlPr>
-                            <a:rPr lang="en-US" altLang="ko-KR" i="1" smtClean="0">
-                              <a:latin typeface="Cambria Math" panose="02040503050406030204" pitchFamily="18" charset="0"/>
-                            </a:rPr>
-                          </m:ctrlPr>
-                        </m:sSubPr>
-                        <m:e>
-                          <m:r>
-                            <a:rPr lang="en-US" altLang="ko-KR" b="0" i="1" smtClean="0">
-                              <a:latin typeface="Cambria Math" panose="02040503050406030204" pitchFamily="18" charset="0"/>
-                            </a:rPr>
-                            <m:t>𝑝</m:t>
-                          </m:r>
-                        </m:e>
-                        <m:sub>
-                          <m:r>
-                            <a:rPr lang="en-US" altLang="ko-KR" b="0" i="1" smtClean="0">
-                              <a:latin typeface="Cambria Math" panose="02040503050406030204" pitchFamily="18" charset="0"/>
-                            </a:rPr>
-                            <m:t>𝑖</m:t>
-                          </m:r>
-                        </m:sub>
-                      </m:sSub>
-                    </m:oMath>
-                  </m:oMathPara>
-                </a14:m>
-                <a:endParaRPr lang="ko-KR" altLang="en-US" dirty="0"/>
-              </a:p>
-            </p:txBody>
-          </p:sp>
-        </mc:Choice>
-        <mc:Fallback xmlns="">
-          <p:sp>
-            <p:nvSpPr>
-              <p:cNvPr id="23" name="TextBox 22">
-                <a:extLst>
-                  <a:ext uri="{FF2B5EF4-FFF2-40B4-BE49-F238E27FC236}">
-                    <a16:creationId xmlns:a16="http://schemas.microsoft.com/office/drawing/2014/main" id="{036C7D75-6F3F-45DD-9133-D1187B0ABC0F}"/>
-                  </a:ext>
-                </a:extLst>
-              </p:cNvPr>
-              <p:cNvSpPr txBox="1">
-                <a:spLocks noRot="1" noChangeAspect="1" noMove="1" noResize="1" noEditPoints="1" noAdjustHandles="1" noChangeArrowheads="1" noChangeShapeType="1" noTextEdit="1"/>
-              </p:cNvSpPr>
-              <p:nvPr/>
-            </p:nvSpPr>
-            <p:spPr>
-              <a:xfrm>
-                <a:off x="1799692" y="2203956"/>
-                <a:ext cx="216024" cy="374526"/>
-              </a:xfrm>
-              <a:prstGeom prst="rect">
-                <a:avLst/>
-              </a:prstGeom>
-              <a:blipFill>
-                <a:blip r:embed="rId4"/>
-                <a:stretch>
-                  <a:fillRect r="-55556" b="-4918"/>
-                </a:stretch>
-              </a:blipFill>
-            </p:spPr>
-            <p:txBody>
-              <a:bodyPr/>
-              <a:lstStyle/>
-              <a:p>
-                <a:r>
-                  <a:rPr lang="ko-KR" altLang="en-US">
-                    <a:noFill/>
-                  </a:rPr>
-                  <a:t> </a:t>
-                </a:r>
-              </a:p>
-            </p:txBody>
-          </p:sp>
-        </mc:Fallback>
-      </mc:AlternateContent>
-      <mc:AlternateContent xmlns:mc="http://schemas.openxmlformats.org/markup-compatibility/2006" xmlns:a14="http://schemas.microsoft.com/office/drawing/2010/main">
-        <mc:Choice Requires="a14">
-          <p:sp>
-            <p:nvSpPr>
-              <p:cNvPr id="24" name="TextBox 23">
-                <a:extLst>
-                  <a:ext uri="{FF2B5EF4-FFF2-40B4-BE49-F238E27FC236}">
-                    <a16:creationId xmlns:a16="http://schemas.microsoft.com/office/drawing/2014/main" id="{E0ED9CAA-3560-4527-B30D-0EDE6800C377}"/>
-                  </a:ext>
-                </a:extLst>
-              </p:cNvPr>
-              <p:cNvSpPr txBox="1"/>
-              <p:nvPr/>
-            </p:nvSpPr>
-            <p:spPr>
-              <a:xfrm>
-                <a:off x="2485719" y="4520869"/>
-                <a:ext cx="216024" cy="374526"/>
-              </a:xfrm>
-              <a:prstGeom prst="rect">
-                <a:avLst/>
-              </a:prstGeom>
-              <a:noFill/>
-            </p:spPr>
-            <p:txBody>
-              <a:bodyPr wrap="square" rtlCol="0">
-                <a:spAutoFit/>
-              </a:bodyPr>
-              <a:lstStyle/>
-              <a:p>
-                <a:pPr/>
-                <a14:m>
-                  <m:oMathPara xmlns:m="http://schemas.openxmlformats.org/officeDocument/2006/math">
-                    <m:oMathParaPr>
-                      <m:jc m:val="centerGroup"/>
-                    </m:oMathParaPr>
-                    <m:oMath xmlns:m="http://schemas.openxmlformats.org/officeDocument/2006/math">
-                      <m:sSub>
-                        <m:sSubPr>
-                          <m:ctrlPr>
-                            <a:rPr lang="en-US" altLang="ko-KR" i="1" smtClean="0">
-                              <a:latin typeface="Cambria Math" panose="02040503050406030204" pitchFamily="18" charset="0"/>
-                            </a:rPr>
-                          </m:ctrlPr>
-                        </m:sSubPr>
-                        <m:e>
-                          <m:r>
-                            <a:rPr lang="en-US" altLang="ko-KR" b="0" i="1" smtClean="0">
-                              <a:latin typeface="Cambria Math" panose="02040503050406030204" pitchFamily="18" charset="0"/>
-                            </a:rPr>
-                            <m:t>𝑏</m:t>
-                          </m:r>
-                        </m:e>
-                        <m:sub>
-                          <m:r>
-                            <a:rPr lang="en-US" altLang="ko-KR" b="0" i="1" smtClean="0">
-                              <a:latin typeface="Cambria Math" panose="02040503050406030204" pitchFamily="18" charset="0"/>
-                            </a:rPr>
-                            <m:t>𝑜</m:t>
-                          </m:r>
-                        </m:sub>
-                      </m:sSub>
-                    </m:oMath>
-                  </m:oMathPara>
-                </a14:m>
-                <a:endParaRPr lang="ko-KR" altLang="en-US" dirty="0"/>
-              </a:p>
-            </p:txBody>
-          </p:sp>
-        </mc:Choice>
-        <mc:Fallback xmlns="">
-          <p:sp>
-            <p:nvSpPr>
-              <p:cNvPr id="24" name="TextBox 23">
-                <a:extLst>
-                  <a:ext uri="{FF2B5EF4-FFF2-40B4-BE49-F238E27FC236}">
-                    <a16:creationId xmlns:a16="http://schemas.microsoft.com/office/drawing/2014/main" id="{E0ED9CAA-3560-4527-B30D-0EDE6800C377}"/>
-                  </a:ext>
-                </a:extLst>
-              </p:cNvPr>
-              <p:cNvSpPr txBox="1">
-                <a:spLocks noRot="1" noChangeAspect="1" noMove="1" noResize="1" noEditPoints="1" noAdjustHandles="1" noChangeArrowheads="1" noChangeShapeType="1" noTextEdit="1"/>
-              </p:cNvSpPr>
-              <p:nvPr/>
-            </p:nvSpPr>
-            <p:spPr>
-              <a:xfrm>
-                <a:off x="2485719" y="4520869"/>
-                <a:ext cx="216024" cy="374526"/>
-              </a:xfrm>
-              <a:prstGeom prst="rect">
-                <a:avLst/>
-              </a:prstGeom>
-              <a:blipFill>
-                <a:blip r:embed="rId5"/>
-                <a:stretch>
-                  <a:fillRect r="-62857"/>
-                </a:stretch>
-              </a:blipFill>
-            </p:spPr>
-            <p:txBody>
-              <a:bodyPr/>
-              <a:lstStyle/>
-              <a:p>
-                <a:r>
-                  <a:rPr lang="ko-KR" altLang="en-US">
-                    <a:noFill/>
-                  </a:rPr>
-                  <a:t> </a:t>
-                </a:r>
-              </a:p>
-            </p:txBody>
-          </p:sp>
-        </mc:Fallback>
-      </mc:AlternateContent>
-      <mc:AlternateContent xmlns:mc="http://schemas.openxmlformats.org/markup-compatibility/2006" xmlns:a14="http://schemas.microsoft.com/office/drawing/2010/main">
-        <mc:Choice Requires="a14">
-          <p:sp>
-            <p:nvSpPr>
-              <p:cNvPr id="25" name="TextBox 24">
-                <a:extLst>
-                  <a:ext uri="{FF2B5EF4-FFF2-40B4-BE49-F238E27FC236}">
-                    <a16:creationId xmlns:a16="http://schemas.microsoft.com/office/drawing/2014/main" id="{56BD0694-2E94-4474-AAC8-C155FCFAFB47}"/>
-                  </a:ext>
-                </a:extLst>
-              </p:cNvPr>
-              <p:cNvSpPr txBox="1"/>
-              <p:nvPr/>
-            </p:nvSpPr>
-            <p:spPr>
-              <a:xfrm>
-                <a:off x="2519772" y="1953538"/>
-                <a:ext cx="216024" cy="374526"/>
-              </a:xfrm>
-              <a:prstGeom prst="rect">
-                <a:avLst/>
-              </a:prstGeom>
-              <a:noFill/>
-            </p:spPr>
-            <p:txBody>
-              <a:bodyPr wrap="square" rtlCol="0">
-                <a:spAutoFit/>
-              </a:bodyPr>
-              <a:lstStyle/>
-              <a:p>
-                <a:pPr/>
-                <a14:m>
-                  <m:oMathPara xmlns:m="http://schemas.openxmlformats.org/officeDocument/2006/math">
-                    <m:oMathParaPr>
-                      <m:jc m:val="centerGroup"/>
-                    </m:oMathParaPr>
-                    <m:oMath xmlns:m="http://schemas.openxmlformats.org/officeDocument/2006/math">
-                      <m:sSub>
-                        <m:sSubPr>
-                          <m:ctrlPr>
-                            <a:rPr lang="en-US" altLang="ko-KR" i="1" smtClean="0">
-                              <a:latin typeface="Cambria Math" panose="02040503050406030204" pitchFamily="18" charset="0"/>
-                            </a:rPr>
-                          </m:ctrlPr>
-                        </m:sSubPr>
-                        <m:e>
-                          <m:r>
-                            <a:rPr lang="en-US" altLang="ko-KR" b="0" i="1" smtClean="0">
-                              <a:latin typeface="Cambria Math" panose="02040503050406030204" pitchFamily="18" charset="0"/>
-                            </a:rPr>
-                            <m:t>𝑝</m:t>
-                          </m:r>
-                        </m:e>
-                        <m:sub>
-                          <m:r>
-                            <a:rPr lang="en-US" altLang="ko-KR" b="0" i="1" smtClean="0">
-                              <a:latin typeface="Cambria Math" panose="02040503050406030204" pitchFamily="18" charset="0"/>
-                            </a:rPr>
-                            <m:t>𝑜</m:t>
-                          </m:r>
-                        </m:sub>
-                      </m:sSub>
-                    </m:oMath>
-                  </m:oMathPara>
-                </a14:m>
-                <a:endParaRPr lang="ko-KR" altLang="en-US" dirty="0"/>
-              </a:p>
-            </p:txBody>
-          </p:sp>
-        </mc:Choice>
-        <mc:Fallback xmlns="">
-          <p:sp>
-            <p:nvSpPr>
-              <p:cNvPr id="25" name="TextBox 24">
-                <a:extLst>
-                  <a:ext uri="{FF2B5EF4-FFF2-40B4-BE49-F238E27FC236}">
-                    <a16:creationId xmlns:a16="http://schemas.microsoft.com/office/drawing/2014/main" id="{56BD0694-2E94-4474-AAC8-C155FCFAFB47}"/>
-                  </a:ext>
-                </a:extLst>
-              </p:cNvPr>
-              <p:cNvSpPr txBox="1">
-                <a:spLocks noRot="1" noChangeAspect="1" noMove="1" noResize="1" noEditPoints="1" noAdjustHandles="1" noChangeArrowheads="1" noChangeShapeType="1" noTextEdit="1"/>
-              </p:cNvSpPr>
-              <p:nvPr/>
-            </p:nvSpPr>
-            <p:spPr>
-              <a:xfrm>
-                <a:off x="2519772" y="1953538"/>
-                <a:ext cx="216024" cy="374526"/>
-              </a:xfrm>
-              <a:prstGeom prst="rect">
-                <a:avLst/>
-              </a:prstGeom>
-              <a:blipFill>
-                <a:blip r:embed="rId6"/>
-                <a:stretch>
-                  <a:fillRect r="-63889" b="-4839"/>
-                </a:stretch>
-              </a:blipFill>
-            </p:spPr>
-            <p:txBody>
-              <a:bodyPr/>
-              <a:lstStyle/>
-              <a:p>
-                <a:r>
-                  <a:rPr lang="ko-KR" altLang="en-US">
-                    <a:noFill/>
-                  </a:rPr>
-                  <a:t> </a:t>
-                </a:r>
-              </a:p>
-            </p:txBody>
-          </p:sp>
-        </mc:Fallback>
-      </mc:AlternateContent>
-      <mc:AlternateContent xmlns:mc="http://schemas.openxmlformats.org/markup-compatibility/2006" xmlns:a14="http://schemas.microsoft.com/office/drawing/2010/main">
-        <mc:Choice Requires="a14">
-          <p:sp>
-            <p:nvSpPr>
-              <p:cNvPr id="26" name="TextBox 25">
-                <a:extLst>
-                  <a:ext uri="{FF2B5EF4-FFF2-40B4-BE49-F238E27FC236}">
-                    <a16:creationId xmlns:a16="http://schemas.microsoft.com/office/drawing/2014/main" id="{C7149B10-7253-4B09-BAA9-068D02F7CDCA}"/>
-                  </a:ext>
-                </a:extLst>
-              </p:cNvPr>
-              <p:cNvSpPr txBox="1"/>
-              <p:nvPr/>
-            </p:nvSpPr>
-            <p:spPr>
-              <a:xfrm>
-                <a:off x="2519772" y="3646966"/>
-                <a:ext cx="208620" cy="369332"/>
-              </a:xfrm>
-              <a:prstGeom prst="rect">
-                <a:avLst/>
-              </a:prstGeom>
-              <a:noFill/>
-            </p:spPr>
-            <p:txBody>
-              <a:bodyPr wrap="square" rtlCol="0">
-                <a:spAutoFit/>
-              </a:bodyPr>
-              <a:lstStyle/>
-              <a:p>
-                <a:pPr/>
-                <a14:m>
-                  <m:oMathPara xmlns:m="http://schemas.openxmlformats.org/officeDocument/2006/math">
-                    <m:oMathParaPr>
-                      <m:jc m:val="centerGroup"/>
-                    </m:oMathParaPr>
-                    <m:oMath xmlns:m="http://schemas.openxmlformats.org/officeDocument/2006/math">
-                      <m:r>
-                        <a:rPr lang="en-US" altLang="ko-KR" b="0" i="1" smtClean="0">
-                          <a:latin typeface="Cambria Math" panose="02040503050406030204" pitchFamily="18" charset="0"/>
-                        </a:rPr>
-                        <m:t>h</m:t>
-                      </m:r>
-                    </m:oMath>
-                  </m:oMathPara>
-                </a14:m>
-                <a:endParaRPr lang="ko-KR" altLang="en-US" dirty="0"/>
-              </a:p>
-            </p:txBody>
-          </p:sp>
-        </mc:Choice>
-        <mc:Fallback xmlns="">
-          <p:sp>
-            <p:nvSpPr>
-              <p:cNvPr id="26" name="TextBox 25">
-                <a:extLst>
-                  <a:ext uri="{FF2B5EF4-FFF2-40B4-BE49-F238E27FC236}">
-                    <a16:creationId xmlns:a16="http://schemas.microsoft.com/office/drawing/2014/main" id="{C7149B10-7253-4B09-BAA9-068D02F7CDCA}"/>
-                  </a:ext>
-                </a:extLst>
-              </p:cNvPr>
-              <p:cNvSpPr txBox="1">
-                <a:spLocks noRot="1" noChangeAspect="1" noMove="1" noResize="1" noEditPoints="1" noAdjustHandles="1" noChangeArrowheads="1" noChangeShapeType="1" noTextEdit="1"/>
-              </p:cNvSpPr>
-              <p:nvPr/>
-            </p:nvSpPr>
-            <p:spPr>
-              <a:xfrm>
-                <a:off x="2519772" y="3646966"/>
-                <a:ext cx="208620" cy="369332"/>
-              </a:xfrm>
-              <a:prstGeom prst="rect">
-                <a:avLst/>
-              </a:prstGeom>
-              <a:blipFill>
-                <a:blip r:embed="rId7"/>
-                <a:stretch>
-                  <a:fillRect r="-42857"/>
-                </a:stretch>
-              </a:blipFill>
-            </p:spPr>
-            <p:txBody>
-              <a:bodyPr/>
-              <a:lstStyle/>
-              <a:p>
-                <a:r>
-                  <a:rPr lang="ko-KR" altLang="en-US">
-                    <a:noFill/>
-                  </a:rPr>
-                  <a:t> </a:t>
-                </a:r>
-              </a:p>
-            </p:txBody>
-          </p:sp>
-        </mc:Fallback>
-      </mc:AlternateContent>
-      <mc:AlternateContent xmlns:mc="http://schemas.openxmlformats.org/markup-compatibility/2006" xmlns:a14="http://schemas.microsoft.com/office/drawing/2010/main">
-        <mc:Choice Requires="a14">
-          <p:sp>
-            <p:nvSpPr>
-              <p:cNvPr id="27" name="직사각형 26">
-                <a:extLst>
-                  <a:ext uri="{FF2B5EF4-FFF2-40B4-BE49-F238E27FC236}">
-                    <a16:creationId xmlns:a16="http://schemas.microsoft.com/office/drawing/2014/main" id="{0CEB42D9-A762-4DB9-BE1D-9F757AAC8793}"/>
-                  </a:ext>
-                </a:extLst>
-              </p:cNvPr>
-              <p:cNvSpPr/>
-              <p:nvPr/>
-            </p:nvSpPr>
-            <p:spPr>
-              <a:xfrm>
-                <a:off x="5567289" y="3734244"/>
-                <a:ext cx="2782887" cy="1800686"/>
-              </a:xfrm>
-              <a:prstGeom prst="rect">
-                <a:avLst/>
-              </a:prstGeom>
-            </p:spPr>
-            <p:txBody>
-              <a:bodyPr wrap="square">
-                <a:spAutoFit/>
-              </a:bodyPr>
-              <a:lstStyle/>
-              <a:p>
-                <a:pPr/>
-                <a14:m>
-                  <m:oMathPara xmlns:m="http://schemas.openxmlformats.org/officeDocument/2006/math">
-                    <m:oMathParaPr>
-                      <m:jc m:val="centerGroup"/>
-                    </m:oMathParaPr>
-                    <m:oMath xmlns:m="http://schemas.openxmlformats.org/officeDocument/2006/math">
-                      <m:acc>
-                        <m:accPr>
-                          <m:chr m:val="̅"/>
-                          <m:ctrlPr>
-                            <a:rPr lang="ko-KR" altLang="en-US" i="1" smtClean="0">
-                              <a:latin typeface="Cambria Math" panose="02040503050406030204" pitchFamily="18" charset="0"/>
-                            </a:rPr>
-                          </m:ctrlPr>
-                        </m:accPr>
-                        <m:e>
-                          <m:sSub>
-                            <m:sSubPr>
-                              <m:ctrlPr>
-                                <a:rPr lang="en-US" altLang="ko-KR" i="1" smtClean="0">
-                                  <a:latin typeface="Cambria Math" panose="02040503050406030204" pitchFamily="18" charset="0"/>
-                                </a:rPr>
-                              </m:ctrlPr>
-                            </m:sSubPr>
-                            <m:e>
-                              <m:sSub>
-                                <m:sSubPr>
-                                  <m:ctrlPr>
-                                    <a:rPr lang="en-US" altLang="ko-KR" i="1">
-                                      <a:latin typeface="Cambria Math" panose="02040503050406030204" pitchFamily="18" charset="0"/>
-                                    </a:rPr>
-                                  </m:ctrlPr>
-                                </m:sSubPr>
-                                <m:e>
-                                  <m:r>
-                                    <a:rPr lang="en-US" altLang="ko-KR" i="1">
-                                      <a:latin typeface="Cambria Math" panose="02040503050406030204" pitchFamily="18" charset="0"/>
-                                    </a:rPr>
-                                    <m:t>𝑏</m:t>
-                                  </m:r>
-                                </m:e>
-                                <m:sub>
-                                  <m:r>
-                                    <a:rPr lang="en-US" altLang="ko-KR" b="0" i="1" smtClean="0">
-                                      <a:latin typeface="Cambria Math" panose="02040503050406030204" pitchFamily="18" charset="0"/>
-                                    </a:rPr>
-                                    <m:t>𝑜</m:t>
-                                  </m:r>
-                                </m:sub>
-                              </m:sSub>
-                              <m:r>
-                                <a:rPr lang="en-US" altLang="ko-KR" b="0" i="1" smtClean="0">
-                                  <a:latin typeface="Cambria Math" panose="02040503050406030204" pitchFamily="18" charset="0"/>
-                                </a:rPr>
-                                <m:t>𝑝</m:t>
-                              </m:r>
-                            </m:e>
-                            <m:sub>
-                              <m:r>
-                                <a:rPr lang="en-US" altLang="ko-KR" b="0" i="1" smtClean="0">
-                                  <a:latin typeface="Cambria Math" panose="02040503050406030204" pitchFamily="18" charset="0"/>
-                                </a:rPr>
-                                <m:t>𝑜</m:t>
-                              </m:r>
-                            </m:sub>
-                          </m:sSub>
-                        </m:e>
-                      </m:acc>
-                      <m:r>
-                        <a:rPr lang="en-US" altLang="ko-KR" b="0" i="1" smtClean="0">
-                          <a:latin typeface="Cambria Math" panose="02040503050406030204" pitchFamily="18" charset="0"/>
-                        </a:rPr>
-                        <m:t>=</m:t>
-                      </m:r>
-                      <m:sSup>
-                        <m:sSupPr>
-                          <m:ctrlPr>
-                            <a:rPr lang="en-US" altLang="ko-KR" b="0" i="1" smtClean="0">
-                              <a:latin typeface="Cambria Math" panose="02040503050406030204" pitchFamily="18" charset="0"/>
-                            </a:rPr>
-                          </m:ctrlPr>
-                        </m:sSupPr>
-                        <m:e>
-                          <m:r>
-                            <a:rPr lang="en-US" altLang="ko-KR" b="0" i="1" smtClean="0">
-                              <a:latin typeface="Cambria Math" panose="02040503050406030204" pitchFamily="18" charset="0"/>
-                            </a:rPr>
-                            <m:t> </m:t>
-                          </m:r>
-                          <m:r>
-                            <a:rPr lang="en-US" altLang="ko-KR" i="0" smtClean="0">
-                              <a:latin typeface="Cambria Math" panose="02040503050406030204" pitchFamily="18" charset="0"/>
-                            </a:rPr>
-                            <m:t>[</m:t>
-                          </m:r>
-                          <m:m>
-                            <m:mPr>
-                              <m:mcs>
-                                <m:mc>
-                                  <m:mcPr>
-                                    <m:count m:val="3"/>
-                                    <m:mcJc m:val="center"/>
-                                  </m:mcPr>
-                                </m:mc>
-                              </m:mcs>
-                              <m:ctrlPr>
-                                <a:rPr lang="en-US" altLang="ko-KR" i="1">
-                                  <a:latin typeface="Cambria Math" panose="02040503050406030204" pitchFamily="18" charset="0"/>
-                                </a:rPr>
-                              </m:ctrlPr>
-                            </m:mPr>
-                            <m:mr>
-                              <m:e>
-                                <m:r>
-                                  <m:rPr>
-                                    <m:brk m:alnAt="7"/>
-                                  </m:rPr>
-                                  <a:rPr lang="en-US" altLang="ko-KR" b="0" i="1" smtClean="0">
-                                    <a:latin typeface="Cambria Math" panose="02040503050406030204" pitchFamily="18" charset="0"/>
-                                  </a:rPr>
-                                  <m:t>0</m:t>
-                                </m:r>
-                              </m:e>
-                              <m:e>
-                                <m:r>
-                                  <a:rPr lang="en-US" altLang="ko-KR" b="0" i="1" smtClean="0">
-                                    <a:latin typeface="Cambria Math" panose="02040503050406030204" pitchFamily="18" charset="0"/>
-                                  </a:rPr>
-                                  <m:t>0</m:t>
-                                </m:r>
-                              </m:e>
-                              <m:e>
-                                <m:r>
-                                  <a:rPr lang="en-US" altLang="ko-KR" b="0" i="1" smtClean="0">
-                                    <a:latin typeface="Cambria Math" panose="02040503050406030204" pitchFamily="18" charset="0"/>
-                                  </a:rPr>
-                                  <m:t>h</m:t>
-                                </m:r>
-                              </m:e>
-                            </m:mr>
-                          </m:m>
-                          <m:r>
-                            <a:rPr lang="en-US" altLang="ko-KR" i="0" smtClean="0">
-                              <a:latin typeface="Cambria Math" panose="02040503050406030204" pitchFamily="18" charset="0"/>
-                            </a:rPr>
-                            <m:t>]</m:t>
-                          </m:r>
-                        </m:e>
-                        <m:sup>
-                          <m:r>
-                            <a:rPr lang="en-US" altLang="ko-KR" b="0" i="1" smtClean="0">
-                              <a:latin typeface="Cambria Math" panose="02040503050406030204" pitchFamily="18" charset="0"/>
-                            </a:rPr>
-                            <m:t>𝑇</m:t>
-                          </m:r>
-                        </m:sup>
-                      </m:sSup>
-                    </m:oMath>
-                  </m:oMathPara>
-                </a14:m>
-                <a:endParaRPr lang="en-US" altLang="ko-KR" dirty="0"/>
-              </a:p>
-              <a:p>
-                <a:endParaRPr lang="en-US" altLang="ko-KR" dirty="0"/>
-              </a:p>
-              <a:p>
-                <a:pPr/>
-                <a14:m>
-                  <m:oMathPara xmlns:m="http://schemas.openxmlformats.org/officeDocument/2006/math">
-                    <m:oMathParaPr>
-                      <m:jc m:val="centerGroup"/>
-                    </m:oMathParaPr>
-                    <m:oMath xmlns:m="http://schemas.openxmlformats.org/officeDocument/2006/math">
-                      <m:acc>
-                        <m:accPr>
-                          <m:chr m:val="̅"/>
-                          <m:ctrlPr>
-                            <a:rPr lang="ko-KR" altLang="en-US" i="1">
-                              <a:latin typeface="Cambria Math" panose="02040503050406030204" pitchFamily="18" charset="0"/>
-                            </a:rPr>
-                          </m:ctrlPr>
-                        </m:accPr>
-                        <m:e>
-                          <m:sSub>
-                            <m:sSubPr>
-                              <m:ctrlPr>
-                                <a:rPr lang="en-US" altLang="ko-KR" i="1">
-                                  <a:latin typeface="Cambria Math" panose="02040503050406030204" pitchFamily="18" charset="0"/>
-                                </a:rPr>
-                              </m:ctrlPr>
-                            </m:sSubPr>
-                            <m:e>
-                              <m:sSub>
-                                <m:sSubPr>
-                                  <m:ctrlPr>
-                                    <a:rPr lang="en-US" altLang="ko-KR" i="1">
-                                      <a:latin typeface="Cambria Math" panose="02040503050406030204" pitchFamily="18" charset="0"/>
-                                    </a:rPr>
-                                  </m:ctrlPr>
-                                </m:sSubPr>
-                                <m:e>
-                                  <m:r>
-                                    <a:rPr lang="en-US" altLang="ko-KR" i="1">
-                                      <a:latin typeface="Cambria Math" panose="02040503050406030204" pitchFamily="18" charset="0"/>
-                                    </a:rPr>
-                                    <m:t>𝑏</m:t>
-                                  </m:r>
-                                </m:e>
-                                <m:sub>
-                                  <m:r>
-                                    <a:rPr lang="en-US" altLang="ko-KR" b="0" i="1" smtClean="0">
-                                      <a:latin typeface="Cambria Math" panose="02040503050406030204" pitchFamily="18" charset="0"/>
-                                    </a:rPr>
-                                    <m:t>𝑖</m:t>
-                                  </m:r>
-                                </m:sub>
-                              </m:sSub>
-                              <m:r>
-                                <a:rPr lang="en-US" altLang="ko-KR" b="0" i="1" smtClean="0">
-                                  <a:latin typeface="Cambria Math" panose="02040503050406030204" pitchFamily="18" charset="0"/>
-                                </a:rPr>
-                                <m:t>𝑝</m:t>
-                              </m:r>
-                            </m:e>
-                            <m:sub>
-                              <m:r>
-                                <a:rPr lang="en-US" altLang="ko-KR" i="1">
-                                  <a:latin typeface="Cambria Math" panose="02040503050406030204" pitchFamily="18" charset="0"/>
-                                </a:rPr>
-                                <m:t>𝑜</m:t>
-                              </m:r>
-                            </m:sub>
-                          </m:sSub>
-                        </m:e>
-                      </m:acc>
-                      <m:r>
-                        <a:rPr lang="en-US" altLang="ko-KR" i="1">
-                          <a:latin typeface="Cambria Math" panose="02040503050406030204" pitchFamily="18" charset="0"/>
-                        </a:rPr>
-                        <m:t>=</m:t>
-                      </m:r>
-                      <m:acc>
-                        <m:accPr>
-                          <m:chr m:val="̅"/>
-                          <m:ctrlPr>
-                            <a:rPr lang="ko-KR" altLang="en-US" i="1">
-                              <a:latin typeface="Cambria Math" panose="02040503050406030204" pitchFamily="18" charset="0"/>
-                            </a:rPr>
-                          </m:ctrlPr>
-                        </m:accPr>
-                        <m:e>
-                          <m:sSub>
-                            <m:sSubPr>
-                              <m:ctrlPr>
-                                <a:rPr lang="en-US" altLang="ko-KR" i="1">
-                                  <a:latin typeface="Cambria Math" panose="02040503050406030204" pitchFamily="18" charset="0"/>
-                                </a:rPr>
-                              </m:ctrlPr>
-                            </m:sSubPr>
-                            <m:e>
-                              <m:sSub>
-                                <m:sSubPr>
-                                  <m:ctrlPr>
-                                    <a:rPr lang="en-US" altLang="ko-KR" i="1">
-                                      <a:latin typeface="Cambria Math" panose="02040503050406030204" pitchFamily="18" charset="0"/>
-                                    </a:rPr>
-                                  </m:ctrlPr>
-                                </m:sSubPr>
-                                <m:e>
-                                  <m:r>
-                                    <a:rPr lang="en-US" altLang="ko-KR" i="1">
-                                      <a:latin typeface="Cambria Math" panose="02040503050406030204" pitchFamily="18" charset="0"/>
-                                    </a:rPr>
-                                    <m:t>𝑏</m:t>
-                                  </m:r>
-                                </m:e>
-                                <m:sub>
-                                  <m:r>
-                                    <a:rPr lang="en-US" altLang="ko-KR" b="0" i="1" smtClean="0">
-                                      <a:latin typeface="Cambria Math" panose="02040503050406030204" pitchFamily="18" charset="0"/>
-                                    </a:rPr>
-                                    <m:t>𝑜</m:t>
-                                  </m:r>
-                                </m:sub>
-                              </m:sSub>
-                              <m:r>
-                                <a:rPr lang="en-US" altLang="ko-KR" b="0" i="1" smtClean="0">
-                                  <a:latin typeface="Cambria Math" panose="02040503050406030204" pitchFamily="18" charset="0"/>
-                                </a:rPr>
-                                <m:t>𝑝</m:t>
-                              </m:r>
-                            </m:e>
-                            <m:sub>
-                              <m:r>
-                                <a:rPr lang="en-US" altLang="ko-KR" i="1">
-                                  <a:latin typeface="Cambria Math" panose="02040503050406030204" pitchFamily="18" charset="0"/>
-                                </a:rPr>
-                                <m:t>𝑜</m:t>
-                              </m:r>
-                            </m:sub>
-                          </m:sSub>
-                        </m:e>
-                      </m:acc>
-                      <m:r>
-                        <a:rPr lang="en-US" altLang="ko-KR" b="0" i="1" smtClean="0">
-                          <a:latin typeface="Cambria Math" panose="02040503050406030204" pitchFamily="18" charset="0"/>
-                        </a:rPr>
-                        <m:t> − </m:t>
-                      </m:r>
-                      <m:acc>
-                        <m:accPr>
-                          <m:chr m:val="̅"/>
-                          <m:ctrlPr>
-                            <a:rPr lang="ko-KR" altLang="en-US" i="1">
-                              <a:latin typeface="Cambria Math" panose="02040503050406030204" pitchFamily="18" charset="0"/>
-                            </a:rPr>
-                          </m:ctrlPr>
-                        </m:accPr>
-                        <m:e>
-                          <m:sSub>
-                            <m:sSubPr>
-                              <m:ctrlPr>
-                                <a:rPr lang="en-US" altLang="ko-KR" i="1">
-                                  <a:latin typeface="Cambria Math" panose="02040503050406030204" pitchFamily="18" charset="0"/>
-                                </a:rPr>
-                              </m:ctrlPr>
-                            </m:sSubPr>
-                            <m:e>
-                              <m:sSub>
-                                <m:sSubPr>
-                                  <m:ctrlPr>
-                                    <a:rPr lang="en-US" altLang="ko-KR" i="1">
-                                      <a:latin typeface="Cambria Math" panose="02040503050406030204" pitchFamily="18" charset="0"/>
-                                    </a:rPr>
-                                  </m:ctrlPr>
-                                </m:sSubPr>
-                                <m:e>
-                                  <m:r>
-                                    <a:rPr lang="en-US" altLang="ko-KR" i="1">
-                                      <a:latin typeface="Cambria Math" panose="02040503050406030204" pitchFamily="18" charset="0"/>
-                                    </a:rPr>
-                                    <m:t>𝑏</m:t>
-                                  </m:r>
-                                </m:e>
-                                <m:sub>
-                                  <m:r>
-                                    <a:rPr lang="en-US" altLang="ko-KR" i="1">
-                                      <a:latin typeface="Cambria Math" panose="02040503050406030204" pitchFamily="18" charset="0"/>
-                                    </a:rPr>
-                                    <m:t>𝑖</m:t>
-                                  </m:r>
-                                </m:sub>
-                              </m:sSub>
-                              <m:r>
-                                <a:rPr lang="en-US" altLang="ko-KR" b="0" i="1" smtClean="0">
-                                  <a:latin typeface="Cambria Math" panose="02040503050406030204" pitchFamily="18" charset="0"/>
-                                </a:rPr>
-                                <m:t>𝑏</m:t>
-                              </m:r>
-                            </m:e>
-                            <m:sub>
-                              <m:r>
-                                <a:rPr lang="en-US" altLang="ko-KR" i="1">
-                                  <a:latin typeface="Cambria Math" panose="02040503050406030204" pitchFamily="18" charset="0"/>
-                                </a:rPr>
-                                <m:t>𝑜</m:t>
-                              </m:r>
-                            </m:sub>
-                          </m:sSub>
-                        </m:e>
-                      </m:acc>
-                    </m:oMath>
-                  </m:oMathPara>
-                </a14:m>
-                <a:endParaRPr lang="en-US" altLang="ko-KR" dirty="0"/>
-              </a:p>
-              <a:p>
-                <a:endParaRPr lang="en-US" altLang="ko-KR" dirty="0"/>
-              </a:p>
-              <a:p>
-                <a:pPr/>
-                <a14:m>
-                  <m:oMathPara xmlns:m="http://schemas.openxmlformats.org/officeDocument/2006/math">
-                    <m:oMathParaPr>
-                      <m:jc m:val="centerGroup"/>
-                    </m:oMathParaPr>
-                    <m:oMath xmlns:m="http://schemas.openxmlformats.org/officeDocument/2006/math">
-                      <m:acc>
-                        <m:accPr>
-                          <m:chr m:val="̅"/>
-                          <m:ctrlPr>
-                            <a:rPr lang="ko-KR" altLang="en-US" i="1">
-                              <a:latin typeface="Cambria Math" panose="02040503050406030204" pitchFamily="18" charset="0"/>
-                            </a:rPr>
-                          </m:ctrlPr>
-                        </m:accPr>
-                        <m:e>
-                          <m:sSub>
-                            <m:sSubPr>
-                              <m:ctrlPr>
-                                <a:rPr lang="en-US" altLang="ko-KR" i="1">
-                                  <a:latin typeface="Cambria Math" panose="02040503050406030204" pitchFamily="18" charset="0"/>
-                                </a:rPr>
-                              </m:ctrlPr>
-                            </m:sSubPr>
-                            <m:e>
-                              <m:sSub>
-                                <m:sSubPr>
-                                  <m:ctrlPr>
-                                    <a:rPr lang="en-US" altLang="ko-KR" i="1">
-                                      <a:latin typeface="Cambria Math" panose="02040503050406030204" pitchFamily="18" charset="0"/>
-                                    </a:rPr>
-                                  </m:ctrlPr>
-                                </m:sSubPr>
-                                <m:e>
-                                  <m:r>
-                                    <a:rPr lang="en-US" altLang="ko-KR" i="1">
-                                      <a:latin typeface="Cambria Math" panose="02040503050406030204" pitchFamily="18" charset="0"/>
-                                    </a:rPr>
-                                    <m:t>𝑏</m:t>
-                                  </m:r>
-                                </m:e>
-                                <m:sub>
-                                  <m:r>
-                                    <a:rPr lang="en-US" altLang="ko-KR" b="0" i="1" smtClean="0">
-                                      <a:latin typeface="Cambria Math" panose="02040503050406030204" pitchFamily="18" charset="0"/>
-                                    </a:rPr>
-                                    <m:t>𝑖</m:t>
-                                  </m:r>
-                                </m:sub>
-                              </m:sSub>
-                              <m:r>
-                                <a:rPr lang="en-US" altLang="ko-KR" i="1">
-                                  <a:latin typeface="Cambria Math" panose="02040503050406030204" pitchFamily="18" charset="0"/>
-                                </a:rPr>
-                                <m:t>𝑝</m:t>
-                              </m:r>
-                            </m:e>
-                            <m:sub>
-                              <m:r>
-                                <a:rPr lang="en-US" altLang="ko-KR" i="1">
-                                  <a:latin typeface="Cambria Math" panose="02040503050406030204" pitchFamily="18" charset="0"/>
-                                </a:rPr>
-                                <m:t>𝑖</m:t>
-                              </m:r>
-                            </m:sub>
-                          </m:sSub>
-                        </m:e>
-                      </m:acc>
-                      <m:r>
-                        <a:rPr lang="en-US" altLang="ko-KR" i="1">
-                          <a:latin typeface="Cambria Math" panose="02040503050406030204" pitchFamily="18" charset="0"/>
-                        </a:rPr>
-                        <m:t>=</m:t>
-                      </m:r>
-                      <m:acc>
-                        <m:accPr>
-                          <m:chr m:val="̅"/>
-                          <m:ctrlPr>
-                            <a:rPr lang="ko-KR" altLang="en-US" i="1">
-                              <a:latin typeface="Cambria Math" panose="02040503050406030204" pitchFamily="18" charset="0"/>
-                            </a:rPr>
-                          </m:ctrlPr>
-                        </m:accPr>
-                        <m:e>
-                          <m:sSub>
-                            <m:sSubPr>
-                              <m:ctrlPr>
-                                <a:rPr lang="en-US" altLang="ko-KR" i="1">
-                                  <a:latin typeface="Cambria Math" panose="02040503050406030204" pitchFamily="18" charset="0"/>
-                                </a:rPr>
-                              </m:ctrlPr>
-                            </m:sSubPr>
-                            <m:e>
-                              <m:sSub>
-                                <m:sSubPr>
-                                  <m:ctrlPr>
-                                    <a:rPr lang="en-US" altLang="ko-KR" i="1">
-                                      <a:latin typeface="Cambria Math" panose="02040503050406030204" pitchFamily="18" charset="0"/>
-                                    </a:rPr>
-                                  </m:ctrlPr>
-                                </m:sSubPr>
-                                <m:e>
-                                  <m:r>
-                                    <a:rPr lang="en-US" altLang="ko-KR" i="1">
-                                      <a:latin typeface="Cambria Math" panose="02040503050406030204" pitchFamily="18" charset="0"/>
-                                    </a:rPr>
-                                    <m:t>𝑏</m:t>
-                                  </m:r>
-                                </m:e>
-                                <m:sub>
-                                  <m:r>
-                                    <a:rPr lang="en-US" altLang="ko-KR" b="0" i="1" smtClean="0">
-                                      <a:latin typeface="Cambria Math" panose="02040503050406030204" pitchFamily="18" charset="0"/>
-                                    </a:rPr>
-                                    <m:t>𝑖</m:t>
-                                  </m:r>
-                                </m:sub>
-                              </m:sSub>
-                              <m:r>
-                                <a:rPr lang="en-US" altLang="ko-KR" i="1">
-                                  <a:latin typeface="Cambria Math" panose="02040503050406030204" pitchFamily="18" charset="0"/>
-                                </a:rPr>
-                                <m:t>𝑝</m:t>
-                              </m:r>
-                            </m:e>
-                            <m:sub>
-                              <m:r>
-                                <a:rPr lang="en-US" altLang="ko-KR" b="0" i="1" smtClean="0">
-                                  <a:latin typeface="Cambria Math" panose="02040503050406030204" pitchFamily="18" charset="0"/>
-                                </a:rPr>
-                                <m:t>𝑜</m:t>
-                              </m:r>
-                            </m:sub>
-                          </m:sSub>
-                        </m:e>
-                      </m:acc>
-                      <m:r>
-                        <a:rPr lang="en-US" altLang="ko-KR" b="0" i="1" smtClean="0">
-                          <a:latin typeface="Cambria Math" panose="02040503050406030204" pitchFamily="18" charset="0"/>
-                        </a:rPr>
-                        <m:t>+</m:t>
-                      </m:r>
-                      <m:sSub>
-                        <m:sSubPr>
-                          <m:ctrlPr>
-                            <a:rPr lang="en-US" altLang="ko-KR" i="1">
-                              <a:latin typeface="Cambria Math" panose="02040503050406030204" pitchFamily="18" charset="0"/>
-                            </a:rPr>
-                          </m:ctrlPr>
-                        </m:sSubPr>
-                        <m:e>
-                          <m:r>
-                            <a:rPr lang="en-US" altLang="ko-KR" i="1">
-                              <a:latin typeface="Cambria Math" panose="02040503050406030204" pitchFamily="18" charset="0"/>
-                            </a:rPr>
-                            <m:t>𝑅</m:t>
-                          </m:r>
-                        </m:e>
-                        <m:sub>
-                          <m:r>
-                            <a:rPr lang="en-US" altLang="ko-KR" i="1">
-                              <a:latin typeface="Cambria Math" panose="02040503050406030204" pitchFamily="18" charset="0"/>
-                            </a:rPr>
-                            <m:t>𝑝𝑏</m:t>
-                          </m:r>
-                        </m:sub>
-                      </m:sSub>
-                      <m:sSub>
-                        <m:sSubPr>
-                          <m:ctrlPr>
-                            <a:rPr lang="en-US" altLang="ko-KR" i="1">
-                              <a:latin typeface="Cambria Math" panose="02040503050406030204" pitchFamily="18" charset="0"/>
-                            </a:rPr>
-                          </m:ctrlPr>
-                        </m:sSubPr>
-                        <m:e>
-                          <m:r>
-                            <a:rPr lang="en-US" altLang="ko-KR" i="1">
-                              <a:latin typeface="Cambria Math" panose="02040503050406030204" pitchFamily="18" charset="0"/>
-                            </a:rPr>
-                            <m:t>𝑝</m:t>
-                          </m:r>
-                        </m:e>
-                        <m:sub>
-                          <m:r>
-                            <a:rPr lang="en-US" altLang="ko-KR" i="1">
-                              <a:latin typeface="Cambria Math" panose="02040503050406030204" pitchFamily="18" charset="0"/>
-                            </a:rPr>
-                            <m:t>𝑖</m:t>
-                          </m:r>
-                        </m:sub>
-                      </m:sSub>
-                    </m:oMath>
-                  </m:oMathPara>
-                </a14:m>
-                <a:endParaRPr lang="ko-KR" altLang="en-US" dirty="0"/>
-              </a:p>
-              <a:p>
-                <a:endParaRPr lang="ko-KR" altLang="en-US" dirty="0"/>
-              </a:p>
-            </p:txBody>
-          </p:sp>
-        </mc:Choice>
-        <mc:Fallback xmlns="">
-          <p:sp>
-            <p:nvSpPr>
-              <p:cNvPr id="27" name="직사각형 26">
-                <a:extLst>
-                  <a:ext uri="{FF2B5EF4-FFF2-40B4-BE49-F238E27FC236}">
-                    <a16:creationId xmlns:a16="http://schemas.microsoft.com/office/drawing/2014/main" id="{0CEB42D9-A762-4DB9-BE1D-9F757AAC8793}"/>
-                  </a:ext>
-                </a:extLst>
-              </p:cNvPr>
-              <p:cNvSpPr>
-                <a:spLocks noRot="1" noChangeAspect="1" noMove="1" noResize="1" noEditPoints="1" noAdjustHandles="1" noChangeArrowheads="1" noChangeShapeType="1" noTextEdit="1"/>
-              </p:cNvSpPr>
-              <p:nvPr/>
-            </p:nvSpPr>
-            <p:spPr>
-              <a:xfrm>
-                <a:off x="5567289" y="3734244"/>
-                <a:ext cx="2782887" cy="1800686"/>
-              </a:xfrm>
-              <a:prstGeom prst="rect">
-                <a:avLst/>
-              </a:prstGeom>
-              <a:blipFill>
-                <a:blip r:embed="rId8"/>
-                <a:stretch>
-                  <a:fillRect/>
-                </a:stretch>
-              </a:blipFill>
-            </p:spPr>
-            <p:txBody>
-              <a:bodyPr/>
-              <a:lstStyle/>
-              <a:p>
-                <a:r>
-                  <a:rPr lang="ko-KR" altLang="en-US">
-                    <a:noFill/>
-                  </a:rPr>
-                  <a:t> </a:t>
-                </a:r>
-              </a:p>
-            </p:txBody>
-          </p:sp>
-        </mc:Fallback>
-      </mc:AlternateContent>
-    </p:spTree>
-    <p:extLst>
-      <p:ext uri="{BB962C8B-B14F-4D97-AF65-F5344CB8AC3E}">
-        <p14:creationId xmlns:p14="http://schemas.microsoft.com/office/powerpoint/2010/main" val="1408984109"/>
       </p:ext>
     </p:extLst>
   </p:cSld>
